--- a/Présentation la chouette agence.pptx
+++ b/Présentation la chouette agence.pptx
@@ -5,7 +5,7 @@
     <p:sldMasterId id="2147483786" r:id="rId1"/>
   </p:sldMasterIdLst>
   <p:notesMasterIdLst>
-    <p:notesMasterId r:id="rId11"/>
+    <p:notesMasterId r:id="rId10"/>
   </p:notesMasterIdLst>
   <p:sldIdLst>
     <p:sldId id="256" r:id="rId2"/>
@@ -16,7 +16,6 @@
     <p:sldId id="261" r:id="rId7"/>
     <p:sldId id="262" r:id="rId8"/>
     <p:sldId id="263" r:id="rId9"/>
-    <p:sldId id="264" r:id="rId10"/>
   </p:sldIdLst>
   <p:sldSz cx="12192000" cy="6858000"/>
   <p:notesSz cx="6858000" cy="9144000"/>
@@ -115,6 +114,11 @@
       </a:defRPr>
     </a:lvl9pPr>
   </p:defaultTextStyle>
+  <p:extLst>
+    <p:ext uri="{EFAFB233-063F-42B5-8137-9DF3F51BA10A}">
+      <p15:sldGuideLst xmlns:p15="http://schemas.microsoft.com/office/powerpoint/2012/main"/>
+    </p:ext>
+  </p:extLst>
 </p:presentation>
 </file>
 
@@ -212,7 +216,7 @@
           <a:p>
             <a:fld id="{53F7EC79-C02D-4511-8596-5B719AB0BA58}" type="datetimeFigureOut">
               <a:rPr lang="fr-FR" smtClean="0"/>
-              <a:t>21/09/2020</a:t>
+              <a:t>24/09/2020</a:t>
             </a:fld>
             <a:endParaRPr lang="fr-FR"/>
           </a:p>
@@ -664,7 +668,7 @@
           <a:p>
             <a:fld id="{752D6672-6A6D-437A-AC60-802486552C25}" type="datetime1">
               <a:rPr lang="fr-FR" smtClean="0"/>
-              <a:t>21/09/2020</a:t>
+              <a:t>24/09/2020</a:t>
             </a:fld>
             <a:endParaRPr lang="fr-FR"/>
           </a:p>
@@ -725,13 +729,13 @@
   <p:clrMapOvr>
     <a:masterClrMapping/>
   </p:clrMapOvr>
-  <mc:AlternateContent xmlns:mc="http://schemas.openxmlformats.org/markup-compatibility/2006">
-    <mc:Choice xmlns:p14="http://schemas.microsoft.com/office/powerpoint/2010/main" Requires="p14">
+  <mc:AlternateContent xmlns:mc="http://schemas.openxmlformats.org/markup-compatibility/2006" xmlns:p14="http://schemas.microsoft.com/office/powerpoint/2010/main">
+    <mc:Choice Requires="p14">
       <p:transition spd="slow" p14:dur="3400">
         <p14:reveal/>
       </p:transition>
     </mc:Choice>
-    <mc:Fallback>
+    <mc:Fallback xmlns="">
       <p:transition spd="slow">
         <p:fade/>
       </p:transition>
@@ -977,7 +981,7 @@
           <a:p>
             <a:fld id="{B4BE2C74-BC49-4A8A-9808-C67AA7953E97}" type="datetime1">
               <a:rPr lang="fr-FR" smtClean="0"/>
-              <a:t>21/09/2020</a:t>
+              <a:t>24/09/2020</a:t>
             </a:fld>
             <a:endParaRPr lang="fr-FR"/>
           </a:p>
@@ -1038,13 +1042,13 @@
   <p:clrMapOvr>
     <a:masterClrMapping/>
   </p:clrMapOvr>
-  <mc:AlternateContent xmlns:mc="http://schemas.openxmlformats.org/markup-compatibility/2006">
-    <mc:Choice xmlns:p14="http://schemas.microsoft.com/office/powerpoint/2010/main" Requires="p14">
+  <mc:AlternateContent xmlns:mc="http://schemas.openxmlformats.org/markup-compatibility/2006" xmlns:p14="http://schemas.microsoft.com/office/powerpoint/2010/main">
+    <mc:Choice Requires="p14">
       <p:transition spd="slow" p14:dur="3400">
         <p14:reveal/>
       </p:transition>
     </mc:Choice>
-    <mc:Fallback>
+    <mc:Fallback xmlns="">
       <p:transition spd="slow">
         <p:fade/>
       </p:transition>
@@ -1184,7 +1188,7 @@
           <a:p>
             <a:fld id="{3E12FFB0-5E1A-4586-B26E-2FFA7A97DAC0}" type="datetime1">
               <a:rPr lang="fr-FR" smtClean="0"/>
-              <a:t>21/09/2020</a:t>
+              <a:t>24/09/2020</a:t>
             </a:fld>
             <a:endParaRPr lang="fr-FR"/>
           </a:p>
@@ -1245,13 +1249,13 @@
   <p:clrMapOvr>
     <a:masterClrMapping/>
   </p:clrMapOvr>
-  <mc:AlternateContent xmlns:mc="http://schemas.openxmlformats.org/markup-compatibility/2006">
-    <mc:Choice xmlns:p14="http://schemas.microsoft.com/office/powerpoint/2010/main" Requires="p14">
+  <mc:AlternateContent xmlns:mc="http://schemas.openxmlformats.org/markup-compatibility/2006" xmlns:p14="http://schemas.microsoft.com/office/powerpoint/2010/main">
+    <mc:Choice Requires="p14">
       <p:transition spd="slow" p14:dur="3400">
         <p14:reveal/>
       </p:transition>
     </mc:Choice>
-    <mc:Fallback>
+    <mc:Fallback xmlns="">
       <p:transition spd="slow">
         <p:fade/>
       </p:transition>
@@ -1460,7 +1464,7 @@
           <a:p>
             <a:fld id="{B9255CF7-FF79-487F-8277-FA58DEC4D734}" type="datetime1">
               <a:rPr lang="fr-FR" smtClean="0"/>
-              <a:t>21/09/2020</a:t>
+              <a:t>24/09/2020</a:t>
             </a:fld>
             <a:endParaRPr lang="fr-FR"/>
           </a:p>
@@ -1753,13 +1757,13 @@
   <p:clrMapOvr>
     <a:masterClrMapping/>
   </p:clrMapOvr>
-  <mc:AlternateContent xmlns:mc="http://schemas.openxmlformats.org/markup-compatibility/2006">
-    <mc:Choice xmlns:p14="http://schemas.microsoft.com/office/powerpoint/2010/main" Requires="p14">
+  <mc:AlternateContent xmlns:mc="http://schemas.openxmlformats.org/markup-compatibility/2006" xmlns:p14="http://schemas.microsoft.com/office/powerpoint/2010/main">
+    <mc:Choice Requires="p14">
       <p:transition spd="slow" p14:dur="3400">
         <p14:reveal/>
       </p:transition>
     </mc:Choice>
-    <mc:Fallback>
+    <mc:Fallback xmlns="">
       <p:transition spd="slow">
         <p:fade/>
       </p:transition>
@@ -1899,7 +1903,7 @@
           <a:p>
             <a:fld id="{9D7F27CC-8A18-4350-BF78-F8AB38F1C3E1}" type="datetime1">
               <a:rPr lang="fr-FR" smtClean="0"/>
-              <a:t>21/09/2020</a:t>
+              <a:t>24/09/2020</a:t>
             </a:fld>
             <a:endParaRPr lang="fr-FR"/>
           </a:p>
@@ -1960,13 +1964,13 @@
   <p:clrMapOvr>
     <a:masterClrMapping/>
   </p:clrMapOvr>
-  <mc:AlternateContent xmlns:mc="http://schemas.openxmlformats.org/markup-compatibility/2006">
-    <mc:Choice xmlns:p14="http://schemas.microsoft.com/office/powerpoint/2010/main" Requires="p14">
+  <mc:AlternateContent xmlns:mc="http://schemas.openxmlformats.org/markup-compatibility/2006" xmlns:p14="http://schemas.microsoft.com/office/powerpoint/2010/main">
+    <mc:Choice Requires="p14">
       <p:transition spd="slow" p14:dur="3400">
         <p14:reveal/>
       </p:transition>
     </mc:Choice>
-    <mc:Fallback>
+    <mc:Fallback xmlns="">
       <p:transition spd="slow">
         <p:fade/>
       </p:transition>
@@ -2451,7 +2455,7 @@
           <a:p>
             <a:fld id="{C59BBC5A-F83C-4E18-8703-F163F4E43502}" type="datetime1">
               <a:rPr lang="fr-FR" smtClean="0"/>
-              <a:t>21/09/2020</a:t>
+              <a:t>24/09/2020</a:t>
             </a:fld>
             <a:endParaRPr lang="fr-FR"/>
           </a:p>
@@ -2512,13 +2516,13 @@
   <p:clrMapOvr>
     <a:masterClrMapping/>
   </p:clrMapOvr>
-  <mc:AlternateContent xmlns:mc="http://schemas.openxmlformats.org/markup-compatibility/2006">
-    <mc:Choice xmlns:p14="http://schemas.microsoft.com/office/powerpoint/2010/main" Requires="p14">
+  <mc:AlternateContent xmlns:mc="http://schemas.openxmlformats.org/markup-compatibility/2006" xmlns:p14="http://schemas.microsoft.com/office/powerpoint/2010/main">
+    <mc:Choice Requires="p14">
       <p:transition spd="slow" p14:dur="3400">
         <p14:reveal/>
       </p:transition>
     </mc:Choice>
-    <mc:Fallback>
+    <mc:Fallback xmlns="">
       <p:transition spd="slow">
         <p:fade/>
       </p:transition>
@@ -3330,7 +3334,7 @@
           <a:p>
             <a:fld id="{BCC39332-A07C-4135-BC92-05A9232D039E}" type="datetime1">
               <a:rPr lang="fr-FR" smtClean="0"/>
-              <a:t>21/09/2020</a:t>
+              <a:t>24/09/2020</a:t>
             </a:fld>
             <a:endParaRPr lang="fr-FR"/>
           </a:p>
@@ -3391,13 +3395,13 @@
   <p:clrMapOvr>
     <a:masterClrMapping/>
   </p:clrMapOvr>
-  <mc:AlternateContent xmlns:mc="http://schemas.openxmlformats.org/markup-compatibility/2006">
-    <mc:Choice xmlns:p14="http://schemas.microsoft.com/office/powerpoint/2010/main" Requires="p14">
+  <mc:AlternateContent xmlns:mc="http://schemas.openxmlformats.org/markup-compatibility/2006" xmlns:p14="http://schemas.microsoft.com/office/powerpoint/2010/main">
+    <mc:Choice Requires="p14">
       <p:transition spd="slow" p14:dur="3400">
         <p14:reveal/>
       </p:transition>
     </mc:Choice>
-    <mc:Fallback>
+    <mc:Fallback xmlns="">
       <p:transition spd="slow">
         <p:fade/>
       </p:transition>
@@ -3515,7 +3519,7 @@
           <a:p>
             <a:fld id="{1A7679AB-AA44-4EE5-B903-061136CB7E26}" type="datetime1">
               <a:rPr lang="fr-FR" smtClean="0"/>
-              <a:t>21/09/2020</a:t>
+              <a:t>24/09/2020</a:t>
             </a:fld>
             <a:endParaRPr lang="fr-FR"/>
           </a:p>
@@ -3576,13 +3580,13 @@
   <p:clrMapOvr>
     <a:masterClrMapping/>
   </p:clrMapOvr>
-  <mc:AlternateContent xmlns:mc="http://schemas.openxmlformats.org/markup-compatibility/2006">
-    <mc:Choice xmlns:p14="http://schemas.microsoft.com/office/powerpoint/2010/main" Requires="p14">
+  <mc:AlternateContent xmlns:mc="http://schemas.openxmlformats.org/markup-compatibility/2006" xmlns:p14="http://schemas.microsoft.com/office/powerpoint/2010/main">
+    <mc:Choice Requires="p14">
       <p:transition spd="slow" p14:dur="3400">
         <p14:reveal/>
       </p:transition>
     </mc:Choice>
-    <mc:Fallback>
+    <mc:Fallback xmlns="">
       <p:transition spd="slow">
         <p:fade/>
       </p:transition>
@@ -3714,7 +3718,7 @@
           <a:p>
             <a:fld id="{050DCFB2-18E7-43BE-B407-AD05404F9F24}" type="datetime1">
               <a:rPr lang="fr-FR" smtClean="0"/>
-              <a:t>21/09/2020</a:t>
+              <a:t>24/09/2020</a:t>
             </a:fld>
             <a:endParaRPr lang="fr-FR"/>
           </a:p>
@@ -3775,13 +3779,13 @@
   <p:clrMapOvr>
     <a:masterClrMapping/>
   </p:clrMapOvr>
-  <mc:AlternateContent xmlns:mc="http://schemas.openxmlformats.org/markup-compatibility/2006">
-    <mc:Choice xmlns:p14="http://schemas.microsoft.com/office/powerpoint/2010/main" Requires="p14">
+  <mc:AlternateContent xmlns:mc="http://schemas.openxmlformats.org/markup-compatibility/2006" xmlns:p14="http://schemas.microsoft.com/office/powerpoint/2010/main">
+    <mc:Choice Requires="p14">
       <p:transition spd="slow" p14:dur="3400">
         <p14:reveal/>
       </p:transition>
     </mc:Choice>
-    <mc:Fallback>
+    <mc:Fallback xmlns="">
       <p:transition spd="slow">
         <p:fade/>
       </p:transition>
@@ -3899,7 +3903,7 @@
           <a:p>
             <a:fld id="{A63F9453-DB20-40CA-81FB-0030385A7D84}" type="datetime1">
               <a:rPr lang="fr-FR" smtClean="0"/>
-              <a:t>21/09/2020</a:t>
+              <a:t>24/09/2020</a:t>
             </a:fld>
             <a:endParaRPr lang="fr-FR"/>
           </a:p>
@@ -3960,13 +3964,13 @@
   <p:clrMapOvr>
     <a:masterClrMapping/>
   </p:clrMapOvr>
-  <mc:AlternateContent xmlns:mc="http://schemas.openxmlformats.org/markup-compatibility/2006">
-    <mc:Choice xmlns:p14="http://schemas.microsoft.com/office/powerpoint/2010/main" Requires="p14">
+  <mc:AlternateContent xmlns:mc="http://schemas.openxmlformats.org/markup-compatibility/2006" xmlns:p14="http://schemas.microsoft.com/office/powerpoint/2010/main">
+    <mc:Choice Requires="p14">
       <p:transition spd="slow" p14:dur="3400">
         <p14:reveal/>
       </p:transition>
     </mc:Choice>
-    <mc:Fallback>
+    <mc:Fallback xmlns="">
       <p:transition spd="slow">
         <p:fade/>
       </p:transition>
@@ -4158,7 +4162,7 @@
           <a:p>
             <a:fld id="{AA4F6A5A-8235-4FC6-904E-28F3B4E386C9}" type="datetime1">
               <a:rPr lang="fr-FR" smtClean="0"/>
-              <a:t>21/09/2020</a:t>
+              <a:t>24/09/2020</a:t>
             </a:fld>
             <a:endParaRPr lang="fr-FR"/>
           </a:p>
@@ -4219,13 +4223,13 @@
   <p:clrMapOvr>
     <a:masterClrMapping/>
   </p:clrMapOvr>
-  <mc:AlternateContent xmlns:mc="http://schemas.openxmlformats.org/markup-compatibility/2006">
-    <mc:Choice xmlns:p14="http://schemas.microsoft.com/office/powerpoint/2010/main" Requires="p14">
+  <mc:AlternateContent xmlns:mc="http://schemas.openxmlformats.org/markup-compatibility/2006" xmlns:p14="http://schemas.microsoft.com/office/powerpoint/2010/main">
+    <mc:Choice Requires="p14">
       <p:transition spd="slow" p14:dur="3400">
         <p14:reveal/>
       </p:transition>
     </mc:Choice>
-    <mc:Fallback>
+    <mc:Fallback xmlns="">
       <p:transition spd="slow">
         <p:fade/>
       </p:transition>
@@ -4409,7 +4413,7 @@
           <a:p>
             <a:fld id="{00FCEDEC-81F2-43CB-8577-9C77405B9A15}" type="datetime1">
               <a:rPr lang="fr-FR" smtClean="0"/>
-              <a:t>21/09/2020</a:t>
+              <a:t>24/09/2020</a:t>
             </a:fld>
             <a:endParaRPr lang="fr-FR"/>
           </a:p>
@@ -4470,13 +4474,13 @@
   <p:clrMapOvr>
     <a:masterClrMapping/>
   </p:clrMapOvr>
-  <mc:AlternateContent xmlns:mc="http://schemas.openxmlformats.org/markup-compatibility/2006">
-    <mc:Choice xmlns:p14="http://schemas.microsoft.com/office/powerpoint/2010/main" Requires="p14">
+  <mc:AlternateContent xmlns:mc="http://schemas.openxmlformats.org/markup-compatibility/2006" xmlns:p14="http://schemas.microsoft.com/office/powerpoint/2010/main">
+    <mc:Choice Requires="p14">
       <p:transition spd="slow" p14:dur="3400">
         <p14:reveal/>
       </p:transition>
     </mc:Choice>
-    <mc:Fallback>
+    <mc:Fallback xmlns="">
       <p:transition spd="slow">
         <p:fade/>
       </p:transition>
@@ -4895,7 +4899,7 @@
           <a:p>
             <a:fld id="{94A9ED4B-2B6D-44C7-92C7-B543E57F4207}" type="datetime1">
               <a:rPr lang="fr-FR" smtClean="0"/>
-              <a:t>21/09/2020</a:t>
+              <a:t>24/09/2020</a:t>
             </a:fld>
             <a:endParaRPr lang="fr-FR"/>
           </a:p>
@@ -4956,13 +4960,13 @@
   <p:clrMapOvr>
     <a:masterClrMapping/>
   </p:clrMapOvr>
-  <mc:AlternateContent xmlns:mc="http://schemas.openxmlformats.org/markup-compatibility/2006">
-    <mc:Choice xmlns:p14="http://schemas.microsoft.com/office/powerpoint/2010/main" Requires="p14">
+  <mc:AlternateContent xmlns:mc="http://schemas.openxmlformats.org/markup-compatibility/2006" xmlns:p14="http://schemas.microsoft.com/office/powerpoint/2010/main">
+    <mc:Choice Requires="p14">
       <p:transition spd="slow" p14:dur="3400">
         <p14:reveal/>
       </p:transition>
     </mc:Choice>
-    <mc:Fallback>
+    <mc:Fallback xmlns="">
       <p:transition spd="slow">
         <p:fade/>
       </p:transition>
@@ -5033,7 +5037,7 @@
           <a:p>
             <a:fld id="{8BFCD342-23D3-496E-9B94-EF6A7D9C2157}" type="datetime1">
               <a:rPr lang="fr-FR" smtClean="0"/>
-              <a:t>21/09/2020</a:t>
+              <a:t>24/09/2020</a:t>
             </a:fld>
             <a:endParaRPr lang="fr-FR"/>
           </a:p>
@@ -5094,13 +5098,13 @@
   <p:clrMapOvr>
     <a:masterClrMapping/>
   </p:clrMapOvr>
-  <mc:AlternateContent xmlns:mc="http://schemas.openxmlformats.org/markup-compatibility/2006">
-    <mc:Choice xmlns:p14="http://schemas.microsoft.com/office/powerpoint/2010/main" Requires="p14">
+  <mc:AlternateContent xmlns:mc="http://schemas.openxmlformats.org/markup-compatibility/2006" xmlns:p14="http://schemas.microsoft.com/office/powerpoint/2010/main">
+    <mc:Choice Requires="p14">
       <p:transition spd="slow" p14:dur="3400">
         <p14:reveal/>
       </p:transition>
     </mc:Choice>
-    <mc:Fallback>
+    <mc:Fallback xmlns="">
       <p:transition spd="slow">
         <p:fade/>
       </p:transition>
@@ -5143,7 +5147,7 @@
           <a:p>
             <a:fld id="{87EEEC59-9042-44A6-A74A-E04B211E3903}" type="datetime1">
               <a:rPr lang="fr-FR" smtClean="0"/>
-              <a:t>21/09/2020</a:t>
+              <a:t>24/09/2020</a:t>
             </a:fld>
             <a:endParaRPr lang="fr-FR"/>
           </a:p>
@@ -5204,13 +5208,13 @@
   <p:clrMapOvr>
     <a:masterClrMapping/>
   </p:clrMapOvr>
-  <mc:AlternateContent xmlns:mc="http://schemas.openxmlformats.org/markup-compatibility/2006">
-    <mc:Choice xmlns:p14="http://schemas.microsoft.com/office/powerpoint/2010/main" Requires="p14">
+  <mc:AlternateContent xmlns:mc="http://schemas.openxmlformats.org/markup-compatibility/2006" xmlns:p14="http://schemas.microsoft.com/office/powerpoint/2010/main">
+    <mc:Choice Requires="p14">
       <p:transition spd="slow" p14:dur="3400">
         <p14:reveal/>
       </p:transition>
     </mc:Choice>
-    <mc:Fallback>
+    <mc:Fallback xmlns="">
       <p:transition spd="slow">
         <p:fade/>
       </p:transition>
@@ -5413,7 +5417,7 @@
           <a:p>
             <a:fld id="{AF1A8E58-BEFD-463D-ACE6-840BB73A8368}" type="datetime1">
               <a:rPr lang="fr-FR" smtClean="0"/>
-              <a:t>21/09/2020</a:t>
+              <a:t>24/09/2020</a:t>
             </a:fld>
             <a:endParaRPr lang="fr-FR"/>
           </a:p>
@@ -5474,13 +5478,13 @@
   <p:clrMapOvr>
     <a:masterClrMapping/>
   </p:clrMapOvr>
-  <mc:AlternateContent xmlns:mc="http://schemas.openxmlformats.org/markup-compatibility/2006">
-    <mc:Choice xmlns:p14="http://schemas.microsoft.com/office/powerpoint/2010/main" Requires="p14">
+  <mc:AlternateContent xmlns:mc="http://schemas.openxmlformats.org/markup-compatibility/2006" xmlns:p14="http://schemas.microsoft.com/office/powerpoint/2010/main">
+    <mc:Choice Requires="p14">
       <p:transition spd="slow" p14:dur="3400">
         <p14:reveal/>
       </p:transition>
     </mc:Choice>
-    <mc:Fallback>
+    <mc:Fallback xmlns="">
       <p:transition spd="slow">
         <p:fade/>
       </p:transition>
@@ -5733,7 +5737,7 @@
           <a:p>
             <a:fld id="{244BBA18-1E7E-4526-9282-5835383EB457}" type="datetime1">
               <a:rPr lang="fr-FR" smtClean="0"/>
-              <a:t>21/09/2020</a:t>
+              <a:t>24/09/2020</a:t>
             </a:fld>
             <a:endParaRPr lang="fr-FR"/>
           </a:p>
@@ -5794,13 +5798,13 @@
   <p:clrMapOvr>
     <a:masterClrMapping/>
   </p:clrMapOvr>
-  <mc:AlternateContent xmlns:mc="http://schemas.openxmlformats.org/markup-compatibility/2006">
-    <mc:Choice xmlns:p14="http://schemas.microsoft.com/office/powerpoint/2010/main" Requires="p14">
+  <mc:AlternateContent xmlns:mc="http://schemas.openxmlformats.org/markup-compatibility/2006" xmlns:p14="http://schemas.microsoft.com/office/powerpoint/2010/main">
+    <mc:Choice Requires="p14">
       <p:transition spd="slow" p14:dur="3400">
         <p14:reveal/>
       </p:transition>
     </mc:Choice>
-    <mc:Fallback>
+    <mc:Fallback xmlns="">
       <p:transition spd="slow">
         <p:fade/>
       </p:transition>
@@ -5982,7 +5986,7 @@
           <a:p>
             <a:fld id="{09F89E11-6602-4AEE-8E70-C3E4C6D70B21}" type="datetime1">
               <a:rPr lang="fr-FR" smtClean="0"/>
-              <a:t>21/09/2020</a:t>
+              <a:t>24/09/2020</a:t>
             </a:fld>
             <a:endParaRPr lang="fr-FR"/>
           </a:p>
@@ -6110,13 +6114,13 @@
     <p:sldLayoutId id="2147483802" r:id="rId16"/>
     <p:sldLayoutId id="2147483803" r:id="rId17"/>
   </p:sldLayoutIdLst>
-  <mc:AlternateContent xmlns:mc="http://schemas.openxmlformats.org/markup-compatibility/2006">
-    <mc:Choice xmlns:p14="http://schemas.microsoft.com/office/powerpoint/2010/main" Requires="p14">
+  <mc:AlternateContent xmlns:mc="http://schemas.openxmlformats.org/markup-compatibility/2006" xmlns:p14="http://schemas.microsoft.com/office/powerpoint/2010/main">
+    <mc:Choice Requires="p14">
       <p:transition spd="slow" p14:dur="3400">
         <p14:reveal/>
       </p:transition>
     </mc:Choice>
-    <mc:Fallback>
+    <mc:Fallback xmlns="">
       <p:transition spd="slow">
         <p:fade/>
       </p:transition>
@@ -6852,13 +6856,13 @@
   <p:clrMapOvr>
     <a:masterClrMapping/>
   </p:clrMapOvr>
-  <mc:AlternateContent xmlns:mc="http://schemas.openxmlformats.org/markup-compatibility/2006">
-    <mc:Choice xmlns:p14="http://schemas.microsoft.com/office/powerpoint/2010/main" Requires="p14">
+  <mc:AlternateContent xmlns:mc="http://schemas.openxmlformats.org/markup-compatibility/2006" xmlns:p14="http://schemas.microsoft.com/office/powerpoint/2010/main">
+    <mc:Choice Requires="p14">
       <p:transition spd="slow" p14:dur="3400">
         <p14:reveal/>
       </p:transition>
     </mc:Choice>
-    <mc:Fallback>
+    <mc:Fallback xmlns="">
       <p:transition spd="slow">
         <p:fade/>
       </p:transition>
@@ -7083,13 +7087,13 @@
   <p:clrMapOvr>
     <a:masterClrMapping/>
   </p:clrMapOvr>
-  <mc:AlternateContent xmlns:mc="http://schemas.openxmlformats.org/markup-compatibility/2006">
-    <mc:Choice xmlns:p14="http://schemas.microsoft.com/office/powerpoint/2010/main" Requires="p14">
+  <mc:AlternateContent xmlns:mc="http://schemas.openxmlformats.org/markup-compatibility/2006" xmlns:p14="http://schemas.microsoft.com/office/powerpoint/2010/main">
+    <mc:Choice Requires="p14">
       <p:transition spd="slow" p14:dur="3400">
         <p14:reveal/>
       </p:transition>
     </mc:Choice>
-    <mc:Fallback>
+    <mc:Fallback xmlns="">
       <p:transition spd="slow">
         <p:fade/>
       </p:transition>
@@ -7459,13 +7463,13 @@
   <p:clrMapOvr>
     <a:masterClrMapping/>
   </p:clrMapOvr>
-  <mc:AlternateContent xmlns:mc="http://schemas.openxmlformats.org/markup-compatibility/2006">
-    <mc:Choice xmlns:p14="http://schemas.microsoft.com/office/powerpoint/2010/main" Requires="p14">
+  <mc:AlternateContent xmlns:mc="http://schemas.openxmlformats.org/markup-compatibility/2006" xmlns:p14="http://schemas.microsoft.com/office/powerpoint/2010/main">
+    <mc:Choice Requires="p14">
       <p:transition spd="slow" p14:dur="3400">
         <p14:reveal/>
       </p:transition>
     </mc:Choice>
-    <mc:Fallback>
+    <mc:Fallback xmlns="">
       <p:transition spd="slow">
         <p:fade/>
       </p:transition>
@@ -7660,7 +7664,7 @@
               </a:buClr>
             </a:pPr>
             <a:r>
-              <a:rPr lang="fr-FR"/>
+              <a:rPr lang="fr-FR" dirty="0"/>
               <a:t>Le titre du site n’est pas renseigné.</a:t>
             </a:r>
           </a:p>
@@ -7671,7 +7675,7 @@
               </a:buClr>
             </a:pPr>
             <a:r>
-              <a:rPr lang="fr-FR"/>
+              <a:rPr lang="fr-FR" dirty="0"/>
               <a:t>Une ligne de code contient des mots cachés pour tromper google</a:t>
             </a:r>
           </a:p>
@@ -7682,7 +7686,7 @@
               </a:buClr>
             </a:pPr>
             <a:r>
-              <a:rPr lang="fr-FR"/>
+              <a:rPr lang="fr-FR" dirty="0"/>
               <a:t>La balise méta description n’est pas renseigné</a:t>
             </a:r>
           </a:p>
@@ -7693,8 +7697,8 @@
               </a:buClr>
             </a:pPr>
             <a:r>
-              <a:rPr lang="fr-FR"/>
-              <a:t>Les liens des réseaux sociaux retourne sur l’index</a:t>
+              <a:rPr lang="fr-FR" dirty="0"/>
+              <a:t>Les liens des réseaux sociaux retournent sur l’index</a:t>
             </a:r>
           </a:p>
           <a:p>
@@ -7704,7 +7708,7 @@
               </a:buClr>
             </a:pPr>
             <a:r>
-              <a:rPr lang="fr-FR"/>
+              <a:rPr lang="fr-FR" dirty="0"/>
               <a:t>Répétitions de mots clés non cohérents</a:t>
             </a:r>
           </a:p>
@@ -7715,7 +7719,7 @@
               </a:buClr>
               <a:buNone/>
             </a:pPr>
-            <a:endParaRPr lang="fr-FR"/>
+            <a:endParaRPr lang="fr-FR" dirty="0"/>
           </a:p>
         </p:txBody>
       </p:sp>
@@ -7815,13 +7819,13 @@
   <p:clrMapOvr>
     <a:masterClrMapping/>
   </p:clrMapOvr>
-  <mc:AlternateContent xmlns:mc="http://schemas.openxmlformats.org/markup-compatibility/2006">
-    <mc:Choice xmlns:p14="http://schemas.microsoft.com/office/powerpoint/2010/main" Requires="p14">
+  <mc:AlternateContent xmlns:mc="http://schemas.openxmlformats.org/markup-compatibility/2006" xmlns:p14="http://schemas.microsoft.com/office/powerpoint/2010/main">
+    <mc:Choice Requires="p14">
       <p:transition spd="slow" p14:dur="3400">
         <p14:reveal/>
       </p:transition>
     </mc:Choice>
-    <mc:Fallback>
+    <mc:Fallback xmlns="">
       <p:transition spd="slow">
         <p:fade/>
       </p:transition>
@@ -7895,18 +7899,9 @@
           <a:lstStyle/>
           <a:p>
             <a:r>
-              <a:rPr lang="fr-FR"/>
-              <a:t>Cinq erreurs d’</a:t>
-            </a:r>
-            <a:r>
-              <a:rPr lang="fr-FR" err="1"/>
-              <a:t>accébilitées</a:t>
-            </a:r>
-            <a:r>
-              <a:rPr lang="fr-FR"/>
-              <a:t> repérées.</a:t>
-            </a:r>
-            <a:endParaRPr lang="fr-FR" dirty="0"/>
+              <a:rPr lang="fr-FR" dirty="0"/>
+              <a:t>Cinq erreurs d’accessibilités repérées.</a:t>
+            </a:r>
           </a:p>
         </p:txBody>
       </p:sp>
@@ -8024,7 +8019,7 @@
               </a:buClr>
             </a:pPr>
             <a:r>
-              <a:rPr lang="fr-FR"/>
+              <a:rPr lang="fr-FR" dirty="0"/>
               <a:t>La description des images n’est pas correct.</a:t>
             </a:r>
           </a:p>
@@ -8035,7 +8030,7 @@
               </a:buClr>
             </a:pPr>
             <a:r>
-              <a:rPr lang="fr-FR"/>
+              <a:rPr lang="fr-FR" dirty="0"/>
               <a:t>La langue du site n’est pas renseignée.</a:t>
             </a:r>
           </a:p>
@@ -8046,7 +8041,7 @@
               </a:buClr>
             </a:pPr>
             <a:r>
-              <a:rPr lang="fr-FR"/>
+              <a:rPr lang="fr-FR" dirty="0"/>
               <a:t>Il y a un paragraphe qui compte moins de 11px de haut.</a:t>
             </a:r>
           </a:p>
@@ -8057,7 +8052,7 @@
               </a:buClr>
             </a:pPr>
             <a:r>
-              <a:rPr lang="fr-FR"/>
+              <a:rPr lang="fr-FR" dirty="0"/>
               <a:t>Les icones des réseaux sociaux sont trop petites.</a:t>
             </a:r>
           </a:p>
@@ -8068,8 +8063,8 @@
               </a:buClr>
             </a:pPr>
             <a:r>
-              <a:rPr lang="fr-FR"/>
-              <a:t>La taille pour le bouton contact n’est pas respectée.</a:t>
+              <a:rPr lang="fr-FR" dirty="0"/>
+              <a:t>Le contraste pour le bouton contact n’est pas conforme.</a:t>
             </a:r>
           </a:p>
         </p:txBody>
@@ -8170,13 +8165,13 @@
   <p:clrMapOvr>
     <a:masterClrMapping/>
   </p:clrMapOvr>
-  <mc:AlternateContent xmlns:mc="http://schemas.openxmlformats.org/markup-compatibility/2006">
-    <mc:Choice xmlns:p14="http://schemas.microsoft.com/office/powerpoint/2010/main" Requires="p14">
+  <mc:AlternateContent xmlns:mc="http://schemas.openxmlformats.org/markup-compatibility/2006" xmlns:p14="http://schemas.microsoft.com/office/powerpoint/2010/main">
+    <mc:Choice Requires="p14">
       <p:transition spd="slow" p14:dur="3400">
         <p14:reveal/>
       </p:transition>
     </mc:Choice>
-    <mc:Fallback>
+    <mc:Fallback xmlns="">
       <p:transition spd="slow">
         <p:fade/>
       </p:transition>
@@ -8378,7 +8373,6 @@
               <a:rPr lang="fr-FR" dirty="0"/>
               <a:t>Le format des images est trop lourd pour le chargement.</a:t>
             </a:r>
-            <a:endParaRPr lang="fr-FR"/>
           </a:p>
           <a:p>
             <a:pPr>
@@ -8388,9 +8382,16 @@
             </a:pPr>
             <a:r>
               <a:rPr lang="fr-FR" dirty="0"/>
-              <a:t>Les images ne sont pas bien dimensionné pour le site.</a:t>
-            </a:r>
-            <a:endParaRPr lang="fr-FR"/>
+              <a:t>Les images ne sont pas </a:t>
+            </a:r>
+            <a:r>
+              <a:rPr lang="fr-FR"/>
+              <a:t>bien dimensionnées pour </a:t>
+            </a:r>
+            <a:r>
+              <a:rPr lang="fr-FR" dirty="0"/>
+              <a:t>le site.</a:t>
+            </a:r>
           </a:p>
           <a:p>
             <a:pPr>
@@ -8402,7 +8403,6 @@
               <a:rPr lang="fr-FR" dirty="0"/>
               <a:t>Le code Java Script ne se lance pas au bon moment.</a:t>
             </a:r>
-            <a:endParaRPr lang="fr-FR"/>
           </a:p>
           <a:p>
             <a:pPr>
@@ -8412,17 +8412,8 @@
             </a:pPr>
             <a:r>
               <a:rPr lang="fr-FR" dirty="0"/>
-              <a:t>Le code Java </a:t>
-            </a:r>
-            <a:r>
-              <a:rPr lang="fr-FR" dirty="0" err="1"/>
-              <a:t>scrip</a:t>
-            </a:r>
-            <a:r>
-              <a:rPr lang="fr-FR" dirty="0"/>
-              <a:t> n’est pas Minifié</a:t>
-            </a:r>
-            <a:endParaRPr lang="fr-FR"/>
+              <a:t>Le code Java script n’est pas Minifié</a:t>
+            </a:r>
           </a:p>
           <a:p>
             <a:pPr>
@@ -8430,7 +8421,7 @@
                 <a:srgbClr val="FFBB51"/>
               </a:buClr>
             </a:pPr>
-            <a:endParaRPr lang="fr-FR"/>
+            <a:endParaRPr lang="fr-FR" dirty="0"/>
           </a:p>
         </p:txBody>
       </p:sp>
@@ -8530,13 +8521,13 @@
   <p:clrMapOvr>
     <a:masterClrMapping/>
   </p:clrMapOvr>
-  <mc:AlternateContent xmlns:mc="http://schemas.openxmlformats.org/markup-compatibility/2006">
-    <mc:Choice xmlns:p14="http://schemas.microsoft.com/office/powerpoint/2010/main" Requires="p14">
+  <mc:AlternateContent xmlns:mc="http://schemas.openxmlformats.org/markup-compatibility/2006" xmlns:p14="http://schemas.microsoft.com/office/powerpoint/2010/main">
+    <mc:Choice Requires="p14">
       <p:transition spd="slow" p14:dur="3400">
         <p14:reveal/>
       </p:transition>
     </mc:Choice>
-    <mc:Fallback>
+    <mc:Fallback xmlns="">
       <p:transition spd="slow">
         <p:fade/>
       </p:transition>
@@ -8909,13 +8900,13 @@
   <p:clrMapOvr>
     <a:masterClrMapping/>
   </p:clrMapOvr>
-  <mc:AlternateContent xmlns:mc="http://schemas.openxmlformats.org/markup-compatibility/2006">
-    <mc:Choice xmlns:p14="http://schemas.microsoft.com/office/powerpoint/2010/main" Requires="p14">
+  <mc:AlternateContent xmlns:mc="http://schemas.openxmlformats.org/markup-compatibility/2006" xmlns:p14="http://schemas.microsoft.com/office/powerpoint/2010/main">
+    <mc:Choice Requires="p14">
       <p:transition spd="slow" p14:dur="3400">
         <p14:reveal/>
       </p:transition>
     </mc:Choice>
-    <mc:Fallback>
+    <mc:Fallback xmlns="">
       <p:transition spd="slow">
         <p:fade/>
       </p:transition>
@@ -13682,162 +13673,13 @@
   <p:clrMapOvr>
     <a:overrideClrMapping bg1="lt1" tx1="dk1" bg2="lt2" tx2="dk2" accent1="accent1" accent2="accent2" accent3="accent3" accent4="accent4" accent5="accent5" accent6="accent6" hlink="hlink" folHlink="folHlink"/>
   </p:clrMapOvr>
-  <mc:AlternateContent xmlns:mc="http://schemas.openxmlformats.org/markup-compatibility/2006">
-    <mc:Choice xmlns:p14="http://schemas.microsoft.com/office/powerpoint/2010/main" Requires="p14">
+  <mc:AlternateContent xmlns:mc="http://schemas.openxmlformats.org/markup-compatibility/2006" xmlns:p14="http://schemas.microsoft.com/office/powerpoint/2010/main">
+    <mc:Choice Requires="p14">
       <p:transition spd="slow" p14:dur="3400">
         <p14:reveal/>
       </p:transition>
     </mc:Choice>
-    <mc:Fallback>
-      <p:transition spd="slow">
-        <p:fade/>
-      </p:transition>
-    </mc:Fallback>
-  </mc:AlternateContent>
-</p:sld>
-</file>
-
-<file path=ppt/slides/slide9.xml><?xml version="1.0" encoding="utf-8"?>
-<p:sld xmlns:a="http://schemas.openxmlformats.org/drawingml/2006/main" xmlns:r="http://schemas.openxmlformats.org/officeDocument/2006/relationships" xmlns:p="http://schemas.openxmlformats.org/presentationml/2006/main">
-  <p:cSld>
-    <p:spTree>
-      <p:nvGrpSpPr>
-        <p:cNvPr id="1" name=""/>
-        <p:cNvGrpSpPr/>
-        <p:nvPr/>
-      </p:nvGrpSpPr>
-      <p:grpSpPr>
-        <a:xfrm>
-          <a:off x="0" y="0"/>
-          <a:ext cx="0" cy="0"/>
-          <a:chOff x="0" y="0"/>
-          <a:chExt cx="0" cy="0"/>
-        </a:xfrm>
-      </p:grpSpPr>
-      <p:sp>
-        <p:nvSpPr>
-          <p:cNvPr id="2" name="Titre 1">
-            <a:extLst>
-              <a:ext uri="{FF2B5EF4-FFF2-40B4-BE49-F238E27FC236}">
-                <a16:creationId xmlns:a16="http://schemas.microsoft.com/office/drawing/2014/main" id="{20131E61-C7F7-42D5-A7EC-753F1697F8B9}"/>
-              </a:ext>
-            </a:extLst>
-          </p:cNvPr>
-          <p:cNvSpPr>
-            <a:spLocks noGrp="1"/>
-          </p:cNvSpPr>
-          <p:nvPr>
-            <p:ph type="title"/>
-          </p:nvPr>
-        </p:nvSpPr>
-        <p:spPr/>
-        <p:txBody>
-          <a:bodyPr/>
-          <a:lstStyle/>
-          <a:p>
-            <a:endParaRPr lang="fr-FR"/>
-          </a:p>
-        </p:txBody>
-      </p:sp>
-      <p:sp>
-        <p:nvSpPr>
-          <p:cNvPr id="3" name="Espace réservé du contenu 2">
-            <a:extLst>
-              <a:ext uri="{FF2B5EF4-FFF2-40B4-BE49-F238E27FC236}">
-                <a16:creationId xmlns:a16="http://schemas.microsoft.com/office/drawing/2014/main" id="{56E4F895-2DCE-4F96-A67F-F2C6213EF30E}"/>
-              </a:ext>
-            </a:extLst>
-          </p:cNvPr>
-          <p:cNvSpPr>
-            <a:spLocks noGrp="1"/>
-          </p:cNvSpPr>
-          <p:nvPr>
-            <p:ph idx="1"/>
-          </p:nvPr>
-        </p:nvSpPr>
-        <p:spPr/>
-        <p:txBody>
-          <a:bodyPr/>
-          <a:lstStyle/>
-          <a:p>
-            <a:endParaRPr lang="fr-FR" dirty="0"/>
-          </a:p>
-        </p:txBody>
-      </p:sp>
-      <p:sp>
-        <p:nvSpPr>
-          <p:cNvPr id="4" name="Espace réservé du pied de page 3">
-            <a:extLst>
-              <a:ext uri="{FF2B5EF4-FFF2-40B4-BE49-F238E27FC236}">
-                <a16:creationId xmlns:a16="http://schemas.microsoft.com/office/drawing/2014/main" id="{1BC95FC7-09F0-4D98-B170-246FD754BCE1}"/>
-              </a:ext>
-            </a:extLst>
-          </p:cNvPr>
-          <p:cNvSpPr>
-            <a:spLocks noGrp="1"/>
-          </p:cNvSpPr>
-          <p:nvPr>
-            <p:ph type="ftr" sz="quarter" idx="11"/>
-          </p:nvPr>
-        </p:nvSpPr>
-        <p:spPr/>
-        <p:txBody>
-          <a:bodyPr/>
-          <a:lstStyle/>
-          <a:p>
-            <a:r>
-              <a:rPr lang="fr-FR"/>
-              <a:t>Optimisez un site web existant - Projet 4 - Feys Olivier</a:t>
-            </a:r>
-          </a:p>
-        </p:txBody>
-      </p:sp>
-      <p:sp>
-        <p:nvSpPr>
-          <p:cNvPr id="5" name="Espace réservé du numéro de diapositive 4">
-            <a:extLst>
-              <a:ext uri="{FF2B5EF4-FFF2-40B4-BE49-F238E27FC236}">
-                <a16:creationId xmlns:a16="http://schemas.microsoft.com/office/drawing/2014/main" id="{B17D98C2-73F2-4E34-9013-A4E77949AC48}"/>
-              </a:ext>
-            </a:extLst>
-          </p:cNvPr>
-          <p:cNvSpPr>
-            <a:spLocks noGrp="1"/>
-          </p:cNvSpPr>
-          <p:nvPr>
-            <p:ph type="sldNum" sz="quarter" idx="12"/>
-          </p:nvPr>
-        </p:nvSpPr>
-        <p:spPr/>
-        <p:txBody>
-          <a:bodyPr/>
-          <a:lstStyle/>
-          <a:p>
-            <a:fld id="{C4346826-A150-40DA-A0FA-3017134F7F37}" type="slidenum">
-              <a:rPr lang="fr-FR" smtClean="0"/>
-              <a:t>9</a:t>
-            </a:fld>
-            <a:endParaRPr lang="fr-FR"/>
-          </a:p>
-        </p:txBody>
-      </p:sp>
-    </p:spTree>
-    <p:extLst>
-      <p:ext uri="{BB962C8B-B14F-4D97-AF65-F5344CB8AC3E}">
-        <p14:creationId xmlns:p14="http://schemas.microsoft.com/office/powerpoint/2010/main" val="2836980408"/>
-      </p:ext>
-    </p:extLst>
-  </p:cSld>
-  <p:clrMapOvr>
-    <a:masterClrMapping/>
-  </p:clrMapOvr>
-  <mc:AlternateContent xmlns:mc="http://schemas.openxmlformats.org/markup-compatibility/2006">
-    <mc:Choice xmlns:p14="http://schemas.microsoft.com/office/powerpoint/2010/main" Requires="p14">
-      <p:transition spd="slow" p14:dur="3400">
-        <p14:reveal/>
-      </p:transition>
-    </mc:Choice>
-    <mc:Fallback>
+    <mc:Fallback xmlns="">
       <p:transition spd="slow">
         <p:fade/>
       </p:transition>

--- a/Présentation la chouette agence.pptx
+++ b/Présentation la chouette agence.pptx
@@ -5,17 +5,18 @@
     <p:sldMasterId id="2147483786" r:id="rId1"/>
   </p:sldMasterIdLst>
   <p:notesMasterIdLst>
-    <p:notesMasterId r:id="rId10"/>
+    <p:notesMasterId r:id="rId11"/>
   </p:notesMasterIdLst>
   <p:sldIdLst>
     <p:sldId id="256" r:id="rId2"/>
     <p:sldId id="257" r:id="rId3"/>
-    <p:sldId id="258" r:id="rId4"/>
-    <p:sldId id="259" r:id="rId5"/>
-    <p:sldId id="260" r:id="rId6"/>
-    <p:sldId id="261" r:id="rId7"/>
-    <p:sldId id="262" r:id="rId8"/>
-    <p:sldId id="263" r:id="rId9"/>
+    <p:sldId id="267" r:id="rId4"/>
+    <p:sldId id="264" r:id="rId5"/>
+    <p:sldId id="265" r:id="rId6"/>
+    <p:sldId id="266" r:id="rId7"/>
+    <p:sldId id="258" r:id="rId8"/>
+    <p:sldId id="262" r:id="rId9"/>
+    <p:sldId id="263" r:id="rId10"/>
   </p:sldIdLst>
   <p:sldSz cx="12192000" cy="6858000"/>
   <p:notesSz cx="6858000" cy="9144000"/>
@@ -216,7 +217,7 @@
           <a:p>
             <a:fld id="{53F7EC79-C02D-4511-8596-5B719AB0BA58}" type="datetimeFigureOut">
               <a:rPr lang="fr-FR" smtClean="0"/>
-              <a:t>24/09/2020</a:t>
+              <a:t>25/09/2020</a:t>
             </a:fld>
             <a:endParaRPr lang="fr-FR"/>
           </a:p>
@@ -668,7 +669,7 @@
           <a:p>
             <a:fld id="{752D6672-6A6D-437A-AC60-802486552C25}" type="datetime1">
               <a:rPr lang="fr-FR" smtClean="0"/>
-              <a:t>24/09/2020</a:t>
+              <a:t>25/09/2020</a:t>
             </a:fld>
             <a:endParaRPr lang="fr-FR"/>
           </a:p>
@@ -981,7 +982,7 @@
           <a:p>
             <a:fld id="{B4BE2C74-BC49-4A8A-9808-C67AA7953E97}" type="datetime1">
               <a:rPr lang="fr-FR" smtClean="0"/>
-              <a:t>24/09/2020</a:t>
+              <a:t>25/09/2020</a:t>
             </a:fld>
             <a:endParaRPr lang="fr-FR"/>
           </a:p>
@@ -1188,7 +1189,7 @@
           <a:p>
             <a:fld id="{3E12FFB0-5E1A-4586-B26E-2FFA7A97DAC0}" type="datetime1">
               <a:rPr lang="fr-FR" smtClean="0"/>
-              <a:t>24/09/2020</a:t>
+              <a:t>25/09/2020</a:t>
             </a:fld>
             <a:endParaRPr lang="fr-FR"/>
           </a:p>
@@ -1464,7 +1465,7 @@
           <a:p>
             <a:fld id="{B9255CF7-FF79-487F-8277-FA58DEC4D734}" type="datetime1">
               <a:rPr lang="fr-FR" smtClean="0"/>
-              <a:t>24/09/2020</a:t>
+              <a:t>25/09/2020</a:t>
             </a:fld>
             <a:endParaRPr lang="fr-FR"/>
           </a:p>
@@ -1903,7 +1904,7 @@
           <a:p>
             <a:fld id="{9D7F27CC-8A18-4350-BF78-F8AB38F1C3E1}" type="datetime1">
               <a:rPr lang="fr-FR" smtClean="0"/>
-              <a:t>24/09/2020</a:t>
+              <a:t>25/09/2020</a:t>
             </a:fld>
             <a:endParaRPr lang="fr-FR"/>
           </a:p>
@@ -2455,7 +2456,7 @@
           <a:p>
             <a:fld id="{C59BBC5A-F83C-4E18-8703-F163F4E43502}" type="datetime1">
               <a:rPr lang="fr-FR" smtClean="0"/>
-              <a:t>24/09/2020</a:t>
+              <a:t>25/09/2020</a:t>
             </a:fld>
             <a:endParaRPr lang="fr-FR"/>
           </a:p>
@@ -3334,7 +3335,7 @@
           <a:p>
             <a:fld id="{BCC39332-A07C-4135-BC92-05A9232D039E}" type="datetime1">
               <a:rPr lang="fr-FR" smtClean="0"/>
-              <a:t>24/09/2020</a:t>
+              <a:t>25/09/2020</a:t>
             </a:fld>
             <a:endParaRPr lang="fr-FR"/>
           </a:p>
@@ -3519,7 +3520,7 @@
           <a:p>
             <a:fld id="{1A7679AB-AA44-4EE5-B903-061136CB7E26}" type="datetime1">
               <a:rPr lang="fr-FR" smtClean="0"/>
-              <a:t>24/09/2020</a:t>
+              <a:t>25/09/2020</a:t>
             </a:fld>
             <a:endParaRPr lang="fr-FR"/>
           </a:p>
@@ -3718,7 +3719,7 @@
           <a:p>
             <a:fld id="{050DCFB2-18E7-43BE-B407-AD05404F9F24}" type="datetime1">
               <a:rPr lang="fr-FR" smtClean="0"/>
-              <a:t>24/09/2020</a:t>
+              <a:t>25/09/2020</a:t>
             </a:fld>
             <a:endParaRPr lang="fr-FR"/>
           </a:p>
@@ -3903,7 +3904,7 @@
           <a:p>
             <a:fld id="{A63F9453-DB20-40CA-81FB-0030385A7D84}" type="datetime1">
               <a:rPr lang="fr-FR" smtClean="0"/>
-              <a:t>24/09/2020</a:t>
+              <a:t>25/09/2020</a:t>
             </a:fld>
             <a:endParaRPr lang="fr-FR"/>
           </a:p>
@@ -4162,7 +4163,7 @@
           <a:p>
             <a:fld id="{AA4F6A5A-8235-4FC6-904E-28F3B4E386C9}" type="datetime1">
               <a:rPr lang="fr-FR" smtClean="0"/>
-              <a:t>24/09/2020</a:t>
+              <a:t>25/09/2020</a:t>
             </a:fld>
             <a:endParaRPr lang="fr-FR"/>
           </a:p>
@@ -4413,7 +4414,7 @@
           <a:p>
             <a:fld id="{00FCEDEC-81F2-43CB-8577-9C77405B9A15}" type="datetime1">
               <a:rPr lang="fr-FR" smtClean="0"/>
-              <a:t>24/09/2020</a:t>
+              <a:t>25/09/2020</a:t>
             </a:fld>
             <a:endParaRPr lang="fr-FR"/>
           </a:p>
@@ -4899,7 +4900,7 @@
           <a:p>
             <a:fld id="{94A9ED4B-2B6D-44C7-92C7-B543E57F4207}" type="datetime1">
               <a:rPr lang="fr-FR" smtClean="0"/>
-              <a:t>24/09/2020</a:t>
+              <a:t>25/09/2020</a:t>
             </a:fld>
             <a:endParaRPr lang="fr-FR"/>
           </a:p>
@@ -5037,7 +5038,7 @@
           <a:p>
             <a:fld id="{8BFCD342-23D3-496E-9B94-EF6A7D9C2157}" type="datetime1">
               <a:rPr lang="fr-FR" smtClean="0"/>
-              <a:t>24/09/2020</a:t>
+              <a:t>25/09/2020</a:t>
             </a:fld>
             <a:endParaRPr lang="fr-FR"/>
           </a:p>
@@ -5147,7 +5148,7 @@
           <a:p>
             <a:fld id="{87EEEC59-9042-44A6-A74A-E04B211E3903}" type="datetime1">
               <a:rPr lang="fr-FR" smtClean="0"/>
-              <a:t>24/09/2020</a:t>
+              <a:t>25/09/2020</a:t>
             </a:fld>
             <a:endParaRPr lang="fr-FR"/>
           </a:p>
@@ -5417,7 +5418,7 @@
           <a:p>
             <a:fld id="{AF1A8E58-BEFD-463D-ACE6-840BB73A8368}" type="datetime1">
               <a:rPr lang="fr-FR" smtClean="0"/>
-              <a:t>24/09/2020</a:t>
+              <a:t>25/09/2020</a:t>
             </a:fld>
             <a:endParaRPr lang="fr-FR"/>
           </a:p>
@@ -5737,7 +5738,7 @@
           <a:p>
             <a:fld id="{244BBA18-1E7E-4526-9282-5835383EB457}" type="datetime1">
               <a:rPr lang="fr-FR" smtClean="0"/>
-              <a:t>24/09/2020</a:t>
+              <a:t>25/09/2020</a:t>
             </a:fld>
             <a:endParaRPr lang="fr-FR"/>
           </a:p>
@@ -5986,7 +5987,7 @@
           <a:p>
             <a:fld id="{09F89E11-6602-4AEE-8E70-C3E4C6D70B21}" type="datetime1">
               <a:rPr lang="fr-FR" smtClean="0"/>
-              <a:t>24/09/2020</a:t>
+              <a:t>25/09/2020</a:t>
             </a:fld>
             <a:endParaRPr lang="fr-FR"/>
           </a:p>
@@ -6904,7 +6905,12 @@
             <p:ph type="title"/>
           </p:nvPr>
         </p:nvSpPr>
-        <p:spPr/>
+        <p:spPr>
+          <a:xfrm>
+            <a:off x="489589" y="200263"/>
+            <a:ext cx="10353762" cy="970450"/>
+          </a:xfrm>
+        </p:spPr>
         <p:txBody>
           <a:bodyPr/>
           <a:lstStyle/>
@@ -6934,43 +6940,64 @@
         </p:nvSpPr>
         <p:spPr>
           <a:xfrm>
-            <a:off x="913795" y="2105025"/>
+            <a:off x="1389277" y="1585912"/>
             <a:ext cx="10353762" cy="3686175"/>
           </a:xfrm>
         </p:spPr>
         <p:txBody>
-          <a:bodyPr/>
+          <a:bodyPr>
+            <a:normAutofit fontScale="92500" lnSpcReduction="20000"/>
+          </a:bodyPr>
           <a:lstStyle/>
           <a:p>
+            <a:pPr lvl="1"/>
+            <a:endParaRPr lang="fr-FR" sz="2600" dirty="0"/>
+          </a:p>
+          <a:p>
+            <a:pPr lvl="1"/>
             <a:r>
-              <a:rPr lang="fr-FR" sz="2800"/>
+              <a:rPr lang="fr-FR" sz="2800" dirty="0"/>
               <a:t>Sommaire</a:t>
             </a:r>
           </a:p>
           <a:p>
-            <a:endParaRPr lang="fr-FR"/>
+            <a:pPr lvl="1" algn="ctr"/>
+            <a:endParaRPr lang="fr-FR" sz="2800" dirty="0"/>
           </a:p>
           <a:p>
             <a:pPr lvl="1"/>
             <a:r>
-              <a:rPr lang="fr-FR" sz="2400"/>
-              <a:t>1)  Compte-rendu des tests au commencement du projet.</a:t>
+              <a:rPr lang="fr-FR" sz="2600" dirty="0"/>
+              <a:t>1) Liste des erreurs repérées.</a:t>
             </a:r>
           </a:p>
           <a:p>
             <a:pPr lvl="1"/>
             <a:r>
-              <a:rPr lang="fr-FR" sz="2400"/>
-              <a:t>2)  Liste des erreurs repérées.</a:t>
+              <a:rPr lang="fr-FR" sz="2400" dirty="0"/>
+              <a:t>2) Le choix des mots clés.</a:t>
             </a:r>
           </a:p>
           <a:p>
             <a:pPr lvl="1"/>
             <a:r>
-              <a:rPr lang="fr-FR" sz="2400"/>
-              <a:t>3)  Compte-rendu des tests après correction.</a:t>
+              <a:rPr lang="fr-FR" sz="2400" dirty="0"/>
+              <a:t>3) Compte-rendu des tests avant correction.</a:t>
             </a:r>
-            <a:endParaRPr lang="fr-FR" sz="2400" dirty="0"/>
+          </a:p>
+          <a:p>
+            <a:pPr lvl="1"/>
+            <a:r>
+              <a:rPr lang="fr-FR" sz="2400" dirty="0"/>
+              <a:t>4) Compte-rendu des tests après correction.</a:t>
+            </a:r>
+          </a:p>
+          <a:p>
+            <a:pPr lvl="1"/>
+            <a:r>
+              <a:rPr lang="fr-FR" sz="2400" dirty="0"/>
+              <a:t>5) Résumé.</a:t>
+            </a:r>
           </a:p>
         </p:txBody>
       </p:sp>
@@ -7124,6 +7151,7202 @@
           <p:cNvPr id="2" name="Titre 1">
             <a:extLst>
               <a:ext uri="{FF2B5EF4-FFF2-40B4-BE49-F238E27FC236}">
+                <a16:creationId xmlns:a16="http://schemas.microsoft.com/office/drawing/2014/main" id="{33FBD549-B9E8-43B7-8F53-74DD704DF9B6}"/>
+              </a:ext>
+            </a:extLst>
+          </p:cNvPr>
+          <p:cNvSpPr>
+            <a:spLocks noGrp="1"/>
+          </p:cNvSpPr>
+          <p:nvPr>
+            <p:ph type="title"/>
+          </p:nvPr>
+        </p:nvSpPr>
+        <p:spPr/>
+        <p:txBody>
+          <a:bodyPr/>
+          <a:lstStyle/>
+          <a:p>
+            <a:r>
+              <a:rPr lang="fr-FR" dirty="0"/>
+              <a:t>Problème analysé</a:t>
+            </a:r>
+          </a:p>
+        </p:txBody>
+      </p:sp>
+      <p:sp>
+        <p:nvSpPr>
+          <p:cNvPr id="4" name="Espace réservé du pied de page 3">
+            <a:extLst>
+              <a:ext uri="{FF2B5EF4-FFF2-40B4-BE49-F238E27FC236}">
+                <a16:creationId xmlns:a16="http://schemas.microsoft.com/office/drawing/2014/main" id="{F124FCE1-4E84-4F6E-8685-18A4D4C058A7}"/>
+              </a:ext>
+            </a:extLst>
+          </p:cNvPr>
+          <p:cNvSpPr>
+            <a:spLocks noGrp="1"/>
+          </p:cNvSpPr>
+          <p:nvPr>
+            <p:ph type="ftr" sz="quarter" idx="11"/>
+          </p:nvPr>
+        </p:nvSpPr>
+        <p:spPr>
+          <a:xfrm>
+            <a:off x="0" y="6492875"/>
+            <a:ext cx="6672865" cy="365125"/>
+          </a:xfrm>
+        </p:spPr>
+        <p:txBody>
+          <a:bodyPr/>
+          <a:lstStyle/>
+          <a:p>
+            <a:r>
+              <a:rPr lang="fr-FR" dirty="0"/>
+              <a:t>Optimisez un site web existant - Projet 4 - Feys Olivier</a:t>
+            </a:r>
+          </a:p>
+        </p:txBody>
+      </p:sp>
+      <p:sp>
+        <p:nvSpPr>
+          <p:cNvPr id="5" name="Espace réservé du numéro de diapositive 4">
+            <a:extLst>
+              <a:ext uri="{FF2B5EF4-FFF2-40B4-BE49-F238E27FC236}">
+                <a16:creationId xmlns:a16="http://schemas.microsoft.com/office/drawing/2014/main" id="{DDA42E74-FA58-4512-8EA2-2A171000C335}"/>
+              </a:ext>
+            </a:extLst>
+          </p:cNvPr>
+          <p:cNvSpPr>
+            <a:spLocks noGrp="1"/>
+          </p:cNvSpPr>
+          <p:nvPr>
+            <p:ph type="sldNum" sz="quarter" idx="12"/>
+          </p:nvPr>
+        </p:nvSpPr>
+        <p:spPr>
+          <a:xfrm>
+            <a:off x="11438455" y="6492874"/>
+            <a:ext cx="753545" cy="365125"/>
+          </a:xfrm>
+        </p:spPr>
+        <p:txBody>
+          <a:bodyPr/>
+          <a:lstStyle/>
+          <a:p>
+            <a:fld id="{C4346826-A150-40DA-A0FA-3017134F7F37}" type="slidenum">
+              <a:rPr lang="fr-FR" smtClean="0"/>
+              <a:t>3</a:t>
+            </a:fld>
+            <a:endParaRPr lang="fr-FR" dirty="0"/>
+          </a:p>
+        </p:txBody>
+      </p:sp>
+      <p:graphicFrame>
+        <p:nvGraphicFramePr>
+          <p:cNvPr id="12" name="Espace réservé du contenu 11">
+            <a:extLst>
+              <a:ext uri="{FF2B5EF4-FFF2-40B4-BE49-F238E27FC236}">
+                <a16:creationId xmlns:a16="http://schemas.microsoft.com/office/drawing/2014/main" id="{A025555A-5672-4CAA-A177-94A914533DE9}"/>
+              </a:ext>
+            </a:extLst>
+          </p:cNvPr>
+          <p:cNvGraphicFramePr>
+            <a:graphicFrameLocks noGrp="1"/>
+          </p:cNvGraphicFramePr>
+          <p:nvPr>
+            <p:ph idx="1"/>
+            <p:extLst>
+              <p:ext uri="{D42A27DB-BD31-4B8C-83A1-F6EECF244321}">
+                <p14:modId xmlns:p14="http://schemas.microsoft.com/office/powerpoint/2010/main" val="245990227"/>
+              </p:ext>
+            </p:extLst>
+          </p:nvPr>
+        </p:nvGraphicFramePr>
+        <p:xfrm>
+          <a:off x="795194" y="1513508"/>
+          <a:ext cx="10858861" cy="4546357"/>
+        </p:xfrm>
+        <a:graphic>
+          <a:graphicData uri="http://schemas.openxmlformats.org/drawingml/2006/table">
+            <a:tbl>
+              <a:tblPr/>
+              <a:tblGrid>
+                <a:gridCol w="1271448">
+                  <a:extLst>
+                    <a:ext uri="{9D8B030D-6E8A-4147-A177-3AD203B41FA5}">
+                      <a16:colId xmlns:a16="http://schemas.microsoft.com/office/drawing/2014/main" val="4164069013"/>
+                    </a:ext>
+                  </a:extLst>
+                </a:gridCol>
+                <a:gridCol w="2439808">
+                  <a:extLst>
+                    <a:ext uri="{9D8B030D-6E8A-4147-A177-3AD203B41FA5}">
+                      <a16:colId xmlns:a16="http://schemas.microsoft.com/office/drawing/2014/main" val="58454497"/>
+                    </a:ext>
+                  </a:extLst>
+                </a:gridCol>
+                <a:gridCol w="7147605">
+                  <a:extLst>
+                    <a:ext uri="{9D8B030D-6E8A-4147-A177-3AD203B41FA5}">
+                      <a16:colId xmlns:a16="http://schemas.microsoft.com/office/drawing/2014/main" val="493422933"/>
+                    </a:ext>
+                  </a:extLst>
+                </a:gridCol>
+              </a:tblGrid>
+              <a:tr h="406498">
+                <a:tc>
+                  <a:txBody>
+                    <a:bodyPr/>
+                    <a:lstStyle/>
+                    <a:p>
+                      <a:pPr algn="ctr" fontAlgn="ctr"/>
+                      <a:r>
+                        <a:rPr lang="fr-FR" sz="1400" b="1" i="0" u="none" strike="noStrike">
+                          <a:solidFill>
+                            <a:srgbClr val="FFFFFF"/>
+                          </a:solidFill>
+                          <a:effectLst/>
+                          <a:latin typeface="Arial" panose="020B0604020202020204" pitchFamily="34" charset="0"/>
+                        </a:rPr>
+                        <a:t> </a:t>
+                      </a:r>
+                    </a:p>
+                  </a:txBody>
+                  <a:tcPr marL="4776" marR="4776" marT="4776" marB="0" anchor="ctr">
+                    <a:lnL>
+                      <a:noFill/>
+                    </a:lnL>
+                    <a:lnR>
+                      <a:noFill/>
+                    </a:lnR>
+                    <a:lnT>
+                      <a:noFill/>
+                    </a:lnT>
+                    <a:lnB>
+                      <a:noFill/>
+                    </a:lnB>
+                    <a:solidFill>
+                      <a:srgbClr val="262626"/>
+                    </a:solidFill>
+                  </a:tcPr>
+                </a:tc>
+                <a:tc>
+                  <a:txBody>
+                    <a:bodyPr/>
+                    <a:lstStyle/>
+                    <a:p>
+                      <a:pPr algn="ctr" fontAlgn="ctr"/>
+                      <a:r>
+                        <a:rPr lang="fr-FR" sz="1400" b="1" i="0" u="none" strike="noStrike">
+                          <a:solidFill>
+                            <a:srgbClr val="FFFFFF"/>
+                          </a:solidFill>
+                          <a:effectLst/>
+                          <a:latin typeface="Arial" panose="020B0604020202020204" pitchFamily="34" charset="0"/>
+                        </a:rPr>
+                        <a:t>Categorie</a:t>
+                      </a:r>
+                    </a:p>
+                  </a:txBody>
+                  <a:tcPr marL="4776" marR="4776" marT="4776" marB="0" anchor="ctr">
+                    <a:lnL>
+                      <a:noFill/>
+                    </a:lnL>
+                    <a:lnR>
+                      <a:noFill/>
+                    </a:lnR>
+                    <a:lnT>
+                      <a:noFill/>
+                    </a:lnT>
+                    <a:lnB w="6350" cap="flat" cmpd="sng" algn="ctr">
+                      <a:solidFill>
+                        <a:srgbClr val="000000"/>
+                      </a:solidFill>
+                      <a:prstDash val="solid"/>
+                      <a:round/>
+                      <a:headEnd type="none" w="med" len="med"/>
+                      <a:tailEnd type="none" w="med" len="med"/>
+                    </a:lnB>
+                    <a:solidFill>
+                      <a:srgbClr val="262626"/>
+                    </a:solidFill>
+                  </a:tcPr>
+                </a:tc>
+                <a:tc>
+                  <a:txBody>
+                    <a:bodyPr/>
+                    <a:lstStyle/>
+                    <a:p>
+                      <a:pPr algn="ctr" fontAlgn="ctr"/>
+                      <a:r>
+                        <a:rPr lang="fr-FR" sz="1400" b="1" i="0" u="none" strike="noStrike">
+                          <a:solidFill>
+                            <a:srgbClr val="FFFFFF"/>
+                          </a:solidFill>
+                          <a:effectLst/>
+                          <a:latin typeface="Arial" panose="020B0604020202020204" pitchFamily="34" charset="0"/>
+                        </a:rPr>
+                        <a:t>Problème analysé</a:t>
+                      </a:r>
+                    </a:p>
+                  </a:txBody>
+                  <a:tcPr marL="4776" marR="4776" marT="4776" marB="0" anchor="ctr">
+                    <a:lnL>
+                      <a:noFill/>
+                    </a:lnL>
+                    <a:lnR>
+                      <a:noFill/>
+                    </a:lnR>
+                    <a:lnT>
+                      <a:noFill/>
+                    </a:lnT>
+                    <a:lnB w="6350" cap="flat" cmpd="sng" algn="ctr">
+                      <a:solidFill>
+                        <a:srgbClr val="000000"/>
+                      </a:solidFill>
+                      <a:prstDash val="solid"/>
+                      <a:round/>
+                      <a:headEnd type="none" w="med" len="med"/>
+                      <a:tailEnd type="none" w="med" len="med"/>
+                    </a:lnB>
+                    <a:solidFill>
+                      <a:srgbClr val="262626"/>
+                    </a:solidFill>
+                  </a:tcPr>
+                </a:tc>
+                <a:extLst>
+                  <a:ext uri="{0D108BD9-81ED-4DB2-BD59-A6C34878D82A}">
+                    <a16:rowId xmlns:a16="http://schemas.microsoft.com/office/drawing/2014/main" val="2430438197"/>
+                  </a:ext>
+                </a:extLst>
+              </a:tr>
+              <a:tr h="256735">
+                <a:tc>
+                  <a:txBody>
+                    <a:bodyPr/>
+                    <a:lstStyle/>
+                    <a:p>
+                      <a:pPr algn="ctr" fontAlgn="ctr"/>
+                      <a:r>
+                        <a:rPr lang="fr-FR" sz="1400" b="1" i="0" u="none" strike="noStrike">
+                          <a:solidFill>
+                            <a:srgbClr val="FFFFFF"/>
+                          </a:solidFill>
+                          <a:effectLst/>
+                          <a:latin typeface="Arial" panose="020B0604020202020204" pitchFamily="34" charset="0"/>
+                        </a:rPr>
+                        <a:t>1</a:t>
+                      </a:r>
+                    </a:p>
+                  </a:txBody>
+                  <a:tcPr marL="4776" marR="4776" marT="4776" marB="0" anchor="ctr">
+                    <a:lnL>
+                      <a:noFill/>
+                    </a:lnL>
+                    <a:lnR w="12700" cap="flat" cmpd="sng" algn="ctr">
+                      <a:solidFill>
+                        <a:srgbClr val="000000"/>
+                      </a:solidFill>
+                      <a:prstDash val="solid"/>
+                      <a:round/>
+                      <a:headEnd type="none" w="med" len="med"/>
+                      <a:tailEnd type="none" w="med" len="med"/>
+                    </a:lnR>
+                    <a:lnT>
+                      <a:noFill/>
+                    </a:lnT>
+                    <a:lnB>
+                      <a:noFill/>
+                    </a:lnB>
+                    <a:solidFill>
+                      <a:srgbClr val="262626"/>
+                    </a:solidFill>
+                  </a:tcPr>
+                </a:tc>
+                <a:tc>
+                  <a:txBody>
+                    <a:bodyPr/>
+                    <a:lstStyle/>
+                    <a:p>
+                      <a:pPr algn="ctr" fontAlgn="ctr"/>
+                      <a:r>
+                        <a:rPr lang="fr-FR" sz="900" b="1" i="0" u="none" strike="noStrike">
+                          <a:solidFill>
+                            <a:srgbClr val="000000"/>
+                          </a:solidFill>
+                          <a:effectLst/>
+                          <a:latin typeface="Arial" panose="020B0604020202020204" pitchFamily="34" charset="0"/>
+                        </a:rPr>
+                        <a:t>SEO</a:t>
+                      </a:r>
+                    </a:p>
+                  </a:txBody>
+                  <a:tcPr marL="4776" marR="4776" marT="4776" marB="0" anchor="ctr">
+                    <a:lnL w="12700" cap="flat" cmpd="sng" algn="ctr">
+                      <a:solidFill>
+                        <a:srgbClr val="000000"/>
+                      </a:solidFill>
+                      <a:prstDash val="solid"/>
+                      <a:round/>
+                      <a:headEnd type="none" w="med" len="med"/>
+                      <a:tailEnd type="none" w="med" len="med"/>
+                    </a:lnL>
+                    <a:lnR w="6350" cap="flat" cmpd="sng" algn="ctr">
+                      <a:solidFill>
+                        <a:srgbClr val="000000"/>
+                      </a:solidFill>
+                      <a:prstDash val="solid"/>
+                      <a:round/>
+                      <a:headEnd type="none" w="med" len="med"/>
+                      <a:tailEnd type="none" w="med" len="med"/>
+                    </a:lnR>
+                    <a:lnT w="6350" cap="flat" cmpd="sng" algn="ctr">
+                      <a:solidFill>
+                        <a:srgbClr val="000000"/>
+                      </a:solidFill>
+                      <a:prstDash val="solid"/>
+                      <a:round/>
+                      <a:headEnd type="none" w="med" len="med"/>
+                      <a:tailEnd type="none" w="med" len="med"/>
+                    </a:lnT>
+                    <a:lnB w="6350" cap="flat" cmpd="sng" algn="ctr">
+                      <a:solidFill>
+                        <a:srgbClr val="000000"/>
+                      </a:solidFill>
+                      <a:prstDash val="solid"/>
+                      <a:round/>
+                      <a:headEnd type="none" w="med" len="med"/>
+                      <a:tailEnd type="none" w="med" len="med"/>
+                    </a:lnB>
+                    <a:solidFill>
+                      <a:srgbClr val="D9D9D9"/>
+                    </a:solidFill>
+                  </a:tcPr>
+                </a:tc>
+                <a:tc>
+                  <a:txBody>
+                    <a:bodyPr/>
+                    <a:lstStyle/>
+                    <a:p>
+                      <a:pPr algn="ctr" fontAlgn="ctr"/>
+                      <a:r>
+                        <a:rPr lang="fr-FR" sz="900" b="0" i="0" u="none" strike="noStrike">
+                          <a:solidFill>
+                            <a:srgbClr val="FFFFFF"/>
+                          </a:solidFill>
+                          <a:effectLst/>
+                          <a:latin typeface="Arial" panose="020B0604020202020204" pitchFamily="34" charset="0"/>
+                        </a:rPr>
+                        <a:t>Title non renseigné</a:t>
+                      </a:r>
+                    </a:p>
+                  </a:txBody>
+                  <a:tcPr marL="4776" marR="4776" marT="4776" marB="0" anchor="ctr">
+                    <a:lnL w="6350" cap="flat" cmpd="sng" algn="ctr">
+                      <a:solidFill>
+                        <a:srgbClr val="000000"/>
+                      </a:solidFill>
+                      <a:prstDash val="solid"/>
+                      <a:round/>
+                      <a:headEnd type="none" w="med" len="med"/>
+                      <a:tailEnd type="none" w="med" len="med"/>
+                    </a:lnL>
+                    <a:lnR w="6350" cap="flat" cmpd="sng" algn="ctr">
+                      <a:solidFill>
+                        <a:srgbClr val="000000"/>
+                      </a:solidFill>
+                      <a:prstDash val="solid"/>
+                      <a:round/>
+                      <a:headEnd type="none" w="med" len="med"/>
+                      <a:tailEnd type="none" w="med" len="med"/>
+                    </a:lnR>
+                    <a:lnT w="6350" cap="flat" cmpd="sng" algn="ctr">
+                      <a:solidFill>
+                        <a:srgbClr val="000000"/>
+                      </a:solidFill>
+                      <a:prstDash val="solid"/>
+                      <a:round/>
+                      <a:headEnd type="none" w="med" len="med"/>
+                      <a:tailEnd type="none" w="med" len="med"/>
+                    </a:lnT>
+                    <a:lnB w="6350" cap="flat" cmpd="sng" algn="ctr">
+                      <a:solidFill>
+                        <a:srgbClr val="000000"/>
+                      </a:solidFill>
+                      <a:prstDash val="solid"/>
+                      <a:round/>
+                      <a:headEnd type="none" w="med" len="med"/>
+                      <a:tailEnd type="none" w="med" len="med"/>
+                    </a:lnB>
+                    <a:solidFill>
+                      <a:srgbClr val="262626"/>
+                    </a:solidFill>
+                  </a:tcPr>
+                </a:tc>
+                <a:extLst>
+                  <a:ext uri="{0D108BD9-81ED-4DB2-BD59-A6C34878D82A}">
+                    <a16:rowId xmlns:a16="http://schemas.microsoft.com/office/drawing/2014/main" val="3139334889"/>
+                  </a:ext>
+                </a:extLst>
+              </a:tr>
+              <a:tr h="406498">
+                <a:tc>
+                  <a:txBody>
+                    <a:bodyPr/>
+                    <a:lstStyle/>
+                    <a:p>
+                      <a:pPr algn="ctr" fontAlgn="ctr"/>
+                      <a:r>
+                        <a:rPr lang="fr-FR" sz="1400" b="1" i="0" u="none" strike="noStrike">
+                          <a:solidFill>
+                            <a:srgbClr val="FFFFFF"/>
+                          </a:solidFill>
+                          <a:effectLst/>
+                          <a:latin typeface="Arial" panose="020B0604020202020204" pitchFamily="34" charset="0"/>
+                        </a:rPr>
+                        <a:t>2</a:t>
+                      </a:r>
+                    </a:p>
+                  </a:txBody>
+                  <a:tcPr marL="4776" marR="4776" marT="4776" marB="0" anchor="ctr">
+                    <a:lnL>
+                      <a:noFill/>
+                    </a:lnL>
+                    <a:lnR w="12700" cap="flat" cmpd="sng" algn="ctr">
+                      <a:solidFill>
+                        <a:srgbClr val="000000"/>
+                      </a:solidFill>
+                      <a:prstDash val="solid"/>
+                      <a:round/>
+                      <a:headEnd type="none" w="med" len="med"/>
+                      <a:tailEnd type="none" w="med" len="med"/>
+                    </a:lnR>
+                    <a:lnT>
+                      <a:noFill/>
+                    </a:lnT>
+                    <a:lnB>
+                      <a:noFill/>
+                    </a:lnB>
+                    <a:solidFill>
+                      <a:srgbClr val="262626"/>
+                    </a:solidFill>
+                  </a:tcPr>
+                </a:tc>
+                <a:tc>
+                  <a:txBody>
+                    <a:bodyPr/>
+                    <a:lstStyle/>
+                    <a:p>
+                      <a:pPr algn="ctr" fontAlgn="ctr"/>
+                      <a:r>
+                        <a:rPr lang="fr-FR" sz="900" b="1" i="0" u="none" strike="noStrike">
+                          <a:solidFill>
+                            <a:srgbClr val="000000"/>
+                          </a:solidFill>
+                          <a:effectLst/>
+                          <a:latin typeface="Arial" panose="020B0604020202020204" pitchFamily="34" charset="0"/>
+                        </a:rPr>
+                        <a:t>SEO</a:t>
+                      </a:r>
+                    </a:p>
+                  </a:txBody>
+                  <a:tcPr marL="4776" marR="4776" marT="4776" marB="0" anchor="ctr">
+                    <a:lnL w="12700" cap="flat" cmpd="sng" algn="ctr">
+                      <a:solidFill>
+                        <a:srgbClr val="000000"/>
+                      </a:solidFill>
+                      <a:prstDash val="solid"/>
+                      <a:round/>
+                      <a:headEnd type="none" w="med" len="med"/>
+                      <a:tailEnd type="none" w="med" len="med"/>
+                    </a:lnL>
+                    <a:lnR w="6350" cap="flat" cmpd="sng" algn="ctr">
+                      <a:solidFill>
+                        <a:srgbClr val="000000"/>
+                      </a:solidFill>
+                      <a:prstDash val="solid"/>
+                      <a:round/>
+                      <a:headEnd type="none" w="med" len="med"/>
+                      <a:tailEnd type="none" w="med" len="med"/>
+                    </a:lnR>
+                    <a:lnT w="6350" cap="flat" cmpd="sng" algn="ctr">
+                      <a:solidFill>
+                        <a:srgbClr val="000000"/>
+                      </a:solidFill>
+                      <a:prstDash val="solid"/>
+                      <a:round/>
+                      <a:headEnd type="none" w="med" len="med"/>
+                      <a:tailEnd type="none" w="med" len="med"/>
+                    </a:lnT>
+                    <a:lnB w="6350" cap="flat" cmpd="sng" algn="ctr">
+                      <a:solidFill>
+                        <a:srgbClr val="000000"/>
+                      </a:solidFill>
+                      <a:prstDash val="solid"/>
+                      <a:round/>
+                      <a:headEnd type="none" w="med" len="med"/>
+                      <a:tailEnd type="none" w="med" len="med"/>
+                    </a:lnB>
+                    <a:solidFill>
+                      <a:srgbClr val="D9D9D9"/>
+                    </a:solidFill>
+                  </a:tcPr>
+                </a:tc>
+                <a:tc>
+                  <a:txBody>
+                    <a:bodyPr/>
+                    <a:lstStyle/>
+                    <a:p>
+                      <a:pPr algn="ctr" fontAlgn="ctr"/>
+                      <a:r>
+                        <a:rPr lang="fr-FR" sz="900" b="0" i="0" u="none" strike="noStrike">
+                          <a:solidFill>
+                            <a:srgbClr val="FFFFFF"/>
+                          </a:solidFill>
+                          <a:effectLst/>
+                          <a:latin typeface="Arial" panose="020B0604020202020204" pitchFamily="34" charset="0"/>
+                        </a:rPr>
+                        <a:t>La Div class=keywords contient des mots clés cachés</a:t>
+                      </a:r>
+                    </a:p>
+                  </a:txBody>
+                  <a:tcPr marL="4776" marR="4776" marT="4776" marB="0" anchor="ctr">
+                    <a:lnL w="6350" cap="flat" cmpd="sng" algn="ctr">
+                      <a:solidFill>
+                        <a:srgbClr val="000000"/>
+                      </a:solidFill>
+                      <a:prstDash val="solid"/>
+                      <a:round/>
+                      <a:headEnd type="none" w="med" len="med"/>
+                      <a:tailEnd type="none" w="med" len="med"/>
+                    </a:lnL>
+                    <a:lnR w="6350" cap="flat" cmpd="sng" algn="ctr">
+                      <a:solidFill>
+                        <a:srgbClr val="000000"/>
+                      </a:solidFill>
+                      <a:prstDash val="solid"/>
+                      <a:round/>
+                      <a:headEnd type="none" w="med" len="med"/>
+                      <a:tailEnd type="none" w="med" len="med"/>
+                    </a:lnR>
+                    <a:lnT w="6350" cap="flat" cmpd="sng" algn="ctr">
+                      <a:solidFill>
+                        <a:srgbClr val="000000"/>
+                      </a:solidFill>
+                      <a:prstDash val="solid"/>
+                      <a:round/>
+                      <a:headEnd type="none" w="med" len="med"/>
+                      <a:tailEnd type="none" w="med" len="med"/>
+                    </a:lnT>
+                    <a:lnB w="6350" cap="flat" cmpd="sng" algn="ctr">
+                      <a:solidFill>
+                        <a:srgbClr val="000000"/>
+                      </a:solidFill>
+                      <a:prstDash val="solid"/>
+                      <a:round/>
+                      <a:headEnd type="none" w="med" len="med"/>
+                      <a:tailEnd type="none" w="med" len="med"/>
+                    </a:lnB>
+                    <a:solidFill>
+                      <a:srgbClr val="262626"/>
+                    </a:solidFill>
+                  </a:tcPr>
+                </a:tc>
+                <a:extLst>
+                  <a:ext uri="{0D108BD9-81ED-4DB2-BD59-A6C34878D82A}">
+                    <a16:rowId xmlns:a16="http://schemas.microsoft.com/office/drawing/2014/main" val="2027084285"/>
+                  </a:ext>
+                </a:extLst>
+              </a:tr>
+              <a:tr h="272781">
+                <a:tc>
+                  <a:txBody>
+                    <a:bodyPr/>
+                    <a:lstStyle/>
+                    <a:p>
+                      <a:pPr algn="ctr" fontAlgn="ctr"/>
+                      <a:r>
+                        <a:rPr lang="fr-FR" sz="1400" b="1" i="0" u="none" strike="noStrike">
+                          <a:solidFill>
+                            <a:srgbClr val="FFFFFF"/>
+                          </a:solidFill>
+                          <a:effectLst/>
+                          <a:latin typeface="Arial" panose="020B0604020202020204" pitchFamily="34" charset="0"/>
+                        </a:rPr>
+                        <a:t>3</a:t>
+                      </a:r>
+                    </a:p>
+                  </a:txBody>
+                  <a:tcPr marL="4776" marR="4776" marT="4776" marB="0" anchor="ctr">
+                    <a:lnL>
+                      <a:noFill/>
+                    </a:lnL>
+                    <a:lnR w="12700" cap="flat" cmpd="sng" algn="ctr">
+                      <a:solidFill>
+                        <a:srgbClr val="000000"/>
+                      </a:solidFill>
+                      <a:prstDash val="solid"/>
+                      <a:round/>
+                      <a:headEnd type="none" w="med" len="med"/>
+                      <a:tailEnd type="none" w="med" len="med"/>
+                    </a:lnR>
+                    <a:lnT>
+                      <a:noFill/>
+                    </a:lnT>
+                    <a:lnB>
+                      <a:noFill/>
+                    </a:lnB>
+                    <a:solidFill>
+                      <a:srgbClr val="262626"/>
+                    </a:solidFill>
+                  </a:tcPr>
+                </a:tc>
+                <a:tc>
+                  <a:txBody>
+                    <a:bodyPr/>
+                    <a:lstStyle/>
+                    <a:p>
+                      <a:pPr algn="ctr" fontAlgn="ctr"/>
+                      <a:r>
+                        <a:rPr lang="fr-FR" sz="900" b="1" i="0" u="none" strike="noStrike">
+                          <a:solidFill>
+                            <a:srgbClr val="000000"/>
+                          </a:solidFill>
+                          <a:effectLst/>
+                          <a:latin typeface="Arial" panose="020B0604020202020204" pitchFamily="34" charset="0"/>
+                        </a:rPr>
+                        <a:t>SEO</a:t>
+                      </a:r>
+                    </a:p>
+                  </a:txBody>
+                  <a:tcPr marL="4776" marR="4776" marT="4776" marB="0" anchor="ctr">
+                    <a:lnL w="12700" cap="flat" cmpd="sng" algn="ctr">
+                      <a:solidFill>
+                        <a:srgbClr val="000000"/>
+                      </a:solidFill>
+                      <a:prstDash val="solid"/>
+                      <a:round/>
+                      <a:headEnd type="none" w="med" len="med"/>
+                      <a:tailEnd type="none" w="med" len="med"/>
+                    </a:lnL>
+                    <a:lnR w="6350" cap="flat" cmpd="sng" algn="ctr">
+                      <a:solidFill>
+                        <a:srgbClr val="000000"/>
+                      </a:solidFill>
+                      <a:prstDash val="solid"/>
+                      <a:round/>
+                      <a:headEnd type="none" w="med" len="med"/>
+                      <a:tailEnd type="none" w="med" len="med"/>
+                    </a:lnR>
+                    <a:lnT w="6350" cap="flat" cmpd="sng" algn="ctr">
+                      <a:solidFill>
+                        <a:srgbClr val="000000"/>
+                      </a:solidFill>
+                      <a:prstDash val="solid"/>
+                      <a:round/>
+                      <a:headEnd type="none" w="med" len="med"/>
+                      <a:tailEnd type="none" w="med" len="med"/>
+                    </a:lnT>
+                    <a:lnB w="6350" cap="flat" cmpd="sng" algn="ctr">
+                      <a:solidFill>
+                        <a:srgbClr val="000000"/>
+                      </a:solidFill>
+                      <a:prstDash val="solid"/>
+                      <a:round/>
+                      <a:headEnd type="none" w="med" len="med"/>
+                      <a:tailEnd type="none" w="med" len="med"/>
+                    </a:lnB>
+                    <a:solidFill>
+                      <a:srgbClr val="D9D9D9"/>
+                    </a:solidFill>
+                  </a:tcPr>
+                </a:tc>
+                <a:tc>
+                  <a:txBody>
+                    <a:bodyPr/>
+                    <a:lstStyle/>
+                    <a:p>
+                      <a:pPr algn="ctr" fontAlgn="ctr"/>
+                      <a:r>
+                        <a:rPr lang="fr-FR" sz="900" b="0" i="0" u="none" strike="noStrike">
+                          <a:solidFill>
+                            <a:srgbClr val="FFFFFF"/>
+                          </a:solidFill>
+                          <a:effectLst/>
+                          <a:latin typeface="Arial" panose="020B0604020202020204" pitchFamily="34" charset="0"/>
+                        </a:rPr>
+                        <a:t>Méta description : l'attribu "Content" n'est pas renseigné</a:t>
+                      </a:r>
+                    </a:p>
+                  </a:txBody>
+                  <a:tcPr marL="4776" marR="4776" marT="4776" marB="0" anchor="ctr">
+                    <a:lnL w="6350" cap="flat" cmpd="sng" algn="ctr">
+                      <a:solidFill>
+                        <a:srgbClr val="000000"/>
+                      </a:solidFill>
+                      <a:prstDash val="solid"/>
+                      <a:round/>
+                      <a:headEnd type="none" w="med" len="med"/>
+                      <a:tailEnd type="none" w="med" len="med"/>
+                    </a:lnL>
+                    <a:lnR w="6350" cap="flat" cmpd="sng" algn="ctr">
+                      <a:solidFill>
+                        <a:srgbClr val="000000"/>
+                      </a:solidFill>
+                      <a:prstDash val="solid"/>
+                      <a:round/>
+                      <a:headEnd type="none" w="med" len="med"/>
+                      <a:tailEnd type="none" w="med" len="med"/>
+                    </a:lnR>
+                    <a:lnT w="6350" cap="flat" cmpd="sng" algn="ctr">
+                      <a:solidFill>
+                        <a:srgbClr val="000000"/>
+                      </a:solidFill>
+                      <a:prstDash val="solid"/>
+                      <a:round/>
+                      <a:headEnd type="none" w="med" len="med"/>
+                      <a:tailEnd type="none" w="med" len="med"/>
+                    </a:lnT>
+                    <a:lnB w="6350" cap="flat" cmpd="sng" algn="ctr">
+                      <a:solidFill>
+                        <a:srgbClr val="000000"/>
+                      </a:solidFill>
+                      <a:prstDash val="solid"/>
+                      <a:round/>
+                      <a:headEnd type="none" w="med" len="med"/>
+                      <a:tailEnd type="none" w="med" len="med"/>
+                    </a:lnB>
+                    <a:solidFill>
+                      <a:srgbClr val="262626"/>
+                    </a:solidFill>
+                  </a:tcPr>
+                </a:tc>
+                <a:extLst>
+                  <a:ext uri="{0D108BD9-81ED-4DB2-BD59-A6C34878D82A}">
+                    <a16:rowId xmlns:a16="http://schemas.microsoft.com/office/drawing/2014/main" val="2597204890"/>
+                  </a:ext>
+                </a:extLst>
+              </a:tr>
+              <a:tr h="406498">
+                <a:tc>
+                  <a:txBody>
+                    <a:bodyPr/>
+                    <a:lstStyle/>
+                    <a:p>
+                      <a:pPr algn="ctr" fontAlgn="ctr"/>
+                      <a:r>
+                        <a:rPr lang="fr-FR" sz="1400" b="1" i="0" u="none" strike="noStrike">
+                          <a:solidFill>
+                            <a:srgbClr val="FFFFFF"/>
+                          </a:solidFill>
+                          <a:effectLst/>
+                          <a:latin typeface="Arial" panose="020B0604020202020204" pitchFamily="34" charset="0"/>
+                        </a:rPr>
+                        <a:t>4</a:t>
+                      </a:r>
+                    </a:p>
+                  </a:txBody>
+                  <a:tcPr marL="4776" marR="4776" marT="4776" marB="0" anchor="ctr">
+                    <a:lnL>
+                      <a:noFill/>
+                    </a:lnL>
+                    <a:lnR w="12700" cap="flat" cmpd="sng" algn="ctr">
+                      <a:solidFill>
+                        <a:srgbClr val="000000"/>
+                      </a:solidFill>
+                      <a:prstDash val="solid"/>
+                      <a:round/>
+                      <a:headEnd type="none" w="med" len="med"/>
+                      <a:tailEnd type="none" w="med" len="med"/>
+                    </a:lnR>
+                    <a:lnT>
+                      <a:noFill/>
+                    </a:lnT>
+                    <a:lnB>
+                      <a:noFill/>
+                    </a:lnB>
+                    <a:solidFill>
+                      <a:srgbClr val="262626"/>
+                    </a:solidFill>
+                  </a:tcPr>
+                </a:tc>
+                <a:tc>
+                  <a:txBody>
+                    <a:bodyPr/>
+                    <a:lstStyle/>
+                    <a:p>
+                      <a:pPr algn="ctr" fontAlgn="ctr"/>
+                      <a:r>
+                        <a:rPr lang="fr-FR" sz="900" b="1" i="0" u="none" strike="noStrike">
+                          <a:solidFill>
+                            <a:srgbClr val="000000"/>
+                          </a:solidFill>
+                          <a:effectLst/>
+                          <a:latin typeface="Arial" panose="020B0604020202020204" pitchFamily="34" charset="0"/>
+                        </a:rPr>
+                        <a:t>SEO</a:t>
+                      </a:r>
+                    </a:p>
+                  </a:txBody>
+                  <a:tcPr marL="4776" marR="4776" marT="4776" marB="0" anchor="ctr">
+                    <a:lnL w="12700" cap="flat" cmpd="sng" algn="ctr">
+                      <a:solidFill>
+                        <a:srgbClr val="000000"/>
+                      </a:solidFill>
+                      <a:prstDash val="solid"/>
+                      <a:round/>
+                      <a:headEnd type="none" w="med" len="med"/>
+                      <a:tailEnd type="none" w="med" len="med"/>
+                    </a:lnL>
+                    <a:lnR w="6350" cap="flat" cmpd="sng" algn="ctr">
+                      <a:solidFill>
+                        <a:srgbClr val="000000"/>
+                      </a:solidFill>
+                      <a:prstDash val="solid"/>
+                      <a:round/>
+                      <a:headEnd type="none" w="med" len="med"/>
+                      <a:tailEnd type="none" w="med" len="med"/>
+                    </a:lnR>
+                    <a:lnT w="6350" cap="flat" cmpd="sng" algn="ctr">
+                      <a:solidFill>
+                        <a:srgbClr val="000000"/>
+                      </a:solidFill>
+                      <a:prstDash val="solid"/>
+                      <a:round/>
+                      <a:headEnd type="none" w="med" len="med"/>
+                      <a:tailEnd type="none" w="med" len="med"/>
+                    </a:lnT>
+                    <a:lnB w="6350" cap="flat" cmpd="sng" algn="ctr">
+                      <a:solidFill>
+                        <a:srgbClr val="000000"/>
+                      </a:solidFill>
+                      <a:prstDash val="solid"/>
+                      <a:round/>
+                      <a:headEnd type="none" w="med" len="med"/>
+                      <a:tailEnd type="none" w="med" len="med"/>
+                    </a:lnB>
+                    <a:solidFill>
+                      <a:srgbClr val="D9D9D9"/>
+                    </a:solidFill>
+                  </a:tcPr>
+                </a:tc>
+                <a:tc>
+                  <a:txBody>
+                    <a:bodyPr/>
+                    <a:lstStyle/>
+                    <a:p>
+                      <a:pPr algn="ctr" fontAlgn="ctr"/>
+                      <a:r>
+                        <a:rPr lang="fr-FR" sz="900" b="0" i="0" u="none" strike="noStrike" dirty="0">
+                          <a:solidFill>
+                            <a:srgbClr val="FFFFFF"/>
+                          </a:solidFill>
+                          <a:effectLst/>
+                          <a:latin typeface="Arial" panose="020B0604020202020204" pitchFamily="34" charset="0"/>
+                        </a:rPr>
+                        <a:t>Liens qui retournent sur l'index</a:t>
+                      </a:r>
+                    </a:p>
+                  </a:txBody>
+                  <a:tcPr marL="4776" marR="4776" marT="4776" marB="0" anchor="ctr">
+                    <a:lnL w="6350" cap="flat" cmpd="sng" algn="ctr">
+                      <a:solidFill>
+                        <a:srgbClr val="000000"/>
+                      </a:solidFill>
+                      <a:prstDash val="solid"/>
+                      <a:round/>
+                      <a:headEnd type="none" w="med" len="med"/>
+                      <a:tailEnd type="none" w="med" len="med"/>
+                    </a:lnL>
+                    <a:lnR w="6350" cap="flat" cmpd="sng" algn="ctr">
+                      <a:solidFill>
+                        <a:srgbClr val="000000"/>
+                      </a:solidFill>
+                      <a:prstDash val="solid"/>
+                      <a:round/>
+                      <a:headEnd type="none" w="med" len="med"/>
+                      <a:tailEnd type="none" w="med" len="med"/>
+                    </a:lnR>
+                    <a:lnT w="6350" cap="flat" cmpd="sng" algn="ctr">
+                      <a:solidFill>
+                        <a:srgbClr val="000000"/>
+                      </a:solidFill>
+                      <a:prstDash val="solid"/>
+                      <a:round/>
+                      <a:headEnd type="none" w="med" len="med"/>
+                      <a:tailEnd type="none" w="med" len="med"/>
+                    </a:lnT>
+                    <a:lnB w="6350" cap="flat" cmpd="sng" algn="ctr">
+                      <a:solidFill>
+                        <a:srgbClr val="000000"/>
+                      </a:solidFill>
+                      <a:prstDash val="solid"/>
+                      <a:round/>
+                      <a:headEnd type="none" w="med" len="med"/>
+                      <a:tailEnd type="none" w="med" len="med"/>
+                    </a:lnB>
+                    <a:solidFill>
+                      <a:srgbClr val="262626"/>
+                    </a:solidFill>
+                  </a:tcPr>
+                </a:tc>
+                <a:extLst>
+                  <a:ext uri="{0D108BD9-81ED-4DB2-BD59-A6C34878D82A}">
+                    <a16:rowId xmlns:a16="http://schemas.microsoft.com/office/drawing/2014/main" val="1352729615"/>
+                  </a:ext>
+                </a:extLst>
+              </a:tr>
+              <a:tr h="272781">
+                <a:tc>
+                  <a:txBody>
+                    <a:bodyPr/>
+                    <a:lstStyle/>
+                    <a:p>
+                      <a:pPr algn="ctr" fontAlgn="ctr"/>
+                      <a:r>
+                        <a:rPr lang="fr-FR" sz="1400" b="1" i="0" u="none" strike="noStrike">
+                          <a:solidFill>
+                            <a:srgbClr val="FFFFFF"/>
+                          </a:solidFill>
+                          <a:effectLst/>
+                          <a:latin typeface="Arial" panose="020B0604020202020204" pitchFamily="34" charset="0"/>
+                        </a:rPr>
+                        <a:t>5</a:t>
+                      </a:r>
+                    </a:p>
+                  </a:txBody>
+                  <a:tcPr marL="4776" marR="4776" marT="4776" marB="0" anchor="ctr">
+                    <a:lnL>
+                      <a:noFill/>
+                    </a:lnL>
+                    <a:lnR w="12700" cap="flat" cmpd="sng" algn="ctr">
+                      <a:solidFill>
+                        <a:srgbClr val="000000"/>
+                      </a:solidFill>
+                      <a:prstDash val="solid"/>
+                      <a:round/>
+                      <a:headEnd type="none" w="med" len="med"/>
+                      <a:tailEnd type="none" w="med" len="med"/>
+                    </a:lnR>
+                    <a:lnT>
+                      <a:noFill/>
+                    </a:lnT>
+                    <a:lnB>
+                      <a:noFill/>
+                    </a:lnB>
+                    <a:solidFill>
+                      <a:srgbClr val="262626"/>
+                    </a:solidFill>
+                  </a:tcPr>
+                </a:tc>
+                <a:tc>
+                  <a:txBody>
+                    <a:bodyPr/>
+                    <a:lstStyle/>
+                    <a:p>
+                      <a:pPr algn="ctr" fontAlgn="ctr"/>
+                      <a:r>
+                        <a:rPr lang="fr-FR" sz="900" b="1" i="0" u="none" strike="noStrike">
+                          <a:solidFill>
+                            <a:srgbClr val="FFFFFF"/>
+                          </a:solidFill>
+                          <a:effectLst/>
+                          <a:latin typeface="Arial" panose="020B0604020202020204" pitchFamily="34" charset="0"/>
+                        </a:rPr>
+                        <a:t>ACCESSIBILITE</a:t>
+                      </a:r>
+                    </a:p>
+                  </a:txBody>
+                  <a:tcPr marL="4776" marR="4776" marT="4776" marB="0" anchor="ctr">
+                    <a:lnL w="12700" cap="flat" cmpd="sng" algn="ctr">
+                      <a:solidFill>
+                        <a:srgbClr val="000000"/>
+                      </a:solidFill>
+                      <a:prstDash val="solid"/>
+                      <a:round/>
+                      <a:headEnd type="none" w="med" len="med"/>
+                      <a:tailEnd type="none" w="med" len="med"/>
+                    </a:lnL>
+                    <a:lnR w="6350" cap="flat" cmpd="sng" algn="ctr">
+                      <a:solidFill>
+                        <a:srgbClr val="000000"/>
+                      </a:solidFill>
+                      <a:prstDash val="solid"/>
+                      <a:round/>
+                      <a:headEnd type="none" w="med" len="med"/>
+                      <a:tailEnd type="none" w="med" len="med"/>
+                    </a:lnR>
+                    <a:lnT w="6350" cap="flat" cmpd="sng" algn="ctr">
+                      <a:solidFill>
+                        <a:srgbClr val="000000"/>
+                      </a:solidFill>
+                      <a:prstDash val="solid"/>
+                      <a:round/>
+                      <a:headEnd type="none" w="med" len="med"/>
+                      <a:tailEnd type="none" w="med" len="med"/>
+                    </a:lnT>
+                    <a:lnB w="6350" cap="flat" cmpd="sng" algn="ctr">
+                      <a:solidFill>
+                        <a:srgbClr val="000000"/>
+                      </a:solidFill>
+                      <a:prstDash val="solid"/>
+                      <a:round/>
+                      <a:headEnd type="none" w="med" len="med"/>
+                      <a:tailEnd type="none" w="med" len="med"/>
+                    </a:lnB>
+                    <a:solidFill>
+                      <a:srgbClr val="808080"/>
+                    </a:solidFill>
+                  </a:tcPr>
+                </a:tc>
+                <a:tc>
+                  <a:txBody>
+                    <a:bodyPr/>
+                    <a:lstStyle/>
+                    <a:p>
+                      <a:pPr algn="ctr" fontAlgn="ctr"/>
+                      <a:r>
+                        <a:rPr lang="fr-FR" sz="900" b="0" i="0" u="none" strike="noStrike">
+                          <a:solidFill>
+                            <a:srgbClr val="FFFFFF"/>
+                          </a:solidFill>
+                          <a:effectLst/>
+                          <a:latin typeface="Arial" panose="020B0604020202020204" pitchFamily="34" charset="0"/>
+                        </a:rPr>
+                        <a:t>La description de l image n'est pas correct</a:t>
+                      </a:r>
+                    </a:p>
+                  </a:txBody>
+                  <a:tcPr marL="4776" marR="4776" marT="4776" marB="0" anchor="ctr">
+                    <a:lnL w="6350" cap="flat" cmpd="sng" algn="ctr">
+                      <a:solidFill>
+                        <a:srgbClr val="000000"/>
+                      </a:solidFill>
+                      <a:prstDash val="solid"/>
+                      <a:round/>
+                      <a:headEnd type="none" w="med" len="med"/>
+                      <a:tailEnd type="none" w="med" len="med"/>
+                    </a:lnL>
+                    <a:lnR w="6350" cap="flat" cmpd="sng" algn="ctr">
+                      <a:solidFill>
+                        <a:srgbClr val="000000"/>
+                      </a:solidFill>
+                      <a:prstDash val="solid"/>
+                      <a:round/>
+                      <a:headEnd type="none" w="med" len="med"/>
+                      <a:tailEnd type="none" w="med" len="med"/>
+                    </a:lnR>
+                    <a:lnT w="6350" cap="flat" cmpd="sng" algn="ctr">
+                      <a:solidFill>
+                        <a:srgbClr val="000000"/>
+                      </a:solidFill>
+                      <a:prstDash val="solid"/>
+                      <a:round/>
+                      <a:headEnd type="none" w="med" len="med"/>
+                      <a:tailEnd type="none" w="med" len="med"/>
+                    </a:lnT>
+                    <a:lnB w="6350" cap="flat" cmpd="sng" algn="ctr">
+                      <a:solidFill>
+                        <a:srgbClr val="000000"/>
+                      </a:solidFill>
+                      <a:prstDash val="solid"/>
+                      <a:round/>
+                      <a:headEnd type="none" w="med" len="med"/>
+                      <a:tailEnd type="none" w="med" len="med"/>
+                    </a:lnB>
+                    <a:solidFill>
+                      <a:srgbClr val="262626"/>
+                    </a:solidFill>
+                  </a:tcPr>
+                </a:tc>
+                <a:extLst>
+                  <a:ext uri="{0D108BD9-81ED-4DB2-BD59-A6C34878D82A}">
+                    <a16:rowId xmlns:a16="http://schemas.microsoft.com/office/drawing/2014/main" val="1692309200"/>
+                  </a:ext>
+                </a:extLst>
+              </a:tr>
+              <a:tr h="251387">
+                <a:tc>
+                  <a:txBody>
+                    <a:bodyPr/>
+                    <a:lstStyle/>
+                    <a:p>
+                      <a:pPr algn="ctr" fontAlgn="ctr"/>
+                      <a:r>
+                        <a:rPr lang="fr-FR" sz="1400" b="1" i="0" u="none" strike="noStrike">
+                          <a:solidFill>
+                            <a:srgbClr val="FFFFFF"/>
+                          </a:solidFill>
+                          <a:effectLst/>
+                          <a:latin typeface="Arial" panose="020B0604020202020204" pitchFamily="34" charset="0"/>
+                        </a:rPr>
+                        <a:t>6</a:t>
+                      </a:r>
+                    </a:p>
+                  </a:txBody>
+                  <a:tcPr marL="4776" marR="4776" marT="4776" marB="0" anchor="ctr">
+                    <a:lnL>
+                      <a:noFill/>
+                    </a:lnL>
+                    <a:lnR w="12700" cap="flat" cmpd="sng" algn="ctr">
+                      <a:solidFill>
+                        <a:srgbClr val="000000"/>
+                      </a:solidFill>
+                      <a:prstDash val="solid"/>
+                      <a:round/>
+                      <a:headEnd type="none" w="med" len="med"/>
+                      <a:tailEnd type="none" w="med" len="med"/>
+                    </a:lnR>
+                    <a:lnT>
+                      <a:noFill/>
+                    </a:lnT>
+                    <a:lnB>
+                      <a:noFill/>
+                    </a:lnB>
+                    <a:solidFill>
+                      <a:srgbClr val="262626"/>
+                    </a:solidFill>
+                  </a:tcPr>
+                </a:tc>
+                <a:tc>
+                  <a:txBody>
+                    <a:bodyPr/>
+                    <a:lstStyle/>
+                    <a:p>
+                      <a:pPr algn="ctr" fontAlgn="ctr"/>
+                      <a:r>
+                        <a:rPr lang="fr-FR" sz="900" b="1" i="0" u="none" strike="noStrike">
+                          <a:solidFill>
+                            <a:srgbClr val="000000"/>
+                          </a:solidFill>
+                          <a:effectLst/>
+                          <a:latin typeface="Arial" panose="020B0604020202020204" pitchFamily="34" charset="0"/>
+                        </a:rPr>
+                        <a:t>SEO</a:t>
+                      </a:r>
+                    </a:p>
+                  </a:txBody>
+                  <a:tcPr marL="4776" marR="4776" marT="4776" marB="0" anchor="ctr">
+                    <a:lnL w="12700" cap="flat" cmpd="sng" algn="ctr">
+                      <a:solidFill>
+                        <a:srgbClr val="000000"/>
+                      </a:solidFill>
+                      <a:prstDash val="solid"/>
+                      <a:round/>
+                      <a:headEnd type="none" w="med" len="med"/>
+                      <a:tailEnd type="none" w="med" len="med"/>
+                    </a:lnL>
+                    <a:lnR w="6350" cap="flat" cmpd="sng" algn="ctr">
+                      <a:solidFill>
+                        <a:srgbClr val="000000"/>
+                      </a:solidFill>
+                      <a:prstDash val="solid"/>
+                      <a:round/>
+                      <a:headEnd type="none" w="med" len="med"/>
+                      <a:tailEnd type="none" w="med" len="med"/>
+                    </a:lnR>
+                    <a:lnT w="6350" cap="flat" cmpd="sng" algn="ctr">
+                      <a:solidFill>
+                        <a:srgbClr val="000000"/>
+                      </a:solidFill>
+                      <a:prstDash val="solid"/>
+                      <a:round/>
+                      <a:headEnd type="none" w="med" len="med"/>
+                      <a:tailEnd type="none" w="med" len="med"/>
+                    </a:lnT>
+                    <a:lnB w="6350" cap="flat" cmpd="sng" algn="ctr">
+                      <a:solidFill>
+                        <a:srgbClr val="000000"/>
+                      </a:solidFill>
+                      <a:prstDash val="solid"/>
+                      <a:round/>
+                      <a:headEnd type="none" w="med" len="med"/>
+                      <a:tailEnd type="none" w="med" len="med"/>
+                    </a:lnB>
+                    <a:solidFill>
+                      <a:srgbClr val="D9D9D9"/>
+                    </a:solidFill>
+                  </a:tcPr>
+                </a:tc>
+                <a:tc>
+                  <a:txBody>
+                    <a:bodyPr/>
+                    <a:lstStyle/>
+                    <a:p>
+                      <a:pPr algn="ctr" fontAlgn="ctr"/>
+                      <a:r>
+                        <a:rPr lang="fr-FR" sz="900" b="0" i="0" u="none" strike="noStrike">
+                          <a:solidFill>
+                            <a:srgbClr val="FFFFFF"/>
+                          </a:solidFill>
+                          <a:effectLst/>
+                          <a:latin typeface="Arial" panose="020B0604020202020204" pitchFamily="34" charset="0"/>
+                        </a:rPr>
+                        <a:t>Les h3 sont au dessus des h2 </a:t>
+                      </a:r>
+                    </a:p>
+                  </a:txBody>
+                  <a:tcPr marL="4776" marR="4776" marT="4776" marB="0" anchor="ctr">
+                    <a:lnL w="6350" cap="flat" cmpd="sng" algn="ctr">
+                      <a:solidFill>
+                        <a:srgbClr val="000000"/>
+                      </a:solidFill>
+                      <a:prstDash val="solid"/>
+                      <a:round/>
+                      <a:headEnd type="none" w="med" len="med"/>
+                      <a:tailEnd type="none" w="med" len="med"/>
+                    </a:lnL>
+                    <a:lnR w="6350" cap="flat" cmpd="sng" algn="ctr">
+                      <a:solidFill>
+                        <a:srgbClr val="000000"/>
+                      </a:solidFill>
+                      <a:prstDash val="solid"/>
+                      <a:round/>
+                      <a:headEnd type="none" w="med" len="med"/>
+                      <a:tailEnd type="none" w="med" len="med"/>
+                    </a:lnR>
+                    <a:lnT w="6350" cap="flat" cmpd="sng" algn="ctr">
+                      <a:solidFill>
+                        <a:srgbClr val="000000"/>
+                      </a:solidFill>
+                      <a:prstDash val="solid"/>
+                      <a:round/>
+                      <a:headEnd type="none" w="med" len="med"/>
+                      <a:tailEnd type="none" w="med" len="med"/>
+                    </a:lnT>
+                    <a:lnB w="6350" cap="flat" cmpd="sng" algn="ctr">
+                      <a:solidFill>
+                        <a:srgbClr val="000000"/>
+                      </a:solidFill>
+                      <a:prstDash val="solid"/>
+                      <a:round/>
+                      <a:headEnd type="none" w="med" len="med"/>
+                      <a:tailEnd type="none" w="med" len="med"/>
+                    </a:lnB>
+                    <a:solidFill>
+                      <a:srgbClr val="262626"/>
+                    </a:solidFill>
+                  </a:tcPr>
+                </a:tc>
+                <a:extLst>
+                  <a:ext uri="{0D108BD9-81ED-4DB2-BD59-A6C34878D82A}">
+                    <a16:rowId xmlns:a16="http://schemas.microsoft.com/office/drawing/2014/main" val="1427639496"/>
+                  </a:ext>
+                </a:extLst>
+              </a:tr>
+              <a:tr h="251387">
+                <a:tc>
+                  <a:txBody>
+                    <a:bodyPr/>
+                    <a:lstStyle/>
+                    <a:p>
+                      <a:pPr algn="ctr" fontAlgn="ctr"/>
+                      <a:r>
+                        <a:rPr lang="fr-FR" sz="1400" b="1" i="0" u="none" strike="noStrike">
+                          <a:solidFill>
+                            <a:srgbClr val="FFFFFF"/>
+                          </a:solidFill>
+                          <a:effectLst/>
+                          <a:latin typeface="Arial" panose="020B0604020202020204" pitchFamily="34" charset="0"/>
+                        </a:rPr>
+                        <a:t>7</a:t>
+                      </a:r>
+                    </a:p>
+                  </a:txBody>
+                  <a:tcPr marL="4776" marR="4776" marT="4776" marB="0" anchor="ctr">
+                    <a:lnL>
+                      <a:noFill/>
+                    </a:lnL>
+                    <a:lnR w="12700" cap="flat" cmpd="sng" algn="ctr">
+                      <a:solidFill>
+                        <a:srgbClr val="000000"/>
+                      </a:solidFill>
+                      <a:prstDash val="solid"/>
+                      <a:round/>
+                      <a:headEnd type="none" w="med" len="med"/>
+                      <a:tailEnd type="none" w="med" len="med"/>
+                    </a:lnR>
+                    <a:lnT>
+                      <a:noFill/>
+                    </a:lnT>
+                    <a:lnB>
+                      <a:noFill/>
+                    </a:lnB>
+                    <a:solidFill>
+                      <a:srgbClr val="262626"/>
+                    </a:solidFill>
+                  </a:tcPr>
+                </a:tc>
+                <a:tc>
+                  <a:txBody>
+                    <a:bodyPr/>
+                    <a:lstStyle/>
+                    <a:p>
+                      <a:pPr algn="ctr" fontAlgn="ctr"/>
+                      <a:r>
+                        <a:rPr lang="fr-FR" sz="900" b="1" i="0" u="none" strike="noStrike">
+                          <a:solidFill>
+                            <a:srgbClr val="FFFFFF"/>
+                          </a:solidFill>
+                          <a:effectLst/>
+                          <a:latin typeface="Arial" panose="020B0604020202020204" pitchFamily="34" charset="0"/>
+                        </a:rPr>
+                        <a:t>ACCESSIBILITE</a:t>
+                      </a:r>
+                    </a:p>
+                  </a:txBody>
+                  <a:tcPr marL="4776" marR="4776" marT="4776" marB="0" anchor="ctr">
+                    <a:lnL w="12700" cap="flat" cmpd="sng" algn="ctr">
+                      <a:solidFill>
+                        <a:srgbClr val="000000"/>
+                      </a:solidFill>
+                      <a:prstDash val="solid"/>
+                      <a:round/>
+                      <a:headEnd type="none" w="med" len="med"/>
+                      <a:tailEnd type="none" w="med" len="med"/>
+                    </a:lnL>
+                    <a:lnR w="6350" cap="flat" cmpd="sng" algn="ctr">
+                      <a:solidFill>
+                        <a:srgbClr val="000000"/>
+                      </a:solidFill>
+                      <a:prstDash val="solid"/>
+                      <a:round/>
+                      <a:headEnd type="none" w="med" len="med"/>
+                      <a:tailEnd type="none" w="med" len="med"/>
+                    </a:lnR>
+                    <a:lnT w="6350" cap="flat" cmpd="sng" algn="ctr">
+                      <a:solidFill>
+                        <a:srgbClr val="000000"/>
+                      </a:solidFill>
+                      <a:prstDash val="solid"/>
+                      <a:round/>
+                      <a:headEnd type="none" w="med" len="med"/>
+                      <a:tailEnd type="none" w="med" len="med"/>
+                    </a:lnT>
+                    <a:lnB w="6350" cap="flat" cmpd="sng" algn="ctr">
+                      <a:solidFill>
+                        <a:srgbClr val="000000"/>
+                      </a:solidFill>
+                      <a:prstDash val="solid"/>
+                      <a:round/>
+                      <a:headEnd type="none" w="med" len="med"/>
+                      <a:tailEnd type="none" w="med" len="med"/>
+                    </a:lnB>
+                    <a:solidFill>
+                      <a:srgbClr val="808080"/>
+                    </a:solidFill>
+                  </a:tcPr>
+                </a:tc>
+                <a:tc>
+                  <a:txBody>
+                    <a:bodyPr/>
+                    <a:lstStyle/>
+                    <a:p>
+                      <a:pPr algn="ctr" fontAlgn="ctr"/>
+                      <a:r>
+                        <a:rPr lang="fr-FR" sz="900" b="0" i="0" u="none" strike="noStrike">
+                          <a:solidFill>
+                            <a:srgbClr val="FFFFFF"/>
+                          </a:solidFill>
+                          <a:effectLst/>
+                          <a:latin typeface="Arial" panose="020B0604020202020204" pitchFamily="34" charset="0"/>
+                        </a:rPr>
+                        <a:t>Taille du paragraphe</a:t>
+                      </a:r>
+                    </a:p>
+                  </a:txBody>
+                  <a:tcPr marL="4776" marR="4776" marT="4776" marB="0" anchor="ctr">
+                    <a:lnL w="6350" cap="flat" cmpd="sng" algn="ctr">
+                      <a:solidFill>
+                        <a:srgbClr val="000000"/>
+                      </a:solidFill>
+                      <a:prstDash val="solid"/>
+                      <a:round/>
+                      <a:headEnd type="none" w="med" len="med"/>
+                      <a:tailEnd type="none" w="med" len="med"/>
+                    </a:lnL>
+                    <a:lnR w="6350" cap="flat" cmpd="sng" algn="ctr">
+                      <a:solidFill>
+                        <a:srgbClr val="000000"/>
+                      </a:solidFill>
+                      <a:prstDash val="solid"/>
+                      <a:round/>
+                      <a:headEnd type="none" w="med" len="med"/>
+                      <a:tailEnd type="none" w="med" len="med"/>
+                    </a:lnR>
+                    <a:lnT w="6350" cap="flat" cmpd="sng" algn="ctr">
+                      <a:solidFill>
+                        <a:srgbClr val="000000"/>
+                      </a:solidFill>
+                      <a:prstDash val="solid"/>
+                      <a:round/>
+                      <a:headEnd type="none" w="med" len="med"/>
+                      <a:tailEnd type="none" w="med" len="med"/>
+                    </a:lnT>
+                    <a:lnB w="6350" cap="flat" cmpd="sng" algn="ctr">
+                      <a:solidFill>
+                        <a:srgbClr val="000000"/>
+                      </a:solidFill>
+                      <a:prstDash val="solid"/>
+                      <a:round/>
+                      <a:headEnd type="none" w="med" len="med"/>
+                      <a:tailEnd type="none" w="med" len="med"/>
+                    </a:lnB>
+                    <a:solidFill>
+                      <a:srgbClr val="262626"/>
+                    </a:solidFill>
+                  </a:tcPr>
+                </a:tc>
+                <a:extLst>
+                  <a:ext uri="{0D108BD9-81ED-4DB2-BD59-A6C34878D82A}">
+                    <a16:rowId xmlns:a16="http://schemas.microsoft.com/office/drawing/2014/main" val="2408813745"/>
+                  </a:ext>
+                </a:extLst>
+              </a:tr>
+              <a:tr h="251387">
+                <a:tc>
+                  <a:txBody>
+                    <a:bodyPr/>
+                    <a:lstStyle/>
+                    <a:p>
+                      <a:pPr algn="ctr" fontAlgn="ctr"/>
+                      <a:r>
+                        <a:rPr lang="fr-FR" sz="1400" b="1" i="0" u="none" strike="noStrike">
+                          <a:solidFill>
+                            <a:srgbClr val="FFFFFF"/>
+                          </a:solidFill>
+                          <a:effectLst/>
+                          <a:latin typeface="Arial" panose="020B0604020202020204" pitchFamily="34" charset="0"/>
+                        </a:rPr>
+                        <a:t>8</a:t>
+                      </a:r>
+                    </a:p>
+                  </a:txBody>
+                  <a:tcPr marL="4776" marR="4776" marT="4776" marB="0" anchor="ctr">
+                    <a:lnL>
+                      <a:noFill/>
+                    </a:lnL>
+                    <a:lnR w="12700" cap="flat" cmpd="sng" algn="ctr">
+                      <a:solidFill>
+                        <a:srgbClr val="000000"/>
+                      </a:solidFill>
+                      <a:prstDash val="solid"/>
+                      <a:round/>
+                      <a:headEnd type="none" w="med" len="med"/>
+                      <a:tailEnd type="none" w="med" len="med"/>
+                    </a:lnR>
+                    <a:lnT>
+                      <a:noFill/>
+                    </a:lnT>
+                    <a:lnB>
+                      <a:noFill/>
+                    </a:lnB>
+                    <a:solidFill>
+                      <a:srgbClr val="262626"/>
+                    </a:solidFill>
+                  </a:tcPr>
+                </a:tc>
+                <a:tc>
+                  <a:txBody>
+                    <a:bodyPr/>
+                    <a:lstStyle/>
+                    <a:p>
+                      <a:pPr algn="ctr" fontAlgn="ctr"/>
+                      <a:r>
+                        <a:rPr lang="fr-FR" sz="900" b="1" i="0" u="none" strike="noStrike">
+                          <a:solidFill>
+                            <a:srgbClr val="FFFFFF"/>
+                          </a:solidFill>
+                          <a:effectLst/>
+                          <a:latin typeface="Arial" panose="020B0604020202020204" pitchFamily="34" charset="0"/>
+                        </a:rPr>
+                        <a:t>ACCESSIBILITE</a:t>
+                      </a:r>
+                    </a:p>
+                  </a:txBody>
+                  <a:tcPr marL="4776" marR="4776" marT="4776" marB="0" anchor="ctr">
+                    <a:lnL w="12700" cap="flat" cmpd="sng" algn="ctr">
+                      <a:solidFill>
+                        <a:srgbClr val="000000"/>
+                      </a:solidFill>
+                      <a:prstDash val="solid"/>
+                      <a:round/>
+                      <a:headEnd type="none" w="med" len="med"/>
+                      <a:tailEnd type="none" w="med" len="med"/>
+                    </a:lnL>
+                    <a:lnR w="6350" cap="flat" cmpd="sng" algn="ctr">
+                      <a:solidFill>
+                        <a:srgbClr val="000000"/>
+                      </a:solidFill>
+                      <a:prstDash val="solid"/>
+                      <a:round/>
+                      <a:headEnd type="none" w="med" len="med"/>
+                      <a:tailEnd type="none" w="med" len="med"/>
+                    </a:lnR>
+                    <a:lnT w="6350" cap="flat" cmpd="sng" algn="ctr">
+                      <a:solidFill>
+                        <a:srgbClr val="000000"/>
+                      </a:solidFill>
+                      <a:prstDash val="solid"/>
+                      <a:round/>
+                      <a:headEnd type="none" w="med" len="med"/>
+                      <a:tailEnd type="none" w="med" len="med"/>
+                    </a:lnT>
+                    <a:lnB w="6350" cap="flat" cmpd="sng" algn="ctr">
+                      <a:solidFill>
+                        <a:srgbClr val="000000"/>
+                      </a:solidFill>
+                      <a:prstDash val="solid"/>
+                      <a:round/>
+                      <a:headEnd type="none" w="med" len="med"/>
+                      <a:tailEnd type="none" w="med" len="med"/>
+                    </a:lnB>
+                    <a:solidFill>
+                      <a:srgbClr val="808080"/>
+                    </a:solidFill>
+                  </a:tcPr>
+                </a:tc>
+                <a:tc>
+                  <a:txBody>
+                    <a:bodyPr/>
+                    <a:lstStyle/>
+                    <a:p>
+                      <a:pPr algn="ctr" fontAlgn="ctr"/>
+                      <a:r>
+                        <a:rPr lang="fr-FR" sz="900" b="0" i="0" u="none" strike="noStrike">
+                          <a:solidFill>
+                            <a:srgbClr val="FFFFFF"/>
+                          </a:solidFill>
+                          <a:effectLst/>
+                          <a:latin typeface="Arial" panose="020B0604020202020204" pitchFamily="34" charset="0"/>
+                        </a:rPr>
+                        <a:t>Langue renseigné par défaut </a:t>
+                      </a:r>
+                    </a:p>
+                  </a:txBody>
+                  <a:tcPr marL="4776" marR="4776" marT="4776" marB="0" anchor="ctr">
+                    <a:lnL w="6350" cap="flat" cmpd="sng" algn="ctr">
+                      <a:solidFill>
+                        <a:srgbClr val="000000"/>
+                      </a:solidFill>
+                      <a:prstDash val="solid"/>
+                      <a:round/>
+                      <a:headEnd type="none" w="med" len="med"/>
+                      <a:tailEnd type="none" w="med" len="med"/>
+                    </a:lnL>
+                    <a:lnR w="6350" cap="flat" cmpd="sng" algn="ctr">
+                      <a:solidFill>
+                        <a:srgbClr val="000000"/>
+                      </a:solidFill>
+                      <a:prstDash val="solid"/>
+                      <a:round/>
+                      <a:headEnd type="none" w="med" len="med"/>
+                      <a:tailEnd type="none" w="med" len="med"/>
+                    </a:lnR>
+                    <a:lnT w="6350" cap="flat" cmpd="sng" algn="ctr">
+                      <a:solidFill>
+                        <a:srgbClr val="000000"/>
+                      </a:solidFill>
+                      <a:prstDash val="solid"/>
+                      <a:round/>
+                      <a:headEnd type="none" w="med" len="med"/>
+                      <a:tailEnd type="none" w="med" len="med"/>
+                    </a:lnT>
+                    <a:lnB w="6350" cap="flat" cmpd="sng" algn="ctr">
+                      <a:solidFill>
+                        <a:srgbClr val="000000"/>
+                      </a:solidFill>
+                      <a:prstDash val="solid"/>
+                      <a:round/>
+                      <a:headEnd type="none" w="med" len="med"/>
+                      <a:tailEnd type="none" w="med" len="med"/>
+                    </a:lnB>
+                    <a:solidFill>
+                      <a:srgbClr val="262626"/>
+                    </a:solidFill>
+                  </a:tcPr>
+                </a:tc>
+                <a:extLst>
+                  <a:ext uri="{0D108BD9-81ED-4DB2-BD59-A6C34878D82A}">
+                    <a16:rowId xmlns:a16="http://schemas.microsoft.com/office/drawing/2014/main" val="4126698443"/>
+                  </a:ext>
+                </a:extLst>
+              </a:tr>
+              <a:tr h="251387">
+                <a:tc>
+                  <a:txBody>
+                    <a:bodyPr/>
+                    <a:lstStyle/>
+                    <a:p>
+                      <a:pPr algn="ctr" fontAlgn="ctr"/>
+                      <a:r>
+                        <a:rPr lang="fr-FR" sz="1400" b="1" i="0" u="none" strike="noStrike">
+                          <a:solidFill>
+                            <a:srgbClr val="FFFFFF"/>
+                          </a:solidFill>
+                          <a:effectLst/>
+                          <a:latin typeface="Arial" panose="020B0604020202020204" pitchFamily="34" charset="0"/>
+                        </a:rPr>
+                        <a:t>9</a:t>
+                      </a:r>
+                    </a:p>
+                  </a:txBody>
+                  <a:tcPr marL="4776" marR="4776" marT="4776" marB="0" anchor="ctr">
+                    <a:lnL>
+                      <a:noFill/>
+                    </a:lnL>
+                    <a:lnR w="12700" cap="flat" cmpd="sng" algn="ctr">
+                      <a:solidFill>
+                        <a:srgbClr val="000000"/>
+                      </a:solidFill>
+                      <a:prstDash val="solid"/>
+                      <a:round/>
+                      <a:headEnd type="none" w="med" len="med"/>
+                      <a:tailEnd type="none" w="med" len="med"/>
+                    </a:lnR>
+                    <a:lnT>
+                      <a:noFill/>
+                    </a:lnT>
+                    <a:lnB>
+                      <a:noFill/>
+                    </a:lnB>
+                    <a:solidFill>
+                      <a:srgbClr val="262626"/>
+                    </a:solidFill>
+                  </a:tcPr>
+                </a:tc>
+                <a:tc>
+                  <a:txBody>
+                    <a:bodyPr/>
+                    <a:lstStyle/>
+                    <a:p>
+                      <a:pPr algn="ctr" fontAlgn="ctr"/>
+                      <a:r>
+                        <a:rPr lang="fr-FR" sz="900" b="1" i="0" u="none" strike="noStrike">
+                          <a:solidFill>
+                            <a:srgbClr val="000000"/>
+                          </a:solidFill>
+                          <a:effectLst/>
+                          <a:latin typeface="Arial" panose="020B0604020202020204" pitchFamily="34" charset="0"/>
+                        </a:rPr>
+                        <a:t>SEO</a:t>
+                      </a:r>
+                    </a:p>
+                  </a:txBody>
+                  <a:tcPr marL="4776" marR="4776" marT="4776" marB="0" anchor="ctr">
+                    <a:lnL w="12700" cap="flat" cmpd="sng" algn="ctr">
+                      <a:solidFill>
+                        <a:srgbClr val="000000"/>
+                      </a:solidFill>
+                      <a:prstDash val="solid"/>
+                      <a:round/>
+                      <a:headEnd type="none" w="med" len="med"/>
+                      <a:tailEnd type="none" w="med" len="med"/>
+                    </a:lnL>
+                    <a:lnR w="6350" cap="flat" cmpd="sng" algn="ctr">
+                      <a:solidFill>
+                        <a:srgbClr val="000000"/>
+                      </a:solidFill>
+                      <a:prstDash val="solid"/>
+                      <a:round/>
+                      <a:headEnd type="none" w="med" len="med"/>
+                      <a:tailEnd type="none" w="med" len="med"/>
+                    </a:lnR>
+                    <a:lnT w="6350" cap="flat" cmpd="sng" algn="ctr">
+                      <a:solidFill>
+                        <a:srgbClr val="000000"/>
+                      </a:solidFill>
+                      <a:prstDash val="solid"/>
+                      <a:round/>
+                      <a:headEnd type="none" w="med" len="med"/>
+                      <a:tailEnd type="none" w="med" len="med"/>
+                    </a:lnT>
+                    <a:lnB w="6350" cap="flat" cmpd="sng" algn="ctr">
+                      <a:solidFill>
+                        <a:srgbClr val="000000"/>
+                      </a:solidFill>
+                      <a:prstDash val="solid"/>
+                      <a:round/>
+                      <a:headEnd type="none" w="med" len="med"/>
+                      <a:tailEnd type="none" w="med" len="med"/>
+                    </a:lnB>
+                    <a:solidFill>
+                      <a:srgbClr val="D9D9D9"/>
+                    </a:solidFill>
+                  </a:tcPr>
+                </a:tc>
+                <a:tc>
+                  <a:txBody>
+                    <a:bodyPr/>
+                    <a:lstStyle/>
+                    <a:p>
+                      <a:pPr algn="ctr" fontAlgn="ctr"/>
+                      <a:r>
+                        <a:rPr lang="fr-FR" sz="900" b="0" i="0" u="none" strike="noStrike">
+                          <a:solidFill>
+                            <a:srgbClr val="FFFFFF"/>
+                          </a:solidFill>
+                          <a:effectLst/>
+                          <a:latin typeface="Arial" panose="020B0604020202020204" pitchFamily="34" charset="0"/>
+                        </a:rPr>
+                        <a:t>Les images ne sont pas dans un format adapté</a:t>
+                      </a:r>
+                    </a:p>
+                  </a:txBody>
+                  <a:tcPr marL="4776" marR="4776" marT="4776" marB="0" anchor="ctr">
+                    <a:lnL w="6350" cap="flat" cmpd="sng" algn="ctr">
+                      <a:solidFill>
+                        <a:srgbClr val="000000"/>
+                      </a:solidFill>
+                      <a:prstDash val="solid"/>
+                      <a:round/>
+                      <a:headEnd type="none" w="med" len="med"/>
+                      <a:tailEnd type="none" w="med" len="med"/>
+                    </a:lnL>
+                    <a:lnR w="6350" cap="flat" cmpd="sng" algn="ctr">
+                      <a:solidFill>
+                        <a:srgbClr val="000000"/>
+                      </a:solidFill>
+                      <a:prstDash val="solid"/>
+                      <a:round/>
+                      <a:headEnd type="none" w="med" len="med"/>
+                      <a:tailEnd type="none" w="med" len="med"/>
+                    </a:lnR>
+                    <a:lnT w="6350" cap="flat" cmpd="sng" algn="ctr">
+                      <a:solidFill>
+                        <a:srgbClr val="000000"/>
+                      </a:solidFill>
+                      <a:prstDash val="solid"/>
+                      <a:round/>
+                      <a:headEnd type="none" w="med" len="med"/>
+                      <a:tailEnd type="none" w="med" len="med"/>
+                    </a:lnT>
+                    <a:lnB w="6350" cap="flat" cmpd="sng" algn="ctr">
+                      <a:solidFill>
+                        <a:srgbClr val="000000"/>
+                      </a:solidFill>
+                      <a:prstDash val="solid"/>
+                      <a:round/>
+                      <a:headEnd type="none" w="med" len="med"/>
+                      <a:tailEnd type="none" w="med" len="med"/>
+                    </a:lnB>
+                    <a:solidFill>
+                      <a:srgbClr val="262626"/>
+                    </a:solidFill>
+                  </a:tcPr>
+                </a:tc>
+                <a:extLst>
+                  <a:ext uri="{0D108BD9-81ED-4DB2-BD59-A6C34878D82A}">
+                    <a16:rowId xmlns:a16="http://schemas.microsoft.com/office/drawing/2014/main" val="2893764613"/>
+                  </a:ext>
+                </a:extLst>
+              </a:tr>
+              <a:tr h="251387">
+                <a:tc>
+                  <a:txBody>
+                    <a:bodyPr/>
+                    <a:lstStyle/>
+                    <a:p>
+                      <a:pPr algn="ctr" fontAlgn="ctr"/>
+                      <a:r>
+                        <a:rPr lang="fr-FR" sz="1400" b="1" i="0" u="none" strike="noStrike">
+                          <a:solidFill>
+                            <a:srgbClr val="FFFFFF"/>
+                          </a:solidFill>
+                          <a:effectLst/>
+                          <a:latin typeface="Arial" panose="020B0604020202020204" pitchFamily="34" charset="0"/>
+                        </a:rPr>
+                        <a:t>10</a:t>
+                      </a:r>
+                    </a:p>
+                  </a:txBody>
+                  <a:tcPr marL="4776" marR="4776" marT="4776" marB="0" anchor="ctr">
+                    <a:lnL>
+                      <a:noFill/>
+                    </a:lnL>
+                    <a:lnR w="12700" cap="flat" cmpd="sng" algn="ctr">
+                      <a:solidFill>
+                        <a:srgbClr val="000000"/>
+                      </a:solidFill>
+                      <a:prstDash val="solid"/>
+                      <a:round/>
+                      <a:headEnd type="none" w="med" len="med"/>
+                      <a:tailEnd type="none" w="med" len="med"/>
+                    </a:lnR>
+                    <a:lnT>
+                      <a:noFill/>
+                    </a:lnT>
+                    <a:lnB>
+                      <a:noFill/>
+                    </a:lnB>
+                    <a:solidFill>
+                      <a:srgbClr val="262626"/>
+                    </a:solidFill>
+                  </a:tcPr>
+                </a:tc>
+                <a:tc>
+                  <a:txBody>
+                    <a:bodyPr/>
+                    <a:lstStyle/>
+                    <a:p>
+                      <a:pPr algn="ctr" fontAlgn="ctr"/>
+                      <a:r>
+                        <a:rPr lang="fr-FR" sz="900" b="1" i="0" u="none" strike="noStrike">
+                          <a:solidFill>
+                            <a:srgbClr val="FFFFFF"/>
+                          </a:solidFill>
+                          <a:effectLst/>
+                          <a:latin typeface="Arial" panose="020B0604020202020204" pitchFamily="34" charset="0"/>
+                        </a:rPr>
+                        <a:t>ACCESSIBILITE</a:t>
+                      </a:r>
+                    </a:p>
+                  </a:txBody>
+                  <a:tcPr marL="4776" marR="4776" marT="4776" marB="0" anchor="ctr">
+                    <a:lnL w="12700" cap="flat" cmpd="sng" algn="ctr">
+                      <a:solidFill>
+                        <a:srgbClr val="000000"/>
+                      </a:solidFill>
+                      <a:prstDash val="solid"/>
+                      <a:round/>
+                      <a:headEnd type="none" w="med" len="med"/>
+                      <a:tailEnd type="none" w="med" len="med"/>
+                    </a:lnL>
+                    <a:lnR w="6350" cap="flat" cmpd="sng" algn="ctr">
+                      <a:solidFill>
+                        <a:srgbClr val="000000"/>
+                      </a:solidFill>
+                      <a:prstDash val="solid"/>
+                      <a:round/>
+                      <a:headEnd type="none" w="med" len="med"/>
+                      <a:tailEnd type="none" w="med" len="med"/>
+                    </a:lnR>
+                    <a:lnT w="6350" cap="flat" cmpd="sng" algn="ctr">
+                      <a:solidFill>
+                        <a:srgbClr val="000000"/>
+                      </a:solidFill>
+                      <a:prstDash val="solid"/>
+                      <a:round/>
+                      <a:headEnd type="none" w="med" len="med"/>
+                      <a:tailEnd type="none" w="med" len="med"/>
+                    </a:lnT>
+                    <a:lnB w="6350" cap="flat" cmpd="sng" algn="ctr">
+                      <a:solidFill>
+                        <a:srgbClr val="000000"/>
+                      </a:solidFill>
+                      <a:prstDash val="solid"/>
+                      <a:round/>
+                      <a:headEnd type="none" w="med" len="med"/>
+                      <a:tailEnd type="none" w="med" len="med"/>
+                    </a:lnB>
+                    <a:solidFill>
+                      <a:srgbClr val="808080"/>
+                    </a:solidFill>
+                  </a:tcPr>
+                </a:tc>
+                <a:tc>
+                  <a:txBody>
+                    <a:bodyPr/>
+                    <a:lstStyle/>
+                    <a:p>
+                      <a:pPr algn="ctr" fontAlgn="ctr"/>
+                      <a:r>
+                        <a:rPr lang="fr-FR" sz="900" b="0" i="0" u="none" strike="noStrike">
+                          <a:solidFill>
+                            <a:srgbClr val="FFFFFF"/>
+                          </a:solidFill>
+                          <a:effectLst/>
+                          <a:latin typeface="Arial" panose="020B0604020202020204" pitchFamily="34" charset="0"/>
+                        </a:rPr>
+                        <a:t>Bouton trop petit</a:t>
+                      </a:r>
+                    </a:p>
+                  </a:txBody>
+                  <a:tcPr marL="4776" marR="4776" marT="4776" marB="0" anchor="ctr">
+                    <a:lnL w="6350" cap="flat" cmpd="sng" algn="ctr">
+                      <a:solidFill>
+                        <a:srgbClr val="000000"/>
+                      </a:solidFill>
+                      <a:prstDash val="solid"/>
+                      <a:round/>
+                      <a:headEnd type="none" w="med" len="med"/>
+                      <a:tailEnd type="none" w="med" len="med"/>
+                    </a:lnL>
+                    <a:lnR w="6350" cap="flat" cmpd="sng" algn="ctr">
+                      <a:solidFill>
+                        <a:srgbClr val="000000"/>
+                      </a:solidFill>
+                      <a:prstDash val="solid"/>
+                      <a:round/>
+                      <a:headEnd type="none" w="med" len="med"/>
+                      <a:tailEnd type="none" w="med" len="med"/>
+                    </a:lnR>
+                    <a:lnT w="6350" cap="flat" cmpd="sng" algn="ctr">
+                      <a:solidFill>
+                        <a:srgbClr val="000000"/>
+                      </a:solidFill>
+                      <a:prstDash val="solid"/>
+                      <a:round/>
+                      <a:headEnd type="none" w="med" len="med"/>
+                      <a:tailEnd type="none" w="med" len="med"/>
+                    </a:lnT>
+                    <a:lnB w="6350" cap="flat" cmpd="sng" algn="ctr">
+                      <a:solidFill>
+                        <a:srgbClr val="000000"/>
+                      </a:solidFill>
+                      <a:prstDash val="solid"/>
+                      <a:round/>
+                      <a:headEnd type="none" w="med" len="med"/>
+                      <a:tailEnd type="none" w="med" len="med"/>
+                    </a:lnB>
+                    <a:solidFill>
+                      <a:srgbClr val="262626"/>
+                    </a:solidFill>
+                  </a:tcPr>
+                </a:tc>
+                <a:extLst>
+                  <a:ext uri="{0D108BD9-81ED-4DB2-BD59-A6C34878D82A}">
+                    <a16:rowId xmlns:a16="http://schemas.microsoft.com/office/drawing/2014/main" val="421669086"/>
+                  </a:ext>
+                </a:extLst>
+              </a:tr>
+              <a:tr h="256735">
+                <a:tc>
+                  <a:txBody>
+                    <a:bodyPr/>
+                    <a:lstStyle/>
+                    <a:p>
+                      <a:pPr algn="ctr" fontAlgn="ctr"/>
+                      <a:r>
+                        <a:rPr lang="fr-FR" sz="1400" b="1" i="0" u="none" strike="noStrike">
+                          <a:solidFill>
+                            <a:srgbClr val="FFFFFF"/>
+                          </a:solidFill>
+                          <a:effectLst/>
+                          <a:latin typeface="Arial" panose="020B0604020202020204" pitchFamily="34" charset="0"/>
+                        </a:rPr>
+                        <a:t>11</a:t>
+                      </a:r>
+                    </a:p>
+                  </a:txBody>
+                  <a:tcPr marL="4776" marR="4776" marT="4776" marB="0" anchor="ctr">
+                    <a:lnL>
+                      <a:noFill/>
+                    </a:lnL>
+                    <a:lnR w="12700" cap="flat" cmpd="sng" algn="ctr">
+                      <a:solidFill>
+                        <a:srgbClr val="000000"/>
+                      </a:solidFill>
+                      <a:prstDash val="solid"/>
+                      <a:round/>
+                      <a:headEnd type="none" w="med" len="med"/>
+                      <a:tailEnd type="none" w="med" len="med"/>
+                    </a:lnR>
+                    <a:lnT>
+                      <a:noFill/>
+                    </a:lnT>
+                    <a:lnB>
+                      <a:noFill/>
+                    </a:lnB>
+                    <a:solidFill>
+                      <a:srgbClr val="262626"/>
+                    </a:solidFill>
+                  </a:tcPr>
+                </a:tc>
+                <a:tc>
+                  <a:txBody>
+                    <a:bodyPr/>
+                    <a:lstStyle/>
+                    <a:p>
+                      <a:pPr algn="ctr" fontAlgn="ctr"/>
+                      <a:r>
+                        <a:rPr lang="fr-FR" sz="900" b="1" i="0" u="none" strike="noStrike">
+                          <a:solidFill>
+                            <a:srgbClr val="FFFFFF"/>
+                          </a:solidFill>
+                          <a:effectLst/>
+                          <a:latin typeface="Arial" panose="020B0604020202020204" pitchFamily="34" charset="0"/>
+                        </a:rPr>
+                        <a:t>ACCESSIBILITE</a:t>
+                      </a:r>
+                    </a:p>
+                  </a:txBody>
+                  <a:tcPr marL="4776" marR="4776" marT="4776" marB="0" anchor="ctr">
+                    <a:lnL w="12700" cap="flat" cmpd="sng" algn="ctr">
+                      <a:solidFill>
+                        <a:srgbClr val="000000"/>
+                      </a:solidFill>
+                      <a:prstDash val="solid"/>
+                      <a:round/>
+                      <a:headEnd type="none" w="med" len="med"/>
+                      <a:tailEnd type="none" w="med" len="med"/>
+                    </a:lnL>
+                    <a:lnR w="6350" cap="flat" cmpd="sng" algn="ctr">
+                      <a:solidFill>
+                        <a:srgbClr val="000000"/>
+                      </a:solidFill>
+                      <a:prstDash val="solid"/>
+                      <a:round/>
+                      <a:headEnd type="none" w="med" len="med"/>
+                      <a:tailEnd type="none" w="med" len="med"/>
+                    </a:lnR>
+                    <a:lnT w="6350" cap="flat" cmpd="sng" algn="ctr">
+                      <a:solidFill>
+                        <a:srgbClr val="000000"/>
+                      </a:solidFill>
+                      <a:prstDash val="solid"/>
+                      <a:round/>
+                      <a:headEnd type="none" w="med" len="med"/>
+                      <a:tailEnd type="none" w="med" len="med"/>
+                    </a:lnT>
+                    <a:lnB w="6350" cap="flat" cmpd="sng" algn="ctr">
+                      <a:solidFill>
+                        <a:srgbClr val="000000"/>
+                      </a:solidFill>
+                      <a:prstDash val="solid"/>
+                      <a:round/>
+                      <a:headEnd type="none" w="med" len="med"/>
+                      <a:tailEnd type="none" w="med" len="med"/>
+                    </a:lnB>
+                    <a:solidFill>
+                      <a:srgbClr val="808080"/>
+                    </a:solidFill>
+                  </a:tcPr>
+                </a:tc>
+                <a:tc>
+                  <a:txBody>
+                    <a:bodyPr/>
+                    <a:lstStyle/>
+                    <a:p>
+                      <a:pPr algn="ctr" fontAlgn="ctr"/>
+                      <a:r>
+                        <a:rPr lang="fr-FR" sz="900" b="0" i="0" u="none" strike="noStrike">
+                          <a:solidFill>
+                            <a:srgbClr val="FFFFFF"/>
+                          </a:solidFill>
+                          <a:effectLst/>
+                          <a:latin typeface="Arial" panose="020B0604020202020204" pitchFamily="34" charset="0"/>
+                        </a:rPr>
+                        <a:t>Manque de contraste dans la Couleur des boutons</a:t>
+                      </a:r>
+                    </a:p>
+                  </a:txBody>
+                  <a:tcPr marL="4776" marR="4776" marT="4776" marB="0" anchor="ctr">
+                    <a:lnL w="6350" cap="flat" cmpd="sng" algn="ctr">
+                      <a:solidFill>
+                        <a:srgbClr val="000000"/>
+                      </a:solidFill>
+                      <a:prstDash val="solid"/>
+                      <a:round/>
+                      <a:headEnd type="none" w="med" len="med"/>
+                      <a:tailEnd type="none" w="med" len="med"/>
+                    </a:lnL>
+                    <a:lnR w="6350" cap="flat" cmpd="sng" algn="ctr">
+                      <a:solidFill>
+                        <a:srgbClr val="000000"/>
+                      </a:solidFill>
+                      <a:prstDash val="solid"/>
+                      <a:round/>
+                      <a:headEnd type="none" w="med" len="med"/>
+                      <a:tailEnd type="none" w="med" len="med"/>
+                    </a:lnR>
+                    <a:lnT w="6350" cap="flat" cmpd="sng" algn="ctr">
+                      <a:solidFill>
+                        <a:srgbClr val="000000"/>
+                      </a:solidFill>
+                      <a:prstDash val="solid"/>
+                      <a:round/>
+                      <a:headEnd type="none" w="med" len="med"/>
+                      <a:tailEnd type="none" w="med" len="med"/>
+                    </a:lnT>
+                    <a:lnB w="6350" cap="flat" cmpd="sng" algn="ctr">
+                      <a:solidFill>
+                        <a:srgbClr val="000000"/>
+                      </a:solidFill>
+                      <a:prstDash val="solid"/>
+                      <a:round/>
+                      <a:headEnd type="none" w="med" len="med"/>
+                      <a:tailEnd type="none" w="med" len="med"/>
+                    </a:lnB>
+                    <a:solidFill>
+                      <a:srgbClr val="262626"/>
+                    </a:solidFill>
+                  </a:tcPr>
+                </a:tc>
+                <a:extLst>
+                  <a:ext uri="{0D108BD9-81ED-4DB2-BD59-A6C34878D82A}">
+                    <a16:rowId xmlns:a16="http://schemas.microsoft.com/office/drawing/2014/main" val="400553095"/>
+                  </a:ext>
+                </a:extLst>
+              </a:tr>
+              <a:tr h="251387">
+                <a:tc>
+                  <a:txBody>
+                    <a:bodyPr/>
+                    <a:lstStyle/>
+                    <a:p>
+                      <a:pPr algn="ctr" fontAlgn="ctr"/>
+                      <a:r>
+                        <a:rPr lang="fr-FR" sz="1400" b="1" i="0" u="none" strike="noStrike">
+                          <a:solidFill>
+                            <a:srgbClr val="FFFFFF"/>
+                          </a:solidFill>
+                          <a:effectLst/>
+                          <a:latin typeface="Arial" panose="020B0604020202020204" pitchFamily="34" charset="0"/>
+                        </a:rPr>
+                        <a:t>12</a:t>
+                      </a:r>
+                    </a:p>
+                  </a:txBody>
+                  <a:tcPr marL="4776" marR="4776" marT="4776" marB="0" anchor="ctr">
+                    <a:lnL>
+                      <a:noFill/>
+                    </a:lnL>
+                    <a:lnR w="12700" cap="flat" cmpd="sng" algn="ctr">
+                      <a:solidFill>
+                        <a:srgbClr val="000000"/>
+                      </a:solidFill>
+                      <a:prstDash val="solid"/>
+                      <a:round/>
+                      <a:headEnd type="none" w="med" len="med"/>
+                      <a:tailEnd type="none" w="med" len="med"/>
+                    </a:lnR>
+                    <a:lnT>
+                      <a:noFill/>
+                    </a:lnT>
+                    <a:lnB>
+                      <a:noFill/>
+                    </a:lnB>
+                    <a:solidFill>
+                      <a:srgbClr val="262626"/>
+                    </a:solidFill>
+                  </a:tcPr>
+                </a:tc>
+                <a:tc>
+                  <a:txBody>
+                    <a:bodyPr/>
+                    <a:lstStyle/>
+                    <a:p>
+                      <a:pPr algn="ctr" fontAlgn="ctr"/>
+                      <a:r>
+                        <a:rPr lang="fr-FR" sz="900" b="1" i="0" u="none" strike="noStrike">
+                          <a:solidFill>
+                            <a:srgbClr val="000000"/>
+                          </a:solidFill>
+                          <a:effectLst/>
+                          <a:latin typeface="Arial" panose="020B0604020202020204" pitchFamily="34" charset="0"/>
+                        </a:rPr>
+                        <a:t>SEO</a:t>
+                      </a:r>
+                    </a:p>
+                  </a:txBody>
+                  <a:tcPr marL="4776" marR="4776" marT="4776" marB="0" anchor="ctr">
+                    <a:lnL w="12700" cap="flat" cmpd="sng" algn="ctr">
+                      <a:solidFill>
+                        <a:srgbClr val="000000"/>
+                      </a:solidFill>
+                      <a:prstDash val="solid"/>
+                      <a:round/>
+                      <a:headEnd type="none" w="med" len="med"/>
+                      <a:tailEnd type="none" w="med" len="med"/>
+                    </a:lnL>
+                    <a:lnR w="6350" cap="flat" cmpd="sng" algn="ctr">
+                      <a:solidFill>
+                        <a:srgbClr val="000000"/>
+                      </a:solidFill>
+                      <a:prstDash val="solid"/>
+                      <a:round/>
+                      <a:headEnd type="none" w="med" len="med"/>
+                      <a:tailEnd type="none" w="med" len="med"/>
+                    </a:lnR>
+                    <a:lnT w="6350" cap="flat" cmpd="sng" algn="ctr">
+                      <a:solidFill>
+                        <a:srgbClr val="000000"/>
+                      </a:solidFill>
+                      <a:prstDash val="solid"/>
+                      <a:round/>
+                      <a:headEnd type="none" w="med" len="med"/>
+                      <a:tailEnd type="none" w="med" len="med"/>
+                    </a:lnT>
+                    <a:lnB w="6350" cap="flat" cmpd="sng" algn="ctr">
+                      <a:solidFill>
+                        <a:srgbClr val="000000"/>
+                      </a:solidFill>
+                      <a:prstDash val="solid"/>
+                      <a:round/>
+                      <a:headEnd type="none" w="med" len="med"/>
+                      <a:tailEnd type="none" w="med" len="med"/>
+                    </a:lnB>
+                    <a:solidFill>
+                      <a:srgbClr val="D9D9D9"/>
+                    </a:solidFill>
+                  </a:tcPr>
+                </a:tc>
+                <a:tc>
+                  <a:txBody>
+                    <a:bodyPr/>
+                    <a:lstStyle/>
+                    <a:p>
+                      <a:pPr algn="ctr" fontAlgn="ctr"/>
+                      <a:r>
+                        <a:rPr lang="fr-FR" sz="900" b="0" i="0" u="none" strike="noStrike">
+                          <a:solidFill>
+                            <a:srgbClr val="FFFFFF"/>
+                          </a:solidFill>
+                          <a:effectLst/>
+                          <a:latin typeface="Arial" panose="020B0604020202020204" pitchFamily="34" charset="0"/>
+                        </a:rPr>
+                        <a:t>l'attribu "Content" n'est pas renseigné</a:t>
+                      </a:r>
+                    </a:p>
+                  </a:txBody>
+                  <a:tcPr marL="4776" marR="4776" marT="4776" marB="0" anchor="ctr">
+                    <a:lnL w="6350" cap="flat" cmpd="sng" algn="ctr">
+                      <a:solidFill>
+                        <a:srgbClr val="000000"/>
+                      </a:solidFill>
+                      <a:prstDash val="solid"/>
+                      <a:round/>
+                      <a:headEnd type="none" w="med" len="med"/>
+                      <a:tailEnd type="none" w="med" len="med"/>
+                    </a:lnL>
+                    <a:lnR w="6350" cap="flat" cmpd="sng" algn="ctr">
+                      <a:solidFill>
+                        <a:srgbClr val="000000"/>
+                      </a:solidFill>
+                      <a:prstDash val="solid"/>
+                      <a:round/>
+                      <a:headEnd type="none" w="med" len="med"/>
+                      <a:tailEnd type="none" w="med" len="med"/>
+                    </a:lnR>
+                    <a:lnT w="6350" cap="flat" cmpd="sng" algn="ctr">
+                      <a:solidFill>
+                        <a:srgbClr val="000000"/>
+                      </a:solidFill>
+                      <a:prstDash val="solid"/>
+                      <a:round/>
+                      <a:headEnd type="none" w="med" len="med"/>
+                      <a:tailEnd type="none" w="med" len="med"/>
+                    </a:lnT>
+                    <a:lnB w="6350" cap="flat" cmpd="sng" algn="ctr">
+                      <a:solidFill>
+                        <a:srgbClr val="000000"/>
+                      </a:solidFill>
+                      <a:prstDash val="solid"/>
+                      <a:round/>
+                      <a:headEnd type="none" w="med" len="med"/>
+                      <a:tailEnd type="none" w="med" len="med"/>
+                    </a:lnB>
+                    <a:solidFill>
+                      <a:srgbClr val="262626"/>
+                    </a:solidFill>
+                  </a:tcPr>
+                </a:tc>
+                <a:extLst>
+                  <a:ext uri="{0D108BD9-81ED-4DB2-BD59-A6C34878D82A}">
+                    <a16:rowId xmlns:a16="http://schemas.microsoft.com/office/drawing/2014/main" val="708573592"/>
+                  </a:ext>
+                </a:extLst>
+              </a:tr>
+              <a:tr h="251387">
+                <a:tc>
+                  <a:txBody>
+                    <a:bodyPr/>
+                    <a:lstStyle/>
+                    <a:p>
+                      <a:pPr algn="ctr" fontAlgn="ctr"/>
+                      <a:r>
+                        <a:rPr lang="fr-FR" sz="1400" b="1" i="0" u="none" strike="noStrike">
+                          <a:solidFill>
+                            <a:srgbClr val="FFFFFF"/>
+                          </a:solidFill>
+                          <a:effectLst/>
+                          <a:latin typeface="Arial" panose="020B0604020202020204" pitchFamily="34" charset="0"/>
+                        </a:rPr>
+                        <a:t>13</a:t>
+                      </a:r>
+                    </a:p>
+                  </a:txBody>
+                  <a:tcPr marL="4776" marR="4776" marT="4776" marB="0" anchor="ctr">
+                    <a:lnL>
+                      <a:noFill/>
+                    </a:lnL>
+                    <a:lnR w="12700" cap="flat" cmpd="sng" algn="ctr">
+                      <a:solidFill>
+                        <a:srgbClr val="000000"/>
+                      </a:solidFill>
+                      <a:prstDash val="solid"/>
+                      <a:round/>
+                      <a:headEnd type="none" w="med" len="med"/>
+                      <a:tailEnd type="none" w="med" len="med"/>
+                    </a:lnR>
+                    <a:lnT>
+                      <a:noFill/>
+                    </a:lnT>
+                    <a:lnB>
+                      <a:noFill/>
+                    </a:lnB>
+                    <a:solidFill>
+                      <a:srgbClr val="262626"/>
+                    </a:solidFill>
+                  </a:tcPr>
+                </a:tc>
+                <a:tc>
+                  <a:txBody>
+                    <a:bodyPr/>
+                    <a:lstStyle/>
+                    <a:p>
+                      <a:pPr algn="ctr" fontAlgn="ctr"/>
+                      <a:r>
+                        <a:rPr lang="fr-FR" sz="900" b="1" i="0" u="none" strike="noStrike">
+                          <a:solidFill>
+                            <a:srgbClr val="000000"/>
+                          </a:solidFill>
+                          <a:effectLst/>
+                          <a:latin typeface="Arial" panose="020B0604020202020204" pitchFamily="34" charset="0"/>
+                        </a:rPr>
+                        <a:t>SEO</a:t>
+                      </a:r>
+                    </a:p>
+                  </a:txBody>
+                  <a:tcPr marL="4776" marR="4776" marT="4776" marB="0" anchor="ctr">
+                    <a:lnL w="12700" cap="flat" cmpd="sng" algn="ctr">
+                      <a:solidFill>
+                        <a:srgbClr val="000000"/>
+                      </a:solidFill>
+                      <a:prstDash val="solid"/>
+                      <a:round/>
+                      <a:headEnd type="none" w="med" len="med"/>
+                      <a:tailEnd type="none" w="med" len="med"/>
+                    </a:lnL>
+                    <a:lnR w="6350" cap="flat" cmpd="sng" algn="ctr">
+                      <a:solidFill>
+                        <a:srgbClr val="000000"/>
+                      </a:solidFill>
+                      <a:prstDash val="solid"/>
+                      <a:round/>
+                      <a:headEnd type="none" w="med" len="med"/>
+                      <a:tailEnd type="none" w="med" len="med"/>
+                    </a:lnR>
+                    <a:lnT w="6350" cap="flat" cmpd="sng" algn="ctr">
+                      <a:solidFill>
+                        <a:srgbClr val="000000"/>
+                      </a:solidFill>
+                      <a:prstDash val="solid"/>
+                      <a:round/>
+                      <a:headEnd type="none" w="med" len="med"/>
+                      <a:tailEnd type="none" w="med" len="med"/>
+                    </a:lnT>
+                    <a:lnB w="6350" cap="flat" cmpd="sng" algn="ctr">
+                      <a:solidFill>
+                        <a:srgbClr val="000000"/>
+                      </a:solidFill>
+                      <a:prstDash val="solid"/>
+                      <a:round/>
+                      <a:headEnd type="none" w="med" len="med"/>
+                      <a:tailEnd type="none" w="med" len="med"/>
+                    </a:lnB>
+                    <a:solidFill>
+                      <a:srgbClr val="D9D9D9"/>
+                    </a:solidFill>
+                  </a:tcPr>
+                </a:tc>
+                <a:tc>
+                  <a:txBody>
+                    <a:bodyPr/>
+                    <a:lstStyle/>
+                    <a:p>
+                      <a:pPr algn="ctr" fontAlgn="ctr"/>
+                      <a:r>
+                        <a:rPr lang="fr-FR" sz="900" b="0" i="0" u="none" strike="noStrike">
+                          <a:solidFill>
+                            <a:srgbClr val="FFFFFF"/>
+                          </a:solidFill>
+                          <a:effectLst/>
+                          <a:latin typeface="Arial" panose="020B0604020202020204" pitchFamily="34" charset="0"/>
+                        </a:rPr>
+                        <a:t>Il n'y a pas de balise  "robots"</a:t>
+                      </a:r>
+                    </a:p>
+                  </a:txBody>
+                  <a:tcPr marL="4776" marR="4776" marT="4776" marB="0" anchor="ctr">
+                    <a:lnL w="6350" cap="flat" cmpd="sng" algn="ctr">
+                      <a:solidFill>
+                        <a:srgbClr val="000000"/>
+                      </a:solidFill>
+                      <a:prstDash val="solid"/>
+                      <a:round/>
+                      <a:headEnd type="none" w="med" len="med"/>
+                      <a:tailEnd type="none" w="med" len="med"/>
+                    </a:lnL>
+                    <a:lnR w="6350" cap="flat" cmpd="sng" algn="ctr">
+                      <a:solidFill>
+                        <a:srgbClr val="000000"/>
+                      </a:solidFill>
+                      <a:prstDash val="solid"/>
+                      <a:round/>
+                      <a:headEnd type="none" w="med" len="med"/>
+                      <a:tailEnd type="none" w="med" len="med"/>
+                    </a:lnR>
+                    <a:lnT w="6350" cap="flat" cmpd="sng" algn="ctr">
+                      <a:solidFill>
+                        <a:srgbClr val="000000"/>
+                      </a:solidFill>
+                      <a:prstDash val="solid"/>
+                      <a:round/>
+                      <a:headEnd type="none" w="med" len="med"/>
+                      <a:tailEnd type="none" w="med" len="med"/>
+                    </a:lnT>
+                    <a:lnB w="6350" cap="flat" cmpd="sng" algn="ctr">
+                      <a:solidFill>
+                        <a:srgbClr val="000000"/>
+                      </a:solidFill>
+                      <a:prstDash val="solid"/>
+                      <a:round/>
+                      <a:headEnd type="none" w="med" len="med"/>
+                      <a:tailEnd type="none" w="med" len="med"/>
+                    </a:lnB>
+                    <a:solidFill>
+                      <a:srgbClr val="262626"/>
+                    </a:solidFill>
+                  </a:tcPr>
+                </a:tc>
+                <a:extLst>
+                  <a:ext uri="{0D108BD9-81ED-4DB2-BD59-A6C34878D82A}">
+                    <a16:rowId xmlns:a16="http://schemas.microsoft.com/office/drawing/2014/main" val="3762765480"/>
+                  </a:ext>
+                </a:extLst>
+              </a:tr>
+              <a:tr h="256735">
+                <a:tc>
+                  <a:txBody>
+                    <a:bodyPr/>
+                    <a:lstStyle/>
+                    <a:p>
+                      <a:pPr algn="ctr" fontAlgn="ctr"/>
+                      <a:r>
+                        <a:rPr lang="fr-FR" sz="1400" b="1" i="0" u="none" strike="noStrike">
+                          <a:solidFill>
+                            <a:srgbClr val="FFFFFF"/>
+                          </a:solidFill>
+                          <a:effectLst/>
+                          <a:latin typeface="Arial" panose="020B0604020202020204" pitchFamily="34" charset="0"/>
+                        </a:rPr>
+                        <a:t>14</a:t>
+                      </a:r>
+                    </a:p>
+                  </a:txBody>
+                  <a:tcPr marL="4776" marR="4776" marT="4776" marB="0" anchor="ctr">
+                    <a:lnL>
+                      <a:noFill/>
+                    </a:lnL>
+                    <a:lnR w="12700" cap="flat" cmpd="sng" algn="ctr">
+                      <a:solidFill>
+                        <a:srgbClr val="000000"/>
+                      </a:solidFill>
+                      <a:prstDash val="solid"/>
+                      <a:round/>
+                      <a:headEnd type="none" w="med" len="med"/>
+                      <a:tailEnd type="none" w="med" len="med"/>
+                    </a:lnR>
+                    <a:lnT>
+                      <a:noFill/>
+                    </a:lnT>
+                    <a:lnB>
+                      <a:noFill/>
+                    </a:lnB>
+                    <a:solidFill>
+                      <a:srgbClr val="262626"/>
+                    </a:solidFill>
+                  </a:tcPr>
+                </a:tc>
+                <a:tc>
+                  <a:txBody>
+                    <a:bodyPr/>
+                    <a:lstStyle/>
+                    <a:p>
+                      <a:pPr algn="ctr" fontAlgn="ctr"/>
+                      <a:r>
+                        <a:rPr lang="fr-FR" sz="900" b="1" i="0" u="none" strike="noStrike">
+                          <a:solidFill>
+                            <a:srgbClr val="FFFFFF"/>
+                          </a:solidFill>
+                          <a:effectLst/>
+                          <a:latin typeface="Arial" panose="020B0604020202020204" pitchFamily="34" charset="0"/>
+                        </a:rPr>
+                        <a:t>ACCESSIBILITE</a:t>
+                      </a:r>
+                    </a:p>
+                  </a:txBody>
+                  <a:tcPr marL="4776" marR="4776" marT="4776" marB="0" anchor="ctr">
+                    <a:lnL w="12700" cap="flat" cmpd="sng" algn="ctr">
+                      <a:solidFill>
+                        <a:srgbClr val="000000"/>
+                      </a:solidFill>
+                      <a:prstDash val="solid"/>
+                      <a:round/>
+                      <a:headEnd type="none" w="med" len="med"/>
+                      <a:tailEnd type="none" w="med" len="med"/>
+                    </a:lnL>
+                    <a:lnR w="6350" cap="flat" cmpd="sng" algn="ctr">
+                      <a:solidFill>
+                        <a:srgbClr val="000000"/>
+                      </a:solidFill>
+                      <a:prstDash val="solid"/>
+                      <a:round/>
+                      <a:headEnd type="none" w="med" len="med"/>
+                      <a:tailEnd type="none" w="med" len="med"/>
+                    </a:lnR>
+                    <a:lnT w="6350" cap="flat" cmpd="sng" algn="ctr">
+                      <a:solidFill>
+                        <a:srgbClr val="000000"/>
+                      </a:solidFill>
+                      <a:prstDash val="solid"/>
+                      <a:round/>
+                      <a:headEnd type="none" w="med" len="med"/>
+                      <a:tailEnd type="none" w="med" len="med"/>
+                    </a:lnT>
+                    <a:lnB w="6350" cap="flat" cmpd="sng" algn="ctr">
+                      <a:solidFill>
+                        <a:srgbClr val="000000"/>
+                      </a:solidFill>
+                      <a:prstDash val="solid"/>
+                      <a:round/>
+                      <a:headEnd type="none" w="med" len="med"/>
+                      <a:tailEnd type="none" w="med" len="med"/>
+                    </a:lnB>
+                    <a:solidFill>
+                      <a:srgbClr val="808080"/>
+                    </a:solidFill>
+                  </a:tcPr>
+                </a:tc>
+                <a:tc>
+                  <a:txBody>
+                    <a:bodyPr/>
+                    <a:lstStyle/>
+                    <a:p>
+                      <a:pPr algn="ctr" fontAlgn="ctr"/>
+                      <a:r>
+                        <a:rPr lang="fr-FR" sz="900" b="0" i="0" u="none" strike="noStrike">
+                          <a:solidFill>
+                            <a:srgbClr val="FFFFFF"/>
+                          </a:solidFill>
+                          <a:effectLst/>
+                          <a:latin typeface="Arial" panose="020B0604020202020204" pitchFamily="34" charset="0"/>
+                        </a:rPr>
+                        <a:t>Répétitions de mots clés dans la description de l'image</a:t>
+                      </a:r>
+                    </a:p>
+                  </a:txBody>
+                  <a:tcPr marL="4776" marR="4776" marT="4776" marB="0" anchor="ctr">
+                    <a:lnL w="6350" cap="flat" cmpd="sng" algn="ctr">
+                      <a:solidFill>
+                        <a:srgbClr val="000000"/>
+                      </a:solidFill>
+                      <a:prstDash val="solid"/>
+                      <a:round/>
+                      <a:headEnd type="none" w="med" len="med"/>
+                      <a:tailEnd type="none" w="med" len="med"/>
+                    </a:lnL>
+                    <a:lnR w="6350" cap="flat" cmpd="sng" algn="ctr">
+                      <a:solidFill>
+                        <a:srgbClr val="000000"/>
+                      </a:solidFill>
+                      <a:prstDash val="solid"/>
+                      <a:round/>
+                      <a:headEnd type="none" w="med" len="med"/>
+                      <a:tailEnd type="none" w="med" len="med"/>
+                    </a:lnR>
+                    <a:lnT w="6350" cap="flat" cmpd="sng" algn="ctr">
+                      <a:solidFill>
+                        <a:srgbClr val="000000"/>
+                      </a:solidFill>
+                      <a:prstDash val="solid"/>
+                      <a:round/>
+                      <a:headEnd type="none" w="med" len="med"/>
+                      <a:tailEnd type="none" w="med" len="med"/>
+                    </a:lnT>
+                    <a:lnB w="6350" cap="flat" cmpd="sng" algn="ctr">
+                      <a:solidFill>
+                        <a:srgbClr val="000000"/>
+                      </a:solidFill>
+                      <a:prstDash val="solid"/>
+                      <a:round/>
+                      <a:headEnd type="none" w="med" len="med"/>
+                      <a:tailEnd type="none" w="med" len="med"/>
+                    </a:lnB>
+                    <a:solidFill>
+                      <a:srgbClr val="262626"/>
+                    </a:solidFill>
+                  </a:tcPr>
+                </a:tc>
+                <a:extLst>
+                  <a:ext uri="{0D108BD9-81ED-4DB2-BD59-A6C34878D82A}">
+                    <a16:rowId xmlns:a16="http://schemas.microsoft.com/office/drawing/2014/main" val="3478786818"/>
+                  </a:ext>
+                </a:extLst>
+              </a:tr>
+              <a:tr h="251387">
+                <a:tc>
+                  <a:txBody>
+                    <a:bodyPr/>
+                    <a:lstStyle/>
+                    <a:p>
+                      <a:pPr algn="ctr" fontAlgn="ctr"/>
+                      <a:r>
+                        <a:rPr lang="fr-FR" sz="1400" b="1" i="0" u="none" strike="noStrike">
+                          <a:solidFill>
+                            <a:srgbClr val="FFFFFF"/>
+                          </a:solidFill>
+                          <a:effectLst/>
+                          <a:latin typeface="Arial" panose="020B0604020202020204" pitchFamily="34" charset="0"/>
+                        </a:rPr>
+                        <a:t>15</a:t>
+                      </a:r>
+                    </a:p>
+                  </a:txBody>
+                  <a:tcPr marL="4776" marR="4776" marT="4776" marB="0" anchor="ctr">
+                    <a:lnL>
+                      <a:noFill/>
+                    </a:lnL>
+                    <a:lnR w="12700" cap="flat" cmpd="sng" algn="ctr">
+                      <a:solidFill>
+                        <a:srgbClr val="000000"/>
+                      </a:solidFill>
+                      <a:prstDash val="solid"/>
+                      <a:round/>
+                      <a:headEnd type="none" w="med" len="med"/>
+                      <a:tailEnd type="none" w="med" len="med"/>
+                    </a:lnR>
+                    <a:lnT>
+                      <a:noFill/>
+                    </a:lnT>
+                    <a:lnB>
+                      <a:noFill/>
+                    </a:lnB>
+                    <a:solidFill>
+                      <a:srgbClr val="262626"/>
+                    </a:solidFill>
+                  </a:tcPr>
+                </a:tc>
+                <a:tc>
+                  <a:txBody>
+                    <a:bodyPr/>
+                    <a:lstStyle/>
+                    <a:p>
+                      <a:pPr algn="ctr" fontAlgn="ctr"/>
+                      <a:r>
+                        <a:rPr lang="fr-FR" sz="900" b="1" i="0" u="none" strike="noStrike">
+                          <a:solidFill>
+                            <a:srgbClr val="000000"/>
+                          </a:solidFill>
+                          <a:effectLst/>
+                          <a:latin typeface="Arial" panose="020B0604020202020204" pitchFamily="34" charset="0"/>
+                        </a:rPr>
+                        <a:t>SEO</a:t>
+                      </a:r>
+                    </a:p>
+                  </a:txBody>
+                  <a:tcPr marL="4776" marR="4776" marT="4776" marB="0" anchor="ctr">
+                    <a:lnL w="12700" cap="flat" cmpd="sng" algn="ctr">
+                      <a:solidFill>
+                        <a:srgbClr val="000000"/>
+                      </a:solidFill>
+                      <a:prstDash val="solid"/>
+                      <a:round/>
+                      <a:headEnd type="none" w="med" len="med"/>
+                      <a:tailEnd type="none" w="med" len="med"/>
+                    </a:lnL>
+                    <a:lnR w="6350" cap="flat" cmpd="sng" algn="ctr">
+                      <a:solidFill>
+                        <a:srgbClr val="000000"/>
+                      </a:solidFill>
+                      <a:prstDash val="solid"/>
+                      <a:round/>
+                      <a:headEnd type="none" w="med" len="med"/>
+                      <a:tailEnd type="none" w="med" len="med"/>
+                    </a:lnR>
+                    <a:lnT w="6350" cap="flat" cmpd="sng" algn="ctr">
+                      <a:solidFill>
+                        <a:srgbClr val="000000"/>
+                      </a:solidFill>
+                      <a:prstDash val="solid"/>
+                      <a:round/>
+                      <a:headEnd type="none" w="med" len="med"/>
+                      <a:tailEnd type="none" w="med" len="med"/>
+                    </a:lnT>
+                    <a:lnB w="6350" cap="flat" cmpd="sng" algn="ctr">
+                      <a:solidFill>
+                        <a:srgbClr val="000000"/>
+                      </a:solidFill>
+                      <a:prstDash val="solid"/>
+                      <a:round/>
+                      <a:headEnd type="none" w="med" len="med"/>
+                      <a:tailEnd type="none" w="med" len="med"/>
+                    </a:lnB>
+                    <a:solidFill>
+                      <a:srgbClr val="D9D9D9"/>
+                    </a:solidFill>
+                  </a:tcPr>
+                </a:tc>
+                <a:tc>
+                  <a:txBody>
+                    <a:bodyPr/>
+                    <a:lstStyle/>
+                    <a:p>
+                      <a:pPr algn="ctr" fontAlgn="ctr"/>
+                      <a:r>
+                        <a:rPr lang="fr-FR" sz="900" b="0" i="0" u="none" strike="noStrike" dirty="0">
+                          <a:solidFill>
+                            <a:srgbClr val="FFFFFF"/>
+                          </a:solidFill>
+                          <a:effectLst/>
+                          <a:latin typeface="Arial" panose="020B0604020202020204" pitchFamily="34" charset="0"/>
+                        </a:rPr>
+                        <a:t>Répétitions de mots clés</a:t>
+                      </a:r>
+                    </a:p>
+                  </a:txBody>
+                  <a:tcPr marL="4776" marR="4776" marT="4776" marB="0" anchor="ctr">
+                    <a:lnL w="6350" cap="flat" cmpd="sng" algn="ctr">
+                      <a:solidFill>
+                        <a:srgbClr val="000000"/>
+                      </a:solidFill>
+                      <a:prstDash val="solid"/>
+                      <a:round/>
+                      <a:headEnd type="none" w="med" len="med"/>
+                      <a:tailEnd type="none" w="med" len="med"/>
+                    </a:lnL>
+                    <a:lnR w="6350" cap="flat" cmpd="sng" algn="ctr">
+                      <a:solidFill>
+                        <a:srgbClr val="000000"/>
+                      </a:solidFill>
+                      <a:prstDash val="solid"/>
+                      <a:round/>
+                      <a:headEnd type="none" w="med" len="med"/>
+                      <a:tailEnd type="none" w="med" len="med"/>
+                    </a:lnR>
+                    <a:lnT w="6350" cap="flat" cmpd="sng" algn="ctr">
+                      <a:solidFill>
+                        <a:srgbClr val="000000"/>
+                      </a:solidFill>
+                      <a:prstDash val="solid"/>
+                      <a:round/>
+                      <a:headEnd type="none" w="med" len="med"/>
+                      <a:tailEnd type="none" w="med" len="med"/>
+                    </a:lnT>
+                    <a:lnB w="6350" cap="flat" cmpd="sng" algn="ctr">
+                      <a:solidFill>
+                        <a:srgbClr val="000000"/>
+                      </a:solidFill>
+                      <a:prstDash val="solid"/>
+                      <a:round/>
+                      <a:headEnd type="none" w="med" len="med"/>
+                      <a:tailEnd type="none" w="med" len="med"/>
+                    </a:lnB>
+                    <a:solidFill>
+                      <a:srgbClr val="262626"/>
+                    </a:solidFill>
+                  </a:tcPr>
+                </a:tc>
+                <a:extLst>
+                  <a:ext uri="{0D108BD9-81ED-4DB2-BD59-A6C34878D82A}">
+                    <a16:rowId xmlns:a16="http://schemas.microsoft.com/office/drawing/2014/main" val="3232288595"/>
+                  </a:ext>
+                </a:extLst>
+              </a:tr>
+            </a:tbl>
+          </a:graphicData>
+        </a:graphic>
+      </p:graphicFrame>
+      <p:pic>
+        <p:nvPicPr>
+          <p:cNvPr id="15" name="Image 14" descr="Une image contenant jeu, horloge&#10;&#10;Description générée automatiquement">
+            <a:extLst>
+              <a:ext uri="{FF2B5EF4-FFF2-40B4-BE49-F238E27FC236}">
+                <a16:creationId xmlns:a16="http://schemas.microsoft.com/office/drawing/2014/main" id="{A602F90A-A352-43BF-AEFB-0BE594283E2D}"/>
+              </a:ext>
+            </a:extLst>
+          </p:cNvPr>
+          <p:cNvPicPr>
+            <a:picLocks noChangeAspect="1"/>
+          </p:cNvPicPr>
+          <p:nvPr/>
+        </p:nvPicPr>
+        <p:blipFill>
+          <a:blip r:embed="rId2">
+            <a:extLst>
+              <a:ext uri="{28A0092B-C50C-407E-A947-70E740481C1C}">
+                <a14:useLocalDpi xmlns:a14="http://schemas.microsoft.com/office/drawing/2010/main" val="0"/>
+              </a:ext>
+            </a:extLst>
+          </a:blip>
+          <a:stretch>
+            <a:fillRect/>
+          </a:stretch>
+        </p:blipFill>
+        <p:spPr>
+          <a:xfrm>
+            <a:off x="9963269" y="200263"/>
+            <a:ext cx="1904762" cy="1904762"/>
+          </a:xfrm>
+          <a:prstGeom prst="rect">
+            <a:avLst/>
+          </a:prstGeom>
+        </p:spPr>
+      </p:pic>
+    </p:spTree>
+    <p:extLst>
+      <p:ext uri="{BB962C8B-B14F-4D97-AF65-F5344CB8AC3E}">
+        <p14:creationId xmlns:p14="http://schemas.microsoft.com/office/powerpoint/2010/main" val="569461234"/>
+      </p:ext>
+    </p:extLst>
+  </p:cSld>
+  <p:clrMapOvr>
+    <a:masterClrMapping/>
+  </p:clrMapOvr>
+  <mc:AlternateContent xmlns:mc="http://schemas.openxmlformats.org/markup-compatibility/2006" xmlns:p14="http://schemas.microsoft.com/office/powerpoint/2010/main">
+    <mc:Choice Requires="p14">
+      <p:transition spd="slow" p14:dur="3400">
+        <p14:reveal/>
+      </p:transition>
+    </mc:Choice>
+    <mc:Fallback xmlns="">
+      <p:transition spd="slow">
+        <p:fade/>
+      </p:transition>
+    </mc:Fallback>
+  </mc:AlternateContent>
+</p:sld>
+</file>
+
+<file path=ppt/slides/slide4.xml><?xml version="1.0" encoding="utf-8"?>
+<p:sld xmlns:a="http://schemas.openxmlformats.org/drawingml/2006/main" xmlns:r="http://schemas.openxmlformats.org/officeDocument/2006/relationships" xmlns:p="http://schemas.openxmlformats.org/presentationml/2006/main">
+  <p:cSld>
+    <p:spTree>
+      <p:nvGrpSpPr>
+        <p:cNvPr id="1" name=""/>
+        <p:cNvGrpSpPr/>
+        <p:nvPr/>
+      </p:nvGrpSpPr>
+      <p:grpSpPr>
+        <a:xfrm>
+          <a:off x="0" y="0"/>
+          <a:ext cx="0" cy="0"/>
+          <a:chOff x="0" y="0"/>
+          <a:chExt cx="0" cy="0"/>
+        </a:xfrm>
+      </p:grpSpPr>
+      <p:sp>
+        <p:nvSpPr>
+          <p:cNvPr id="2" name="Titre 1">
+            <a:extLst>
+              <a:ext uri="{FF2B5EF4-FFF2-40B4-BE49-F238E27FC236}">
+                <a16:creationId xmlns:a16="http://schemas.microsoft.com/office/drawing/2014/main" id="{F6CBBB52-48DE-406A-9460-C3A84A76E480}"/>
+              </a:ext>
+            </a:extLst>
+          </p:cNvPr>
+          <p:cNvSpPr>
+            <a:spLocks noGrp="1"/>
+          </p:cNvSpPr>
+          <p:nvPr>
+            <p:ph type="title"/>
+          </p:nvPr>
+        </p:nvSpPr>
+        <p:spPr>
+          <a:xfrm>
+            <a:off x="687551" y="130915"/>
+            <a:ext cx="10353762" cy="970450"/>
+          </a:xfrm>
+        </p:spPr>
+        <p:txBody>
+          <a:bodyPr/>
+          <a:lstStyle/>
+          <a:p>
+            <a:r>
+              <a:rPr lang="fr-FR" dirty="0"/>
+              <a:t>Cinq erreurs SEO.</a:t>
+            </a:r>
+          </a:p>
+        </p:txBody>
+      </p:sp>
+      <p:sp>
+        <p:nvSpPr>
+          <p:cNvPr id="3" name="Espace réservé du contenu 2">
+            <a:extLst>
+              <a:ext uri="{FF2B5EF4-FFF2-40B4-BE49-F238E27FC236}">
+                <a16:creationId xmlns:a16="http://schemas.microsoft.com/office/drawing/2014/main" id="{B47C7BB2-5F06-49EF-8A72-F53D002D430E}"/>
+              </a:ext>
+            </a:extLst>
+          </p:cNvPr>
+          <p:cNvSpPr>
+            <a:spLocks noGrp="1"/>
+          </p:cNvSpPr>
+          <p:nvPr>
+            <p:ph idx="1"/>
+          </p:nvPr>
+        </p:nvSpPr>
+        <p:spPr>
+          <a:xfrm>
+            <a:off x="282199" y="1101365"/>
+            <a:ext cx="10353762" cy="4058751"/>
+          </a:xfrm>
+        </p:spPr>
+        <p:txBody>
+          <a:bodyPr>
+            <a:normAutofit fontScale="92500" lnSpcReduction="10000"/>
+          </a:bodyPr>
+          <a:lstStyle/>
+          <a:p>
+            <a:pPr>
+              <a:buClr>
+                <a:srgbClr val="FFBB51"/>
+              </a:buClr>
+            </a:pPr>
+            <a:r>
+              <a:rPr lang="fr-FR" dirty="0"/>
+              <a:t>Le titre du site n’est pas renseigné. </a:t>
+            </a:r>
+          </a:p>
+          <a:p>
+            <a:pPr>
+              <a:buClr>
+                <a:srgbClr val="FFBB51"/>
+              </a:buClr>
+            </a:pPr>
+            <a:endParaRPr lang="fr-FR" dirty="0"/>
+          </a:p>
+          <a:p>
+            <a:pPr>
+              <a:buClr>
+                <a:srgbClr val="FFBB51"/>
+              </a:buClr>
+            </a:pPr>
+            <a:r>
+              <a:rPr lang="fr-FR" dirty="0"/>
+              <a:t>Une ligne de code contient des mots cachés pour tromper google</a:t>
+            </a:r>
+          </a:p>
+          <a:p>
+            <a:pPr>
+              <a:buClr>
+                <a:srgbClr val="FFBB51"/>
+              </a:buClr>
+            </a:pPr>
+            <a:endParaRPr lang="fr-FR" dirty="0"/>
+          </a:p>
+          <a:p>
+            <a:pPr>
+              <a:buClr>
+                <a:srgbClr val="FFBB51"/>
+              </a:buClr>
+            </a:pPr>
+            <a:endParaRPr lang="fr-FR" dirty="0"/>
+          </a:p>
+          <a:p>
+            <a:pPr>
+              <a:buClr>
+                <a:srgbClr val="FFBB51"/>
+              </a:buClr>
+            </a:pPr>
+            <a:r>
+              <a:rPr lang="fr-FR" dirty="0"/>
+              <a:t>La balise méta description n’est pas renseigné </a:t>
+            </a:r>
+          </a:p>
+          <a:p>
+            <a:pPr>
+              <a:buClr>
+                <a:srgbClr val="FFBB51"/>
+              </a:buClr>
+            </a:pPr>
+            <a:endParaRPr lang="fr-FR" dirty="0"/>
+          </a:p>
+          <a:p>
+            <a:pPr>
+              <a:buClr>
+                <a:srgbClr val="FFBB51"/>
+              </a:buClr>
+            </a:pPr>
+            <a:r>
+              <a:rPr lang="fr-FR" dirty="0"/>
+              <a:t>Les liens des réseaux sociaux retournent sur l’index</a:t>
+            </a:r>
+          </a:p>
+          <a:p>
+            <a:pPr>
+              <a:buClr>
+                <a:srgbClr val="FFBB51"/>
+              </a:buClr>
+            </a:pPr>
+            <a:endParaRPr lang="fr-FR" dirty="0"/>
+          </a:p>
+          <a:p>
+            <a:pPr>
+              <a:buClr>
+                <a:srgbClr val="FFBB51"/>
+              </a:buClr>
+            </a:pPr>
+            <a:r>
+              <a:rPr lang="fr-FR" dirty="0"/>
+              <a:t>Répétitions de mots clés non cohérents</a:t>
+            </a:r>
+          </a:p>
+          <a:p>
+            <a:pPr>
+              <a:buClr>
+                <a:srgbClr val="FFBB51"/>
+              </a:buClr>
+            </a:pPr>
+            <a:endParaRPr lang="fr-FR" dirty="0"/>
+          </a:p>
+          <a:p>
+            <a:endParaRPr lang="fr-FR" dirty="0"/>
+          </a:p>
+        </p:txBody>
+      </p:sp>
+      <p:sp>
+        <p:nvSpPr>
+          <p:cNvPr id="4" name="Espace réservé du pied de page 3">
+            <a:extLst>
+              <a:ext uri="{FF2B5EF4-FFF2-40B4-BE49-F238E27FC236}">
+                <a16:creationId xmlns:a16="http://schemas.microsoft.com/office/drawing/2014/main" id="{5F3BF9EE-3562-428C-9F81-E09CD271097C}"/>
+              </a:ext>
+            </a:extLst>
+          </p:cNvPr>
+          <p:cNvSpPr>
+            <a:spLocks noGrp="1"/>
+          </p:cNvSpPr>
+          <p:nvPr>
+            <p:ph type="ftr" sz="quarter" idx="11"/>
+          </p:nvPr>
+        </p:nvSpPr>
+        <p:spPr>
+          <a:xfrm>
+            <a:off x="0" y="6468415"/>
+            <a:ext cx="6672865" cy="365125"/>
+          </a:xfrm>
+        </p:spPr>
+        <p:txBody>
+          <a:bodyPr/>
+          <a:lstStyle/>
+          <a:p>
+            <a:r>
+              <a:rPr lang="fr-FR" dirty="0"/>
+              <a:t>Optimisez un site web existant - Projet 4 - Feys Olivier</a:t>
+            </a:r>
+          </a:p>
+        </p:txBody>
+      </p:sp>
+      <p:sp>
+        <p:nvSpPr>
+          <p:cNvPr id="5" name="Espace réservé du numéro de diapositive 4">
+            <a:extLst>
+              <a:ext uri="{FF2B5EF4-FFF2-40B4-BE49-F238E27FC236}">
+                <a16:creationId xmlns:a16="http://schemas.microsoft.com/office/drawing/2014/main" id="{E50F22E3-4616-4027-8458-0BAA7028AD5B}"/>
+              </a:ext>
+            </a:extLst>
+          </p:cNvPr>
+          <p:cNvSpPr>
+            <a:spLocks noGrp="1"/>
+          </p:cNvSpPr>
+          <p:nvPr>
+            <p:ph type="sldNum" sz="quarter" idx="12"/>
+          </p:nvPr>
+        </p:nvSpPr>
+        <p:spPr>
+          <a:xfrm>
+            <a:off x="11403273" y="6468414"/>
+            <a:ext cx="753545" cy="365125"/>
+          </a:xfrm>
+        </p:spPr>
+        <p:txBody>
+          <a:bodyPr/>
+          <a:lstStyle/>
+          <a:p>
+            <a:fld id="{C4346826-A150-40DA-A0FA-3017134F7F37}" type="slidenum">
+              <a:rPr lang="fr-FR" smtClean="0"/>
+              <a:t>4</a:t>
+            </a:fld>
+            <a:endParaRPr lang="fr-FR" dirty="0"/>
+          </a:p>
+        </p:txBody>
+      </p:sp>
+      <p:pic>
+        <p:nvPicPr>
+          <p:cNvPr id="7" name="Image 6">
+            <a:extLst>
+              <a:ext uri="{FF2B5EF4-FFF2-40B4-BE49-F238E27FC236}">
+                <a16:creationId xmlns:a16="http://schemas.microsoft.com/office/drawing/2014/main" id="{AC8D3A58-F8B9-42F5-B32D-8DFD6901311E}"/>
+              </a:ext>
+            </a:extLst>
+          </p:cNvPr>
+          <p:cNvPicPr>
+            <a:picLocks noChangeAspect="1"/>
+          </p:cNvPicPr>
+          <p:nvPr/>
+        </p:nvPicPr>
+        <p:blipFill>
+          <a:blip r:embed="rId2"/>
+          <a:stretch>
+            <a:fillRect/>
+          </a:stretch>
+        </p:blipFill>
+        <p:spPr>
+          <a:xfrm>
+            <a:off x="4400550" y="1072140"/>
+            <a:ext cx="1695450" cy="453721"/>
+          </a:xfrm>
+          <a:prstGeom prst="rect">
+            <a:avLst/>
+          </a:prstGeom>
+        </p:spPr>
+      </p:pic>
+      <p:pic>
+        <p:nvPicPr>
+          <p:cNvPr id="9" name="Image 8">
+            <a:extLst>
+              <a:ext uri="{FF2B5EF4-FFF2-40B4-BE49-F238E27FC236}">
+                <a16:creationId xmlns:a16="http://schemas.microsoft.com/office/drawing/2014/main" id="{A2CE58A6-1336-4887-9255-B41A76A50DE9}"/>
+              </a:ext>
+            </a:extLst>
+          </p:cNvPr>
+          <p:cNvPicPr>
+            <a:picLocks noChangeAspect="1"/>
+          </p:cNvPicPr>
+          <p:nvPr/>
+        </p:nvPicPr>
+        <p:blipFill>
+          <a:blip r:embed="rId3"/>
+          <a:stretch>
+            <a:fillRect/>
+          </a:stretch>
+        </p:blipFill>
+        <p:spPr>
+          <a:xfrm>
+            <a:off x="516427" y="2333370"/>
+            <a:ext cx="7467600" cy="428625"/>
+          </a:xfrm>
+          <a:prstGeom prst="rect">
+            <a:avLst/>
+          </a:prstGeom>
+        </p:spPr>
+      </p:pic>
+      <p:pic>
+        <p:nvPicPr>
+          <p:cNvPr id="11" name="Image 10">
+            <a:extLst>
+              <a:ext uri="{FF2B5EF4-FFF2-40B4-BE49-F238E27FC236}">
+                <a16:creationId xmlns:a16="http://schemas.microsoft.com/office/drawing/2014/main" id="{DBA1098B-DA62-485A-B04E-F9411B13910B}"/>
+              </a:ext>
+            </a:extLst>
+          </p:cNvPr>
+          <p:cNvPicPr>
+            <a:picLocks noChangeAspect="1"/>
+          </p:cNvPicPr>
+          <p:nvPr/>
+        </p:nvPicPr>
+        <p:blipFill>
+          <a:blip r:embed="rId4"/>
+          <a:stretch>
+            <a:fillRect/>
+          </a:stretch>
+        </p:blipFill>
+        <p:spPr>
+          <a:xfrm>
+            <a:off x="5607539" y="3101952"/>
+            <a:ext cx="3381375" cy="372470"/>
+          </a:xfrm>
+          <a:prstGeom prst="rect">
+            <a:avLst/>
+          </a:prstGeom>
+        </p:spPr>
+      </p:pic>
+      <p:pic>
+        <p:nvPicPr>
+          <p:cNvPr id="13" name="Image 12">
+            <a:extLst>
+              <a:ext uri="{FF2B5EF4-FFF2-40B4-BE49-F238E27FC236}">
+                <a16:creationId xmlns:a16="http://schemas.microsoft.com/office/drawing/2014/main" id="{8F4EFCFF-A7DC-469D-A30A-2BAC2E725076}"/>
+              </a:ext>
+            </a:extLst>
+          </p:cNvPr>
+          <p:cNvPicPr>
+            <a:picLocks noChangeAspect="1"/>
+          </p:cNvPicPr>
+          <p:nvPr/>
+        </p:nvPicPr>
+        <p:blipFill>
+          <a:blip r:embed="rId5"/>
+          <a:stretch>
+            <a:fillRect/>
+          </a:stretch>
+        </p:blipFill>
+        <p:spPr>
+          <a:xfrm>
+            <a:off x="516427" y="4210039"/>
+            <a:ext cx="6781800" cy="276225"/>
+          </a:xfrm>
+          <a:prstGeom prst="rect">
+            <a:avLst/>
+          </a:prstGeom>
+        </p:spPr>
+      </p:pic>
+      <p:pic>
+        <p:nvPicPr>
+          <p:cNvPr id="15" name="Image 14">
+            <a:extLst>
+              <a:ext uri="{FF2B5EF4-FFF2-40B4-BE49-F238E27FC236}">
+                <a16:creationId xmlns:a16="http://schemas.microsoft.com/office/drawing/2014/main" id="{A56EEB5F-CE48-4712-B1C7-2985C8B7456D}"/>
+              </a:ext>
+            </a:extLst>
+          </p:cNvPr>
+          <p:cNvPicPr>
+            <a:picLocks noChangeAspect="1"/>
+          </p:cNvPicPr>
+          <p:nvPr/>
+        </p:nvPicPr>
+        <p:blipFill>
+          <a:blip r:embed="rId6"/>
+          <a:stretch>
+            <a:fillRect/>
+          </a:stretch>
+        </p:blipFill>
+        <p:spPr>
+          <a:xfrm>
+            <a:off x="558511" y="4990348"/>
+            <a:ext cx="10077450" cy="438150"/>
+          </a:xfrm>
+          <a:prstGeom prst="rect">
+            <a:avLst/>
+          </a:prstGeom>
+        </p:spPr>
+      </p:pic>
+      <p:pic>
+        <p:nvPicPr>
+          <p:cNvPr id="17" name="Image 16" descr="Une image contenant jeu, horloge&#10;&#10;Description générée automatiquement">
+            <a:extLst>
+              <a:ext uri="{FF2B5EF4-FFF2-40B4-BE49-F238E27FC236}">
+                <a16:creationId xmlns:a16="http://schemas.microsoft.com/office/drawing/2014/main" id="{F0576FB8-0020-43DB-8840-EFBDE27BB19F}"/>
+              </a:ext>
+            </a:extLst>
+          </p:cNvPr>
+          <p:cNvPicPr>
+            <a:picLocks noChangeAspect="1"/>
+          </p:cNvPicPr>
+          <p:nvPr/>
+        </p:nvPicPr>
+        <p:blipFill>
+          <a:blip r:embed="rId7">
+            <a:extLst>
+              <a:ext uri="{28A0092B-C50C-407E-A947-70E740481C1C}">
+                <a14:useLocalDpi xmlns:a14="http://schemas.microsoft.com/office/drawing/2010/main" val="0"/>
+              </a:ext>
+            </a:extLst>
+          </a:blip>
+          <a:stretch>
+            <a:fillRect/>
+          </a:stretch>
+        </p:blipFill>
+        <p:spPr>
+          <a:xfrm>
+            <a:off x="9963269" y="200263"/>
+            <a:ext cx="1904762" cy="1904762"/>
+          </a:xfrm>
+          <a:prstGeom prst="rect">
+            <a:avLst/>
+          </a:prstGeom>
+        </p:spPr>
+      </p:pic>
+      <p:pic>
+        <p:nvPicPr>
+          <p:cNvPr id="19" name="Image 18">
+            <a:extLst>
+              <a:ext uri="{FF2B5EF4-FFF2-40B4-BE49-F238E27FC236}">
+                <a16:creationId xmlns:a16="http://schemas.microsoft.com/office/drawing/2014/main" id="{97F5462D-3E1A-4BD3-B6A5-A6498D0B6B23}"/>
+              </a:ext>
+            </a:extLst>
+          </p:cNvPr>
+          <p:cNvPicPr>
+            <a:picLocks noChangeAspect="1"/>
+          </p:cNvPicPr>
+          <p:nvPr/>
+        </p:nvPicPr>
+        <p:blipFill>
+          <a:blip r:embed="rId8"/>
+          <a:stretch>
+            <a:fillRect/>
+          </a:stretch>
+        </p:blipFill>
+        <p:spPr>
+          <a:xfrm>
+            <a:off x="4400550" y="1586026"/>
+            <a:ext cx="4095750" cy="295275"/>
+          </a:xfrm>
+          <a:prstGeom prst="rect">
+            <a:avLst/>
+          </a:prstGeom>
+        </p:spPr>
+      </p:pic>
+      <p:pic>
+        <p:nvPicPr>
+          <p:cNvPr id="21" name="Image 20">
+            <a:extLst>
+              <a:ext uri="{FF2B5EF4-FFF2-40B4-BE49-F238E27FC236}">
+                <a16:creationId xmlns:a16="http://schemas.microsoft.com/office/drawing/2014/main" id="{94266AC0-CD40-4204-B749-60E4DA6B2DD9}"/>
+              </a:ext>
+            </a:extLst>
+          </p:cNvPr>
+          <p:cNvPicPr>
+            <a:picLocks noChangeAspect="1"/>
+          </p:cNvPicPr>
+          <p:nvPr/>
+        </p:nvPicPr>
+        <p:blipFill>
+          <a:blip r:embed="rId9"/>
+          <a:stretch>
+            <a:fillRect/>
+          </a:stretch>
+        </p:blipFill>
+        <p:spPr>
+          <a:xfrm>
+            <a:off x="5607539" y="3429000"/>
+            <a:ext cx="6315075" cy="400050"/>
+          </a:xfrm>
+          <a:prstGeom prst="rect">
+            <a:avLst/>
+          </a:prstGeom>
+        </p:spPr>
+      </p:pic>
+      <p:pic>
+        <p:nvPicPr>
+          <p:cNvPr id="23" name="Image 22">
+            <a:extLst>
+              <a:ext uri="{FF2B5EF4-FFF2-40B4-BE49-F238E27FC236}">
+                <a16:creationId xmlns:a16="http://schemas.microsoft.com/office/drawing/2014/main" id="{4051B761-493C-4A5E-ACD4-534A29CFAA00}"/>
+              </a:ext>
+            </a:extLst>
+          </p:cNvPr>
+          <p:cNvPicPr>
+            <a:picLocks noChangeAspect="1"/>
+          </p:cNvPicPr>
+          <p:nvPr/>
+        </p:nvPicPr>
+        <p:blipFill>
+          <a:blip r:embed="rId10"/>
+          <a:stretch>
+            <a:fillRect/>
+          </a:stretch>
+        </p:blipFill>
+        <p:spPr>
+          <a:xfrm>
+            <a:off x="558511" y="5517581"/>
+            <a:ext cx="8562975" cy="628650"/>
+          </a:xfrm>
+          <a:prstGeom prst="rect">
+            <a:avLst/>
+          </a:prstGeom>
+        </p:spPr>
+      </p:pic>
+    </p:spTree>
+    <p:extLst>
+      <p:ext uri="{BB962C8B-B14F-4D97-AF65-F5344CB8AC3E}">
+        <p14:creationId xmlns:p14="http://schemas.microsoft.com/office/powerpoint/2010/main" val="1008617021"/>
+      </p:ext>
+    </p:extLst>
+  </p:cSld>
+  <p:clrMapOvr>
+    <a:masterClrMapping/>
+  </p:clrMapOvr>
+  <mc:AlternateContent xmlns:mc="http://schemas.openxmlformats.org/markup-compatibility/2006" xmlns:p14="http://schemas.microsoft.com/office/powerpoint/2010/main">
+    <mc:Choice Requires="p14">
+      <p:transition spd="slow" p14:dur="3400">
+        <p14:reveal/>
+      </p:transition>
+    </mc:Choice>
+    <mc:Fallback xmlns="">
+      <p:transition spd="slow">
+        <p:fade/>
+      </p:transition>
+    </mc:Fallback>
+  </mc:AlternateContent>
+</p:sld>
+</file>
+
+<file path=ppt/slides/slide5.xml><?xml version="1.0" encoding="utf-8"?>
+<p:sld xmlns:a="http://schemas.openxmlformats.org/drawingml/2006/main" xmlns:r="http://schemas.openxmlformats.org/officeDocument/2006/relationships" xmlns:p="http://schemas.openxmlformats.org/presentationml/2006/main">
+  <p:cSld>
+    <p:spTree>
+      <p:nvGrpSpPr>
+        <p:cNvPr id="1" name=""/>
+        <p:cNvGrpSpPr/>
+        <p:nvPr/>
+      </p:nvGrpSpPr>
+      <p:grpSpPr>
+        <a:xfrm>
+          <a:off x="0" y="0"/>
+          <a:ext cx="0" cy="0"/>
+          <a:chOff x="0" y="0"/>
+          <a:chExt cx="0" cy="0"/>
+        </a:xfrm>
+      </p:grpSpPr>
+      <p:sp>
+        <p:nvSpPr>
+          <p:cNvPr id="2" name="Titre 1">
+            <a:extLst>
+              <a:ext uri="{FF2B5EF4-FFF2-40B4-BE49-F238E27FC236}">
+                <a16:creationId xmlns:a16="http://schemas.microsoft.com/office/drawing/2014/main" id="{895BB7AD-C275-49C9-9544-4AAD0FC7CF77}"/>
+              </a:ext>
+            </a:extLst>
+          </p:cNvPr>
+          <p:cNvSpPr>
+            <a:spLocks noGrp="1"/>
+          </p:cNvSpPr>
+          <p:nvPr>
+            <p:ph type="title"/>
+          </p:nvPr>
+        </p:nvSpPr>
+        <p:spPr>
+          <a:xfrm>
+            <a:off x="537021" y="102635"/>
+            <a:ext cx="10353762" cy="970450"/>
+          </a:xfrm>
+        </p:spPr>
+        <p:txBody>
+          <a:bodyPr/>
+          <a:lstStyle/>
+          <a:p>
+            <a:r>
+              <a:rPr lang="fr-FR" dirty="0"/>
+              <a:t>Cinq erreurs d’accessibilités.</a:t>
+            </a:r>
+          </a:p>
+        </p:txBody>
+      </p:sp>
+      <p:sp>
+        <p:nvSpPr>
+          <p:cNvPr id="3" name="Espace réservé du contenu 2">
+            <a:extLst>
+              <a:ext uri="{FF2B5EF4-FFF2-40B4-BE49-F238E27FC236}">
+                <a16:creationId xmlns:a16="http://schemas.microsoft.com/office/drawing/2014/main" id="{E3D00492-CB56-4EF1-8B05-F0A8000CA1F5}"/>
+              </a:ext>
+            </a:extLst>
+          </p:cNvPr>
+          <p:cNvSpPr>
+            <a:spLocks noGrp="1"/>
+          </p:cNvSpPr>
+          <p:nvPr>
+            <p:ph idx="1"/>
+          </p:nvPr>
+        </p:nvSpPr>
+        <p:spPr>
+          <a:xfrm>
+            <a:off x="160249" y="1073085"/>
+            <a:ext cx="10353762" cy="4058751"/>
+          </a:xfrm>
+        </p:spPr>
+        <p:txBody>
+          <a:bodyPr>
+            <a:normAutofit fontScale="92500" lnSpcReduction="10000"/>
+          </a:bodyPr>
+          <a:lstStyle/>
+          <a:p>
+            <a:pPr>
+              <a:buClr>
+                <a:srgbClr val="FFBB51"/>
+              </a:buClr>
+            </a:pPr>
+            <a:r>
+              <a:rPr lang="fr-FR" dirty="0"/>
+              <a:t>La description des images n’est pas correct.</a:t>
+            </a:r>
+          </a:p>
+          <a:p>
+            <a:pPr>
+              <a:buClr>
+                <a:srgbClr val="FFBB51"/>
+              </a:buClr>
+            </a:pPr>
+            <a:endParaRPr lang="fr-FR" dirty="0"/>
+          </a:p>
+          <a:p>
+            <a:pPr>
+              <a:buClr>
+                <a:srgbClr val="FFBB51"/>
+              </a:buClr>
+            </a:pPr>
+            <a:r>
+              <a:rPr lang="fr-FR" dirty="0"/>
+              <a:t>La langue du site n’est pas renseignée. </a:t>
+            </a:r>
+          </a:p>
+          <a:p>
+            <a:pPr>
+              <a:buClr>
+                <a:srgbClr val="FFBB51"/>
+              </a:buClr>
+            </a:pPr>
+            <a:endParaRPr lang="fr-FR" dirty="0"/>
+          </a:p>
+          <a:p>
+            <a:pPr>
+              <a:buClr>
+                <a:srgbClr val="FFBB51"/>
+              </a:buClr>
+            </a:pPr>
+            <a:r>
+              <a:rPr lang="fr-FR" dirty="0"/>
+              <a:t>Il y a un paragraphe qui compte moins de 11px de haut.</a:t>
+            </a:r>
+          </a:p>
+          <a:p>
+            <a:pPr>
+              <a:buClr>
+                <a:srgbClr val="FFBB51"/>
+              </a:buClr>
+            </a:pPr>
+            <a:endParaRPr lang="fr-FR" dirty="0"/>
+          </a:p>
+          <a:p>
+            <a:pPr>
+              <a:buClr>
+                <a:srgbClr val="FFBB51"/>
+              </a:buClr>
+            </a:pPr>
+            <a:r>
+              <a:rPr lang="fr-FR" dirty="0"/>
+              <a:t>Les icones des réseaux sociaux sont trop petites.</a:t>
+            </a:r>
+          </a:p>
+          <a:p>
+            <a:pPr>
+              <a:buClr>
+                <a:srgbClr val="FFBB51"/>
+              </a:buClr>
+            </a:pPr>
+            <a:endParaRPr lang="fr-FR" dirty="0"/>
+          </a:p>
+          <a:p>
+            <a:pPr>
+              <a:buClr>
+                <a:srgbClr val="FFBB51"/>
+              </a:buClr>
+            </a:pPr>
+            <a:endParaRPr lang="fr-FR" dirty="0"/>
+          </a:p>
+          <a:p>
+            <a:pPr>
+              <a:buClr>
+                <a:srgbClr val="FFBB51"/>
+              </a:buClr>
+            </a:pPr>
+            <a:r>
+              <a:rPr lang="fr-FR" dirty="0"/>
+              <a:t>Le contraste pour le bouton contact n’est pas conforme.</a:t>
+            </a:r>
+          </a:p>
+          <a:p>
+            <a:endParaRPr lang="fr-FR" dirty="0"/>
+          </a:p>
+        </p:txBody>
+      </p:sp>
+      <p:sp>
+        <p:nvSpPr>
+          <p:cNvPr id="4" name="Espace réservé du pied de page 3">
+            <a:extLst>
+              <a:ext uri="{FF2B5EF4-FFF2-40B4-BE49-F238E27FC236}">
+                <a16:creationId xmlns:a16="http://schemas.microsoft.com/office/drawing/2014/main" id="{4506B6B8-57E2-4FE7-A50E-F8D3A65EFF5C}"/>
+              </a:ext>
+            </a:extLst>
+          </p:cNvPr>
+          <p:cNvSpPr>
+            <a:spLocks noGrp="1"/>
+          </p:cNvSpPr>
+          <p:nvPr>
+            <p:ph type="ftr" sz="quarter" idx="11"/>
+          </p:nvPr>
+        </p:nvSpPr>
+        <p:spPr>
+          <a:xfrm>
+            <a:off x="0" y="6427762"/>
+            <a:ext cx="6672865" cy="365125"/>
+          </a:xfrm>
+        </p:spPr>
+        <p:txBody>
+          <a:bodyPr/>
+          <a:lstStyle/>
+          <a:p>
+            <a:r>
+              <a:rPr lang="fr-FR" dirty="0"/>
+              <a:t>Optimisez un site web existant - Projet 4 - Feys Olivier</a:t>
+            </a:r>
+          </a:p>
+        </p:txBody>
+      </p:sp>
+      <p:sp>
+        <p:nvSpPr>
+          <p:cNvPr id="5" name="Espace réservé du numéro de diapositive 4">
+            <a:extLst>
+              <a:ext uri="{FF2B5EF4-FFF2-40B4-BE49-F238E27FC236}">
+                <a16:creationId xmlns:a16="http://schemas.microsoft.com/office/drawing/2014/main" id="{A2CBFF30-F66D-4FC2-9003-EE7091C9F5D7}"/>
+              </a:ext>
+            </a:extLst>
+          </p:cNvPr>
+          <p:cNvSpPr>
+            <a:spLocks noGrp="1"/>
+          </p:cNvSpPr>
+          <p:nvPr>
+            <p:ph type="sldNum" sz="quarter" idx="12"/>
+          </p:nvPr>
+        </p:nvSpPr>
+        <p:spPr>
+          <a:xfrm>
+            <a:off x="11352996" y="6427762"/>
+            <a:ext cx="753545" cy="365125"/>
+          </a:xfrm>
+        </p:spPr>
+        <p:txBody>
+          <a:bodyPr/>
+          <a:lstStyle/>
+          <a:p>
+            <a:fld id="{C4346826-A150-40DA-A0FA-3017134F7F37}" type="slidenum">
+              <a:rPr lang="fr-FR" smtClean="0"/>
+              <a:t>5</a:t>
+            </a:fld>
+            <a:endParaRPr lang="fr-FR" dirty="0"/>
+          </a:p>
+        </p:txBody>
+      </p:sp>
+      <p:pic>
+        <p:nvPicPr>
+          <p:cNvPr id="9" name="Image 8">
+            <a:extLst>
+              <a:ext uri="{FF2B5EF4-FFF2-40B4-BE49-F238E27FC236}">
+                <a16:creationId xmlns:a16="http://schemas.microsoft.com/office/drawing/2014/main" id="{05E9B1EF-DDF0-4936-9E4D-193E3B5B6634}"/>
+              </a:ext>
+            </a:extLst>
+          </p:cNvPr>
+          <p:cNvPicPr>
+            <a:picLocks noChangeAspect="1"/>
+          </p:cNvPicPr>
+          <p:nvPr/>
+        </p:nvPicPr>
+        <p:blipFill>
+          <a:blip r:embed="rId2"/>
+          <a:stretch>
+            <a:fillRect/>
+          </a:stretch>
+        </p:blipFill>
+        <p:spPr>
+          <a:xfrm>
+            <a:off x="537021" y="2259473"/>
+            <a:ext cx="1819275" cy="219075"/>
+          </a:xfrm>
+          <a:prstGeom prst="rect">
+            <a:avLst/>
+          </a:prstGeom>
+        </p:spPr>
+      </p:pic>
+      <p:pic>
+        <p:nvPicPr>
+          <p:cNvPr id="11" name="Image 10">
+            <a:extLst>
+              <a:ext uri="{FF2B5EF4-FFF2-40B4-BE49-F238E27FC236}">
+                <a16:creationId xmlns:a16="http://schemas.microsoft.com/office/drawing/2014/main" id="{BA047C65-CDD8-4D96-8370-A670CDF1ADB4}"/>
+              </a:ext>
+            </a:extLst>
+          </p:cNvPr>
+          <p:cNvPicPr>
+            <a:picLocks noChangeAspect="1"/>
+          </p:cNvPicPr>
+          <p:nvPr/>
+        </p:nvPicPr>
+        <p:blipFill>
+          <a:blip r:embed="rId3"/>
+          <a:stretch>
+            <a:fillRect/>
+          </a:stretch>
+        </p:blipFill>
+        <p:spPr>
+          <a:xfrm>
+            <a:off x="414769" y="5125776"/>
+            <a:ext cx="1895475" cy="685800"/>
+          </a:xfrm>
+          <a:prstGeom prst="rect">
+            <a:avLst/>
+          </a:prstGeom>
+        </p:spPr>
+      </p:pic>
+      <p:pic>
+        <p:nvPicPr>
+          <p:cNvPr id="13" name="Image 12">
+            <a:extLst>
+              <a:ext uri="{FF2B5EF4-FFF2-40B4-BE49-F238E27FC236}">
+                <a16:creationId xmlns:a16="http://schemas.microsoft.com/office/drawing/2014/main" id="{74930863-50CB-4BE0-AB78-7758EBB47D71}"/>
+              </a:ext>
+            </a:extLst>
+          </p:cNvPr>
+          <p:cNvPicPr>
+            <a:picLocks noChangeAspect="1"/>
+          </p:cNvPicPr>
+          <p:nvPr/>
+        </p:nvPicPr>
+        <p:blipFill>
+          <a:blip r:embed="rId4"/>
+          <a:stretch>
+            <a:fillRect/>
+          </a:stretch>
+        </p:blipFill>
+        <p:spPr>
+          <a:xfrm>
+            <a:off x="6584550" y="1942312"/>
+            <a:ext cx="5338879" cy="1257910"/>
+          </a:xfrm>
+          <a:prstGeom prst="rect">
+            <a:avLst/>
+          </a:prstGeom>
+        </p:spPr>
+      </p:pic>
+      <p:pic>
+        <p:nvPicPr>
+          <p:cNvPr id="17" name="Image 16">
+            <a:extLst>
+              <a:ext uri="{FF2B5EF4-FFF2-40B4-BE49-F238E27FC236}">
+                <a16:creationId xmlns:a16="http://schemas.microsoft.com/office/drawing/2014/main" id="{1B4A99E2-D3EC-4B94-9EE3-05C0BD421285}"/>
+              </a:ext>
+            </a:extLst>
+          </p:cNvPr>
+          <p:cNvPicPr>
+            <a:picLocks noChangeAspect="1"/>
+          </p:cNvPicPr>
+          <p:nvPr/>
+        </p:nvPicPr>
+        <p:blipFill>
+          <a:blip r:embed="rId5"/>
+          <a:stretch>
+            <a:fillRect/>
+          </a:stretch>
+        </p:blipFill>
+        <p:spPr>
+          <a:xfrm>
+            <a:off x="676707" y="3926849"/>
+            <a:ext cx="685800" cy="552450"/>
+          </a:xfrm>
+          <a:prstGeom prst="rect">
+            <a:avLst/>
+          </a:prstGeom>
+        </p:spPr>
+      </p:pic>
+      <p:pic>
+        <p:nvPicPr>
+          <p:cNvPr id="19" name="Image 18">
+            <a:extLst>
+              <a:ext uri="{FF2B5EF4-FFF2-40B4-BE49-F238E27FC236}">
+                <a16:creationId xmlns:a16="http://schemas.microsoft.com/office/drawing/2014/main" id="{A3CC562D-0BD3-43CE-B883-A0D3E29F2AE8}"/>
+              </a:ext>
+            </a:extLst>
+          </p:cNvPr>
+          <p:cNvPicPr>
+            <a:picLocks noChangeAspect="1"/>
+          </p:cNvPicPr>
+          <p:nvPr/>
+        </p:nvPicPr>
+        <p:blipFill>
+          <a:blip r:embed="rId6"/>
+          <a:stretch>
+            <a:fillRect/>
+          </a:stretch>
+        </p:blipFill>
+        <p:spPr>
+          <a:xfrm>
+            <a:off x="2564764" y="5125776"/>
+            <a:ext cx="2143125" cy="857250"/>
+          </a:xfrm>
+          <a:prstGeom prst="rect">
+            <a:avLst/>
+          </a:prstGeom>
+        </p:spPr>
+      </p:pic>
+      <p:pic>
+        <p:nvPicPr>
+          <p:cNvPr id="21" name="Image 20">
+            <a:extLst>
+              <a:ext uri="{FF2B5EF4-FFF2-40B4-BE49-F238E27FC236}">
+                <a16:creationId xmlns:a16="http://schemas.microsoft.com/office/drawing/2014/main" id="{F58AEB0F-3F7F-4CCB-B635-BE60D8DF6515}"/>
+              </a:ext>
+            </a:extLst>
+          </p:cNvPr>
+          <p:cNvPicPr>
+            <a:picLocks noChangeAspect="1"/>
+          </p:cNvPicPr>
+          <p:nvPr/>
+        </p:nvPicPr>
+        <p:blipFill>
+          <a:blip r:embed="rId7"/>
+          <a:stretch>
+            <a:fillRect/>
+          </a:stretch>
+        </p:blipFill>
+        <p:spPr>
+          <a:xfrm>
+            <a:off x="5907176" y="3353122"/>
+            <a:ext cx="6124575" cy="1257300"/>
+          </a:xfrm>
+          <a:prstGeom prst="rect">
+            <a:avLst/>
+          </a:prstGeom>
+        </p:spPr>
+      </p:pic>
+      <p:pic>
+        <p:nvPicPr>
+          <p:cNvPr id="23" name="Image 22">
+            <a:extLst>
+              <a:ext uri="{FF2B5EF4-FFF2-40B4-BE49-F238E27FC236}">
+                <a16:creationId xmlns:a16="http://schemas.microsoft.com/office/drawing/2014/main" id="{C9B86139-AE81-4E64-8094-F1AC324C1A5D}"/>
+              </a:ext>
+            </a:extLst>
+          </p:cNvPr>
+          <p:cNvPicPr>
+            <a:picLocks noChangeAspect="1"/>
+          </p:cNvPicPr>
+          <p:nvPr/>
+        </p:nvPicPr>
+        <p:blipFill>
+          <a:blip r:embed="rId8"/>
+          <a:stretch>
+            <a:fillRect/>
+          </a:stretch>
+        </p:blipFill>
+        <p:spPr>
+          <a:xfrm>
+            <a:off x="1677989" y="3886522"/>
+            <a:ext cx="733425" cy="723900"/>
+          </a:xfrm>
+          <a:prstGeom prst="rect">
+            <a:avLst/>
+          </a:prstGeom>
+        </p:spPr>
+      </p:pic>
+      <p:pic>
+        <p:nvPicPr>
+          <p:cNvPr id="25" name="Image 24">
+            <a:extLst>
+              <a:ext uri="{FF2B5EF4-FFF2-40B4-BE49-F238E27FC236}">
+                <a16:creationId xmlns:a16="http://schemas.microsoft.com/office/drawing/2014/main" id="{3342D27E-0EE7-4A18-BD2C-515896F65354}"/>
+              </a:ext>
+            </a:extLst>
+          </p:cNvPr>
+          <p:cNvPicPr>
+            <a:picLocks noChangeAspect="1"/>
+          </p:cNvPicPr>
+          <p:nvPr/>
+        </p:nvPicPr>
+        <p:blipFill>
+          <a:blip r:embed="rId9"/>
+          <a:stretch>
+            <a:fillRect/>
+          </a:stretch>
+        </p:blipFill>
+        <p:spPr>
+          <a:xfrm>
+            <a:off x="5337130" y="1002873"/>
+            <a:ext cx="6200775" cy="504825"/>
+          </a:xfrm>
+          <a:prstGeom prst="rect">
+            <a:avLst/>
+          </a:prstGeom>
+        </p:spPr>
+      </p:pic>
+      <p:pic>
+        <p:nvPicPr>
+          <p:cNvPr id="27" name="Image 26" descr="Une image contenant jeu, horloge&#10;&#10;Description générée automatiquement">
+            <a:extLst>
+              <a:ext uri="{FF2B5EF4-FFF2-40B4-BE49-F238E27FC236}">
+                <a16:creationId xmlns:a16="http://schemas.microsoft.com/office/drawing/2014/main" id="{DA4CCAF0-24D0-4D44-AF53-E22221532385}"/>
+              </a:ext>
+            </a:extLst>
+          </p:cNvPr>
+          <p:cNvPicPr>
+            <a:picLocks noChangeAspect="1"/>
+          </p:cNvPicPr>
+          <p:nvPr/>
+        </p:nvPicPr>
+        <p:blipFill>
+          <a:blip r:embed="rId10">
+            <a:extLst>
+              <a:ext uri="{28A0092B-C50C-407E-A947-70E740481C1C}">
+                <a14:useLocalDpi xmlns:a14="http://schemas.microsoft.com/office/drawing/2010/main" val="0"/>
+              </a:ext>
+            </a:extLst>
+          </a:blip>
+          <a:stretch>
+            <a:fillRect/>
+          </a:stretch>
+        </p:blipFill>
+        <p:spPr>
+          <a:xfrm>
+            <a:off x="10012064" y="4850603"/>
+            <a:ext cx="1904762" cy="1904762"/>
+          </a:xfrm>
+          <a:prstGeom prst="rect">
+            <a:avLst/>
+          </a:prstGeom>
+        </p:spPr>
+      </p:pic>
+    </p:spTree>
+    <p:extLst>
+      <p:ext uri="{BB962C8B-B14F-4D97-AF65-F5344CB8AC3E}">
+        <p14:creationId xmlns:p14="http://schemas.microsoft.com/office/powerpoint/2010/main" val="1884636132"/>
+      </p:ext>
+    </p:extLst>
+  </p:cSld>
+  <p:clrMapOvr>
+    <a:masterClrMapping/>
+  </p:clrMapOvr>
+  <mc:AlternateContent xmlns:mc="http://schemas.openxmlformats.org/markup-compatibility/2006" xmlns:p14="http://schemas.microsoft.com/office/powerpoint/2010/main">
+    <mc:Choice Requires="p14">
+      <p:transition spd="slow" p14:dur="3400">
+        <p14:reveal/>
+      </p:transition>
+    </mc:Choice>
+    <mc:Fallback xmlns="">
+      <p:transition spd="slow">
+        <p:fade/>
+      </p:transition>
+    </mc:Fallback>
+  </mc:AlternateContent>
+</p:sld>
+</file>
+
+<file path=ppt/slides/slide6.xml><?xml version="1.0" encoding="utf-8"?>
+<p:sld xmlns:a="http://schemas.openxmlformats.org/drawingml/2006/main" xmlns:r="http://schemas.openxmlformats.org/officeDocument/2006/relationships" xmlns:p="http://schemas.openxmlformats.org/presentationml/2006/main">
+  <p:cSld>
+    <p:spTree>
+      <p:nvGrpSpPr>
+        <p:cNvPr id="1" name=""/>
+        <p:cNvGrpSpPr/>
+        <p:nvPr/>
+      </p:nvGrpSpPr>
+      <p:grpSpPr>
+        <a:xfrm>
+          <a:off x="0" y="0"/>
+          <a:ext cx="0" cy="0"/>
+          <a:chOff x="0" y="0"/>
+          <a:chExt cx="0" cy="0"/>
+        </a:xfrm>
+      </p:grpSpPr>
+      <p:sp>
+        <p:nvSpPr>
+          <p:cNvPr id="2" name="Titre 1">
+            <a:extLst>
+              <a:ext uri="{FF2B5EF4-FFF2-40B4-BE49-F238E27FC236}">
+                <a16:creationId xmlns:a16="http://schemas.microsoft.com/office/drawing/2014/main" id="{67BA66C0-6ACC-40D6-AD53-7AF6373F67B8}"/>
+              </a:ext>
+            </a:extLst>
+          </p:cNvPr>
+          <p:cNvSpPr>
+            <a:spLocks noGrp="1"/>
+          </p:cNvSpPr>
+          <p:nvPr>
+            <p:ph type="title"/>
+          </p:nvPr>
+        </p:nvSpPr>
+        <p:spPr/>
+        <p:txBody>
+          <a:bodyPr>
+            <a:normAutofit/>
+          </a:bodyPr>
+          <a:lstStyle/>
+          <a:p>
+            <a:r>
+              <a:rPr lang="fr-FR" dirty="0"/>
+              <a:t>Les mots clés</a:t>
+            </a:r>
+          </a:p>
+        </p:txBody>
+      </p:sp>
+      <p:sp>
+        <p:nvSpPr>
+          <p:cNvPr id="4" name="Espace réservé du pied de page 3">
+            <a:extLst>
+              <a:ext uri="{FF2B5EF4-FFF2-40B4-BE49-F238E27FC236}">
+                <a16:creationId xmlns:a16="http://schemas.microsoft.com/office/drawing/2014/main" id="{85AE0F70-38F4-4777-9A80-7E68499592AF}"/>
+              </a:ext>
+            </a:extLst>
+          </p:cNvPr>
+          <p:cNvSpPr>
+            <a:spLocks noGrp="1"/>
+          </p:cNvSpPr>
+          <p:nvPr>
+            <p:ph type="ftr" sz="quarter" idx="11"/>
+          </p:nvPr>
+        </p:nvSpPr>
+        <p:spPr>
+          <a:xfrm>
+            <a:off x="0" y="6488599"/>
+            <a:ext cx="6672865" cy="365125"/>
+          </a:xfrm>
+        </p:spPr>
+        <p:txBody>
+          <a:bodyPr/>
+          <a:lstStyle/>
+          <a:p>
+            <a:r>
+              <a:rPr lang="fr-FR"/>
+              <a:t>Optimisez un site web existant - Projet 4 - Feys Olivier</a:t>
+            </a:r>
+          </a:p>
+        </p:txBody>
+      </p:sp>
+      <p:sp>
+        <p:nvSpPr>
+          <p:cNvPr id="5" name="Espace réservé du numéro de diapositive 4">
+            <a:extLst>
+              <a:ext uri="{FF2B5EF4-FFF2-40B4-BE49-F238E27FC236}">
+                <a16:creationId xmlns:a16="http://schemas.microsoft.com/office/drawing/2014/main" id="{1C9A9B81-3A0B-42DA-8C26-8A3064CF4B26}"/>
+              </a:ext>
+            </a:extLst>
+          </p:cNvPr>
+          <p:cNvSpPr>
+            <a:spLocks noGrp="1"/>
+          </p:cNvSpPr>
+          <p:nvPr>
+            <p:ph type="sldNum" sz="quarter" idx="12"/>
+          </p:nvPr>
+        </p:nvSpPr>
+        <p:spPr>
+          <a:xfrm>
+            <a:off x="11438455" y="6488598"/>
+            <a:ext cx="753545" cy="365125"/>
+          </a:xfrm>
+        </p:spPr>
+        <p:txBody>
+          <a:bodyPr/>
+          <a:lstStyle/>
+          <a:p>
+            <a:fld id="{C4346826-A150-40DA-A0FA-3017134F7F37}" type="slidenum">
+              <a:rPr lang="fr-FR" smtClean="0"/>
+              <a:t>6</a:t>
+            </a:fld>
+            <a:endParaRPr lang="fr-FR" dirty="0"/>
+          </a:p>
+        </p:txBody>
+      </p:sp>
+      <p:graphicFrame>
+        <p:nvGraphicFramePr>
+          <p:cNvPr id="21" name="Espace réservé du contenu 20">
+            <a:extLst>
+              <a:ext uri="{FF2B5EF4-FFF2-40B4-BE49-F238E27FC236}">
+                <a16:creationId xmlns:a16="http://schemas.microsoft.com/office/drawing/2014/main" id="{D6D78CCB-8B40-487C-B5B2-537118AFC30E}"/>
+              </a:ext>
+            </a:extLst>
+          </p:cNvPr>
+          <p:cNvGraphicFramePr>
+            <a:graphicFrameLocks noGrp="1"/>
+          </p:cNvGraphicFramePr>
+          <p:nvPr>
+            <p:ph idx="1"/>
+            <p:extLst>
+              <p:ext uri="{D42A27DB-BD31-4B8C-83A1-F6EECF244321}">
+                <p14:modId xmlns:p14="http://schemas.microsoft.com/office/powerpoint/2010/main" val="833244469"/>
+              </p:ext>
+            </p:extLst>
+          </p:nvPr>
+        </p:nvGraphicFramePr>
+        <p:xfrm>
+          <a:off x="188535" y="1360219"/>
+          <a:ext cx="11689237" cy="5002872"/>
+        </p:xfrm>
+        <a:graphic>
+          <a:graphicData uri="http://schemas.openxmlformats.org/drawingml/2006/table">
+            <a:tbl>
+              <a:tblPr/>
+              <a:tblGrid>
+                <a:gridCol w="2356288">
+                  <a:extLst>
+                    <a:ext uri="{9D8B030D-6E8A-4147-A177-3AD203B41FA5}">
+                      <a16:colId xmlns:a16="http://schemas.microsoft.com/office/drawing/2014/main" val="1274738162"/>
+                    </a:ext>
+                  </a:extLst>
+                </a:gridCol>
+                <a:gridCol w="1649401">
+                  <a:extLst>
+                    <a:ext uri="{9D8B030D-6E8A-4147-A177-3AD203B41FA5}">
+                      <a16:colId xmlns:a16="http://schemas.microsoft.com/office/drawing/2014/main" val="3955225849"/>
+                    </a:ext>
+                  </a:extLst>
+                </a:gridCol>
+                <a:gridCol w="3278314">
+                  <a:extLst>
+                    <a:ext uri="{9D8B030D-6E8A-4147-A177-3AD203B41FA5}">
+                      <a16:colId xmlns:a16="http://schemas.microsoft.com/office/drawing/2014/main" val="2382369420"/>
+                    </a:ext>
+                  </a:extLst>
+                </a:gridCol>
+                <a:gridCol w="2725098">
+                  <a:extLst>
+                    <a:ext uri="{9D8B030D-6E8A-4147-A177-3AD203B41FA5}">
+                      <a16:colId xmlns:a16="http://schemas.microsoft.com/office/drawing/2014/main" val="3166261810"/>
+                    </a:ext>
+                  </a:extLst>
+                </a:gridCol>
+                <a:gridCol w="1680136">
+                  <a:extLst>
+                    <a:ext uri="{9D8B030D-6E8A-4147-A177-3AD203B41FA5}">
+                      <a16:colId xmlns:a16="http://schemas.microsoft.com/office/drawing/2014/main" val="2281060492"/>
+                    </a:ext>
+                  </a:extLst>
+                </a:gridCol>
+              </a:tblGrid>
+              <a:tr h="361761">
+                <a:tc>
+                  <a:txBody>
+                    <a:bodyPr/>
+                    <a:lstStyle/>
+                    <a:p>
+                      <a:pPr algn="ctr" fontAlgn="b"/>
+                      <a:r>
+                        <a:rPr lang="fr-FR" sz="1400" b="1" i="0" u="sng" strike="noStrike">
+                          <a:solidFill>
+                            <a:srgbClr val="00B0F0"/>
+                          </a:solidFill>
+                          <a:effectLst/>
+                          <a:latin typeface="Arial" panose="020B0604020202020204" pitchFamily="34" charset="0"/>
+                        </a:rPr>
+                        <a:t>Mots Clés</a:t>
+                      </a:r>
+                    </a:p>
+                  </a:txBody>
+                  <a:tcPr marL="5445" marR="5445" marT="5445" marB="0" anchor="b">
+                    <a:lnL>
+                      <a:noFill/>
+                    </a:lnL>
+                    <a:lnR>
+                      <a:noFill/>
+                    </a:lnR>
+                    <a:lnT>
+                      <a:noFill/>
+                    </a:lnT>
+                    <a:lnB>
+                      <a:noFill/>
+                    </a:lnB>
+                    <a:solidFill>
+                      <a:srgbClr val="262626"/>
+                    </a:solidFill>
+                  </a:tcPr>
+                </a:tc>
+                <a:tc>
+                  <a:txBody>
+                    <a:bodyPr/>
+                    <a:lstStyle/>
+                    <a:p>
+                      <a:pPr algn="ctr" fontAlgn="b"/>
+                      <a:r>
+                        <a:rPr lang="fr-FR" sz="1100" b="1" i="0" u="none" strike="noStrike">
+                          <a:solidFill>
+                            <a:srgbClr val="FFFFFF"/>
+                          </a:solidFill>
+                          <a:effectLst/>
+                          <a:latin typeface="Arial" panose="020B0604020202020204" pitchFamily="34" charset="0"/>
+                        </a:rPr>
+                        <a:t> </a:t>
+                      </a:r>
+                    </a:p>
+                  </a:txBody>
+                  <a:tcPr marL="5445" marR="5445" marT="5445" marB="0" anchor="b">
+                    <a:lnL>
+                      <a:noFill/>
+                    </a:lnL>
+                    <a:lnR>
+                      <a:noFill/>
+                    </a:lnR>
+                    <a:lnT>
+                      <a:noFill/>
+                    </a:lnT>
+                    <a:lnB>
+                      <a:noFill/>
+                    </a:lnB>
+                    <a:solidFill>
+                      <a:srgbClr val="262626"/>
+                    </a:solidFill>
+                  </a:tcPr>
+                </a:tc>
+                <a:tc>
+                  <a:txBody>
+                    <a:bodyPr/>
+                    <a:lstStyle/>
+                    <a:p>
+                      <a:pPr algn="ctr" fontAlgn="b"/>
+                      <a:r>
+                        <a:rPr lang="fr-FR" sz="1100" b="1" i="0" u="none" strike="noStrike">
+                          <a:solidFill>
+                            <a:srgbClr val="FFFFFF"/>
+                          </a:solidFill>
+                          <a:effectLst/>
+                          <a:latin typeface="Arial" panose="020B0604020202020204" pitchFamily="34" charset="0"/>
+                        </a:rPr>
+                        <a:t> </a:t>
+                      </a:r>
+                    </a:p>
+                  </a:txBody>
+                  <a:tcPr marL="5445" marR="5445" marT="5445" marB="0" anchor="b">
+                    <a:lnL>
+                      <a:noFill/>
+                    </a:lnL>
+                    <a:lnR>
+                      <a:noFill/>
+                    </a:lnR>
+                    <a:lnT>
+                      <a:noFill/>
+                    </a:lnT>
+                    <a:lnB>
+                      <a:noFill/>
+                    </a:lnB>
+                    <a:solidFill>
+                      <a:srgbClr val="262626"/>
+                    </a:solidFill>
+                  </a:tcPr>
+                </a:tc>
+                <a:tc>
+                  <a:txBody>
+                    <a:bodyPr/>
+                    <a:lstStyle/>
+                    <a:p>
+                      <a:pPr algn="ctr" fontAlgn="b"/>
+                      <a:r>
+                        <a:rPr lang="fr-FR" sz="1100" b="1" i="0" u="none" strike="noStrike">
+                          <a:solidFill>
+                            <a:srgbClr val="FFFFFF"/>
+                          </a:solidFill>
+                          <a:effectLst/>
+                          <a:latin typeface="Arial" panose="020B0604020202020204" pitchFamily="34" charset="0"/>
+                        </a:rPr>
+                        <a:t> </a:t>
+                      </a:r>
+                    </a:p>
+                  </a:txBody>
+                  <a:tcPr marL="5445" marR="5445" marT="5445" marB="0" anchor="b">
+                    <a:lnL>
+                      <a:noFill/>
+                    </a:lnL>
+                    <a:lnR>
+                      <a:noFill/>
+                    </a:lnR>
+                    <a:lnT>
+                      <a:noFill/>
+                    </a:lnT>
+                    <a:lnB>
+                      <a:noFill/>
+                    </a:lnB>
+                    <a:solidFill>
+                      <a:srgbClr val="262626"/>
+                    </a:solidFill>
+                  </a:tcPr>
+                </a:tc>
+                <a:tc>
+                  <a:txBody>
+                    <a:bodyPr/>
+                    <a:lstStyle/>
+                    <a:p>
+                      <a:pPr algn="ctr" fontAlgn="b"/>
+                      <a:r>
+                        <a:rPr lang="fr-FR" sz="1100" b="1" i="0" u="none" strike="noStrike">
+                          <a:solidFill>
+                            <a:srgbClr val="FFFFFF"/>
+                          </a:solidFill>
+                          <a:effectLst/>
+                          <a:latin typeface="Arial" panose="020B0604020202020204" pitchFamily="34" charset="0"/>
+                        </a:rPr>
+                        <a:t> </a:t>
+                      </a:r>
+                    </a:p>
+                  </a:txBody>
+                  <a:tcPr marL="5445" marR="5445" marT="5445" marB="0" anchor="b">
+                    <a:lnL>
+                      <a:noFill/>
+                    </a:lnL>
+                    <a:lnR>
+                      <a:noFill/>
+                    </a:lnR>
+                    <a:lnT>
+                      <a:noFill/>
+                    </a:lnT>
+                    <a:lnB>
+                      <a:noFill/>
+                    </a:lnB>
+                    <a:solidFill>
+                      <a:srgbClr val="262626"/>
+                    </a:solidFill>
+                  </a:tcPr>
+                </a:tc>
+                <a:extLst>
+                  <a:ext uri="{0D108BD9-81ED-4DB2-BD59-A6C34878D82A}">
+                    <a16:rowId xmlns:a16="http://schemas.microsoft.com/office/drawing/2014/main" val="956789273"/>
+                  </a:ext>
+                </a:extLst>
+              </a:tr>
+              <a:tr h="291172">
+                <a:tc>
+                  <a:txBody>
+                    <a:bodyPr/>
+                    <a:lstStyle/>
+                    <a:p>
+                      <a:pPr algn="ctr" fontAlgn="b"/>
+                      <a:r>
+                        <a:rPr lang="fr-FR" sz="1100" b="1" i="0" u="none" strike="noStrike">
+                          <a:solidFill>
+                            <a:srgbClr val="FFFFFF"/>
+                          </a:solidFill>
+                          <a:effectLst/>
+                          <a:latin typeface="Arial" panose="020B0604020202020204" pitchFamily="34" charset="0"/>
+                        </a:rPr>
+                        <a:t> </a:t>
+                      </a:r>
+                    </a:p>
+                  </a:txBody>
+                  <a:tcPr marL="5445" marR="5445" marT="5445" marB="0" anchor="b">
+                    <a:lnL>
+                      <a:noFill/>
+                    </a:lnL>
+                    <a:lnR>
+                      <a:noFill/>
+                    </a:lnR>
+                    <a:lnT>
+                      <a:noFill/>
+                    </a:lnT>
+                    <a:lnB>
+                      <a:noFill/>
+                    </a:lnB>
+                    <a:solidFill>
+                      <a:srgbClr val="262626"/>
+                    </a:solidFill>
+                  </a:tcPr>
+                </a:tc>
+                <a:tc>
+                  <a:txBody>
+                    <a:bodyPr/>
+                    <a:lstStyle/>
+                    <a:p>
+                      <a:pPr algn="ctr" fontAlgn="b"/>
+                      <a:r>
+                        <a:rPr lang="fr-FR" sz="1100" b="1" i="0" u="none" strike="noStrike">
+                          <a:solidFill>
+                            <a:srgbClr val="FFFFFF"/>
+                          </a:solidFill>
+                          <a:effectLst/>
+                          <a:latin typeface="Arial" panose="020B0604020202020204" pitchFamily="34" charset="0"/>
+                        </a:rPr>
+                        <a:t> </a:t>
+                      </a:r>
+                    </a:p>
+                  </a:txBody>
+                  <a:tcPr marL="5445" marR="5445" marT="5445" marB="0" anchor="b">
+                    <a:lnL>
+                      <a:noFill/>
+                    </a:lnL>
+                    <a:lnR>
+                      <a:noFill/>
+                    </a:lnR>
+                    <a:lnT>
+                      <a:noFill/>
+                    </a:lnT>
+                    <a:lnB>
+                      <a:noFill/>
+                    </a:lnB>
+                    <a:solidFill>
+                      <a:srgbClr val="262626"/>
+                    </a:solidFill>
+                  </a:tcPr>
+                </a:tc>
+                <a:tc>
+                  <a:txBody>
+                    <a:bodyPr/>
+                    <a:lstStyle/>
+                    <a:p>
+                      <a:pPr algn="ctr" fontAlgn="b"/>
+                      <a:r>
+                        <a:rPr lang="fr-FR" sz="1100" b="1" i="0" u="none" strike="noStrike">
+                          <a:solidFill>
+                            <a:srgbClr val="FFFFFF"/>
+                          </a:solidFill>
+                          <a:effectLst/>
+                          <a:latin typeface="Arial" panose="020B0604020202020204" pitchFamily="34" charset="0"/>
+                        </a:rPr>
+                        <a:t> </a:t>
+                      </a:r>
+                    </a:p>
+                  </a:txBody>
+                  <a:tcPr marL="5445" marR="5445" marT="5445" marB="0" anchor="b">
+                    <a:lnL>
+                      <a:noFill/>
+                    </a:lnL>
+                    <a:lnR>
+                      <a:noFill/>
+                    </a:lnR>
+                    <a:lnT>
+                      <a:noFill/>
+                    </a:lnT>
+                    <a:lnB>
+                      <a:noFill/>
+                    </a:lnB>
+                    <a:solidFill>
+                      <a:srgbClr val="262626"/>
+                    </a:solidFill>
+                  </a:tcPr>
+                </a:tc>
+                <a:tc>
+                  <a:txBody>
+                    <a:bodyPr/>
+                    <a:lstStyle/>
+                    <a:p>
+                      <a:pPr algn="ctr" fontAlgn="b"/>
+                      <a:r>
+                        <a:rPr lang="fr-FR" sz="1100" b="1" i="0" u="none" strike="noStrike">
+                          <a:solidFill>
+                            <a:srgbClr val="FFFFFF"/>
+                          </a:solidFill>
+                          <a:effectLst/>
+                          <a:latin typeface="Arial" panose="020B0604020202020204" pitchFamily="34" charset="0"/>
+                        </a:rPr>
+                        <a:t> </a:t>
+                      </a:r>
+                    </a:p>
+                  </a:txBody>
+                  <a:tcPr marL="5445" marR="5445" marT="5445" marB="0" anchor="b">
+                    <a:lnL>
+                      <a:noFill/>
+                    </a:lnL>
+                    <a:lnR>
+                      <a:noFill/>
+                    </a:lnR>
+                    <a:lnT>
+                      <a:noFill/>
+                    </a:lnT>
+                    <a:lnB>
+                      <a:noFill/>
+                    </a:lnB>
+                    <a:solidFill>
+                      <a:srgbClr val="262626"/>
+                    </a:solidFill>
+                  </a:tcPr>
+                </a:tc>
+                <a:tc>
+                  <a:txBody>
+                    <a:bodyPr/>
+                    <a:lstStyle/>
+                    <a:p>
+                      <a:pPr algn="ctr" fontAlgn="b"/>
+                      <a:r>
+                        <a:rPr lang="fr-FR" sz="1100" b="1" i="0" u="none" strike="noStrike">
+                          <a:solidFill>
+                            <a:srgbClr val="FFFFFF"/>
+                          </a:solidFill>
+                          <a:effectLst/>
+                          <a:latin typeface="Arial" panose="020B0604020202020204" pitchFamily="34" charset="0"/>
+                        </a:rPr>
+                        <a:t> </a:t>
+                      </a:r>
+                    </a:p>
+                  </a:txBody>
+                  <a:tcPr marL="5445" marR="5445" marT="5445" marB="0" anchor="b">
+                    <a:lnL>
+                      <a:noFill/>
+                    </a:lnL>
+                    <a:lnR>
+                      <a:noFill/>
+                    </a:lnR>
+                    <a:lnT>
+                      <a:noFill/>
+                    </a:lnT>
+                    <a:lnB>
+                      <a:noFill/>
+                    </a:lnB>
+                    <a:solidFill>
+                      <a:srgbClr val="262626"/>
+                    </a:solidFill>
+                  </a:tcPr>
+                </a:tc>
+                <a:extLst>
+                  <a:ext uri="{0D108BD9-81ED-4DB2-BD59-A6C34878D82A}">
+                    <a16:rowId xmlns:a16="http://schemas.microsoft.com/office/drawing/2014/main" val="1306266728"/>
+                  </a:ext>
+                </a:extLst>
+              </a:tr>
+              <a:tr h="308819">
+                <a:tc>
+                  <a:txBody>
+                    <a:bodyPr/>
+                    <a:lstStyle/>
+                    <a:p>
+                      <a:pPr algn="ctr" fontAlgn="b"/>
+                      <a:r>
+                        <a:rPr lang="fr-FR" sz="1100" b="1" i="0" u="none" strike="noStrike">
+                          <a:solidFill>
+                            <a:srgbClr val="FFFFFF"/>
+                          </a:solidFill>
+                          <a:effectLst/>
+                          <a:latin typeface="Arial" panose="020B0604020202020204" pitchFamily="34" charset="0"/>
+                        </a:rPr>
+                        <a:t>Agence web</a:t>
+                      </a:r>
+                    </a:p>
+                  </a:txBody>
+                  <a:tcPr marL="5445" marR="5445" marT="5445" marB="0" anchor="b">
+                    <a:lnL>
+                      <a:noFill/>
+                    </a:lnL>
+                    <a:lnR>
+                      <a:noFill/>
+                    </a:lnR>
+                    <a:lnT>
+                      <a:noFill/>
+                    </a:lnT>
+                    <a:lnB>
+                      <a:noFill/>
+                    </a:lnB>
+                    <a:solidFill>
+                      <a:srgbClr val="262626"/>
+                    </a:solidFill>
+                  </a:tcPr>
+                </a:tc>
+                <a:tc>
+                  <a:txBody>
+                    <a:bodyPr/>
+                    <a:lstStyle/>
+                    <a:p>
+                      <a:pPr algn="ctr" fontAlgn="b"/>
+                      <a:r>
+                        <a:rPr lang="fr-FR" sz="1100" b="1" i="0" u="none" strike="noStrike">
+                          <a:solidFill>
+                            <a:srgbClr val="FFFFFF"/>
+                          </a:solidFill>
+                          <a:effectLst/>
+                          <a:latin typeface="Arial" panose="020B0604020202020204" pitchFamily="34" charset="0"/>
+                        </a:rPr>
+                        <a:t>Graphiste</a:t>
+                      </a:r>
+                    </a:p>
+                  </a:txBody>
+                  <a:tcPr marL="5445" marR="5445" marT="5445" marB="0" anchor="b">
+                    <a:lnL>
+                      <a:noFill/>
+                    </a:lnL>
+                    <a:lnR>
+                      <a:noFill/>
+                    </a:lnR>
+                    <a:lnT>
+                      <a:noFill/>
+                    </a:lnT>
+                    <a:lnB>
+                      <a:noFill/>
+                    </a:lnB>
+                    <a:solidFill>
+                      <a:srgbClr val="262626"/>
+                    </a:solidFill>
+                  </a:tcPr>
+                </a:tc>
+                <a:tc>
+                  <a:txBody>
+                    <a:bodyPr/>
+                    <a:lstStyle/>
+                    <a:p>
+                      <a:pPr algn="ctr" fontAlgn="b"/>
+                      <a:r>
+                        <a:rPr lang="fr-FR" sz="1100" b="1" i="0" u="none" strike="noStrike" dirty="0">
+                          <a:solidFill>
+                            <a:srgbClr val="FFFFFF"/>
+                          </a:solidFill>
+                          <a:effectLst/>
+                          <a:latin typeface="Arial" panose="020B0604020202020204" pitchFamily="34" charset="0"/>
+                        </a:rPr>
+                        <a:t>Devenir une entreprise attractive</a:t>
+                      </a:r>
+                    </a:p>
+                  </a:txBody>
+                  <a:tcPr marL="5445" marR="5445" marT="5445" marB="0" anchor="b">
+                    <a:lnL>
+                      <a:noFill/>
+                    </a:lnL>
+                    <a:lnR>
+                      <a:noFill/>
+                    </a:lnR>
+                    <a:lnT>
+                      <a:noFill/>
+                    </a:lnT>
+                    <a:lnB>
+                      <a:noFill/>
+                    </a:lnB>
+                    <a:solidFill>
+                      <a:srgbClr val="262626"/>
+                    </a:solidFill>
+                  </a:tcPr>
+                </a:tc>
+                <a:tc>
+                  <a:txBody>
+                    <a:bodyPr/>
+                    <a:lstStyle/>
+                    <a:p>
+                      <a:pPr algn="ctr" fontAlgn="b"/>
+                      <a:r>
+                        <a:rPr lang="fr-FR" sz="1100" b="1" i="0" u="none" strike="noStrike">
+                          <a:solidFill>
+                            <a:srgbClr val="FFFFFF"/>
+                          </a:solidFill>
+                          <a:effectLst/>
+                          <a:latin typeface="Arial" panose="020B0604020202020204" pitchFamily="34" charset="0"/>
+                        </a:rPr>
+                        <a:t>Lyonnaise</a:t>
+                      </a:r>
+                    </a:p>
+                  </a:txBody>
+                  <a:tcPr marL="5445" marR="5445" marT="5445" marB="0" anchor="b">
+                    <a:lnL>
+                      <a:noFill/>
+                    </a:lnL>
+                    <a:lnR>
+                      <a:noFill/>
+                    </a:lnR>
+                    <a:lnT>
+                      <a:noFill/>
+                    </a:lnT>
+                    <a:lnB>
+                      <a:noFill/>
+                    </a:lnB>
+                    <a:solidFill>
+                      <a:srgbClr val="262626"/>
+                    </a:solidFill>
+                  </a:tcPr>
+                </a:tc>
+                <a:tc>
+                  <a:txBody>
+                    <a:bodyPr/>
+                    <a:lstStyle/>
+                    <a:p>
+                      <a:pPr algn="ctr" fontAlgn="b"/>
+                      <a:r>
+                        <a:rPr lang="fr-FR" sz="1100" b="1" i="0" u="none" strike="noStrike">
+                          <a:solidFill>
+                            <a:srgbClr val="FFFFFF"/>
+                          </a:solidFill>
+                          <a:effectLst/>
+                          <a:latin typeface="Arial" panose="020B0604020202020204" pitchFamily="34" charset="0"/>
+                        </a:rPr>
+                        <a:t>Illustrations</a:t>
+                      </a:r>
+                    </a:p>
+                  </a:txBody>
+                  <a:tcPr marL="5445" marR="5445" marT="5445" marB="0" anchor="b">
+                    <a:lnL>
+                      <a:noFill/>
+                    </a:lnL>
+                    <a:lnR>
+                      <a:noFill/>
+                    </a:lnR>
+                    <a:lnT>
+                      <a:noFill/>
+                    </a:lnT>
+                    <a:lnB>
+                      <a:noFill/>
+                    </a:lnB>
+                    <a:solidFill>
+                      <a:srgbClr val="262626"/>
+                    </a:solidFill>
+                  </a:tcPr>
+                </a:tc>
+                <a:extLst>
+                  <a:ext uri="{0D108BD9-81ED-4DB2-BD59-A6C34878D82A}">
+                    <a16:rowId xmlns:a16="http://schemas.microsoft.com/office/drawing/2014/main" val="1803479367"/>
+                  </a:ext>
+                </a:extLst>
+              </a:tr>
+              <a:tr h="308819">
+                <a:tc>
+                  <a:txBody>
+                    <a:bodyPr/>
+                    <a:lstStyle/>
+                    <a:p>
+                      <a:pPr algn="ctr" fontAlgn="b"/>
+                      <a:r>
+                        <a:rPr lang="fr-FR" sz="1100" b="1" i="0" u="none" strike="noStrike">
+                          <a:solidFill>
+                            <a:srgbClr val="FFFFFF"/>
+                          </a:solidFill>
+                          <a:effectLst/>
+                          <a:latin typeface="Arial" panose="020B0604020202020204" pitchFamily="34" charset="0"/>
+                        </a:rPr>
+                        <a:t>Agence design</a:t>
+                      </a:r>
+                    </a:p>
+                  </a:txBody>
+                  <a:tcPr marL="5445" marR="5445" marT="5445" marB="0" anchor="b">
+                    <a:lnL>
+                      <a:noFill/>
+                    </a:lnL>
+                    <a:lnR>
+                      <a:noFill/>
+                    </a:lnR>
+                    <a:lnT>
+                      <a:noFill/>
+                    </a:lnT>
+                    <a:lnB>
+                      <a:noFill/>
+                    </a:lnB>
+                    <a:solidFill>
+                      <a:srgbClr val="262626"/>
+                    </a:solidFill>
+                  </a:tcPr>
+                </a:tc>
+                <a:tc>
+                  <a:txBody>
+                    <a:bodyPr/>
+                    <a:lstStyle/>
+                    <a:p>
+                      <a:pPr algn="ctr" fontAlgn="b"/>
+                      <a:r>
+                        <a:rPr lang="fr-FR" sz="1100" b="1" i="0" u="none" strike="noStrike">
+                          <a:solidFill>
+                            <a:srgbClr val="FFFFFF"/>
+                          </a:solidFill>
+                          <a:effectLst/>
+                          <a:latin typeface="Arial" panose="020B0604020202020204" pitchFamily="34" charset="0"/>
+                        </a:rPr>
+                        <a:t>Internet</a:t>
+                      </a:r>
+                    </a:p>
+                  </a:txBody>
+                  <a:tcPr marL="5445" marR="5445" marT="5445" marB="0" anchor="b">
+                    <a:lnL>
+                      <a:noFill/>
+                    </a:lnL>
+                    <a:lnR>
+                      <a:noFill/>
+                    </a:lnR>
+                    <a:lnT>
+                      <a:noFill/>
+                    </a:lnT>
+                    <a:lnB>
+                      <a:noFill/>
+                    </a:lnB>
+                    <a:solidFill>
+                      <a:srgbClr val="262626"/>
+                    </a:solidFill>
+                  </a:tcPr>
+                </a:tc>
+                <a:tc>
+                  <a:txBody>
+                    <a:bodyPr/>
+                    <a:lstStyle/>
+                    <a:p>
+                      <a:pPr algn="ctr" fontAlgn="b"/>
+                      <a:r>
+                        <a:rPr lang="fr-FR" sz="1100" b="1" i="0" u="none" strike="noStrike">
+                          <a:solidFill>
+                            <a:srgbClr val="FFFFFF"/>
+                          </a:solidFill>
+                          <a:effectLst/>
+                          <a:latin typeface="Arial" panose="020B0604020202020204" pitchFamily="34" charset="0"/>
+                        </a:rPr>
+                        <a:t>Donner de la visibibilité</a:t>
+                      </a:r>
+                    </a:p>
+                  </a:txBody>
+                  <a:tcPr marL="5445" marR="5445" marT="5445" marB="0" anchor="b">
+                    <a:lnL>
+                      <a:noFill/>
+                    </a:lnL>
+                    <a:lnR>
+                      <a:noFill/>
+                    </a:lnR>
+                    <a:lnT>
+                      <a:noFill/>
+                    </a:lnT>
+                    <a:lnB>
+                      <a:noFill/>
+                    </a:lnB>
+                    <a:solidFill>
+                      <a:srgbClr val="262626"/>
+                    </a:solidFill>
+                  </a:tcPr>
+                </a:tc>
+                <a:tc>
+                  <a:txBody>
+                    <a:bodyPr/>
+                    <a:lstStyle/>
+                    <a:p>
+                      <a:pPr algn="ctr" fontAlgn="b"/>
+                      <a:r>
+                        <a:rPr lang="fr-FR" sz="1100" b="1" i="0" u="none" strike="noStrike">
+                          <a:solidFill>
+                            <a:srgbClr val="FFFFFF"/>
+                          </a:solidFill>
+                          <a:effectLst/>
+                          <a:latin typeface="Arial" panose="020B0604020202020204" pitchFamily="34" charset="0"/>
+                        </a:rPr>
+                        <a:t>Rhône-alpes</a:t>
+                      </a:r>
+                    </a:p>
+                  </a:txBody>
+                  <a:tcPr marL="5445" marR="5445" marT="5445" marB="0" anchor="b">
+                    <a:lnL>
+                      <a:noFill/>
+                    </a:lnL>
+                    <a:lnR>
+                      <a:noFill/>
+                    </a:lnR>
+                    <a:lnT>
+                      <a:noFill/>
+                    </a:lnT>
+                    <a:lnB>
+                      <a:noFill/>
+                    </a:lnB>
+                    <a:solidFill>
+                      <a:srgbClr val="262626"/>
+                    </a:solidFill>
+                  </a:tcPr>
+                </a:tc>
+                <a:tc>
+                  <a:txBody>
+                    <a:bodyPr/>
+                    <a:lstStyle/>
+                    <a:p>
+                      <a:pPr algn="ctr" fontAlgn="b"/>
+                      <a:r>
+                        <a:rPr lang="fr-FR" sz="1100" b="1" i="0" u="none" strike="noStrike">
+                          <a:solidFill>
+                            <a:srgbClr val="FFFFFF"/>
+                          </a:solidFill>
+                          <a:effectLst/>
+                          <a:latin typeface="Arial" panose="020B0604020202020204" pitchFamily="34" charset="0"/>
+                        </a:rPr>
+                        <a:t>Stratégie</a:t>
+                      </a:r>
+                    </a:p>
+                  </a:txBody>
+                  <a:tcPr marL="5445" marR="5445" marT="5445" marB="0" anchor="b">
+                    <a:lnL>
+                      <a:noFill/>
+                    </a:lnL>
+                    <a:lnR>
+                      <a:noFill/>
+                    </a:lnR>
+                    <a:lnT>
+                      <a:noFill/>
+                    </a:lnT>
+                    <a:lnB>
+                      <a:noFill/>
+                    </a:lnB>
+                    <a:solidFill>
+                      <a:srgbClr val="262626"/>
+                    </a:solidFill>
+                  </a:tcPr>
+                </a:tc>
+                <a:extLst>
+                  <a:ext uri="{0D108BD9-81ED-4DB2-BD59-A6C34878D82A}">
+                    <a16:rowId xmlns:a16="http://schemas.microsoft.com/office/drawing/2014/main" val="1956287759"/>
+                  </a:ext>
+                </a:extLst>
+              </a:tr>
+              <a:tr h="308819">
+                <a:tc>
+                  <a:txBody>
+                    <a:bodyPr/>
+                    <a:lstStyle/>
+                    <a:p>
+                      <a:pPr algn="ctr" fontAlgn="b"/>
+                      <a:r>
+                        <a:rPr lang="fr-FR" sz="1100" b="1" i="0" u="none" strike="noStrike">
+                          <a:solidFill>
+                            <a:srgbClr val="FFFFFF"/>
+                          </a:solidFill>
+                          <a:effectLst/>
+                          <a:latin typeface="Arial" panose="020B0604020202020204" pitchFamily="34" charset="0"/>
+                        </a:rPr>
+                        <a:t>Agence Lyon</a:t>
+                      </a:r>
+                    </a:p>
+                  </a:txBody>
+                  <a:tcPr marL="5445" marR="5445" marT="5445" marB="0" anchor="b">
+                    <a:lnL>
+                      <a:noFill/>
+                    </a:lnL>
+                    <a:lnR>
+                      <a:noFill/>
+                    </a:lnR>
+                    <a:lnT>
+                      <a:noFill/>
+                    </a:lnT>
+                    <a:lnB>
+                      <a:noFill/>
+                    </a:lnB>
+                    <a:solidFill>
+                      <a:srgbClr val="262626"/>
+                    </a:solidFill>
+                  </a:tcPr>
+                </a:tc>
+                <a:tc>
+                  <a:txBody>
+                    <a:bodyPr/>
+                    <a:lstStyle/>
+                    <a:p>
+                      <a:pPr algn="ctr" fontAlgn="b"/>
+                      <a:r>
+                        <a:rPr lang="fr-FR" sz="1100" b="1" i="0" u="none" strike="noStrike">
+                          <a:solidFill>
+                            <a:srgbClr val="FFFFFF"/>
+                          </a:solidFill>
+                          <a:effectLst/>
+                          <a:latin typeface="Arial" panose="020B0604020202020204" pitchFamily="34" charset="0"/>
+                        </a:rPr>
+                        <a:t>Site web</a:t>
+                      </a:r>
+                    </a:p>
+                  </a:txBody>
+                  <a:tcPr marL="5445" marR="5445" marT="5445" marB="0" anchor="b">
+                    <a:lnL>
+                      <a:noFill/>
+                    </a:lnL>
+                    <a:lnR>
+                      <a:noFill/>
+                    </a:lnR>
+                    <a:lnT>
+                      <a:noFill/>
+                    </a:lnT>
+                    <a:lnB>
+                      <a:noFill/>
+                    </a:lnB>
+                    <a:solidFill>
+                      <a:srgbClr val="262626"/>
+                    </a:solidFill>
+                  </a:tcPr>
+                </a:tc>
+                <a:tc>
+                  <a:txBody>
+                    <a:bodyPr/>
+                    <a:lstStyle/>
+                    <a:p>
+                      <a:pPr algn="ctr" fontAlgn="b"/>
+                      <a:r>
+                        <a:rPr lang="fr-FR" sz="1100" b="1" i="0" u="none" strike="noStrike">
+                          <a:solidFill>
+                            <a:srgbClr val="FFFFFF"/>
+                          </a:solidFill>
+                          <a:effectLst/>
+                          <a:latin typeface="Arial" panose="020B0604020202020204" pitchFamily="34" charset="0"/>
+                        </a:rPr>
+                        <a:t>Entreprise attractive</a:t>
+                      </a:r>
+                    </a:p>
+                  </a:txBody>
+                  <a:tcPr marL="5445" marR="5445" marT="5445" marB="0" anchor="b">
+                    <a:lnL>
+                      <a:noFill/>
+                    </a:lnL>
+                    <a:lnR>
+                      <a:noFill/>
+                    </a:lnR>
+                    <a:lnT>
+                      <a:noFill/>
+                    </a:lnT>
+                    <a:lnB>
+                      <a:noFill/>
+                    </a:lnB>
+                    <a:solidFill>
+                      <a:srgbClr val="262626"/>
+                    </a:solidFill>
+                  </a:tcPr>
+                </a:tc>
+                <a:tc>
+                  <a:txBody>
+                    <a:bodyPr/>
+                    <a:lstStyle/>
+                    <a:p>
+                      <a:pPr algn="ctr" fontAlgn="b"/>
+                      <a:r>
+                        <a:rPr lang="fr-FR" sz="1100" b="1" i="0" u="none" strike="noStrike">
+                          <a:solidFill>
+                            <a:srgbClr val="FFFFFF"/>
+                          </a:solidFill>
+                          <a:effectLst/>
+                          <a:latin typeface="Arial" panose="020B0604020202020204" pitchFamily="34" charset="0"/>
+                        </a:rPr>
+                        <a:t>Région Lyonnaise</a:t>
+                      </a:r>
+                    </a:p>
+                  </a:txBody>
+                  <a:tcPr marL="5445" marR="5445" marT="5445" marB="0" anchor="b">
+                    <a:lnL>
+                      <a:noFill/>
+                    </a:lnL>
+                    <a:lnR>
+                      <a:noFill/>
+                    </a:lnR>
+                    <a:lnT>
+                      <a:noFill/>
+                    </a:lnT>
+                    <a:lnB>
+                      <a:noFill/>
+                    </a:lnB>
+                    <a:solidFill>
+                      <a:srgbClr val="262626"/>
+                    </a:solidFill>
+                  </a:tcPr>
+                </a:tc>
+                <a:tc>
+                  <a:txBody>
+                    <a:bodyPr/>
+                    <a:lstStyle/>
+                    <a:p>
+                      <a:pPr algn="ctr" fontAlgn="b"/>
+                      <a:r>
+                        <a:rPr lang="fr-FR" sz="1100" b="1" i="0" u="none" strike="noStrike">
+                          <a:solidFill>
+                            <a:srgbClr val="FFFFFF"/>
+                          </a:solidFill>
+                          <a:effectLst/>
+                          <a:latin typeface="Arial" panose="020B0604020202020204" pitchFamily="34" charset="0"/>
+                        </a:rPr>
+                        <a:t>Région </a:t>
+                      </a:r>
+                    </a:p>
+                  </a:txBody>
+                  <a:tcPr marL="5445" marR="5445" marT="5445" marB="0" anchor="b">
+                    <a:lnL>
+                      <a:noFill/>
+                    </a:lnL>
+                    <a:lnR>
+                      <a:noFill/>
+                    </a:lnR>
+                    <a:lnT>
+                      <a:noFill/>
+                    </a:lnT>
+                    <a:lnB>
+                      <a:noFill/>
+                    </a:lnB>
+                    <a:solidFill>
+                      <a:srgbClr val="262626"/>
+                    </a:solidFill>
+                  </a:tcPr>
+                </a:tc>
+                <a:extLst>
+                  <a:ext uri="{0D108BD9-81ED-4DB2-BD59-A6C34878D82A}">
+                    <a16:rowId xmlns:a16="http://schemas.microsoft.com/office/drawing/2014/main" val="1638668228"/>
+                  </a:ext>
+                </a:extLst>
+              </a:tr>
+              <a:tr h="308819">
+                <a:tc>
+                  <a:txBody>
+                    <a:bodyPr/>
+                    <a:lstStyle/>
+                    <a:p>
+                      <a:pPr algn="ctr" fontAlgn="b"/>
+                      <a:r>
+                        <a:rPr lang="fr-FR" sz="1100" b="1" i="0" u="none" strike="noStrike">
+                          <a:solidFill>
+                            <a:srgbClr val="FFFFFF"/>
+                          </a:solidFill>
+                          <a:effectLst/>
+                          <a:latin typeface="Arial" panose="020B0604020202020204" pitchFamily="34" charset="0"/>
+                        </a:rPr>
+                        <a:t>Agence web Lyon</a:t>
+                      </a:r>
+                    </a:p>
+                  </a:txBody>
+                  <a:tcPr marL="5445" marR="5445" marT="5445" marB="0" anchor="b">
+                    <a:lnL>
+                      <a:noFill/>
+                    </a:lnL>
+                    <a:lnR>
+                      <a:noFill/>
+                    </a:lnR>
+                    <a:lnT>
+                      <a:noFill/>
+                    </a:lnT>
+                    <a:lnB>
+                      <a:noFill/>
+                    </a:lnB>
+                    <a:solidFill>
+                      <a:srgbClr val="262626"/>
+                    </a:solidFill>
+                  </a:tcPr>
+                </a:tc>
+                <a:tc>
+                  <a:txBody>
+                    <a:bodyPr/>
+                    <a:lstStyle/>
+                    <a:p>
+                      <a:pPr algn="ctr" fontAlgn="b"/>
+                      <a:r>
+                        <a:rPr lang="fr-FR" sz="1100" b="1" i="0" u="none" strike="noStrike">
+                          <a:solidFill>
+                            <a:srgbClr val="FFFFFF"/>
+                          </a:solidFill>
+                          <a:effectLst/>
+                          <a:latin typeface="Arial" panose="020B0604020202020204" pitchFamily="34" charset="0"/>
+                        </a:rPr>
+                        <a:t>La chouette agence</a:t>
+                      </a:r>
+                    </a:p>
+                  </a:txBody>
+                  <a:tcPr marL="5445" marR="5445" marT="5445" marB="0" anchor="b">
+                    <a:lnL>
+                      <a:noFill/>
+                    </a:lnL>
+                    <a:lnR>
+                      <a:noFill/>
+                    </a:lnR>
+                    <a:lnT>
+                      <a:noFill/>
+                    </a:lnT>
+                    <a:lnB>
+                      <a:noFill/>
+                    </a:lnB>
+                    <a:solidFill>
+                      <a:srgbClr val="262626"/>
+                    </a:solidFill>
+                  </a:tcPr>
+                </a:tc>
+                <a:tc>
+                  <a:txBody>
+                    <a:bodyPr/>
+                    <a:lstStyle/>
+                    <a:p>
+                      <a:pPr algn="ctr" fontAlgn="b"/>
+                      <a:r>
+                        <a:rPr lang="fr-FR" sz="1100" b="1" i="0" u="none" strike="noStrike">
+                          <a:solidFill>
+                            <a:srgbClr val="FFFFFF"/>
+                          </a:solidFill>
+                          <a:effectLst/>
+                          <a:latin typeface="Arial" panose="020B0604020202020204" pitchFamily="34" charset="0"/>
+                        </a:rPr>
+                        <a:t>Lyon</a:t>
+                      </a:r>
+                    </a:p>
+                  </a:txBody>
+                  <a:tcPr marL="5445" marR="5445" marT="5445" marB="0" anchor="b">
+                    <a:lnL>
+                      <a:noFill/>
+                    </a:lnL>
+                    <a:lnR>
+                      <a:noFill/>
+                    </a:lnR>
+                    <a:lnT>
+                      <a:noFill/>
+                    </a:lnT>
+                    <a:lnB>
+                      <a:noFill/>
+                    </a:lnB>
+                    <a:solidFill>
+                      <a:srgbClr val="262626"/>
+                    </a:solidFill>
+                  </a:tcPr>
+                </a:tc>
+                <a:tc>
+                  <a:txBody>
+                    <a:bodyPr/>
+                    <a:lstStyle/>
+                    <a:p>
+                      <a:pPr algn="ctr" fontAlgn="b"/>
+                      <a:r>
+                        <a:rPr lang="fr-FR" sz="1100" b="1" i="0" u="none" strike="noStrike">
+                          <a:solidFill>
+                            <a:srgbClr val="FFFFFF"/>
+                          </a:solidFill>
+                          <a:effectLst/>
+                          <a:latin typeface="Arial" panose="020B0604020202020204" pitchFamily="34" charset="0"/>
+                        </a:rPr>
+                        <a:t>Entreprises locales</a:t>
+                      </a:r>
+                    </a:p>
+                  </a:txBody>
+                  <a:tcPr marL="5445" marR="5445" marT="5445" marB="0" anchor="b">
+                    <a:lnL>
+                      <a:noFill/>
+                    </a:lnL>
+                    <a:lnR>
+                      <a:noFill/>
+                    </a:lnR>
+                    <a:lnT>
+                      <a:noFill/>
+                    </a:lnT>
+                    <a:lnB>
+                      <a:noFill/>
+                    </a:lnB>
+                    <a:solidFill>
+                      <a:srgbClr val="262626"/>
+                    </a:solidFill>
+                  </a:tcPr>
+                </a:tc>
+                <a:tc>
+                  <a:txBody>
+                    <a:bodyPr/>
+                    <a:lstStyle/>
+                    <a:p>
+                      <a:pPr algn="ctr" fontAlgn="b"/>
+                      <a:r>
+                        <a:rPr lang="fr-FR" sz="1100" b="1" i="0" u="none" strike="noStrike">
+                          <a:solidFill>
+                            <a:srgbClr val="FFFFFF"/>
+                          </a:solidFill>
+                          <a:effectLst/>
+                          <a:latin typeface="Arial" panose="020B0604020202020204" pitchFamily="34" charset="0"/>
+                        </a:rPr>
+                        <a:t>Entreprise sur Lyon</a:t>
+                      </a:r>
+                    </a:p>
+                  </a:txBody>
+                  <a:tcPr marL="5445" marR="5445" marT="5445" marB="0" anchor="b">
+                    <a:lnL>
+                      <a:noFill/>
+                    </a:lnL>
+                    <a:lnR>
+                      <a:noFill/>
+                    </a:lnR>
+                    <a:lnT>
+                      <a:noFill/>
+                    </a:lnT>
+                    <a:lnB>
+                      <a:noFill/>
+                    </a:lnB>
+                    <a:solidFill>
+                      <a:srgbClr val="262626"/>
+                    </a:solidFill>
+                  </a:tcPr>
+                </a:tc>
+                <a:extLst>
+                  <a:ext uri="{0D108BD9-81ED-4DB2-BD59-A6C34878D82A}">
+                    <a16:rowId xmlns:a16="http://schemas.microsoft.com/office/drawing/2014/main" val="553568900"/>
+                  </a:ext>
+                </a:extLst>
+              </a:tr>
+              <a:tr h="308819">
+                <a:tc>
+                  <a:txBody>
+                    <a:bodyPr/>
+                    <a:lstStyle/>
+                    <a:p>
+                      <a:pPr algn="ctr" fontAlgn="b"/>
+                      <a:r>
+                        <a:rPr lang="fr-FR" sz="1100" b="1" i="0" u="none" strike="noStrike">
+                          <a:solidFill>
+                            <a:srgbClr val="FFFFFF"/>
+                          </a:solidFill>
+                          <a:effectLst/>
+                          <a:latin typeface="Arial" panose="020B0604020202020204" pitchFamily="34" charset="0"/>
+                        </a:rPr>
+                        <a:t>Agence web lyonnaise</a:t>
+                      </a:r>
+                    </a:p>
+                  </a:txBody>
+                  <a:tcPr marL="5445" marR="5445" marT="5445" marB="0" anchor="b">
+                    <a:lnL>
+                      <a:noFill/>
+                    </a:lnL>
+                    <a:lnR>
+                      <a:noFill/>
+                    </a:lnR>
+                    <a:lnT>
+                      <a:noFill/>
+                    </a:lnT>
+                    <a:lnB>
+                      <a:noFill/>
+                    </a:lnB>
+                    <a:solidFill>
+                      <a:srgbClr val="262626"/>
+                    </a:solidFill>
+                  </a:tcPr>
+                </a:tc>
+                <a:tc>
+                  <a:txBody>
+                    <a:bodyPr/>
+                    <a:lstStyle/>
+                    <a:p>
+                      <a:pPr algn="ctr" fontAlgn="b"/>
+                      <a:r>
+                        <a:rPr lang="fr-FR" sz="1100" b="1" i="0" u="none" strike="noStrike">
+                          <a:solidFill>
+                            <a:srgbClr val="FFFFFF"/>
+                          </a:solidFill>
+                          <a:effectLst/>
+                          <a:latin typeface="Arial" panose="020B0604020202020204" pitchFamily="34" charset="0"/>
+                        </a:rPr>
+                        <a:t>Agence</a:t>
+                      </a:r>
+                    </a:p>
+                  </a:txBody>
+                  <a:tcPr marL="5445" marR="5445" marT="5445" marB="0" anchor="b">
+                    <a:lnL>
+                      <a:noFill/>
+                    </a:lnL>
+                    <a:lnR>
+                      <a:noFill/>
+                    </a:lnR>
+                    <a:lnT>
+                      <a:noFill/>
+                    </a:lnT>
+                    <a:lnB>
+                      <a:noFill/>
+                    </a:lnB>
+                    <a:solidFill>
+                      <a:srgbClr val="262626"/>
+                    </a:solidFill>
+                  </a:tcPr>
+                </a:tc>
+                <a:tc>
+                  <a:txBody>
+                    <a:bodyPr/>
+                    <a:lstStyle/>
+                    <a:p>
+                      <a:pPr algn="ctr" fontAlgn="b"/>
+                      <a:r>
+                        <a:rPr lang="fr-FR" sz="1100" b="1" i="0" u="none" strike="noStrike">
+                          <a:solidFill>
+                            <a:srgbClr val="FFFFFF"/>
+                          </a:solidFill>
+                          <a:effectLst/>
+                          <a:latin typeface="Arial" panose="020B0604020202020204" pitchFamily="34" charset="0"/>
+                        </a:rPr>
+                        <a:t>Design site web</a:t>
+                      </a:r>
+                    </a:p>
+                  </a:txBody>
+                  <a:tcPr marL="5445" marR="5445" marT="5445" marB="0" anchor="b">
+                    <a:lnL>
+                      <a:noFill/>
+                    </a:lnL>
+                    <a:lnR>
+                      <a:noFill/>
+                    </a:lnR>
+                    <a:lnT>
+                      <a:noFill/>
+                    </a:lnT>
+                    <a:lnB>
+                      <a:noFill/>
+                    </a:lnB>
+                    <a:solidFill>
+                      <a:srgbClr val="262626"/>
+                    </a:solidFill>
+                  </a:tcPr>
+                </a:tc>
+                <a:tc>
+                  <a:txBody>
+                    <a:bodyPr/>
+                    <a:lstStyle/>
+                    <a:p>
+                      <a:pPr algn="ctr" fontAlgn="b"/>
+                      <a:r>
+                        <a:rPr lang="fr-FR" sz="1100" b="1" i="0" u="none" strike="noStrike">
+                          <a:solidFill>
+                            <a:srgbClr val="FFFFFF"/>
+                          </a:solidFill>
+                          <a:effectLst/>
+                          <a:latin typeface="Arial" panose="020B0604020202020204" pitchFamily="34" charset="0"/>
+                        </a:rPr>
+                        <a:t>Entreprise Lyonnaise</a:t>
+                      </a:r>
+                    </a:p>
+                  </a:txBody>
+                  <a:tcPr marL="5445" marR="5445" marT="5445" marB="0" anchor="b">
+                    <a:lnL>
+                      <a:noFill/>
+                    </a:lnL>
+                    <a:lnR>
+                      <a:noFill/>
+                    </a:lnR>
+                    <a:lnT>
+                      <a:noFill/>
+                    </a:lnT>
+                    <a:lnB>
+                      <a:noFill/>
+                    </a:lnB>
+                    <a:solidFill>
+                      <a:srgbClr val="262626"/>
+                    </a:solidFill>
+                  </a:tcPr>
+                </a:tc>
+                <a:tc>
+                  <a:txBody>
+                    <a:bodyPr/>
+                    <a:lstStyle/>
+                    <a:p>
+                      <a:pPr algn="ctr" fontAlgn="b"/>
+                      <a:r>
+                        <a:rPr lang="fr-FR" sz="1100" b="1" i="0" u="none" strike="noStrike">
+                          <a:solidFill>
+                            <a:srgbClr val="FFFFFF"/>
+                          </a:solidFill>
+                          <a:effectLst/>
+                          <a:latin typeface="Arial" panose="020B0604020202020204" pitchFamily="34" charset="0"/>
+                        </a:rPr>
+                        <a:t>Web design</a:t>
+                      </a:r>
+                    </a:p>
+                  </a:txBody>
+                  <a:tcPr marL="5445" marR="5445" marT="5445" marB="0" anchor="b">
+                    <a:lnL>
+                      <a:noFill/>
+                    </a:lnL>
+                    <a:lnR>
+                      <a:noFill/>
+                    </a:lnR>
+                    <a:lnT>
+                      <a:noFill/>
+                    </a:lnT>
+                    <a:lnB>
+                      <a:noFill/>
+                    </a:lnB>
+                    <a:solidFill>
+                      <a:srgbClr val="262626"/>
+                    </a:solidFill>
+                  </a:tcPr>
+                </a:tc>
+                <a:extLst>
+                  <a:ext uri="{0D108BD9-81ED-4DB2-BD59-A6C34878D82A}">
+                    <a16:rowId xmlns:a16="http://schemas.microsoft.com/office/drawing/2014/main" val="812317914"/>
+                  </a:ext>
+                </a:extLst>
+              </a:tr>
+              <a:tr h="308819">
+                <a:tc>
+                  <a:txBody>
+                    <a:bodyPr/>
+                    <a:lstStyle/>
+                    <a:p>
+                      <a:pPr algn="ctr" fontAlgn="b"/>
+                      <a:r>
+                        <a:rPr lang="fr-FR" sz="1100" b="1" i="0" u="none" strike="noStrike">
+                          <a:solidFill>
+                            <a:srgbClr val="FFFFFF"/>
+                          </a:solidFill>
+                          <a:effectLst/>
+                          <a:latin typeface="Arial" panose="020B0604020202020204" pitchFamily="34" charset="0"/>
+                        </a:rPr>
+                        <a:t>Agence design Lyon</a:t>
+                      </a:r>
+                    </a:p>
+                  </a:txBody>
+                  <a:tcPr marL="5445" marR="5445" marT="5445" marB="0" anchor="b">
+                    <a:lnL>
+                      <a:noFill/>
+                    </a:lnL>
+                    <a:lnR>
+                      <a:noFill/>
+                    </a:lnR>
+                    <a:lnT>
+                      <a:noFill/>
+                    </a:lnT>
+                    <a:lnB>
+                      <a:noFill/>
+                    </a:lnB>
+                    <a:solidFill>
+                      <a:srgbClr val="262626"/>
+                    </a:solidFill>
+                  </a:tcPr>
+                </a:tc>
+                <a:tc>
+                  <a:txBody>
+                    <a:bodyPr/>
+                    <a:lstStyle/>
+                    <a:p>
+                      <a:pPr algn="ctr" fontAlgn="b"/>
+                      <a:r>
+                        <a:rPr lang="fr-FR" sz="1100" b="1" i="0" u="none" strike="noStrike">
+                          <a:solidFill>
+                            <a:srgbClr val="FFFFFF"/>
+                          </a:solidFill>
+                          <a:effectLst/>
+                          <a:latin typeface="Arial" panose="020B0604020202020204" pitchFamily="34" charset="0"/>
+                        </a:rPr>
+                        <a:t>Equipe</a:t>
+                      </a:r>
+                    </a:p>
+                  </a:txBody>
+                  <a:tcPr marL="5445" marR="5445" marT="5445" marB="0" anchor="b">
+                    <a:lnL>
+                      <a:noFill/>
+                    </a:lnL>
+                    <a:lnR>
+                      <a:noFill/>
+                    </a:lnR>
+                    <a:lnT>
+                      <a:noFill/>
+                    </a:lnT>
+                    <a:lnB>
+                      <a:noFill/>
+                    </a:lnB>
+                    <a:solidFill>
+                      <a:srgbClr val="262626"/>
+                    </a:solidFill>
+                  </a:tcPr>
+                </a:tc>
+                <a:tc>
+                  <a:txBody>
+                    <a:bodyPr/>
+                    <a:lstStyle/>
+                    <a:p>
+                      <a:pPr algn="ctr" fontAlgn="b"/>
+                      <a:r>
+                        <a:rPr lang="fr-FR" sz="1100" b="1" i="0" u="none" strike="noStrike">
+                          <a:solidFill>
+                            <a:srgbClr val="FFFFFF"/>
+                          </a:solidFill>
+                          <a:effectLst/>
+                          <a:latin typeface="Arial" panose="020B0604020202020204" pitchFamily="34" charset="0"/>
+                        </a:rPr>
+                        <a:t>Agence de web design</a:t>
+                      </a:r>
+                    </a:p>
+                  </a:txBody>
+                  <a:tcPr marL="5445" marR="5445" marT="5445" marB="0" anchor="b">
+                    <a:lnL>
+                      <a:noFill/>
+                    </a:lnL>
+                    <a:lnR>
+                      <a:noFill/>
+                    </a:lnR>
+                    <a:lnT>
+                      <a:noFill/>
+                    </a:lnT>
+                    <a:lnB>
+                      <a:noFill/>
+                    </a:lnB>
+                    <a:solidFill>
+                      <a:srgbClr val="262626"/>
+                    </a:solidFill>
+                  </a:tcPr>
+                </a:tc>
+                <a:tc>
+                  <a:txBody>
+                    <a:bodyPr/>
+                    <a:lstStyle/>
+                    <a:p>
+                      <a:pPr algn="ctr" fontAlgn="b"/>
+                      <a:r>
+                        <a:rPr lang="fr-FR" sz="1100" b="1" i="0" u="none" strike="noStrike">
+                          <a:solidFill>
+                            <a:srgbClr val="FFFFFF"/>
+                          </a:solidFill>
+                          <a:effectLst/>
+                          <a:latin typeface="Arial" panose="020B0604020202020204" pitchFamily="34" charset="0"/>
+                        </a:rPr>
+                        <a:t>Agence web basée à Lyon</a:t>
+                      </a:r>
+                    </a:p>
+                  </a:txBody>
+                  <a:tcPr marL="5445" marR="5445" marT="5445" marB="0" anchor="b">
+                    <a:lnL>
+                      <a:noFill/>
+                    </a:lnL>
+                    <a:lnR>
+                      <a:noFill/>
+                    </a:lnR>
+                    <a:lnT>
+                      <a:noFill/>
+                    </a:lnT>
+                    <a:lnB>
+                      <a:noFill/>
+                    </a:lnB>
+                    <a:solidFill>
+                      <a:srgbClr val="262626"/>
+                    </a:solidFill>
+                  </a:tcPr>
+                </a:tc>
+                <a:tc>
+                  <a:txBody>
+                    <a:bodyPr/>
+                    <a:lstStyle/>
+                    <a:p>
+                      <a:pPr algn="ctr" fontAlgn="b"/>
+                      <a:r>
+                        <a:rPr lang="fr-FR" sz="1100" b="1" i="0" u="none" strike="noStrike">
+                          <a:solidFill>
+                            <a:srgbClr val="FFFFFF"/>
+                          </a:solidFill>
+                          <a:effectLst/>
+                          <a:latin typeface="Arial" panose="020B0604020202020204" pitchFamily="34" charset="0"/>
+                        </a:rPr>
+                        <a:t>Web</a:t>
+                      </a:r>
+                    </a:p>
+                  </a:txBody>
+                  <a:tcPr marL="5445" marR="5445" marT="5445" marB="0" anchor="b">
+                    <a:lnL>
+                      <a:noFill/>
+                    </a:lnL>
+                    <a:lnR>
+                      <a:noFill/>
+                    </a:lnR>
+                    <a:lnT>
+                      <a:noFill/>
+                    </a:lnT>
+                    <a:lnB>
+                      <a:noFill/>
+                    </a:lnB>
+                    <a:solidFill>
+                      <a:srgbClr val="262626"/>
+                    </a:solidFill>
+                  </a:tcPr>
+                </a:tc>
+                <a:extLst>
+                  <a:ext uri="{0D108BD9-81ED-4DB2-BD59-A6C34878D82A}">
+                    <a16:rowId xmlns:a16="http://schemas.microsoft.com/office/drawing/2014/main" val="477040117"/>
+                  </a:ext>
+                </a:extLst>
+              </a:tr>
+              <a:tr h="308819">
+                <a:tc>
+                  <a:txBody>
+                    <a:bodyPr/>
+                    <a:lstStyle/>
+                    <a:p>
+                      <a:pPr algn="ctr" fontAlgn="b"/>
+                      <a:r>
+                        <a:rPr lang="fr-FR" sz="1100" b="1" i="0" u="none" strike="noStrike">
+                          <a:solidFill>
+                            <a:srgbClr val="FFFFFF"/>
+                          </a:solidFill>
+                          <a:effectLst/>
+                          <a:latin typeface="Arial" panose="020B0604020202020204" pitchFamily="34" charset="0"/>
+                        </a:rPr>
+                        <a:t>Entreprise web design Lyon</a:t>
+                      </a:r>
+                    </a:p>
+                  </a:txBody>
+                  <a:tcPr marL="5445" marR="5445" marT="5445" marB="0" anchor="b">
+                    <a:lnL>
+                      <a:noFill/>
+                    </a:lnL>
+                    <a:lnR>
+                      <a:noFill/>
+                    </a:lnR>
+                    <a:lnT>
+                      <a:noFill/>
+                    </a:lnT>
+                    <a:lnB>
+                      <a:noFill/>
+                    </a:lnB>
+                    <a:solidFill>
+                      <a:srgbClr val="262626"/>
+                    </a:solidFill>
+                  </a:tcPr>
+                </a:tc>
+                <a:tc>
+                  <a:txBody>
+                    <a:bodyPr/>
+                    <a:lstStyle/>
+                    <a:p>
+                      <a:pPr algn="ctr" fontAlgn="b"/>
+                      <a:r>
+                        <a:rPr lang="fr-FR" sz="1100" b="1" i="0" u="none" strike="noStrike">
+                          <a:solidFill>
+                            <a:srgbClr val="FFFFFF"/>
+                          </a:solidFill>
+                          <a:effectLst/>
+                          <a:latin typeface="Arial" panose="020B0604020202020204" pitchFamily="34" charset="0"/>
+                        </a:rPr>
+                        <a:t> </a:t>
+                      </a:r>
+                    </a:p>
+                  </a:txBody>
+                  <a:tcPr marL="5445" marR="5445" marT="5445" marB="0" anchor="b">
+                    <a:lnL>
+                      <a:noFill/>
+                    </a:lnL>
+                    <a:lnR>
+                      <a:noFill/>
+                    </a:lnR>
+                    <a:lnT>
+                      <a:noFill/>
+                    </a:lnT>
+                    <a:lnB>
+                      <a:noFill/>
+                    </a:lnB>
+                    <a:solidFill>
+                      <a:srgbClr val="262626"/>
+                    </a:solidFill>
+                  </a:tcPr>
+                </a:tc>
+                <a:tc>
+                  <a:txBody>
+                    <a:bodyPr/>
+                    <a:lstStyle/>
+                    <a:p>
+                      <a:pPr algn="ctr" fontAlgn="b"/>
+                      <a:r>
+                        <a:rPr lang="fr-FR" sz="1100" b="1" i="0" u="none" strike="noStrike">
+                          <a:solidFill>
+                            <a:srgbClr val="FFFFFF"/>
+                          </a:solidFill>
+                          <a:effectLst/>
+                          <a:latin typeface="Arial" panose="020B0604020202020204" pitchFamily="34" charset="0"/>
+                        </a:rPr>
+                        <a:t> </a:t>
+                      </a:r>
+                    </a:p>
+                  </a:txBody>
+                  <a:tcPr marL="5445" marR="5445" marT="5445" marB="0" anchor="b">
+                    <a:lnL>
+                      <a:noFill/>
+                    </a:lnL>
+                    <a:lnR>
+                      <a:noFill/>
+                    </a:lnR>
+                    <a:lnT>
+                      <a:noFill/>
+                    </a:lnT>
+                    <a:lnB>
+                      <a:noFill/>
+                    </a:lnB>
+                    <a:solidFill>
+                      <a:srgbClr val="262626"/>
+                    </a:solidFill>
+                  </a:tcPr>
+                </a:tc>
+                <a:tc>
+                  <a:txBody>
+                    <a:bodyPr/>
+                    <a:lstStyle/>
+                    <a:p>
+                      <a:pPr algn="ctr" fontAlgn="b"/>
+                      <a:r>
+                        <a:rPr lang="fr-FR" sz="1100" b="1" i="0" u="none" strike="noStrike">
+                          <a:solidFill>
+                            <a:srgbClr val="FFFFFF"/>
+                          </a:solidFill>
+                          <a:effectLst/>
+                          <a:latin typeface="Arial" panose="020B0604020202020204" pitchFamily="34" charset="0"/>
+                        </a:rPr>
+                        <a:t> </a:t>
+                      </a:r>
+                    </a:p>
+                  </a:txBody>
+                  <a:tcPr marL="5445" marR="5445" marT="5445" marB="0" anchor="b">
+                    <a:lnL>
+                      <a:noFill/>
+                    </a:lnL>
+                    <a:lnR>
+                      <a:noFill/>
+                    </a:lnR>
+                    <a:lnT>
+                      <a:noFill/>
+                    </a:lnT>
+                    <a:lnB>
+                      <a:noFill/>
+                    </a:lnB>
+                    <a:solidFill>
+                      <a:srgbClr val="262626"/>
+                    </a:solidFill>
+                  </a:tcPr>
+                </a:tc>
+                <a:tc>
+                  <a:txBody>
+                    <a:bodyPr/>
+                    <a:lstStyle/>
+                    <a:p>
+                      <a:pPr algn="ctr" fontAlgn="b"/>
+                      <a:r>
+                        <a:rPr lang="fr-FR" sz="1100" b="1" i="0" u="none" strike="noStrike">
+                          <a:solidFill>
+                            <a:srgbClr val="FFFFFF"/>
+                          </a:solidFill>
+                          <a:effectLst/>
+                          <a:latin typeface="Arial" panose="020B0604020202020204" pitchFamily="34" charset="0"/>
+                        </a:rPr>
+                        <a:t> </a:t>
+                      </a:r>
+                    </a:p>
+                  </a:txBody>
+                  <a:tcPr marL="5445" marR="5445" marT="5445" marB="0" anchor="b">
+                    <a:lnL>
+                      <a:noFill/>
+                    </a:lnL>
+                    <a:lnR>
+                      <a:noFill/>
+                    </a:lnR>
+                    <a:lnT>
+                      <a:noFill/>
+                    </a:lnT>
+                    <a:lnB>
+                      <a:noFill/>
+                    </a:lnB>
+                    <a:solidFill>
+                      <a:srgbClr val="262626"/>
+                    </a:solidFill>
+                  </a:tcPr>
+                </a:tc>
+                <a:extLst>
+                  <a:ext uri="{0D108BD9-81ED-4DB2-BD59-A6C34878D82A}">
+                    <a16:rowId xmlns:a16="http://schemas.microsoft.com/office/drawing/2014/main" val="2146939663"/>
+                  </a:ext>
+                </a:extLst>
+              </a:tr>
+              <a:tr h="308819">
+                <a:tc>
+                  <a:txBody>
+                    <a:bodyPr/>
+                    <a:lstStyle/>
+                    <a:p>
+                      <a:pPr algn="ctr" fontAlgn="b"/>
+                      <a:r>
+                        <a:rPr lang="fr-FR" sz="1100" b="1" i="0" u="none" strike="noStrike">
+                          <a:solidFill>
+                            <a:srgbClr val="FFFFFF"/>
+                          </a:solidFill>
+                          <a:effectLst/>
+                          <a:latin typeface="Arial" panose="020B0604020202020204" pitchFamily="34" charset="0"/>
+                        </a:rPr>
+                        <a:t> </a:t>
+                      </a:r>
+                    </a:p>
+                  </a:txBody>
+                  <a:tcPr marL="5445" marR="5445" marT="5445" marB="0" anchor="b">
+                    <a:lnL>
+                      <a:noFill/>
+                    </a:lnL>
+                    <a:lnR>
+                      <a:noFill/>
+                    </a:lnR>
+                    <a:lnT>
+                      <a:noFill/>
+                    </a:lnT>
+                    <a:lnB>
+                      <a:noFill/>
+                    </a:lnB>
+                    <a:solidFill>
+                      <a:srgbClr val="262626"/>
+                    </a:solidFill>
+                  </a:tcPr>
+                </a:tc>
+                <a:tc>
+                  <a:txBody>
+                    <a:bodyPr/>
+                    <a:lstStyle/>
+                    <a:p>
+                      <a:pPr algn="ctr" fontAlgn="b"/>
+                      <a:r>
+                        <a:rPr lang="fr-FR" sz="1100" b="1" i="0" u="none" strike="noStrike">
+                          <a:solidFill>
+                            <a:srgbClr val="FFFFFF"/>
+                          </a:solidFill>
+                          <a:effectLst/>
+                          <a:latin typeface="Arial" panose="020B0604020202020204" pitchFamily="34" charset="0"/>
+                        </a:rPr>
+                        <a:t> </a:t>
+                      </a:r>
+                    </a:p>
+                  </a:txBody>
+                  <a:tcPr marL="5445" marR="5445" marT="5445" marB="0" anchor="b">
+                    <a:lnL>
+                      <a:noFill/>
+                    </a:lnL>
+                    <a:lnR>
+                      <a:noFill/>
+                    </a:lnR>
+                    <a:lnT>
+                      <a:noFill/>
+                    </a:lnT>
+                    <a:lnB>
+                      <a:noFill/>
+                    </a:lnB>
+                    <a:solidFill>
+                      <a:srgbClr val="262626"/>
+                    </a:solidFill>
+                  </a:tcPr>
+                </a:tc>
+                <a:tc>
+                  <a:txBody>
+                    <a:bodyPr/>
+                    <a:lstStyle/>
+                    <a:p>
+                      <a:pPr algn="ctr" fontAlgn="b"/>
+                      <a:r>
+                        <a:rPr lang="fr-FR" sz="1100" b="1" i="0" u="none" strike="noStrike">
+                          <a:solidFill>
+                            <a:srgbClr val="FFFFFF"/>
+                          </a:solidFill>
+                          <a:effectLst/>
+                          <a:latin typeface="Arial" panose="020B0604020202020204" pitchFamily="34" charset="0"/>
+                        </a:rPr>
+                        <a:t> </a:t>
+                      </a:r>
+                    </a:p>
+                  </a:txBody>
+                  <a:tcPr marL="5445" marR="5445" marT="5445" marB="0" anchor="b">
+                    <a:lnL>
+                      <a:noFill/>
+                    </a:lnL>
+                    <a:lnR>
+                      <a:noFill/>
+                    </a:lnR>
+                    <a:lnT>
+                      <a:noFill/>
+                    </a:lnT>
+                    <a:lnB>
+                      <a:noFill/>
+                    </a:lnB>
+                    <a:solidFill>
+                      <a:srgbClr val="262626"/>
+                    </a:solidFill>
+                  </a:tcPr>
+                </a:tc>
+                <a:tc>
+                  <a:txBody>
+                    <a:bodyPr/>
+                    <a:lstStyle/>
+                    <a:p>
+                      <a:pPr algn="ctr" fontAlgn="b"/>
+                      <a:r>
+                        <a:rPr lang="fr-FR" sz="1100" b="1" i="0" u="none" strike="noStrike">
+                          <a:solidFill>
+                            <a:srgbClr val="FFFFFF"/>
+                          </a:solidFill>
+                          <a:effectLst/>
+                          <a:latin typeface="Arial" panose="020B0604020202020204" pitchFamily="34" charset="0"/>
+                        </a:rPr>
+                        <a:t> </a:t>
+                      </a:r>
+                    </a:p>
+                  </a:txBody>
+                  <a:tcPr marL="5445" marR="5445" marT="5445" marB="0" anchor="b">
+                    <a:lnL>
+                      <a:noFill/>
+                    </a:lnL>
+                    <a:lnR>
+                      <a:noFill/>
+                    </a:lnR>
+                    <a:lnT>
+                      <a:noFill/>
+                    </a:lnT>
+                    <a:lnB>
+                      <a:noFill/>
+                    </a:lnB>
+                    <a:solidFill>
+                      <a:srgbClr val="262626"/>
+                    </a:solidFill>
+                  </a:tcPr>
+                </a:tc>
+                <a:tc>
+                  <a:txBody>
+                    <a:bodyPr/>
+                    <a:lstStyle/>
+                    <a:p>
+                      <a:pPr algn="ctr" fontAlgn="b"/>
+                      <a:r>
+                        <a:rPr lang="fr-FR" sz="1100" b="1" i="0" u="none" strike="noStrike">
+                          <a:solidFill>
+                            <a:srgbClr val="FFFFFF"/>
+                          </a:solidFill>
+                          <a:effectLst/>
+                          <a:latin typeface="Arial" panose="020B0604020202020204" pitchFamily="34" charset="0"/>
+                        </a:rPr>
+                        <a:t> </a:t>
+                      </a:r>
+                    </a:p>
+                  </a:txBody>
+                  <a:tcPr marL="5445" marR="5445" marT="5445" marB="0" anchor="b">
+                    <a:lnL>
+                      <a:noFill/>
+                    </a:lnL>
+                    <a:lnR>
+                      <a:noFill/>
+                    </a:lnR>
+                    <a:lnT>
+                      <a:noFill/>
+                    </a:lnT>
+                    <a:lnB>
+                      <a:noFill/>
+                    </a:lnB>
+                    <a:solidFill>
+                      <a:srgbClr val="262626"/>
+                    </a:solidFill>
+                  </a:tcPr>
+                </a:tc>
+                <a:extLst>
+                  <a:ext uri="{0D108BD9-81ED-4DB2-BD59-A6C34878D82A}">
+                    <a16:rowId xmlns:a16="http://schemas.microsoft.com/office/drawing/2014/main" val="1833298744"/>
+                  </a:ext>
+                </a:extLst>
+              </a:tr>
+              <a:tr h="299997">
+                <a:tc>
+                  <a:txBody>
+                    <a:bodyPr/>
+                    <a:lstStyle/>
+                    <a:p>
+                      <a:pPr algn="l" fontAlgn="b"/>
+                      <a:endParaRPr lang="fr-FR" sz="1100" b="0" i="0" u="none" strike="noStrike">
+                        <a:solidFill>
+                          <a:srgbClr val="000000"/>
+                        </a:solidFill>
+                        <a:effectLst/>
+                        <a:latin typeface="Arial" panose="020B0604020202020204" pitchFamily="34" charset="0"/>
+                      </a:endParaRPr>
+                    </a:p>
+                  </a:txBody>
+                  <a:tcPr marL="5445" marR="5445" marT="5445" marB="0" anchor="b">
+                    <a:lnL>
+                      <a:noFill/>
+                    </a:lnL>
+                    <a:lnR>
+                      <a:noFill/>
+                    </a:lnR>
+                    <a:lnT>
+                      <a:noFill/>
+                    </a:lnT>
+                    <a:lnB>
+                      <a:noFill/>
+                    </a:lnB>
+                  </a:tcPr>
+                </a:tc>
+                <a:tc>
+                  <a:txBody>
+                    <a:bodyPr/>
+                    <a:lstStyle/>
+                    <a:p>
+                      <a:pPr algn="l" fontAlgn="b"/>
+                      <a:endParaRPr lang="fr-FR" sz="1100" b="0" i="0" u="none" strike="noStrike" dirty="0">
+                        <a:solidFill>
+                          <a:srgbClr val="000000"/>
+                        </a:solidFill>
+                        <a:effectLst/>
+                        <a:latin typeface="Arial" panose="020B0604020202020204" pitchFamily="34" charset="0"/>
+                      </a:endParaRPr>
+                    </a:p>
+                  </a:txBody>
+                  <a:tcPr marL="5445" marR="5445" marT="5445" marB="0" anchor="b">
+                    <a:lnL>
+                      <a:noFill/>
+                    </a:lnL>
+                    <a:lnR>
+                      <a:noFill/>
+                    </a:lnR>
+                    <a:lnT>
+                      <a:noFill/>
+                    </a:lnT>
+                    <a:lnB>
+                      <a:noFill/>
+                    </a:lnB>
+                  </a:tcPr>
+                </a:tc>
+                <a:tc>
+                  <a:txBody>
+                    <a:bodyPr/>
+                    <a:lstStyle/>
+                    <a:p>
+                      <a:pPr algn="l" fontAlgn="b"/>
+                      <a:endParaRPr lang="fr-FR" sz="1100" b="0" i="0" u="none" strike="noStrike">
+                        <a:solidFill>
+                          <a:srgbClr val="000000"/>
+                        </a:solidFill>
+                        <a:effectLst/>
+                        <a:latin typeface="Arial" panose="020B0604020202020204" pitchFamily="34" charset="0"/>
+                      </a:endParaRPr>
+                    </a:p>
+                  </a:txBody>
+                  <a:tcPr marL="5445" marR="5445" marT="5445" marB="0" anchor="b">
+                    <a:lnL>
+                      <a:noFill/>
+                    </a:lnL>
+                    <a:lnR>
+                      <a:noFill/>
+                    </a:lnR>
+                    <a:lnT>
+                      <a:noFill/>
+                    </a:lnT>
+                    <a:lnB>
+                      <a:noFill/>
+                    </a:lnB>
+                  </a:tcPr>
+                </a:tc>
+                <a:tc>
+                  <a:txBody>
+                    <a:bodyPr/>
+                    <a:lstStyle/>
+                    <a:p>
+                      <a:pPr algn="l" fontAlgn="b"/>
+                      <a:endParaRPr lang="fr-FR" sz="1100" b="0" i="0" u="none" strike="noStrike" dirty="0">
+                        <a:solidFill>
+                          <a:srgbClr val="000000"/>
+                        </a:solidFill>
+                        <a:effectLst/>
+                        <a:latin typeface="Arial" panose="020B0604020202020204" pitchFamily="34" charset="0"/>
+                      </a:endParaRPr>
+                    </a:p>
+                  </a:txBody>
+                  <a:tcPr marL="5445" marR="5445" marT="5445" marB="0" anchor="b">
+                    <a:lnL>
+                      <a:noFill/>
+                    </a:lnL>
+                    <a:lnR>
+                      <a:noFill/>
+                    </a:lnR>
+                    <a:lnT>
+                      <a:noFill/>
+                    </a:lnT>
+                    <a:lnB>
+                      <a:noFill/>
+                    </a:lnB>
+                  </a:tcPr>
+                </a:tc>
+                <a:tc>
+                  <a:txBody>
+                    <a:bodyPr/>
+                    <a:lstStyle/>
+                    <a:p>
+                      <a:pPr algn="l" fontAlgn="b"/>
+                      <a:endParaRPr lang="fr-FR" sz="1100" b="0" i="0" u="none" strike="noStrike">
+                        <a:solidFill>
+                          <a:srgbClr val="000000"/>
+                        </a:solidFill>
+                        <a:effectLst/>
+                        <a:latin typeface="Arial" panose="020B0604020202020204" pitchFamily="34" charset="0"/>
+                      </a:endParaRPr>
+                    </a:p>
+                  </a:txBody>
+                  <a:tcPr marL="5445" marR="5445" marT="5445" marB="0" anchor="b">
+                    <a:lnL>
+                      <a:noFill/>
+                    </a:lnL>
+                    <a:lnR>
+                      <a:noFill/>
+                    </a:lnR>
+                    <a:lnT>
+                      <a:noFill/>
+                    </a:lnT>
+                    <a:lnB>
+                      <a:noFill/>
+                    </a:lnB>
+                  </a:tcPr>
+                </a:tc>
+                <a:extLst>
+                  <a:ext uri="{0D108BD9-81ED-4DB2-BD59-A6C34878D82A}">
+                    <a16:rowId xmlns:a16="http://schemas.microsoft.com/office/drawing/2014/main" val="1384121885"/>
+                  </a:ext>
+                </a:extLst>
+              </a:tr>
+              <a:tr h="361761">
+                <a:tc>
+                  <a:txBody>
+                    <a:bodyPr/>
+                    <a:lstStyle/>
+                    <a:p>
+                      <a:pPr algn="ctr" fontAlgn="b"/>
+                      <a:r>
+                        <a:rPr lang="fr-FR" sz="1400" b="1" i="0" u="sng" strike="noStrike">
+                          <a:solidFill>
+                            <a:srgbClr val="00B0F0"/>
+                          </a:solidFill>
+                          <a:effectLst/>
+                          <a:latin typeface="Arial" panose="020B0604020202020204" pitchFamily="34" charset="0"/>
+                        </a:rPr>
+                        <a:t>Mots Clés retenus</a:t>
+                      </a:r>
+                    </a:p>
+                  </a:txBody>
+                  <a:tcPr marL="5445" marR="5445" marT="5445" marB="0" anchor="b">
+                    <a:lnL>
+                      <a:noFill/>
+                    </a:lnL>
+                    <a:lnR>
+                      <a:noFill/>
+                    </a:lnR>
+                    <a:lnT>
+                      <a:noFill/>
+                    </a:lnT>
+                    <a:lnB>
+                      <a:noFill/>
+                    </a:lnB>
+                    <a:solidFill>
+                      <a:srgbClr val="262626"/>
+                    </a:solidFill>
+                  </a:tcPr>
+                </a:tc>
+                <a:tc>
+                  <a:txBody>
+                    <a:bodyPr/>
+                    <a:lstStyle/>
+                    <a:p>
+                      <a:pPr algn="ctr" fontAlgn="b"/>
+                      <a:r>
+                        <a:rPr lang="fr-FR" sz="1100" b="1" i="0" u="none" strike="noStrike">
+                          <a:solidFill>
+                            <a:srgbClr val="FFFFFF"/>
+                          </a:solidFill>
+                          <a:effectLst/>
+                          <a:latin typeface="Arial" panose="020B0604020202020204" pitchFamily="34" charset="0"/>
+                        </a:rPr>
+                        <a:t> </a:t>
+                      </a:r>
+                    </a:p>
+                  </a:txBody>
+                  <a:tcPr marL="5445" marR="5445" marT="5445" marB="0" anchor="b">
+                    <a:lnL>
+                      <a:noFill/>
+                    </a:lnL>
+                    <a:lnR>
+                      <a:noFill/>
+                    </a:lnR>
+                    <a:lnT>
+                      <a:noFill/>
+                    </a:lnT>
+                    <a:lnB>
+                      <a:noFill/>
+                    </a:lnB>
+                    <a:solidFill>
+                      <a:srgbClr val="262626"/>
+                    </a:solidFill>
+                  </a:tcPr>
+                </a:tc>
+                <a:tc>
+                  <a:txBody>
+                    <a:bodyPr/>
+                    <a:lstStyle/>
+                    <a:p>
+                      <a:pPr algn="ctr" fontAlgn="b"/>
+                      <a:r>
+                        <a:rPr lang="fr-FR" sz="1100" b="1" i="0" u="none" strike="noStrike">
+                          <a:solidFill>
+                            <a:srgbClr val="FFFFFF"/>
+                          </a:solidFill>
+                          <a:effectLst/>
+                          <a:latin typeface="Arial" panose="020B0604020202020204" pitchFamily="34" charset="0"/>
+                        </a:rPr>
+                        <a:t> </a:t>
+                      </a:r>
+                    </a:p>
+                  </a:txBody>
+                  <a:tcPr marL="5445" marR="5445" marT="5445" marB="0" anchor="b">
+                    <a:lnL>
+                      <a:noFill/>
+                    </a:lnL>
+                    <a:lnR>
+                      <a:noFill/>
+                    </a:lnR>
+                    <a:lnT>
+                      <a:noFill/>
+                    </a:lnT>
+                    <a:lnB>
+                      <a:noFill/>
+                    </a:lnB>
+                    <a:solidFill>
+                      <a:srgbClr val="262626"/>
+                    </a:solidFill>
+                  </a:tcPr>
+                </a:tc>
+                <a:tc>
+                  <a:txBody>
+                    <a:bodyPr/>
+                    <a:lstStyle/>
+                    <a:p>
+                      <a:pPr algn="ctr" fontAlgn="b"/>
+                      <a:r>
+                        <a:rPr lang="fr-FR" sz="1100" b="1" i="0" u="none" strike="noStrike">
+                          <a:solidFill>
+                            <a:srgbClr val="FFFFFF"/>
+                          </a:solidFill>
+                          <a:effectLst/>
+                          <a:latin typeface="Arial" panose="020B0604020202020204" pitchFamily="34" charset="0"/>
+                        </a:rPr>
+                        <a:t> </a:t>
+                      </a:r>
+                    </a:p>
+                  </a:txBody>
+                  <a:tcPr marL="5445" marR="5445" marT="5445" marB="0" anchor="b">
+                    <a:lnL>
+                      <a:noFill/>
+                    </a:lnL>
+                    <a:lnR>
+                      <a:noFill/>
+                    </a:lnR>
+                    <a:lnT>
+                      <a:noFill/>
+                    </a:lnT>
+                    <a:lnB>
+                      <a:noFill/>
+                    </a:lnB>
+                    <a:solidFill>
+                      <a:srgbClr val="262626"/>
+                    </a:solidFill>
+                  </a:tcPr>
+                </a:tc>
+                <a:tc>
+                  <a:txBody>
+                    <a:bodyPr/>
+                    <a:lstStyle/>
+                    <a:p>
+                      <a:pPr algn="ctr" fontAlgn="b"/>
+                      <a:r>
+                        <a:rPr lang="fr-FR" sz="1100" b="1" i="0" u="none" strike="noStrike">
+                          <a:solidFill>
+                            <a:srgbClr val="FFFFFF"/>
+                          </a:solidFill>
+                          <a:effectLst/>
+                          <a:latin typeface="Arial" panose="020B0604020202020204" pitchFamily="34" charset="0"/>
+                        </a:rPr>
+                        <a:t> </a:t>
+                      </a:r>
+                    </a:p>
+                  </a:txBody>
+                  <a:tcPr marL="5445" marR="5445" marT="5445" marB="0" anchor="b">
+                    <a:lnL>
+                      <a:noFill/>
+                    </a:lnL>
+                    <a:lnR>
+                      <a:noFill/>
+                    </a:lnR>
+                    <a:lnT>
+                      <a:noFill/>
+                    </a:lnT>
+                    <a:lnB>
+                      <a:noFill/>
+                    </a:lnB>
+                    <a:solidFill>
+                      <a:srgbClr val="262626"/>
+                    </a:solidFill>
+                  </a:tcPr>
+                </a:tc>
+                <a:extLst>
+                  <a:ext uri="{0D108BD9-81ED-4DB2-BD59-A6C34878D82A}">
+                    <a16:rowId xmlns:a16="http://schemas.microsoft.com/office/drawing/2014/main" val="2028984540"/>
+                  </a:ext>
+                </a:extLst>
+              </a:tr>
+              <a:tr h="291172">
+                <a:tc>
+                  <a:txBody>
+                    <a:bodyPr/>
+                    <a:lstStyle/>
+                    <a:p>
+                      <a:pPr algn="ctr" fontAlgn="b"/>
+                      <a:r>
+                        <a:rPr lang="fr-FR" sz="1100" b="1" i="0" u="none" strike="noStrike">
+                          <a:solidFill>
+                            <a:srgbClr val="FFFFFF"/>
+                          </a:solidFill>
+                          <a:effectLst/>
+                          <a:latin typeface="Arial" panose="020B0604020202020204" pitchFamily="34" charset="0"/>
+                        </a:rPr>
+                        <a:t> </a:t>
+                      </a:r>
+                    </a:p>
+                  </a:txBody>
+                  <a:tcPr marL="5445" marR="5445" marT="5445" marB="0" anchor="b">
+                    <a:lnL>
+                      <a:noFill/>
+                    </a:lnL>
+                    <a:lnR>
+                      <a:noFill/>
+                    </a:lnR>
+                    <a:lnT>
+                      <a:noFill/>
+                    </a:lnT>
+                    <a:lnB>
+                      <a:noFill/>
+                    </a:lnB>
+                    <a:solidFill>
+                      <a:srgbClr val="262626"/>
+                    </a:solidFill>
+                  </a:tcPr>
+                </a:tc>
+                <a:tc>
+                  <a:txBody>
+                    <a:bodyPr/>
+                    <a:lstStyle/>
+                    <a:p>
+                      <a:pPr algn="ctr" fontAlgn="b"/>
+                      <a:r>
+                        <a:rPr lang="fr-FR" sz="1100" b="1" i="0" u="none" strike="noStrike">
+                          <a:solidFill>
+                            <a:srgbClr val="FFFFFF"/>
+                          </a:solidFill>
+                          <a:effectLst/>
+                          <a:latin typeface="Arial" panose="020B0604020202020204" pitchFamily="34" charset="0"/>
+                        </a:rPr>
+                        <a:t> </a:t>
+                      </a:r>
+                    </a:p>
+                  </a:txBody>
+                  <a:tcPr marL="5445" marR="5445" marT="5445" marB="0" anchor="b">
+                    <a:lnL>
+                      <a:noFill/>
+                    </a:lnL>
+                    <a:lnR>
+                      <a:noFill/>
+                    </a:lnR>
+                    <a:lnT>
+                      <a:noFill/>
+                    </a:lnT>
+                    <a:lnB>
+                      <a:noFill/>
+                    </a:lnB>
+                    <a:solidFill>
+                      <a:srgbClr val="262626"/>
+                    </a:solidFill>
+                  </a:tcPr>
+                </a:tc>
+                <a:tc>
+                  <a:txBody>
+                    <a:bodyPr/>
+                    <a:lstStyle/>
+                    <a:p>
+                      <a:pPr algn="ctr" fontAlgn="b"/>
+                      <a:r>
+                        <a:rPr lang="fr-FR" sz="1100" b="1" i="0" u="none" strike="noStrike">
+                          <a:solidFill>
+                            <a:srgbClr val="FFFFFF"/>
+                          </a:solidFill>
+                          <a:effectLst/>
+                          <a:latin typeface="Arial" panose="020B0604020202020204" pitchFamily="34" charset="0"/>
+                        </a:rPr>
+                        <a:t> </a:t>
+                      </a:r>
+                    </a:p>
+                  </a:txBody>
+                  <a:tcPr marL="5445" marR="5445" marT="5445" marB="0" anchor="b">
+                    <a:lnL>
+                      <a:noFill/>
+                    </a:lnL>
+                    <a:lnR>
+                      <a:noFill/>
+                    </a:lnR>
+                    <a:lnT>
+                      <a:noFill/>
+                    </a:lnT>
+                    <a:lnB>
+                      <a:noFill/>
+                    </a:lnB>
+                    <a:solidFill>
+                      <a:srgbClr val="262626"/>
+                    </a:solidFill>
+                  </a:tcPr>
+                </a:tc>
+                <a:tc>
+                  <a:txBody>
+                    <a:bodyPr/>
+                    <a:lstStyle/>
+                    <a:p>
+                      <a:pPr algn="ctr" fontAlgn="b"/>
+                      <a:r>
+                        <a:rPr lang="fr-FR" sz="1100" b="1" i="0" u="none" strike="noStrike">
+                          <a:solidFill>
+                            <a:srgbClr val="FFFFFF"/>
+                          </a:solidFill>
+                          <a:effectLst/>
+                          <a:latin typeface="Arial" panose="020B0604020202020204" pitchFamily="34" charset="0"/>
+                        </a:rPr>
+                        <a:t> </a:t>
+                      </a:r>
+                    </a:p>
+                  </a:txBody>
+                  <a:tcPr marL="5445" marR="5445" marT="5445" marB="0" anchor="b">
+                    <a:lnL>
+                      <a:noFill/>
+                    </a:lnL>
+                    <a:lnR>
+                      <a:noFill/>
+                    </a:lnR>
+                    <a:lnT>
+                      <a:noFill/>
+                    </a:lnT>
+                    <a:lnB>
+                      <a:noFill/>
+                    </a:lnB>
+                    <a:solidFill>
+                      <a:srgbClr val="262626"/>
+                    </a:solidFill>
+                  </a:tcPr>
+                </a:tc>
+                <a:tc>
+                  <a:txBody>
+                    <a:bodyPr/>
+                    <a:lstStyle/>
+                    <a:p>
+                      <a:pPr algn="ctr" fontAlgn="b"/>
+                      <a:r>
+                        <a:rPr lang="fr-FR" sz="1100" b="1" i="0" u="none" strike="noStrike">
+                          <a:solidFill>
+                            <a:srgbClr val="FFFFFF"/>
+                          </a:solidFill>
+                          <a:effectLst/>
+                          <a:latin typeface="Arial" panose="020B0604020202020204" pitchFamily="34" charset="0"/>
+                        </a:rPr>
+                        <a:t> </a:t>
+                      </a:r>
+                    </a:p>
+                  </a:txBody>
+                  <a:tcPr marL="5445" marR="5445" marT="5445" marB="0" anchor="b">
+                    <a:lnL>
+                      <a:noFill/>
+                    </a:lnL>
+                    <a:lnR>
+                      <a:noFill/>
+                    </a:lnR>
+                    <a:lnT>
+                      <a:noFill/>
+                    </a:lnT>
+                    <a:lnB>
+                      <a:noFill/>
+                    </a:lnB>
+                    <a:solidFill>
+                      <a:srgbClr val="262626"/>
+                    </a:solidFill>
+                  </a:tcPr>
+                </a:tc>
+                <a:extLst>
+                  <a:ext uri="{0D108BD9-81ED-4DB2-BD59-A6C34878D82A}">
+                    <a16:rowId xmlns:a16="http://schemas.microsoft.com/office/drawing/2014/main" val="2582344518"/>
+                  </a:ext>
+                </a:extLst>
+              </a:tr>
+              <a:tr h="308819">
+                <a:tc>
+                  <a:txBody>
+                    <a:bodyPr/>
+                    <a:lstStyle/>
+                    <a:p>
+                      <a:pPr algn="ctr" fontAlgn="b"/>
+                      <a:r>
+                        <a:rPr lang="fr-FR" sz="1100" b="1" i="0" u="none" strike="noStrike">
+                          <a:solidFill>
+                            <a:srgbClr val="FFFFFF"/>
+                          </a:solidFill>
+                          <a:effectLst/>
+                          <a:latin typeface="Arial" panose="020B0604020202020204" pitchFamily="34" charset="0"/>
+                        </a:rPr>
+                        <a:t>Agence web</a:t>
+                      </a:r>
+                    </a:p>
+                  </a:txBody>
+                  <a:tcPr marL="5445" marR="5445" marT="5445" marB="0" anchor="b">
+                    <a:lnL>
+                      <a:noFill/>
+                    </a:lnL>
+                    <a:lnR>
+                      <a:noFill/>
+                    </a:lnR>
+                    <a:lnT>
+                      <a:noFill/>
+                    </a:lnT>
+                    <a:lnB>
+                      <a:noFill/>
+                    </a:lnB>
+                    <a:solidFill>
+                      <a:srgbClr val="262626"/>
+                    </a:solidFill>
+                  </a:tcPr>
+                </a:tc>
+                <a:tc>
+                  <a:txBody>
+                    <a:bodyPr/>
+                    <a:lstStyle/>
+                    <a:p>
+                      <a:pPr algn="ctr" fontAlgn="b"/>
+                      <a:r>
+                        <a:rPr lang="fr-FR" sz="1100" b="1" i="0" u="none" strike="noStrike">
+                          <a:solidFill>
+                            <a:srgbClr val="FFFFFF"/>
+                          </a:solidFill>
+                          <a:effectLst/>
+                          <a:latin typeface="Arial" panose="020B0604020202020204" pitchFamily="34" charset="0"/>
+                        </a:rPr>
+                        <a:t>La chouette agence</a:t>
+                      </a:r>
+                    </a:p>
+                  </a:txBody>
+                  <a:tcPr marL="5445" marR="5445" marT="5445" marB="0" anchor="b">
+                    <a:lnL>
+                      <a:noFill/>
+                    </a:lnL>
+                    <a:lnR>
+                      <a:noFill/>
+                    </a:lnR>
+                    <a:lnT>
+                      <a:noFill/>
+                    </a:lnT>
+                    <a:lnB>
+                      <a:noFill/>
+                    </a:lnB>
+                    <a:solidFill>
+                      <a:srgbClr val="262626"/>
+                    </a:solidFill>
+                  </a:tcPr>
+                </a:tc>
+                <a:tc>
+                  <a:txBody>
+                    <a:bodyPr/>
+                    <a:lstStyle/>
+                    <a:p>
+                      <a:pPr algn="ctr" fontAlgn="b"/>
+                      <a:r>
+                        <a:rPr lang="fr-FR" sz="1100" b="1" i="0" u="none" strike="noStrike">
+                          <a:solidFill>
+                            <a:srgbClr val="FFFFFF"/>
+                          </a:solidFill>
+                          <a:effectLst/>
+                          <a:latin typeface="Arial" panose="020B0604020202020204" pitchFamily="34" charset="0"/>
+                        </a:rPr>
+                        <a:t>Agence web basée à Lyon</a:t>
+                      </a:r>
+                    </a:p>
+                  </a:txBody>
+                  <a:tcPr marL="5445" marR="5445" marT="5445" marB="0" anchor="b">
+                    <a:lnL>
+                      <a:noFill/>
+                    </a:lnL>
+                    <a:lnR>
+                      <a:noFill/>
+                    </a:lnR>
+                    <a:lnT>
+                      <a:noFill/>
+                    </a:lnT>
+                    <a:lnB>
+                      <a:noFill/>
+                    </a:lnB>
+                    <a:solidFill>
+                      <a:srgbClr val="262626"/>
+                    </a:solidFill>
+                  </a:tcPr>
+                </a:tc>
+                <a:tc>
+                  <a:txBody>
+                    <a:bodyPr/>
+                    <a:lstStyle/>
+                    <a:p>
+                      <a:pPr algn="ctr" fontAlgn="b"/>
+                      <a:r>
+                        <a:rPr lang="fr-FR" sz="1100" b="1" i="0" u="none" strike="noStrike">
+                          <a:solidFill>
+                            <a:srgbClr val="FFFFFF"/>
+                          </a:solidFill>
+                          <a:effectLst/>
+                          <a:latin typeface="Arial" panose="020B0604020202020204" pitchFamily="34" charset="0"/>
+                        </a:rPr>
+                        <a:t>Agence web Lyon</a:t>
+                      </a:r>
+                    </a:p>
+                  </a:txBody>
+                  <a:tcPr marL="5445" marR="5445" marT="5445" marB="0" anchor="b">
+                    <a:lnL>
+                      <a:noFill/>
+                    </a:lnL>
+                    <a:lnR>
+                      <a:noFill/>
+                    </a:lnR>
+                    <a:lnT>
+                      <a:noFill/>
+                    </a:lnT>
+                    <a:lnB>
+                      <a:noFill/>
+                    </a:lnB>
+                    <a:solidFill>
+                      <a:srgbClr val="262626"/>
+                    </a:solidFill>
+                  </a:tcPr>
+                </a:tc>
+                <a:tc>
+                  <a:txBody>
+                    <a:bodyPr/>
+                    <a:lstStyle/>
+                    <a:p>
+                      <a:pPr algn="ctr" fontAlgn="b"/>
+                      <a:r>
+                        <a:rPr lang="fr-FR" sz="1100" b="1" i="0" u="none" strike="noStrike">
+                          <a:solidFill>
+                            <a:srgbClr val="FFFFFF"/>
+                          </a:solidFill>
+                          <a:effectLst/>
+                          <a:latin typeface="Arial" panose="020B0604020202020204" pitchFamily="34" charset="0"/>
+                        </a:rPr>
+                        <a:t>Entreprises locales</a:t>
+                      </a:r>
+                    </a:p>
+                  </a:txBody>
+                  <a:tcPr marL="5445" marR="5445" marT="5445" marB="0" anchor="b">
+                    <a:lnL>
+                      <a:noFill/>
+                    </a:lnL>
+                    <a:lnR>
+                      <a:noFill/>
+                    </a:lnR>
+                    <a:lnT>
+                      <a:noFill/>
+                    </a:lnT>
+                    <a:lnB>
+                      <a:noFill/>
+                    </a:lnB>
+                    <a:solidFill>
+                      <a:srgbClr val="262626"/>
+                    </a:solidFill>
+                  </a:tcPr>
+                </a:tc>
+                <a:extLst>
+                  <a:ext uri="{0D108BD9-81ED-4DB2-BD59-A6C34878D82A}">
+                    <a16:rowId xmlns:a16="http://schemas.microsoft.com/office/drawing/2014/main" val="3630248502"/>
+                  </a:ext>
+                </a:extLst>
+              </a:tr>
+              <a:tr h="308819">
+                <a:tc>
+                  <a:txBody>
+                    <a:bodyPr/>
+                    <a:lstStyle/>
+                    <a:p>
+                      <a:pPr algn="ctr" fontAlgn="b"/>
+                      <a:r>
+                        <a:rPr lang="fr-FR" sz="1100" b="1" i="0" u="none" strike="noStrike">
+                          <a:solidFill>
+                            <a:srgbClr val="FFFFFF"/>
+                          </a:solidFill>
+                          <a:effectLst/>
+                          <a:latin typeface="Arial" panose="020B0604020202020204" pitchFamily="34" charset="0"/>
+                        </a:rPr>
+                        <a:t>Agence design</a:t>
+                      </a:r>
+                    </a:p>
+                  </a:txBody>
+                  <a:tcPr marL="5445" marR="5445" marT="5445" marB="0" anchor="b">
+                    <a:lnL>
+                      <a:noFill/>
+                    </a:lnL>
+                    <a:lnR>
+                      <a:noFill/>
+                    </a:lnR>
+                    <a:lnT>
+                      <a:noFill/>
+                    </a:lnT>
+                    <a:lnB>
+                      <a:noFill/>
+                    </a:lnB>
+                    <a:solidFill>
+                      <a:srgbClr val="262626"/>
+                    </a:solidFill>
+                  </a:tcPr>
+                </a:tc>
+                <a:tc>
+                  <a:txBody>
+                    <a:bodyPr/>
+                    <a:lstStyle/>
+                    <a:p>
+                      <a:pPr algn="ctr" fontAlgn="b"/>
+                      <a:r>
+                        <a:rPr lang="fr-FR" sz="1100" b="1" i="0" u="none" strike="noStrike">
+                          <a:solidFill>
+                            <a:srgbClr val="FFFFFF"/>
+                          </a:solidFill>
+                          <a:effectLst/>
+                          <a:latin typeface="Arial" panose="020B0604020202020204" pitchFamily="34" charset="0"/>
+                        </a:rPr>
+                        <a:t>Design site web</a:t>
+                      </a:r>
+                    </a:p>
+                  </a:txBody>
+                  <a:tcPr marL="5445" marR="5445" marT="5445" marB="0" anchor="b">
+                    <a:lnL>
+                      <a:noFill/>
+                    </a:lnL>
+                    <a:lnR>
+                      <a:noFill/>
+                    </a:lnR>
+                    <a:lnT>
+                      <a:noFill/>
+                    </a:lnT>
+                    <a:lnB>
+                      <a:noFill/>
+                    </a:lnB>
+                    <a:solidFill>
+                      <a:srgbClr val="262626"/>
+                    </a:solidFill>
+                  </a:tcPr>
+                </a:tc>
+                <a:tc>
+                  <a:txBody>
+                    <a:bodyPr/>
+                    <a:lstStyle/>
+                    <a:p>
+                      <a:pPr algn="ctr" fontAlgn="b"/>
+                      <a:r>
+                        <a:rPr lang="fr-FR" sz="1100" b="1" i="0" u="none" strike="noStrike">
+                          <a:solidFill>
+                            <a:srgbClr val="FFFFFF"/>
+                          </a:solidFill>
+                          <a:effectLst/>
+                          <a:latin typeface="Arial" panose="020B0604020202020204" pitchFamily="34" charset="0"/>
+                        </a:rPr>
+                        <a:t>Entreprise de web design basée à Lyon</a:t>
+                      </a:r>
+                    </a:p>
+                  </a:txBody>
+                  <a:tcPr marL="5445" marR="5445" marT="5445" marB="0" anchor="b">
+                    <a:lnL>
+                      <a:noFill/>
+                    </a:lnL>
+                    <a:lnR>
+                      <a:noFill/>
+                    </a:lnR>
+                    <a:lnT>
+                      <a:noFill/>
+                    </a:lnT>
+                    <a:lnB>
+                      <a:noFill/>
+                    </a:lnB>
+                    <a:solidFill>
+                      <a:srgbClr val="262626"/>
+                    </a:solidFill>
+                  </a:tcPr>
+                </a:tc>
+                <a:tc>
+                  <a:txBody>
+                    <a:bodyPr/>
+                    <a:lstStyle/>
+                    <a:p>
+                      <a:pPr algn="ctr" fontAlgn="b"/>
+                      <a:r>
+                        <a:rPr lang="fr-FR" sz="1100" b="1" i="0" u="none" strike="noStrike">
+                          <a:solidFill>
+                            <a:srgbClr val="FFFFFF"/>
+                          </a:solidFill>
+                          <a:effectLst/>
+                          <a:latin typeface="Arial" panose="020B0604020202020204" pitchFamily="34" charset="0"/>
+                        </a:rPr>
+                        <a:t>Devenir une entreprise attractive</a:t>
+                      </a:r>
+                    </a:p>
+                  </a:txBody>
+                  <a:tcPr marL="5445" marR="5445" marT="5445" marB="0" anchor="b">
+                    <a:lnL>
+                      <a:noFill/>
+                    </a:lnL>
+                    <a:lnR>
+                      <a:noFill/>
+                    </a:lnR>
+                    <a:lnT>
+                      <a:noFill/>
+                    </a:lnT>
+                    <a:lnB>
+                      <a:noFill/>
+                    </a:lnB>
+                    <a:solidFill>
+                      <a:srgbClr val="262626"/>
+                    </a:solidFill>
+                  </a:tcPr>
+                </a:tc>
+                <a:tc>
+                  <a:txBody>
+                    <a:bodyPr/>
+                    <a:lstStyle/>
+                    <a:p>
+                      <a:pPr algn="ctr" fontAlgn="b"/>
+                      <a:r>
+                        <a:rPr lang="fr-FR" sz="1100" b="1" i="0" u="none" strike="noStrike">
+                          <a:solidFill>
+                            <a:srgbClr val="FFFFFF"/>
+                          </a:solidFill>
+                          <a:effectLst/>
+                          <a:latin typeface="Arial" panose="020B0604020202020204" pitchFamily="34" charset="0"/>
+                        </a:rPr>
+                        <a:t>Agence web design</a:t>
+                      </a:r>
+                    </a:p>
+                  </a:txBody>
+                  <a:tcPr marL="5445" marR="5445" marT="5445" marB="0" anchor="b">
+                    <a:lnL>
+                      <a:noFill/>
+                    </a:lnL>
+                    <a:lnR>
+                      <a:noFill/>
+                    </a:lnR>
+                    <a:lnT>
+                      <a:noFill/>
+                    </a:lnT>
+                    <a:lnB>
+                      <a:noFill/>
+                    </a:lnB>
+                    <a:solidFill>
+                      <a:srgbClr val="262626"/>
+                    </a:solidFill>
+                  </a:tcPr>
+                </a:tc>
+                <a:extLst>
+                  <a:ext uri="{0D108BD9-81ED-4DB2-BD59-A6C34878D82A}">
+                    <a16:rowId xmlns:a16="http://schemas.microsoft.com/office/drawing/2014/main" val="817521838"/>
+                  </a:ext>
+                </a:extLst>
+              </a:tr>
+              <a:tr h="308819">
+                <a:tc>
+                  <a:txBody>
+                    <a:bodyPr/>
+                    <a:lstStyle/>
+                    <a:p>
+                      <a:pPr algn="ctr" fontAlgn="b"/>
+                      <a:r>
+                        <a:rPr lang="fr-FR" sz="1100" b="1" i="0" u="none" strike="noStrike">
+                          <a:solidFill>
+                            <a:srgbClr val="FFFFFF"/>
+                          </a:solidFill>
+                          <a:effectLst/>
+                          <a:latin typeface="Arial" panose="020B0604020202020204" pitchFamily="34" charset="0"/>
+                        </a:rPr>
+                        <a:t> </a:t>
+                      </a:r>
+                    </a:p>
+                  </a:txBody>
+                  <a:tcPr marL="5445" marR="5445" marT="5445" marB="0" anchor="b">
+                    <a:lnL>
+                      <a:noFill/>
+                    </a:lnL>
+                    <a:lnR>
+                      <a:noFill/>
+                    </a:lnR>
+                    <a:lnT>
+                      <a:noFill/>
+                    </a:lnT>
+                    <a:lnB>
+                      <a:noFill/>
+                    </a:lnB>
+                    <a:solidFill>
+                      <a:srgbClr val="262626"/>
+                    </a:solidFill>
+                  </a:tcPr>
+                </a:tc>
+                <a:tc>
+                  <a:txBody>
+                    <a:bodyPr/>
+                    <a:lstStyle/>
+                    <a:p>
+                      <a:pPr algn="ctr" fontAlgn="b"/>
+                      <a:r>
+                        <a:rPr lang="fr-FR" sz="1100" b="1" i="0" u="none" strike="noStrike">
+                          <a:solidFill>
+                            <a:srgbClr val="FFFFFF"/>
+                          </a:solidFill>
+                          <a:effectLst/>
+                          <a:latin typeface="Arial" panose="020B0604020202020204" pitchFamily="34" charset="0"/>
+                        </a:rPr>
+                        <a:t> </a:t>
+                      </a:r>
+                    </a:p>
+                  </a:txBody>
+                  <a:tcPr marL="5445" marR="5445" marT="5445" marB="0" anchor="b">
+                    <a:lnL>
+                      <a:noFill/>
+                    </a:lnL>
+                    <a:lnR>
+                      <a:noFill/>
+                    </a:lnR>
+                    <a:lnT>
+                      <a:noFill/>
+                    </a:lnT>
+                    <a:lnB>
+                      <a:noFill/>
+                    </a:lnB>
+                    <a:solidFill>
+                      <a:srgbClr val="262626"/>
+                    </a:solidFill>
+                  </a:tcPr>
+                </a:tc>
+                <a:tc>
+                  <a:txBody>
+                    <a:bodyPr/>
+                    <a:lstStyle/>
+                    <a:p>
+                      <a:pPr algn="ctr" fontAlgn="b"/>
+                      <a:r>
+                        <a:rPr lang="fr-FR" sz="1100" b="1" i="0" u="none" strike="noStrike">
+                          <a:solidFill>
+                            <a:srgbClr val="FFFFFF"/>
+                          </a:solidFill>
+                          <a:effectLst/>
+                          <a:latin typeface="Arial" panose="020B0604020202020204" pitchFamily="34" charset="0"/>
+                        </a:rPr>
+                        <a:t> </a:t>
+                      </a:r>
+                    </a:p>
+                  </a:txBody>
+                  <a:tcPr marL="5445" marR="5445" marT="5445" marB="0" anchor="b">
+                    <a:lnL>
+                      <a:noFill/>
+                    </a:lnL>
+                    <a:lnR>
+                      <a:noFill/>
+                    </a:lnR>
+                    <a:lnT>
+                      <a:noFill/>
+                    </a:lnT>
+                    <a:lnB>
+                      <a:noFill/>
+                    </a:lnB>
+                    <a:solidFill>
+                      <a:srgbClr val="262626"/>
+                    </a:solidFill>
+                  </a:tcPr>
+                </a:tc>
+                <a:tc>
+                  <a:txBody>
+                    <a:bodyPr/>
+                    <a:lstStyle/>
+                    <a:p>
+                      <a:pPr algn="ctr" fontAlgn="b"/>
+                      <a:r>
+                        <a:rPr lang="fr-FR" sz="1100" b="1" i="0" u="none" strike="noStrike">
+                          <a:solidFill>
+                            <a:srgbClr val="FFFFFF"/>
+                          </a:solidFill>
+                          <a:effectLst/>
+                          <a:latin typeface="Arial" panose="020B0604020202020204" pitchFamily="34" charset="0"/>
+                        </a:rPr>
+                        <a:t> </a:t>
+                      </a:r>
+                    </a:p>
+                  </a:txBody>
+                  <a:tcPr marL="5445" marR="5445" marT="5445" marB="0" anchor="b">
+                    <a:lnL>
+                      <a:noFill/>
+                    </a:lnL>
+                    <a:lnR>
+                      <a:noFill/>
+                    </a:lnR>
+                    <a:lnT>
+                      <a:noFill/>
+                    </a:lnT>
+                    <a:lnB>
+                      <a:noFill/>
+                    </a:lnB>
+                    <a:solidFill>
+                      <a:srgbClr val="262626"/>
+                    </a:solidFill>
+                  </a:tcPr>
+                </a:tc>
+                <a:tc>
+                  <a:txBody>
+                    <a:bodyPr/>
+                    <a:lstStyle/>
+                    <a:p>
+                      <a:pPr algn="ctr" fontAlgn="b"/>
+                      <a:r>
+                        <a:rPr lang="fr-FR" sz="1100" b="1" i="0" u="none" strike="noStrike" dirty="0">
+                          <a:solidFill>
+                            <a:srgbClr val="FFFFFF"/>
+                          </a:solidFill>
+                          <a:effectLst/>
+                          <a:latin typeface="Arial" panose="020B0604020202020204" pitchFamily="34" charset="0"/>
+                        </a:rPr>
+                        <a:t> </a:t>
+                      </a:r>
+                    </a:p>
+                  </a:txBody>
+                  <a:tcPr marL="5445" marR="5445" marT="5445" marB="0" anchor="b">
+                    <a:lnL>
+                      <a:noFill/>
+                    </a:lnL>
+                    <a:lnR>
+                      <a:noFill/>
+                    </a:lnR>
+                    <a:lnT>
+                      <a:noFill/>
+                    </a:lnT>
+                    <a:lnB>
+                      <a:noFill/>
+                    </a:lnB>
+                    <a:solidFill>
+                      <a:srgbClr val="262626"/>
+                    </a:solidFill>
+                  </a:tcPr>
+                </a:tc>
+                <a:extLst>
+                  <a:ext uri="{0D108BD9-81ED-4DB2-BD59-A6C34878D82A}">
+                    <a16:rowId xmlns:a16="http://schemas.microsoft.com/office/drawing/2014/main" val="817795292"/>
+                  </a:ext>
+                </a:extLst>
+              </a:tr>
+            </a:tbl>
+          </a:graphicData>
+        </a:graphic>
+      </p:graphicFrame>
+      <p:pic>
+        <p:nvPicPr>
+          <p:cNvPr id="23" name="Image 22" descr="Une image contenant jeu, horloge&#10;&#10;Description générée automatiquement">
+            <a:extLst>
+              <a:ext uri="{FF2B5EF4-FFF2-40B4-BE49-F238E27FC236}">
+                <a16:creationId xmlns:a16="http://schemas.microsoft.com/office/drawing/2014/main" id="{AE8FBB01-E952-455B-89F7-BBE7D5EC0046}"/>
+              </a:ext>
+            </a:extLst>
+          </p:cNvPr>
+          <p:cNvPicPr>
+            <a:picLocks noChangeAspect="1"/>
+          </p:cNvPicPr>
+          <p:nvPr/>
+        </p:nvPicPr>
+        <p:blipFill>
+          <a:blip r:embed="rId2">
+            <a:extLst>
+              <a:ext uri="{28A0092B-C50C-407E-A947-70E740481C1C}">
+                <a14:useLocalDpi xmlns:a14="http://schemas.microsoft.com/office/drawing/2010/main" val="0"/>
+              </a:ext>
+            </a:extLst>
+          </a:blip>
+          <a:stretch>
+            <a:fillRect/>
+          </a:stretch>
+        </p:blipFill>
+        <p:spPr>
+          <a:xfrm>
+            <a:off x="10088055" y="0"/>
+            <a:ext cx="1904762" cy="1904762"/>
+          </a:xfrm>
+          <a:prstGeom prst="rect">
+            <a:avLst/>
+          </a:prstGeom>
+        </p:spPr>
+      </p:pic>
+    </p:spTree>
+    <p:extLst>
+      <p:ext uri="{BB962C8B-B14F-4D97-AF65-F5344CB8AC3E}">
+        <p14:creationId xmlns:p14="http://schemas.microsoft.com/office/powerpoint/2010/main" val="2558503430"/>
+      </p:ext>
+    </p:extLst>
+  </p:cSld>
+  <p:clrMapOvr>
+    <a:masterClrMapping/>
+  </p:clrMapOvr>
+  <mc:AlternateContent xmlns:mc="http://schemas.openxmlformats.org/markup-compatibility/2006" xmlns:p14="http://schemas.microsoft.com/office/powerpoint/2010/main">
+    <mc:Choice Requires="p14">
+      <p:transition spd="slow" p14:dur="3400">
+        <p14:reveal/>
+      </p:transition>
+    </mc:Choice>
+    <mc:Fallback xmlns="">
+      <p:transition spd="slow">
+        <p:fade/>
+      </p:transition>
+    </mc:Fallback>
+  </mc:AlternateContent>
+</p:sld>
+</file>
+
+<file path=ppt/slides/slide7.xml><?xml version="1.0" encoding="utf-8"?>
+<p:sld xmlns:a="http://schemas.openxmlformats.org/drawingml/2006/main" xmlns:r="http://schemas.openxmlformats.org/officeDocument/2006/relationships" xmlns:p="http://schemas.openxmlformats.org/presentationml/2006/main">
+  <p:cSld>
+    <p:spTree>
+      <p:nvGrpSpPr>
+        <p:cNvPr id="1" name=""/>
+        <p:cNvGrpSpPr/>
+        <p:nvPr/>
+      </p:nvGrpSpPr>
+      <p:grpSpPr>
+        <a:xfrm>
+          <a:off x="0" y="0"/>
+          <a:ext cx="0" cy="0"/>
+          <a:chOff x="0" y="0"/>
+          <a:chExt cx="0" cy="0"/>
+        </a:xfrm>
+      </p:grpSpPr>
+      <p:sp>
+        <p:nvSpPr>
+          <p:cNvPr id="2" name="Titre 1">
+            <a:extLst>
+              <a:ext uri="{FF2B5EF4-FFF2-40B4-BE49-F238E27FC236}">
                 <a16:creationId xmlns:a16="http://schemas.microsoft.com/office/drawing/2014/main" id="{16F95EDA-F476-4225-BAB1-5887FFF8B91C}"/>
               </a:ext>
             </a:extLst>
@@ -7217,7 +14440,7 @@
           <a:p>
             <a:fld id="{C4346826-A150-40DA-A0FA-3017134F7F37}" type="slidenum">
               <a:rPr lang="fr-FR" smtClean="0"/>
-              <a:t>3</a:t>
+              <a:t>7</a:t>
             </a:fld>
             <a:endParaRPr lang="fr-FR"/>
           </a:p>
@@ -7478,1065 +14701,7 @@
 </p:sld>
 </file>
 
-<file path=ppt/slides/slide4.xml><?xml version="1.0" encoding="utf-8"?>
-<p:sld xmlns:a="http://schemas.openxmlformats.org/drawingml/2006/main" xmlns:r="http://schemas.openxmlformats.org/officeDocument/2006/relationships" xmlns:p="http://schemas.openxmlformats.org/presentationml/2006/main">
-  <p:cSld>
-    <p:bg>
-      <p:bgPr>
-        <a:blipFill rotWithShape="1">
-          <a:blip r:embed="rId2">
-            <a:duotone>
-              <a:schemeClr val="bg2">
-                <a:shade val="80000"/>
-                <a:lumMod val="80000"/>
-              </a:schemeClr>
-              <a:schemeClr val="bg2">
-                <a:tint val="98000"/>
-              </a:schemeClr>
-            </a:duotone>
-          </a:blip>
-          <a:stretch/>
-        </a:blipFill>
-        <a:effectLst/>
-      </p:bgPr>
-    </p:bg>
-    <p:spTree>
-      <p:nvGrpSpPr>
-        <p:cNvPr id="1" name=""/>
-        <p:cNvGrpSpPr/>
-        <p:nvPr/>
-      </p:nvGrpSpPr>
-      <p:grpSpPr>
-        <a:xfrm>
-          <a:off x="0" y="0"/>
-          <a:ext cx="0" cy="0"/>
-          <a:chOff x="0" y="0"/>
-          <a:chExt cx="0" cy="0"/>
-        </a:xfrm>
-      </p:grpSpPr>
-      <p:sp>
-        <p:nvSpPr>
-          <p:cNvPr id="2" name="Titre 1">
-            <a:extLst>
-              <a:ext uri="{FF2B5EF4-FFF2-40B4-BE49-F238E27FC236}">
-                <a16:creationId xmlns:a16="http://schemas.microsoft.com/office/drawing/2014/main" id="{76BDBAF9-0AB6-4AB4-9AAE-AF96961607C8}"/>
-              </a:ext>
-            </a:extLst>
-          </p:cNvPr>
-          <p:cNvSpPr>
-            <a:spLocks noGrp="1"/>
-          </p:cNvSpPr>
-          <p:nvPr>
-            <p:ph type="title"/>
-          </p:nvPr>
-        </p:nvSpPr>
-        <p:spPr>
-          <a:xfrm>
-            <a:off x="913795" y="609600"/>
-            <a:ext cx="10353762" cy="970450"/>
-          </a:xfrm>
-        </p:spPr>
-        <p:txBody>
-          <a:bodyPr>
-            <a:normAutofit/>
-          </a:bodyPr>
-          <a:lstStyle/>
-          <a:p>
-            <a:r>
-              <a:rPr lang="fr-FR"/>
-              <a:t>Cinq erreurs SEO repérées.</a:t>
-            </a:r>
-            <a:endParaRPr lang="fr-FR" dirty="0"/>
-          </a:p>
-        </p:txBody>
-      </p:sp>
-      <p:pic>
-        <p:nvPicPr>
-          <p:cNvPr id="12" name="Picture 11">
-            <a:extLst>
-              <a:ext uri="{FF2B5EF4-FFF2-40B4-BE49-F238E27FC236}">
-                <a16:creationId xmlns:a16="http://schemas.microsoft.com/office/drawing/2014/main" id="{C115FFBB-C8EA-4BA2-A5DD-FE37795051B2}"/>
-              </a:ext>
-              <a:ext uri="{C183D7F6-B498-43B3-948B-1728B52AA6E4}">
-                <adec:decorative xmlns:adec="http://schemas.microsoft.com/office/drawing/2017/decorative" val="1"/>
-              </a:ext>
-            </a:extLst>
-          </p:cNvPr>
-          <p:cNvPicPr>
-            <a:picLocks noGrp="1" noRot="1" noChangeAspect="1" noMove="1" noResize="1" noEditPoints="1" noAdjustHandles="1" noChangeArrowheads="1" noChangeShapeType="1" noCrop="1"/>
-          </p:cNvPicPr>
-          <p:nvPr>
-            <p:extLst>
-              <p:ext uri="{386F3935-93C4-4BCD-93E2-E3B085C9AB24}">
-                <p16:designElem xmlns:p16="http://schemas.microsoft.com/office/powerpoint/2015/main" val="1"/>
-              </p:ext>
-            </p:extLst>
-          </p:nvPr>
-        </p:nvPicPr>
-        <p:blipFill>
-          <a:blip r:embed="rId3">
-            <a:extLst>
-              <a:ext uri="{28A0092B-C50C-407E-A947-70E740481C1C}">
-                <a14:useLocalDpi xmlns:a14="http://schemas.microsoft.com/office/drawing/2010/main" val="0"/>
-              </a:ext>
-            </a:extLst>
-          </a:blip>
-          <a:stretch>
-            <a:fillRect/>
-          </a:stretch>
-        </p:blipFill>
-        <p:spPr>
-          <a:xfrm>
-            <a:off x="914400" y="1998132"/>
-            <a:ext cx="4333632" cy="3521077"/>
-          </a:xfrm>
-          <a:prstGeom prst="rect">
-            <a:avLst/>
-          </a:prstGeom>
-        </p:spPr>
-      </p:pic>
-      <p:pic>
-        <p:nvPicPr>
-          <p:cNvPr id="7" name="Image 6" descr="Une image contenant jeu, horloge&#10;&#10;Description générée automatiquement">
-            <a:extLst>
-              <a:ext uri="{FF2B5EF4-FFF2-40B4-BE49-F238E27FC236}">
-                <a16:creationId xmlns:a16="http://schemas.microsoft.com/office/drawing/2014/main" id="{AD8B2D6C-606B-4B06-9616-5626B8B6634E}"/>
-              </a:ext>
-            </a:extLst>
-          </p:cNvPr>
-          <p:cNvPicPr>
-            <a:picLocks noChangeAspect="1"/>
-          </p:cNvPicPr>
-          <p:nvPr/>
-        </p:nvPicPr>
-        <p:blipFill rotWithShape="1">
-          <a:blip r:embed="rId4">
-            <a:extLst>
-              <a:ext uri="{28A0092B-C50C-407E-A947-70E740481C1C}">
-                <a14:useLocalDpi xmlns:a14="http://schemas.microsoft.com/office/drawing/2010/main" val="0"/>
-              </a:ext>
-            </a:extLst>
-          </a:blip>
-          <a:srcRect t="9552" b="10309"/>
-          <a:stretch/>
-        </p:blipFill>
-        <p:spPr>
-          <a:xfrm>
-            <a:off x="1046760" y="2129667"/>
-            <a:ext cx="4065464" cy="3258006"/>
-          </a:xfrm>
-          <a:prstGeom prst="rect">
-            <a:avLst/>
-          </a:prstGeom>
-        </p:spPr>
-      </p:pic>
-      <p:sp>
-        <p:nvSpPr>
-          <p:cNvPr id="3" name="Espace réservé du contenu 2">
-            <a:extLst>
-              <a:ext uri="{FF2B5EF4-FFF2-40B4-BE49-F238E27FC236}">
-                <a16:creationId xmlns:a16="http://schemas.microsoft.com/office/drawing/2014/main" id="{1438CE73-96B9-499E-91D0-EF91772D45AB}"/>
-              </a:ext>
-            </a:extLst>
-          </p:cNvPr>
-          <p:cNvSpPr>
-            <a:spLocks noGrp="1"/>
-          </p:cNvSpPr>
-          <p:nvPr>
-            <p:ph idx="1"/>
-          </p:nvPr>
-        </p:nvSpPr>
-        <p:spPr>
-          <a:xfrm>
-            <a:off x="5722862" y="1732449"/>
-            <a:ext cx="5546272" cy="4058751"/>
-          </a:xfrm>
-        </p:spPr>
-        <p:txBody>
-          <a:bodyPr anchor="ctr">
-            <a:normAutofit/>
-          </a:bodyPr>
-          <a:lstStyle/>
-          <a:p>
-            <a:pPr>
-              <a:buClr>
-                <a:srgbClr val="FFBB51"/>
-              </a:buClr>
-            </a:pPr>
-            <a:r>
-              <a:rPr lang="fr-FR" dirty="0"/>
-              <a:t>Le titre du site n’est pas renseigné.</a:t>
-            </a:r>
-          </a:p>
-          <a:p>
-            <a:pPr>
-              <a:buClr>
-                <a:srgbClr val="FFBB51"/>
-              </a:buClr>
-            </a:pPr>
-            <a:r>
-              <a:rPr lang="fr-FR" dirty="0"/>
-              <a:t>Une ligne de code contient des mots cachés pour tromper google</a:t>
-            </a:r>
-          </a:p>
-          <a:p>
-            <a:pPr>
-              <a:buClr>
-                <a:srgbClr val="FFBB51"/>
-              </a:buClr>
-            </a:pPr>
-            <a:r>
-              <a:rPr lang="fr-FR" dirty="0"/>
-              <a:t>La balise méta description n’est pas renseigné</a:t>
-            </a:r>
-          </a:p>
-          <a:p>
-            <a:pPr>
-              <a:buClr>
-                <a:srgbClr val="FFBB51"/>
-              </a:buClr>
-            </a:pPr>
-            <a:r>
-              <a:rPr lang="fr-FR" dirty="0"/>
-              <a:t>Les liens des réseaux sociaux retournent sur l’index</a:t>
-            </a:r>
-          </a:p>
-          <a:p>
-            <a:pPr>
-              <a:buClr>
-                <a:srgbClr val="FFBB51"/>
-              </a:buClr>
-            </a:pPr>
-            <a:r>
-              <a:rPr lang="fr-FR" dirty="0"/>
-              <a:t>Répétitions de mots clés non cohérents</a:t>
-            </a:r>
-          </a:p>
-          <a:p>
-            <a:pPr marL="36900" indent="0">
-              <a:buClr>
-                <a:srgbClr val="FFBB51"/>
-              </a:buClr>
-              <a:buNone/>
-            </a:pPr>
-            <a:endParaRPr lang="fr-FR" dirty="0"/>
-          </a:p>
-        </p:txBody>
-      </p:sp>
-      <p:sp>
-        <p:nvSpPr>
-          <p:cNvPr id="4" name="Espace réservé du pied de page 3">
-            <a:extLst>
-              <a:ext uri="{FF2B5EF4-FFF2-40B4-BE49-F238E27FC236}">
-                <a16:creationId xmlns:a16="http://schemas.microsoft.com/office/drawing/2014/main" id="{76D99EDC-1483-4204-9899-36AE0F2AD04C}"/>
-              </a:ext>
-            </a:extLst>
-          </p:cNvPr>
-          <p:cNvSpPr>
-            <a:spLocks noGrp="1"/>
-          </p:cNvSpPr>
-          <p:nvPr>
-            <p:ph type="ftr" sz="quarter" idx="11"/>
-          </p:nvPr>
-        </p:nvSpPr>
-        <p:spPr>
-          <a:xfrm>
-            <a:off x="0" y="6492875"/>
-            <a:ext cx="6672865" cy="365125"/>
-          </a:xfrm>
-        </p:spPr>
-        <p:txBody>
-          <a:bodyPr>
-            <a:normAutofit/>
-          </a:bodyPr>
-          <a:lstStyle/>
-          <a:p>
-            <a:pPr>
-              <a:spcAft>
-                <a:spcPts val="600"/>
-              </a:spcAft>
-            </a:pPr>
-            <a:r>
-              <a:rPr lang="fr-FR"/>
-              <a:t>Optimisez un site web existant - Projet 4 - Feys Olivier</a:t>
-            </a:r>
-          </a:p>
-        </p:txBody>
-      </p:sp>
-      <p:sp>
-        <p:nvSpPr>
-          <p:cNvPr id="5" name="Espace réservé du numéro de diapositive 4">
-            <a:extLst>
-              <a:ext uri="{FF2B5EF4-FFF2-40B4-BE49-F238E27FC236}">
-                <a16:creationId xmlns:a16="http://schemas.microsoft.com/office/drawing/2014/main" id="{BE23748B-4B9B-4609-9BB9-7F2379CD51D0}"/>
-              </a:ext>
-            </a:extLst>
-          </p:cNvPr>
-          <p:cNvSpPr>
-            <a:spLocks noGrp="1"/>
-          </p:cNvSpPr>
-          <p:nvPr>
-            <p:ph type="sldNum" sz="quarter" idx="12"/>
-          </p:nvPr>
-        </p:nvSpPr>
-        <p:spPr>
-          <a:xfrm>
-            <a:off x="11438455" y="6492875"/>
-            <a:ext cx="753545" cy="365125"/>
-          </a:xfrm>
-        </p:spPr>
-        <p:txBody>
-          <a:bodyPr>
-            <a:normAutofit/>
-          </a:bodyPr>
-          <a:lstStyle/>
-          <a:p>
-            <a:pPr>
-              <a:spcAft>
-                <a:spcPts val="600"/>
-              </a:spcAft>
-            </a:pPr>
-            <a:fld id="{C4346826-A150-40DA-A0FA-3017134F7F37}" type="slidenum">
-              <a:rPr lang="fr-FR" smtClean="0"/>
-              <a:pPr>
-                <a:spcAft>
-                  <a:spcPts val="600"/>
-                </a:spcAft>
-              </a:pPr>
-              <a:t>4</a:t>
-            </a:fld>
-            <a:endParaRPr lang="fr-FR"/>
-          </a:p>
-        </p:txBody>
-      </p:sp>
-    </p:spTree>
-    <p:extLst>
-      <p:ext uri="{BB962C8B-B14F-4D97-AF65-F5344CB8AC3E}">
-        <p14:creationId xmlns:p14="http://schemas.microsoft.com/office/powerpoint/2010/main" val="3650072895"/>
-      </p:ext>
-    </p:extLst>
-  </p:cSld>
-  <p:clrMapOvr>
-    <a:masterClrMapping/>
-  </p:clrMapOvr>
-  <mc:AlternateContent xmlns:mc="http://schemas.openxmlformats.org/markup-compatibility/2006" xmlns:p14="http://schemas.microsoft.com/office/powerpoint/2010/main">
-    <mc:Choice Requires="p14">
-      <p:transition spd="slow" p14:dur="3400">
-        <p14:reveal/>
-      </p:transition>
-    </mc:Choice>
-    <mc:Fallback xmlns="">
-      <p:transition spd="slow">
-        <p:fade/>
-      </p:transition>
-    </mc:Fallback>
-  </mc:AlternateContent>
-</p:sld>
-</file>
-
-<file path=ppt/slides/slide5.xml><?xml version="1.0" encoding="utf-8"?>
-<p:sld xmlns:a="http://schemas.openxmlformats.org/drawingml/2006/main" xmlns:r="http://schemas.openxmlformats.org/officeDocument/2006/relationships" xmlns:p="http://schemas.openxmlformats.org/presentationml/2006/main">
-  <p:cSld>
-    <p:bg>
-      <p:bgPr>
-        <a:blipFill rotWithShape="1">
-          <a:blip r:embed="rId2">
-            <a:duotone>
-              <a:schemeClr val="bg2">
-                <a:shade val="80000"/>
-                <a:lumMod val="80000"/>
-              </a:schemeClr>
-              <a:schemeClr val="bg2">
-                <a:tint val="98000"/>
-              </a:schemeClr>
-            </a:duotone>
-          </a:blip>
-          <a:stretch/>
-        </a:blipFill>
-        <a:effectLst/>
-      </p:bgPr>
-    </p:bg>
-    <p:spTree>
-      <p:nvGrpSpPr>
-        <p:cNvPr id="1" name=""/>
-        <p:cNvGrpSpPr/>
-        <p:nvPr/>
-      </p:nvGrpSpPr>
-      <p:grpSpPr>
-        <a:xfrm>
-          <a:off x="0" y="0"/>
-          <a:ext cx="0" cy="0"/>
-          <a:chOff x="0" y="0"/>
-          <a:chExt cx="0" cy="0"/>
-        </a:xfrm>
-      </p:grpSpPr>
-      <p:sp>
-        <p:nvSpPr>
-          <p:cNvPr id="2" name="Titre 1">
-            <a:extLst>
-              <a:ext uri="{FF2B5EF4-FFF2-40B4-BE49-F238E27FC236}">
-                <a16:creationId xmlns:a16="http://schemas.microsoft.com/office/drawing/2014/main" id="{09E3ECC2-3BEE-4902-ADB5-EA898B4E96C0}"/>
-              </a:ext>
-            </a:extLst>
-          </p:cNvPr>
-          <p:cNvSpPr>
-            <a:spLocks noGrp="1"/>
-          </p:cNvSpPr>
-          <p:nvPr>
-            <p:ph type="title"/>
-          </p:nvPr>
-        </p:nvSpPr>
-        <p:spPr>
-          <a:xfrm>
-            <a:off x="913795" y="609600"/>
-            <a:ext cx="10353762" cy="970450"/>
-          </a:xfrm>
-        </p:spPr>
-        <p:txBody>
-          <a:bodyPr>
-            <a:normAutofit/>
-          </a:bodyPr>
-          <a:lstStyle/>
-          <a:p>
-            <a:r>
-              <a:rPr lang="fr-FR" dirty="0"/>
-              <a:t>Cinq erreurs d’accessibilités repérées.</a:t>
-            </a:r>
-          </a:p>
-        </p:txBody>
-      </p:sp>
-      <p:pic>
-        <p:nvPicPr>
-          <p:cNvPr id="12" name="Picture 11">
-            <a:extLst>
-              <a:ext uri="{FF2B5EF4-FFF2-40B4-BE49-F238E27FC236}">
-                <a16:creationId xmlns:a16="http://schemas.microsoft.com/office/drawing/2014/main" id="{C115FFBB-C8EA-4BA2-A5DD-FE37795051B2}"/>
-              </a:ext>
-              <a:ext uri="{C183D7F6-B498-43B3-948B-1728B52AA6E4}">
-                <adec:decorative xmlns:adec="http://schemas.microsoft.com/office/drawing/2017/decorative" val="1"/>
-              </a:ext>
-            </a:extLst>
-          </p:cNvPr>
-          <p:cNvPicPr>
-            <a:picLocks noGrp="1" noRot="1" noChangeAspect="1" noMove="1" noResize="1" noEditPoints="1" noAdjustHandles="1" noChangeArrowheads="1" noChangeShapeType="1" noCrop="1"/>
-          </p:cNvPicPr>
-          <p:nvPr>
-            <p:extLst>
-              <p:ext uri="{386F3935-93C4-4BCD-93E2-E3B085C9AB24}">
-                <p16:designElem xmlns:p16="http://schemas.microsoft.com/office/powerpoint/2015/main" val="1"/>
-              </p:ext>
-            </p:extLst>
-          </p:nvPr>
-        </p:nvPicPr>
-        <p:blipFill>
-          <a:blip r:embed="rId3">
-            <a:extLst>
-              <a:ext uri="{28A0092B-C50C-407E-A947-70E740481C1C}">
-                <a14:useLocalDpi xmlns:a14="http://schemas.microsoft.com/office/drawing/2010/main" val="0"/>
-              </a:ext>
-            </a:extLst>
-          </a:blip>
-          <a:stretch>
-            <a:fillRect/>
-          </a:stretch>
-        </p:blipFill>
-        <p:spPr>
-          <a:xfrm>
-            <a:off x="914400" y="1998132"/>
-            <a:ext cx="4333632" cy="3521077"/>
-          </a:xfrm>
-          <a:prstGeom prst="rect">
-            <a:avLst/>
-          </a:prstGeom>
-        </p:spPr>
-      </p:pic>
-      <p:pic>
-        <p:nvPicPr>
-          <p:cNvPr id="7" name="Image 6" descr="Une image contenant jeu, horloge&#10;&#10;Description générée automatiquement">
-            <a:extLst>
-              <a:ext uri="{FF2B5EF4-FFF2-40B4-BE49-F238E27FC236}">
-                <a16:creationId xmlns:a16="http://schemas.microsoft.com/office/drawing/2014/main" id="{E74CB1DA-EFFE-48B6-822D-7A1CBF391E1B}"/>
-              </a:ext>
-            </a:extLst>
-          </p:cNvPr>
-          <p:cNvPicPr>
-            <a:picLocks noChangeAspect="1"/>
-          </p:cNvPicPr>
-          <p:nvPr/>
-        </p:nvPicPr>
-        <p:blipFill rotWithShape="1">
-          <a:blip r:embed="rId4">
-            <a:extLst>
-              <a:ext uri="{28A0092B-C50C-407E-A947-70E740481C1C}">
-                <a14:useLocalDpi xmlns:a14="http://schemas.microsoft.com/office/drawing/2010/main" val="0"/>
-              </a:ext>
-            </a:extLst>
-          </a:blip>
-          <a:srcRect t="9552" b="10309"/>
-          <a:stretch/>
-        </p:blipFill>
-        <p:spPr>
-          <a:xfrm>
-            <a:off x="1046760" y="2129667"/>
-            <a:ext cx="4065464" cy="3258006"/>
-          </a:xfrm>
-          <a:prstGeom prst="rect">
-            <a:avLst/>
-          </a:prstGeom>
-        </p:spPr>
-      </p:pic>
-      <p:sp>
-        <p:nvSpPr>
-          <p:cNvPr id="3" name="Espace réservé du contenu 2">
-            <a:extLst>
-              <a:ext uri="{FF2B5EF4-FFF2-40B4-BE49-F238E27FC236}">
-                <a16:creationId xmlns:a16="http://schemas.microsoft.com/office/drawing/2014/main" id="{F92345BB-8124-40F0-998D-E240368C73A1}"/>
-              </a:ext>
-            </a:extLst>
-          </p:cNvPr>
-          <p:cNvSpPr>
-            <a:spLocks noGrp="1"/>
-          </p:cNvSpPr>
-          <p:nvPr>
-            <p:ph idx="1"/>
-          </p:nvPr>
-        </p:nvSpPr>
-        <p:spPr>
-          <a:xfrm>
-            <a:off x="5722862" y="1732449"/>
-            <a:ext cx="5546272" cy="4058751"/>
-          </a:xfrm>
-        </p:spPr>
-        <p:txBody>
-          <a:bodyPr anchor="ctr">
-            <a:normAutofit/>
-          </a:bodyPr>
-          <a:lstStyle/>
-          <a:p>
-            <a:pPr>
-              <a:buClr>
-                <a:srgbClr val="FFBB51"/>
-              </a:buClr>
-            </a:pPr>
-            <a:r>
-              <a:rPr lang="fr-FR" dirty="0"/>
-              <a:t>La description des images n’est pas correct.</a:t>
-            </a:r>
-          </a:p>
-          <a:p>
-            <a:pPr>
-              <a:buClr>
-                <a:srgbClr val="FFBB51"/>
-              </a:buClr>
-            </a:pPr>
-            <a:r>
-              <a:rPr lang="fr-FR" dirty="0"/>
-              <a:t>La langue du site n’est pas renseignée.</a:t>
-            </a:r>
-          </a:p>
-          <a:p>
-            <a:pPr>
-              <a:buClr>
-                <a:srgbClr val="FFBB51"/>
-              </a:buClr>
-            </a:pPr>
-            <a:r>
-              <a:rPr lang="fr-FR" dirty="0"/>
-              <a:t>Il y a un paragraphe qui compte moins de 11px de haut.</a:t>
-            </a:r>
-          </a:p>
-          <a:p>
-            <a:pPr>
-              <a:buClr>
-                <a:srgbClr val="FFBB51"/>
-              </a:buClr>
-            </a:pPr>
-            <a:r>
-              <a:rPr lang="fr-FR" dirty="0"/>
-              <a:t>Les icones des réseaux sociaux sont trop petites.</a:t>
-            </a:r>
-          </a:p>
-          <a:p>
-            <a:pPr>
-              <a:buClr>
-                <a:srgbClr val="FFBB51"/>
-              </a:buClr>
-            </a:pPr>
-            <a:r>
-              <a:rPr lang="fr-FR" dirty="0"/>
-              <a:t>Le contraste pour le bouton contact n’est pas conforme.</a:t>
-            </a:r>
-          </a:p>
-        </p:txBody>
-      </p:sp>
-      <p:sp>
-        <p:nvSpPr>
-          <p:cNvPr id="4" name="Espace réservé du pied de page 3">
-            <a:extLst>
-              <a:ext uri="{FF2B5EF4-FFF2-40B4-BE49-F238E27FC236}">
-                <a16:creationId xmlns:a16="http://schemas.microsoft.com/office/drawing/2014/main" id="{E81B4FDA-5ACC-4A18-A57F-8A32A1881DF2}"/>
-              </a:ext>
-            </a:extLst>
-          </p:cNvPr>
-          <p:cNvSpPr>
-            <a:spLocks noGrp="1"/>
-          </p:cNvSpPr>
-          <p:nvPr>
-            <p:ph type="ftr" sz="quarter" idx="11"/>
-          </p:nvPr>
-        </p:nvSpPr>
-        <p:spPr>
-          <a:xfrm>
-            <a:off x="0" y="6492875"/>
-            <a:ext cx="6672865" cy="365125"/>
-          </a:xfrm>
-        </p:spPr>
-        <p:txBody>
-          <a:bodyPr>
-            <a:normAutofit/>
-          </a:bodyPr>
-          <a:lstStyle/>
-          <a:p>
-            <a:pPr>
-              <a:spcAft>
-                <a:spcPts val="600"/>
-              </a:spcAft>
-            </a:pPr>
-            <a:r>
-              <a:rPr lang="fr-FR"/>
-              <a:t>Optimisez un site web existant - Projet 4 - Feys Olivier</a:t>
-            </a:r>
-          </a:p>
-        </p:txBody>
-      </p:sp>
-      <p:sp>
-        <p:nvSpPr>
-          <p:cNvPr id="5" name="Espace réservé du numéro de diapositive 4">
-            <a:extLst>
-              <a:ext uri="{FF2B5EF4-FFF2-40B4-BE49-F238E27FC236}">
-                <a16:creationId xmlns:a16="http://schemas.microsoft.com/office/drawing/2014/main" id="{23B49B23-520A-4AD3-AD72-39A7E452E068}"/>
-              </a:ext>
-            </a:extLst>
-          </p:cNvPr>
-          <p:cNvSpPr>
-            <a:spLocks noGrp="1"/>
-          </p:cNvSpPr>
-          <p:nvPr>
-            <p:ph type="sldNum" sz="quarter" idx="12"/>
-          </p:nvPr>
-        </p:nvSpPr>
-        <p:spPr>
-          <a:xfrm>
-            <a:off x="11366268" y="6492875"/>
-            <a:ext cx="753545" cy="365125"/>
-          </a:xfrm>
-        </p:spPr>
-        <p:txBody>
-          <a:bodyPr>
-            <a:normAutofit/>
-          </a:bodyPr>
-          <a:lstStyle/>
-          <a:p>
-            <a:pPr>
-              <a:spcAft>
-                <a:spcPts val="600"/>
-              </a:spcAft>
-            </a:pPr>
-            <a:fld id="{C4346826-A150-40DA-A0FA-3017134F7F37}" type="slidenum">
-              <a:rPr lang="fr-FR" smtClean="0"/>
-              <a:pPr>
-                <a:spcAft>
-                  <a:spcPts val="600"/>
-                </a:spcAft>
-              </a:pPr>
-              <a:t>5</a:t>
-            </a:fld>
-            <a:endParaRPr lang="fr-FR"/>
-          </a:p>
-        </p:txBody>
-      </p:sp>
-    </p:spTree>
-    <p:extLst>
-      <p:ext uri="{BB962C8B-B14F-4D97-AF65-F5344CB8AC3E}">
-        <p14:creationId xmlns:p14="http://schemas.microsoft.com/office/powerpoint/2010/main" val="1742303916"/>
-      </p:ext>
-    </p:extLst>
-  </p:cSld>
-  <p:clrMapOvr>
-    <a:masterClrMapping/>
-  </p:clrMapOvr>
-  <mc:AlternateContent xmlns:mc="http://schemas.openxmlformats.org/markup-compatibility/2006" xmlns:p14="http://schemas.microsoft.com/office/powerpoint/2010/main">
-    <mc:Choice Requires="p14">
-      <p:transition spd="slow" p14:dur="3400">
-        <p14:reveal/>
-      </p:transition>
-    </mc:Choice>
-    <mc:Fallback xmlns="">
-      <p:transition spd="slow">
-        <p:fade/>
-      </p:transition>
-    </mc:Fallback>
-  </mc:AlternateContent>
-</p:sld>
-</file>
-
-<file path=ppt/slides/slide6.xml><?xml version="1.0" encoding="utf-8"?>
-<p:sld xmlns:a="http://schemas.openxmlformats.org/drawingml/2006/main" xmlns:r="http://schemas.openxmlformats.org/officeDocument/2006/relationships" xmlns:p="http://schemas.openxmlformats.org/presentationml/2006/main">
-  <p:cSld>
-    <p:bg>
-      <p:bgPr>
-        <a:blipFill rotWithShape="1">
-          <a:blip r:embed="rId2">
-            <a:duotone>
-              <a:schemeClr val="bg2">
-                <a:shade val="80000"/>
-                <a:lumMod val="80000"/>
-              </a:schemeClr>
-              <a:schemeClr val="bg2">
-                <a:tint val="98000"/>
-              </a:schemeClr>
-            </a:duotone>
-          </a:blip>
-          <a:stretch/>
-        </a:blipFill>
-        <a:effectLst/>
-      </p:bgPr>
-    </p:bg>
-    <p:spTree>
-      <p:nvGrpSpPr>
-        <p:cNvPr id="1" name=""/>
-        <p:cNvGrpSpPr/>
-        <p:nvPr/>
-      </p:nvGrpSpPr>
-      <p:grpSpPr>
-        <a:xfrm>
-          <a:off x="0" y="0"/>
-          <a:ext cx="0" cy="0"/>
-          <a:chOff x="0" y="0"/>
-          <a:chExt cx="0" cy="0"/>
-        </a:xfrm>
-      </p:grpSpPr>
-      <p:sp>
-        <p:nvSpPr>
-          <p:cNvPr id="2" name="Titre 1">
-            <a:extLst>
-              <a:ext uri="{FF2B5EF4-FFF2-40B4-BE49-F238E27FC236}">
-                <a16:creationId xmlns:a16="http://schemas.microsoft.com/office/drawing/2014/main" id="{62C7B99C-7528-49A9-8D77-210F118250E1}"/>
-              </a:ext>
-            </a:extLst>
-          </p:cNvPr>
-          <p:cNvSpPr>
-            <a:spLocks noGrp="1"/>
-          </p:cNvSpPr>
-          <p:nvPr>
-            <p:ph type="title"/>
-          </p:nvPr>
-        </p:nvSpPr>
-        <p:spPr>
-          <a:xfrm>
-            <a:off x="913795" y="609600"/>
-            <a:ext cx="10353762" cy="970450"/>
-          </a:xfrm>
-        </p:spPr>
-        <p:txBody>
-          <a:bodyPr>
-            <a:normAutofit/>
-          </a:bodyPr>
-          <a:lstStyle/>
-          <a:p>
-            <a:r>
-              <a:rPr lang="fr-FR" dirty="0"/>
-              <a:t>Quatre</a:t>
-            </a:r>
-            <a:r>
-              <a:rPr lang="fr-FR"/>
-              <a:t> erreurs pour la performance.</a:t>
-            </a:r>
-            <a:endParaRPr lang="fr-FR" dirty="0"/>
-          </a:p>
-        </p:txBody>
-      </p:sp>
-      <p:pic>
-        <p:nvPicPr>
-          <p:cNvPr id="12" name="Picture 11">
-            <a:extLst>
-              <a:ext uri="{FF2B5EF4-FFF2-40B4-BE49-F238E27FC236}">
-                <a16:creationId xmlns:a16="http://schemas.microsoft.com/office/drawing/2014/main" id="{C115FFBB-C8EA-4BA2-A5DD-FE37795051B2}"/>
-              </a:ext>
-              <a:ext uri="{C183D7F6-B498-43B3-948B-1728B52AA6E4}">
-                <adec:decorative xmlns:adec="http://schemas.microsoft.com/office/drawing/2017/decorative" val="1"/>
-              </a:ext>
-            </a:extLst>
-          </p:cNvPr>
-          <p:cNvPicPr>
-            <a:picLocks noGrp="1" noRot="1" noChangeAspect="1" noMove="1" noResize="1" noEditPoints="1" noAdjustHandles="1" noChangeArrowheads="1" noChangeShapeType="1" noCrop="1"/>
-          </p:cNvPicPr>
-          <p:nvPr>
-            <p:extLst>
-              <p:ext uri="{386F3935-93C4-4BCD-93E2-E3B085C9AB24}">
-                <p16:designElem xmlns:p16="http://schemas.microsoft.com/office/powerpoint/2015/main" val="1"/>
-              </p:ext>
-            </p:extLst>
-          </p:nvPr>
-        </p:nvPicPr>
-        <p:blipFill>
-          <a:blip r:embed="rId3">
-            <a:extLst>
-              <a:ext uri="{28A0092B-C50C-407E-A947-70E740481C1C}">
-                <a14:useLocalDpi xmlns:a14="http://schemas.microsoft.com/office/drawing/2010/main" val="0"/>
-              </a:ext>
-            </a:extLst>
-          </a:blip>
-          <a:stretch>
-            <a:fillRect/>
-          </a:stretch>
-        </p:blipFill>
-        <p:spPr>
-          <a:xfrm>
-            <a:off x="914400" y="1998132"/>
-            <a:ext cx="4333632" cy="3521077"/>
-          </a:xfrm>
-          <a:prstGeom prst="rect">
-            <a:avLst/>
-          </a:prstGeom>
-        </p:spPr>
-      </p:pic>
-      <p:pic>
-        <p:nvPicPr>
-          <p:cNvPr id="7" name="Image 6" descr="Une image contenant jeu, horloge&#10;&#10;Description générée automatiquement">
-            <a:extLst>
-              <a:ext uri="{FF2B5EF4-FFF2-40B4-BE49-F238E27FC236}">
-                <a16:creationId xmlns:a16="http://schemas.microsoft.com/office/drawing/2014/main" id="{D974F2D5-91B2-499C-8C5F-820F344E72D2}"/>
-              </a:ext>
-            </a:extLst>
-          </p:cNvPr>
-          <p:cNvPicPr>
-            <a:picLocks noChangeAspect="1"/>
-          </p:cNvPicPr>
-          <p:nvPr/>
-        </p:nvPicPr>
-        <p:blipFill rotWithShape="1">
-          <a:blip r:embed="rId4">
-            <a:extLst>
-              <a:ext uri="{28A0092B-C50C-407E-A947-70E740481C1C}">
-                <a14:useLocalDpi xmlns:a14="http://schemas.microsoft.com/office/drawing/2010/main" val="0"/>
-              </a:ext>
-            </a:extLst>
-          </a:blip>
-          <a:srcRect t="9552" b="10309"/>
-          <a:stretch/>
-        </p:blipFill>
-        <p:spPr>
-          <a:xfrm>
-            <a:off x="1046760" y="2129667"/>
-            <a:ext cx="4065464" cy="3258006"/>
-          </a:xfrm>
-          <a:prstGeom prst="rect">
-            <a:avLst/>
-          </a:prstGeom>
-        </p:spPr>
-      </p:pic>
-      <p:sp>
-        <p:nvSpPr>
-          <p:cNvPr id="3" name="Espace réservé du contenu 2">
-            <a:extLst>
-              <a:ext uri="{FF2B5EF4-FFF2-40B4-BE49-F238E27FC236}">
-                <a16:creationId xmlns:a16="http://schemas.microsoft.com/office/drawing/2014/main" id="{6409FF01-FB11-4953-917F-98D25D8BD34B}"/>
-              </a:ext>
-            </a:extLst>
-          </p:cNvPr>
-          <p:cNvSpPr>
-            <a:spLocks noGrp="1"/>
-          </p:cNvSpPr>
-          <p:nvPr>
-            <p:ph idx="1"/>
-          </p:nvPr>
-        </p:nvSpPr>
-        <p:spPr>
-          <a:xfrm>
-            <a:off x="5722862" y="1732449"/>
-            <a:ext cx="5546272" cy="4058751"/>
-          </a:xfrm>
-        </p:spPr>
-        <p:txBody>
-          <a:bodyPr anchor="ctr">
-            <a:normAutofit/>
-          </a:bodyPr>
-          <a:lstStyle/>
-          <a:p>
-            <a:pPr>
-              <a:buClr>
-                <a:srgbClr val="FFBB51"/>
-              </a:buClr>
-            </a:pPr>
-            <a:r>
-              <a:rPr lang="fr-FR" dirty="0"/>
-              <a:t>Le format des images est trop lourd pour le chargement.</a:t>
-            </a:r>
-          </a:p>
-          <a:p>
-            <a:pPr>
-              <a:buClr>
-                <a:srgbClr val="FFBB51"/>
-              </a:buClr>
-            </a:pPr>
-            <a:r>
-              <a:rPr lang="fr-FR" dirty="0"/>
-              <a:t>Les images ne sont pas </a:t>
-            </a:r>
-            <a:r>
-              <a:rPr lang="fr-FR"/>
-              <a:t>bien dimensionnées pour </a:t>
-            </a:r>
-            <a:r>
-              <a:rPr lang="fr-FR" dirty="0"/>
-              <a:t>le site.</a:t>
-            </a:r>
-          </a:p>
-          <a:p>
-            <a:pPr>
-              <a:buClr>
-                <a:srgbClr val="FFBB51"/>
-              </a:buClr>
-            </a:pPr>
-            <a:r>
-              <a:rPr lang="fr-FR" dirty="0"/>
-              <a:t>Le code Java Script ne se lance pas au bon moment.</a:t>
-            </a:r>
-          </a:p>
-          <a:p>
-            <a:pPr>
-              <a:buClr>
-                <a:srgbClr val="FFBB51"/>
-              </a:buClr>
-            </a:pPr>
-            <a:r>
-              <a:rPr lang="fr-FR" dirty="0"/>
-              <a:t>Le code Java script n’est pas Minifié</a:t>
-            </a:r>
-          </a:p>
-          <a:p>
-            <a:pPr>
-              <a:buClr>
-                <a:srgbClr val="FFBB51"/>
-              </a:buClr>
-            </a:pPr>
-            <a:endParaRPr lang="fr-FR" dirty="0"/>
-          </a:p>
-        </p:txBody>
-      </p:sp>
-      <p:sp>
-        <p:nvSpPr>
-          <p:cNvPr id="4" name="Espace réservé du pied de page 3">
-            <a:extLst>
-              <a:ext uri="{FF2B5EF4-FFF2-40B4-BE49-F238E27FC236}">
-                <a16:creationId xmlns:a16="http://schemas.microsoft.com/office/drawing/2014/main" id="{5A301A8D-740F-4634-BA65-AE1F923E7473}"/>
-              </a:ext>
-            </a:extLst>
-          </p:cNvPr>
-          <p:cNvSpPr>
-            <a:spLocks noGrp="1"/>
-          </p:cNvSpPr>
-          <p:nvPr>
-            <p:ph type="ftr" sz="quarter" idx="11"/>
-          </p:nvPr>
-        </p:nvSpPr>
-        <p:spPr>
-          <a:xfrm>
-            <a:off x="0" y="6492875"/>
-            <a:ext cx="6672865" cy="365125"/>
-          </a:xfrm>
-        </p:spPr>
-        <p:txBody>
-          <a:bodyPr>
-            <a:normAutofit/>
-          </a:bodyPr>
-          <a:lstStyle/>
-          <a:p>
-            <a:pPr>
-              <a:spcAft>
-                <a:spcPts val="600"/>
-              </a:spcAft>
-            </a:pPr>
-            <a:r>
-              <a:rPr lang="fr-FR"/>
-              <a:t>Optimisez un site web existant - Projet 4 - Feys Olivier</a:t>
-            </a:r>
-          </a:p>
-        </p:txBody>
-      </p:sp>
-      <p:sp>
-        <p:nvSpPr>
-          <p:cNvPr id="5" name="Espace réservé du numéro de diapositive 4">
-            <a:extLst>
-              <a:ext uri="{FF2B5EF4-FFF2-40B4-BE49-F238E27FC236}">
-                <a16:creationId xmlns:a16="http://schemas.microsoft.com/office/drawing/2014/main" id="{83A22B27-D6E0-4E61-BB1F-DB8EF0454F64}"/>
-              </a:ext>
-            </a:extLst>
-          </p:cNvPr>
-          <p:cNvSpPr>
-            <a:spLocks noGrp="1"/>
-          </p:cNvSpPr>
-          <p:nvPr>
-            <p:ph type="sldNum" sz="quarter" idx="12"/>
-          </p:nvPr>
-        </p:nvSpPr>
-        <p:spPr>
-          <a:xfrm>
-            <a:off x="11375145" y="6492875"/>
-            <a:ext cx="753545" cy="365125"/>
-          </a:xfrm>
-        </p:spPr>
-        <p:txBody>
-          <a:bodyPr>
-            <a:normAutofit/>
-          </a:bodyPr>
-          <a:lstStyle/>
-          <a:p>
-            <a:pPr>
-              <a:spcAft>
-                <a:spcPts val="600"/>
-              </a:spcAft>
-            </a:pPr>
-            <a:fld id="{C4346826-A150-40DA-A0FA-3017134F7F37}" type="slidenum">
-              <a:rPr lang="fr-FR" smtClean="0"/>
-              <a:pPr>
-                <a:spcAft>
-                  <a:spcPts val="600"/>
-                </a:spcAft>
-              </a:pPr>
-              <a:t>6</a:t>
-            </a:fld>
-            <a:endParaRPr lang="fr-FR"/>
-          </a:p>
-        </p:txBody>
-      </p:sp>
-    </p:spTree>
-    <p:extLst>
-      <p:ext uri="{BB962C8B-B14F-4D97-AF65-F5344CB8AC3E}">
-        <p14:creationId xmlns:p14="http://schemas.microsoft.com/office/powerpoint/2010/main" val="2504958908"/>
-      </p:ext>
-    </p:extLst>
-  </p:cSld>
-  <p:clrMapOvr>
-    <a:masterClrMapping/>
-  </p:clrMapOvr>
-  <mc:AlternateContent xmlns:mc="http://schemas.openxmlformats.org/markup-compatibility/2006" xmlns:p14="http://schemas.microsoft.com/office/powerpoint/2010/main">
-    <mc:Choice Requires="p14">
-      <p:transition spd="slow" p14:dur="3400">
-        <p14:reveal/>
-      </p:transition>
-    </mc:Choice>
-    <mc:Fallback xmlns="">
-      <p:transition spd="slow">
-        <p:fade/>
-      </p:transition>
-    </mc:Fallback>
-  </mc:AlternateContent>
-</p:sld>
-</file>
-
-<file path=ppt/slides/slide7.xml><?xml version="1.0" encoding="utf-8"?>
+<file path=ppt/slides/slide8.xml><?xml version="1.0" encoding="utf-8"?>
 <p:sld xmlns:a="http://schemas.openxmlformats.org/drawingml/2006/main" xmlns:r="http://schemas.openxmlformats.org/officeDocument/2006/relationships" xmlns:p="http://schemas.openxmlformats.org/presentationml/2006/main">
   <p:cSld>
     <p:spTree>
@@ -8587,35 +14752,6 @@
           </a:p>
         </p:txBody>
       </p:sp>
-      <p:pic>
-        <p:nvPicPr>
-          <p:cNvPr id="7" name="Espace réservé du contenu 6">
-            <a:extLst>
-              <a:ext uri="{FF2B5EF4-FFF2-40B4-BE49-F238E27FC236}">
-                <a16:creationId xmlns:a16="http://schemas.microsoft.com/office/drawing/2014/main" id="{730DE914-0F43-4374-BF41-37733C462FB8}"/>
-              </a:ext>
-            </a:extLst>
-          </p:cNvPr>
-          <p:cNvPicPr>
-            <a:picLocks noGrp="1" noChangeAspect="1"/>
-          </p:cNvPicPr>
-          <p:nvPr>
-            <p:ph idx="1"/>
-          </p:nvPr>
-        </p:nvPicPr>
-        <p:blipFill>
-          <a:blip r:embed="rId2"/>
-          <a:stretch>
-            <a:fillRect/>
-          </a:stretch>
-        </p:blipFill>
-        <p:spPr>
-          <a:xfrm>
-            <a:off x="68247" y="4321725"/>
-            <a:ext cx="7038975" cy="1762125"/>
-          </a:xfrm>
-        </p:spPr>
-      </p:pic>
       <p:sp>
         <p:nvSpPr>
           <p:cNvPr id="4" name="Espace réservé du pied de page 3">
@@ -8677,7 +14813,7 @@
           <a:p>
             <a:fld id="{C4346826-A150-40DA-A0FA-3017134F7F37}" type="slidenum">
               <a:rPr lang="fr-FR" smtClean="0"/>
-              <a:t>7</a:t>
+              <a:t>8</a:t>
             </a:fld>
             <a:endParaRPr lang="fr-FR"/>
           </a:p>
@@ -8698,7 +14834,7 @@
           <p:nvPr/>
         </p:nvPicPr>
         <p:blipFill>
-          <a:blip r:embed="rId3"/>
+          <a:blip r:embed="rId2"/>
           <a:stretch>
             <a:fillRect/>
           </a:stretch>
@@ -8728,7 +14864,7 @@
           <p:nvPr/>
         </p:nvPicPr>
         <p:blipFill>
-          <a:blip r:embed="rId4"/>
+          <a:blip r:embed="rId3"/>
           <a:stretch>
             <a:fillRect/>
           </a:stretch>
@@ -8869,7 +15005,7 @@
           <p:nvPr/>
         </p:nvPicPr>
         <p:blipFill>
-          <a:blip r:embed="rId5">
+          <a:blip r:embed="rId4">
             <a:extLst>
               <a:ext uri="{28A0092B-C50C-407E-A947-70E740481C1C}">
                 <a14:useLocalDpi xmlns:a14="http://schemas.microsoft.com/office/drawing/2010/main" val="0"/>
@@ -8888,6 +15024,35 @@
           <a:prstGeom prst="rect">
             <a:avLst/>
           </a:prstGeom>
+        </p:spPr>
+      </p:pic>
+      <p:pic>
+        <p:nvPicPr>
+          <p:cNvPr id="10" name="Espace réservé du contenu 9">
+            <a:extLst>
+              <a:ext uri="{FF2B5EF4-FFF2-40B4-BE49-F238E27FC236}">
+                <a16:creationId xmlns:a16="http://schemas.microsoft.com/office/drawing/2014/main" id="{81E08C72-597A-493F-A9ED-445D3669D233}"/>
+              </a:ext>
+            </a:extLst>
+          </p:cNvPr>
+          <p:cNvPicPr>
+            <a:picLocks noGrp="1" noChangeAspect="1"/>
+          </p:cNvPicPr>
+          <p:nvPr>
+            <p:ph idx="1"/>
+          </p:nvPr>
+        </p:nvPicPr>
+        <p:blipFill>
+          <a:blip r:embed="rId5"/>
+          <a:stretch>
+            <a:fillRect/>
+          </a:stretch>
+        </p:blipFill>
+        <p:spPr>
+          <a:xfrm>
+            <a:off x="68247" y="4292049"/>
+            <a:ext cx="7143750" cy="1733550"/>
+          </a:xfrm>
         </p:spPr>
       </p:pic>
     </p:spTree>
@@ -8915,7 +15080,7 @@
 </p:sld>
 </file>
 
-<file path=ppt/slides/slide8.xml><?xml version="1.0" encoding="utf-8"?>
+<file path=ppt/slides/slide9.xml><?xml version="1.0" encoding="utf-8"?>
 <p:sld xmlns:a="http://schemas.openxmlformats.org/drawingml/2006/main" xmlns:r="http://schemas.openxmlformats.org/officeDocument/2006/relationships" xmlns:p="http://schemas.openxmlformats.org/presentationml/2006/main">
   <p:cSld>
     <p:bg>
@@ -9280,7 +15445,7 @@
                   <a:spcPts val="600"/>
                 </a:spcAft>
               </a:pPr>
-              <a:t>8</a:t>
+              <a:t>9</a:t>
             </a:fld>
             <a:endParaRPr lang="en-US">
               <a:solidFill>
@@ -9547,10 +15712,10 @@
       </p:pic>
       <p:graphicFrame>
         <p:nvGraphicFramePr>
-          <p:cNvPr id="63" name="Espace réservé du contenu 62">
+          <p:cNvPr id="11" name="Espace réservé du contenu 10">
             <a:extLst>
               <a:ext uri="{FF2B5EF4-FFF2-40B4-BE49-F238E27FC236}">
-                <a16:creationId xmlns:a16="http://schemas.microsoft.com/office/drawing/2014/main" id="{730C9A1A-C543-4557-BD37-B2FD1BA9C5C8}"/>
+                <a16:creationId xmlns:a16="http://schemas.microsoft.com/office/drawing/2014/main" id="{8177A0CA-CBB0-4A4A-876F-4FB5E4CBFC0C}"/>
               </a:ext>
             </a:extLst>
           </p:cNvPr>
@@ -9561,14 +15726,14 @@
             <p:ph idx="1"/>
             <p:extLst>
               <p:ext uri="{D42A27DB-BD31-4B8C-83A1-F6EECF244321}">
-                <p14:modId xmlns:p14="http://schemas.microsoft.com/office/powerpoint/2010/main" val="3145370261"/>
+                <p14:modId xmlns:p14="http://schemas.microsoft.com/office/powerpoint/2010/main" val="7974845"/>
               </p:ext>
             </p:extLst>
           </p:nvPr>
         </p:nvGraphicFramePr>
         <p:xfrm>
-          <a:off x="4825823" y="1268262"/>
-          <a:ext cx="7111706" cy="4066155"/>
+          <a:off x="4712975" y="1095372"/>
+          <a:ext cx="7111706" cy="4068798"/>
         </p:xfrm>
         <a:graphic>
           <a:graphicData uri="http://schemas.openxmlformats.org/drawingml/2006/table">
@@ -9578,42 +15743,42 @@
                 <a:gridCol w="724169">
                   <a:extLst>
                     <a:ext uri="{9D8B030D-6E8A-4147-A177-3AD203B41FA5}">
-                      <a16:colId xmlns:a16="http://schemas.microsoft.com/office/drawing/2014/main" val="2784012920"/>
+                      <a16:colId xmlns:a16="http://schemas.microsoft.com/office/drawing/2014/main" val="646036800"/>
                     </a:ext>
                   </a:extLst>
                 </a:gridCol>
                 <a:gridCol w="1652590">
                   <a:extLst>
                     <a:ext uri="{9D8B030D-6E8A-4147-A177-3AD203B41FA5}">
-                      <a16:colId xmlns:a16="http://schemas.microsoft.com/office/drawing/2014/main" val="3885762916"/>
+                      <a16:colId xmlns:a16="http://schemas.microsoft.com/office/drawing/2014/main" val="140225995"/>
                     </a:ext>
                   </a:extLst>
                 </a:gridCol>
                 <a:gridCol w="1327641">
                   <a:extLst>
                     <a:ext uri="{9D8B030D-6E8A-4147-A177-3AD203B41FA5}">
-                      <a16:colId xmlns:a16="http://schemas.microsoft.com/office/drawing/2014/main" val="2629214978"/>
+                      <a16:colId xmlns:a16="http://schemas.microsoft.com/office/drawing/2014/main" val="1033484568"/>
                     </a:ext>
                   </a:extLst>
                 </a:gridCol>
                 <a:gridCol w="1513326">
                   <a:extLst>
                     <a:ext uri="{9D8B030D-6E8A-4147-A177-3AD203B41FA5}">
-                      <a16:colId xmlns:a16="http://schemas.microsoft.com/office/drawing/2014/main" val="2354593273"/>
+                      <a16:colId xmlns:a16="http://schemas.microsoft.com/office/drawing/2014/main" val="2804263031"/>
                     </a:ext>
                   </a:extLst>
                 </a:gridCol>
                 <a:gridCol w="1169811">
                   <a:extLst>
                     <a:ext uri="{9D8B030D-6E8A-4147-A177-3AD203B41FA5}">
-                      <a16:colId xmlns:a16="http://schemas.microsoft.com/office/drawing/2014/main" val="2104495361"/>
+                      <a16:colId xmlns:a16="http://schemas.microsoft.com/office/drawing/2014/main" val="2387307156"/>
                     </a:ext>
                   </a:extLst>
                 </a:gridCol>
                 <a:gridCol w="724169">
                   <a:extLst>
                     <a:ext uri="{9D8B030D-6E8A-4147-A177-3AD203B41FA5}">
-                      <a16:colId xmlns:a16="http://schemas.microsoft.com/office/drawing/2014/main" val="1339818348"/>
+                      <a16:colId xmlns:a16="http://schemas.microsoft.com/office/drawing/2014/main" val="2981986968"/>
                     </a:ext>
                   </a:extLst>
                 </a:gridCol>
@@ -9707,7 +15872,7 @@
                 </a:tc>
                 <a:extLst>
                   <a:ext uri="{0D108BD9-81ED-4DB2-BD59-A6C34878D82A}">
-                    <a16:rowId xmlns:a16="http://schemas.microsoft.com/office/drawing/2014/main" val="1291610456"/>
+                    <a16:rowId xmlns:a16="http://schemas.microsoft.com/office/drawing/2014/main" val="813630689"/>
                   </a:ext>
                 </a:extLst>
               </a:tr>
@@ -9954,7 +16119,7 @@
                 </a:tc>
                 <a:extLst>
                   <a:ext uri="{0D108BD9-81ED-4DB2-BD59-A6C34878D82A}">
-                    <a16:rowId xmlns:a16="http://schemas.microsoft.com/office/drawing/2014/main" val="3207001464"/>
+                    <a16:rowId xmlns:a16="http://schemas.microsoft.com/office/drawing/2014/main" val="307168438"/>
                   </a:ext>
                 </a:extLst>
               </a:tr>
@@ -10285,7 +16450,7 @@
                 </a:tc>
                 <a:extLst>
                   <a:ext uri="{0D108BD9-81ED-4DB2-BD59-A6C34878D82A}">
-                    <a16:rowId xmlns:a16="http://schemas.microsoft.com/office/drawing/2014/main" val="2207749116"/>
+                    <a16:rowId xmlns:a16="http://schemas.microsoft.com/office/drawing/2014/main" val="4132270314"/>
                   </a:ext>
                 </a:extLst>
               </a:tr>
@@ -10616,11 +16781,11 @@
                 </a:tc>
                 <a:extLst>
                   <a:ext uri="{0D108BD9-81ED-4DB2-BD59-A6C34878D82A}">
-                    <a16:rowId xmlns:a16="http://schemas.microsoft.com/office/drawing/2014/main" val="1580396297"/>
+                    <a16:rowId xmlns:a16="http://schemas.microsoft.com/office/drawing/2014/main" val="2016272432"/>
                   </a:ext>
                 </a:extLst>
               </a:tr>
-              <a:tr h="153185">
+              <a:tr h="192944">
                 <a:tc>
                   <a:txBody>
                     <a:bodyPr/>
@@ -10863,7 +17028,7 @@
                 </a:tc>
                 <a:extLst>
                   <a:ext uri="{0D108BD9-81ED-4DB2-BD59-A6C34878D82A}">
-                    <a16:rowId xmlns:a16="http://schemas.microsoft.com/office/drawing/2014/main" val="3560817064"/>
+                    <a16:rowId xmlns:a16="http://schemas.microsoft.com/office/drawing/2014/main" val="3959727517"/>
                   </a:ext>
                 </a:extLst>
               </a:tr>
@@ -11050,7 +17215,7 @@
                 </a:tc>
                 <a:extLst>
                   <a:ext uri="{0D108BD9-81ED-4DB2-BD59-A6C34878D82A}">
-                    <a16:rowId xmlns:a16="http://schemas.microsoft.com/office/drawing/2014/main" val="1587988007"/>
+                    <a16:rowId xmlns:a16="http://schemas.microsoft.com/office/drawing/2014/main" val="509064726"/>
                   </a:ext>
                 </a:extLst>
               </a:tr>
@@ -11143,7 +17308,7 @@
                 </a:tc>
                 <a:extLst>
                   <a:ext uri="{0D108BD9-81ED-4DB2-BD59-A6C34878D82A}">
-                    <a16:rowId xmlns:a16="http://schemas.microsoft.com/office/drawing/2014/main" val="244755130"/>
+                    <a16:rowId xmlns:a16="http://schemas.microsoft.com/office/drawing/2014/main" val="594737662"/>
                   </a:ext>
                 </a:extLst>
               </a:tr>
@@ -11390,7 +17555,7 @@
                 </a:tc>
                 <a:extLst>
                   <a:ext uri="{0D108BD9-81ED-4DB2-BD59-A6C34878D82A}">
-                    <a16:rowId xmlns:a16="http://schemas.microsoft.com/office/drawing/2014/main" val="2597601004"/>
+                    <a16:rowId xmlns:a16="http://schemas.microsoft.com/office/drawing/2014/main" val="3563678698"/>
                   </a:ext>
                 </a:extLst>
               </a:tr>
@@ -11721,7 +17886,7 @@
                 </a:tc>
                 <a:extLst>
                   <a:ext uri="{0D108BD9-81ED-4DB2-BD59-A6C34878D82A}">
-                    <a16:rowId xmlns:a16="http://schemas.microsoft.com/office/drawing/2014/main" val="2945973692"/>
+                    <a16:rowId xmlns:a16="http://schemas.microsoft.com/office/drawing/2014/main" val="2952077970"/>
                   </a:ext>
                 </a:extLst>
               </a:tr>
@@ -11782,7 +17947,7 @@
                           <a:effectLst/>
                           <a:latin typeface="Arial" panose="020B0604020202020204" pitchFamily="34" charset="0"/>
                         </a:rPr>
-                        <a:t>82%</a:t>
+                        <a:t>84%</a:t>
                       </a:r>
                     </a:p>
                   </a:txBody>
@@ -12052,7 +18217,7 @@
                 </a:tc>
                 <a:extLst>
                   <a:ext uri="{0D108BD9-81ED-4DB2-BD59-A6C34878D82A}">
-                    <a16:rowId xmlns:a16="http://schemas.microsoft.com/office/drawing/2014/main" val="3297107255"/>
+                    <a16:rowId xmlns:a16="http://schemas.microsoft.com/office/drawing/2014/main" val="4229294547"/>
                   </a:ext>
                 </a:extLst>
               </a:tr>
@@ -12107,7 +18272,7 @@
                           <a:effectLst/>
                           <a:latin typeface="Arial" panose="020B0604020202020204" pitchFamily="34" charset="0"/>
                         </a:rPr>
-                        <a:t>4%</a:t>
+                        <a:t>6%</a:t>
                       </a:r>
                     </a:p>
                   </a:txBody>
@@ -12299,7 +18464,7 @@
                 </a:tc>
                 <a:extLst>
                   <a:ext uri="{0D108BD9-81ED-4DB2-BD59-A6C34878D82A}">
-                    <a16:rowId xmlns:a16="http://schemas.microsoft.com/office/drawing/2014/main" val="587093742"/>
+                    <a16:rowId xmlns:a16="http://schemas.microsoft.com/office/drawing/2014/main" val="1409437363"/>
                   </a:ext>
                 </a:extLst>
               </a:tr>
@@ -12486,7 +18651,7 @@
                 </a:tc>
                 <a:extLst>
                   <a:ext uri="{0D108BD9-81ED-4DB2-BD59-A6C34878D82A}">
-                    <a16:rowId xmlns:a16="http://schemas.microsoft.com/office/drawing/2014/main" val="2374212271"/>
+                    <a16:rowId xmlns:a16="http://schemas.microsoft.com/office/drawing/2014/main" val="328864313"/>
                   </a:ext>
                 </a:extLst>
               </a:tr>
@@ -12691,7 +18856,7 @@
                 </a:tc>
                 <a:extLst>
                   <a:ext uri="{0D108BD9-81ED-4DB2-BD59-A6C34878D82A}">
-                    <a16:rowId xmlns:a16="http://schemas.microsoft.com/office/drawing/2014/main" val="1552902150"/>
+                    <a16:rowId xmlns:a16="http://schemas.microsoft.com/office/drawing/2014/main" val="1150951848"/>
                   </a:ext>
                 </a:extLst>
               </a:tr>
@@ -12908,7 +19073,7 @@
                 </a:tc>
                 <a:extLst>
                   <a:ext uri="{0D108BD9-81ED-4DB2-BD59-A6C34878D82A}">
-                    <a16:rowId xmlns:a16="http://schemas.microsoft.com/office/drawing/2014/main" val="3914792998"/>
+                    <a16:rowId xmlns:a16="http://schemas.microsoft.com/office/drawing/2014/main" val="2693020950"/>
                   </a:ext>
                 </a:extLst>
               </a:tr>
@@ -13173,7 +19338,7 @@
                 </a:tc>
                 <a:extLst>
                   <a:ext uri="{0D108BD9-81ED-4DB2-BD59-A6C34878D82A}">
-                    <a16:rowId xmlns:a16="http://schemas.microsoft.com/office/drawing/2014/main" val="201824297"/>
+                    <a16:rowId xmlns:a16="http://schemas.microsoft.com/office/drawing/2014/main" val="1966287066"/>
                   </a:ext>
                 </a:extLst>
               </a:tr>
@@ -13438,7 +19603,7 @@
                 </a:tc>
                 <a:extLst>
                   <a:ext uri="{0D108BD9-81ED-4DB2-BD59-A6C34878D82A}">
-                    <a16:rowId xmlns:a16="http://schemas.microsoft.com/office/drawing/2014/main" val="2112544380"/>
+                    <a16:rowId xmlns:a16="http://schemas.microsoft.com/office/drawing/2014/main" val="1278790371"/>
                   </a:ext>
                 </a:extLst>
               </a:tr>
@@ -13655,7 +19820,7 @@
                 </a:tc>
                 <a:extLst>
                   <a:ext uri="{0D108BD9-81ED-4DB2-BD59-A6C34878D82A}">
-                    <a16:rowId xmlns:a16="http://schemas.microsoft.com/office/drawing/2014/main" val="1673548087"/>
+                    <a16:rowId xmlns:a16="http://schemas.microsoft.com/office/drawing/2014/main" val="2478701290"/>
                   </a:ext>
                 </a:extLst>
               </a:tr>

--- a/Présentation la chouette agence.pptx
+++ b/Présentation la chouette agence.pptx
@@ -5,7 +5,7 @@
     <p:sldMasterId id="2147483786" r:id="rId1"/>
   </p:sldMasterIdLst>
   <p:notesMasterIdLst>
-    <p:notesMasterId r:id="rId11"/>
+    <p:notesMasterId r:id="rId12"/>
   </p:notesMasterIdLst>
   <p:sldIdLst>
     <p:sldId id="256" r:id="rId2"/>
@@ -14,9 +14,10 @@
     <p:sldId id="264" r:id="rId5"/>
     <p:sldId id="265" r:id="rId6"/>
     <p:sldId id="266" r:id="rId7"/>
-    <p:sldId id="258" r:id="rId8"/>
-    <p:sldId id="262" r:id="rId9"/>
-    <p:sldId id="263" r:id="rId10"/>
+    <p:sldId id="268" r:id="rId8"/>
+    <p:sldId id="258" r:id="rId9"/>
+    <p:sldId id="262" r:id="rId10"/>
+    <p:sldId id="263" r:id="rId11"/>
   </p:sldIdLst>
   <p:sldSz cx="12192000" cy="6858000"/>
   <p:notesSz cx="6858000" cy="9144000"/>
@@ -217,7 +218,7 @@
           <a:p>
             <a:fld id="{53F7EC79-C02D-4511-8596-5B719AB0BA58}" type="datetimeFigureOut">
               <a:rPr lang="fr-FR" smtClean="0"/>
-              <a:t>25/09/2020</a:t>
+              <a:t>26/09/2020</a:t>
             </a:fld>
             <a:endParaRPr lang="fr-FR"/>
           </a:p>
@@ -669,7 +670,7 @@
           <a:p>
             <a:fld id="{752D6672-6A6D-437A-AC60-802486552C25}" type="datetime1">
               <a:rPr lang="fr-FR" smtClean="0"/>
-              <a:t>25/09/2020</a:t>
+              <a:t>26/09/2020</a:t>
             </a:fld>
             <a:endParaRPr lang="fr-FR"/>
           </a:p>
@@ -982,7 +983,7 @@
           <a:p>
             <a:fld id="{B4BE2C74-BC49-4A8A-9808-C67AA7953E97}" type="datetime1">
               <a:rPr lang="fr-FR" smtClean="0"/>
-              <a:t>25/09/2020</a:t>
+              <a:t>26/09/2020</a:t>
             </a:fld>
             <a:endParaRPr lang="fr-FR"/>
           </a:p>
@@ -1189,7 +1190,7 @@
           <a:p>
             <a:fld id="{3E12FFB0-5E1A-4586-B26E-2FFA7A97DAC0}" type="datetime1">
               <a:rPr lang="fr-FR" smtClean="0"/>
-              <a:t>25/09/2020</a:t>
+              <a:t>26/09/2020</a:t>
             </a:fld>
             <a:endParaRPr lang="fr-FR"/>
           </a:p>
@@ -1465,7 +1466,7 @@
           <a:p>
             <a:fld id="{B9255CF7-FF79-487F-8277-FA58DEC4D734}" type="datetime1">
               <a:rPr lang="fr-FR" smtClean="0"/>
-              <a:t>25/09/2020</a:t>
+              <a:t>26/09/2020</a:t>
             </a:fld>
             <a:endParaRPr lang="fr-FR"/>
           </a:p>
@@ -1904,7 +1905,7 @@
           <a:p>
             <a:fld id="{9D7F27CC-8A18-4350-BF78-F8AB38F1C3E1}" type="datetime1">
               <a:rPr lang="fr-FR" smtClean="0"/>
-              <a:t>25/09/2020</a:t>
+              <a:t>26/09/2020</a:t>
             </a:fld>
             <a:endParaRPr lang="fr-FR"/>
           </a:p>
@@ -2456,7 +2457,7 @@
           <a:p>
             <a:fld id="{C59BBC5A-F83C-4E18-8703-F163F4E43502}" type="datetime1">
               <a:rPr lang="fr-FR" smtClean="0"/>
-              <a:t>25/09/2020</a:t>
+              <a:t>26/09/2020</a:t>
             </a:fld>
             <a:endParaRPr lang="fr-FR"/>
           </a:p>
@@ -3335,7 +3336,7 @@
           <a:p>
             <a:fld id="{BCC39332-A07C-4135-BC92-05A9232D039E}" type="datetime1">
               <a:rPr lang="fr-FR" smtClean="0"/>
-              <a:t>25/09/2020</a:t>
+              <a:t>26/09/2020</a:t>
             </a:fld>
             <a:endParaRPr lang="fr-FR"/>
           </a:p>
@@ -3520,7 +3521,7 @@
           <a:p>
             <a:fld id="{1A7679AB-AA44-4EE5-B903-061136CB7E26}" type="datetime1">
               <a:rPr lang="fr-FR" smtClean="0"/>
-              <a:t>25/09/2020</a:t>
+              <a:t>26/09/2020</a:t>
             </a:fld>
             <a:endParaRPr lang="fr-FR"/>
           </a:p>
@@ -3719,7 +3720,7 @@
           <a:p>
             <a:fld id="{050DCFB2-18E7-43BE-B407-AD05404F9F24}" type="datetime1">
               <a:rPr lang="fr-FR" smtClean="0"/>
-              <a:t>25/09/2020</a:t>
+              <a:t>26/09/2020</a:t>
             </a:fld>
             <a:endParaRPr lang="fr-FR"/>
           </a:p>
@@ -3904,7 +3905,7 @@
           <a:p>
             <a:fld id="{A63F9453-DB20-40CA-81FB-0030385A7D84}" type="datetime1">
               <a:rPr lang="fr-FR" smtClean="0"/>
-              <a:t>25/09/2020</a:t>
+              <a:t>26/09/2020</a:t>
             </a:fld>
             <a:endParaRPr lang="fr-FR"/>
           </a:p>
@@ -4163,7 +4164,7 @@
           <a:p>
             <a:fld id="{AA4F6A5A-8235-4FC6-904E-28F3B4E386C9}" type="datetime1">
               <a:rPr lang="fr-FR" smtClean="0"/>
-              <a:t>25/09/2020</a:t>
+              <a:t>26/09/2020</a:t>
             </a:fld>
             <a:endParaRPr lang="fr-FR"/>
           </a:p>
@@ -4414,7 +4415,7 @@
           <a:p>
             <a:fld id="{00FCEDEC-81F2-43CB-8577-9C77405B9A15}" type="datetime1">
               <a:rPr lang="fr-FR" smtClean="0"/>
-              <a:t>25/09/2020</a:t>
+              <a:t>26/09/2020</a:t>
             </a:fld>
             <a:endParaRPr lang="fr-FR"/>
           </a:p>
@@ -4900,7 +4901,7 @@
           <a:p>
             <a:fld id="{94A9ED4B-2B6D-44C7-92C7-B543E57F4207}" type="datetime1">
               <a:rPr lang="fr-FR" smtClean="0"/>
-              <a:t>25/09/2020</a:t>
+              <a:t>26/09/2020</a:t>
             </a:fld>
             <a:endParaRPr lang="fr-FR"/>
           </a:p>
@@ -5038,7 +5039,7 @@
           <a:p>
             <a:fld id="{8BFCD342-23D3-496E-9B94-EF6A7D9C2157}" type="datetime1">
               <a:rPr lang="fr-FR" smtClean="0"/>
-              <a:t>25/09/2020</a:t>
+              <a:t>26/09/2020</a:t>
             </a:fld>
             <a:endParaRPr lang="fr-FR"/>
           </a:p>
@@ -5148,7 +5149,7 @@
           <a:p>
             <a:fld id="{87EEEC59-9042-44A6-A74A-E04B211E3903}" type="datetime1">
               <a:rPr lang="fr-FR" smtClean="0"/>
-              <a:t>25/09/2020</a:t>
+              <a:t>26/09/2020</a:t>
             </a:fld>
             <a:endParaRPr lang="fr-FR"/>
           </a:p>
@@ -5418,7 +5419,7 @@
           <a:p>
             <a:fld id="{AF1A8E58-BEFD-463D-ACE6-840BB73A8368}" type="datetime1">
               <a:rPr lang="fr-FR" smtClean="0"/>
-              <a:t>25/09/2020</a:t>
+              <a:t>26/09/2020</a:t>
             </a:fld>
             <a:endParaRPr lang="fr-FR"/>
           </a:p>
@@ -5738,7 +5739,7 @@
           <a:p>
             <a:fld id="{244BBA18-1E7E-4526-9282-5835383EB457}" type="datetime1">
               <a:rPr lang="fr-FR" smtClean="0"/>
-              <a:t>25/09/2020</a:t>
+              <a:t>26/09/2020</a:t>
             </a:fld>
             <a:endParaRPr lang="fr-FR"/>
           </a:p>
@@ -5987,7 +5988,7 @@
           <a:p>
             <a:fld id="{09F89E11-6602-4AEE-8E70-C3E4C6D70B21}" type="datetime1">
               <a:rPr lang="fr-FR" smtClean="0"/>
-              <a:t>25/09/2020</a:t>
+              <a:t>26/09/2020</a:t>
             </a:fld>
             <a:endParaRPr lang="fr-FR"/>
           </a:p>
@@ -6872,6 +6873,4779 @@
 </p:sld>
 </file>
 
+<file path=ppt/slides/slide10.xml><?xml version="1.0" encoding="utf-8"?>
+<p:sld xmlns:a="http://schemas.openxmlformats.org/drawingml/2006/main" xmlns:r="http://schemas.openxmlformats.org/officeDocument/2006/relationships" xmlns:p="http://schemas.openxmlformats.org/presentationml/2006/main">
+  <p:cSld>
+    <p:bg>
+      <p:bgPr>
+        <a:solidFill>
+          <a:schemeClr val="bg1"/>
+        </a:solidFill>
+        <a:effectLst/>
+      </p:bgPr>
+    </p:bg>
+    <p:spTree>
+      <p:nvGrpSpPr>
+        <p:cNvPr id="1" name=""/>
+        <p:cNvGrpSpPr/>
+        <p:nvPr/>
+      </p:nvGrpSpPr>
+      <p:grpSpPr>
+        <a:xfrm>
+          <a:off x="0" y="0"/>
+          <a:ext cx="0" cy="0"/>
+          <a:chOff x="0" y="0"/>
+          <a:chExt cx="0" cy="0"/>
+        </a:xfrm>
+      </p:grpSpPr>
+      <p:sp>
+        <p:nvSpPr>
+          <p:cNvPr id="40" name="Rectangle 39">
+            <a:extLst>
+              <a:ext uri="{FF2B5EF4-FFF2-40B4-BE49-F238E27FC236}">
+                <a16:creationId xmlns:a16="http://schemas.microsoft.com/office/drawing/2014/main" id="{95CB840F-8E41-4CA5-B79B-25CC80AD234A}"/>
+              </a:ext>
+              <a:ext uri="{C183D7F6-B498-43B3-948B-1728B52AA6E4}">
+                <adec:decorative xmlns:adec="http://schemas.microsoft.com/office/drawing/2017/decorative" val="1"/>
+              </a:ext>
+            </a:extLst>
+          </p:cNvPr>
+          <p:cNvSpPr>
+            <a:spLocks noGrp="1" noRot="1" noChangeAspect="1" noMove="1" noResize="1" noEditPoints="1" noAdjustHandles="1" noChangeArrowheads="1" noChangeShapeType="1" noTextEdit="1"/>
+          </p:cNvSpPr>
+          <p:nvPr>
+            <p:extLst>
+              <p:ext uri="{386F3935-93C4-4BCD-93E2-E3B085C9AB24}">
+                <p16:designElem xmlns:p16="http://schemas.microsoft.com/office/powerpoint/2015/main" val="1"/>
+              </p:ext>
+            </p:extLst>
+          </p:nvPr>
+        </p:nvSpPr>
+        <p:spPr>
+          <a:xfrm>
+            <a:off x="0" y="0"/>
+            <a:ext cx="12192000" cy="6858000"/>
+          </a:xfrm>
+          <a:prstGeom prst="rect">
+            <a:avLst/>
+          </a:prstGeom>
+          <a:ln>
+            <a:noFill/>
+          </a:ln>
+        </p:spPr>
+        <p:style>
+          <a:lnRef idx="2">
+            <a:schemeClr val="accent1">
+              <a:shade val="50000"/>
+            </a:schemeClr>
+          </a:lnRef>
+          <a:fillRef idx="1003">
+            <a:schemeClr val="dk2"/>
+          </a:fillRef>
+          <a:effectRef idx="0">
+            <a:schemeClr val="accent1"/>
+          </a:effectRef>
+          <a:fontRef idx="minor">
+            <a:schemeClr val="lt1"/>
+          </a:fontRef>
+        </p:style>
+        <p:txBody>
+          <a:bodyPr rtlCol="0" anchor="ctr"/>
+          <a:lstStyle/>
+          <a:p>
+            <a:pPr algn="ctr"/>
+            <a:endParaRPr lang="en-US"/>
+          </a:p>
+        </p:txBody>
+      </p:sp>
+      <p:sp>
+        <p:nvSpPr>
+          <p:cNvPr id="8" name="Espace réservé du numéro de diapositive 4">
+            <a:extLst>
+              <a:ext uri="{FF2B5EF4-FFF2-40B4-BE49-F238E27FC236}">
+                <a16:creationId xmlns:a16="http://schemas.microsoft.com/office/drawing/2014/main" id="{65BBAD79-49D0-445D-89B3-736AF1C45794}"/>
+              </a:ext>
+            </a:extLst>
+          </p:cNvPr>
+          <p:cNvSpPr txBox="1">
+            <a:spLocks/>
+          </p:cNvSpPr>
+          <p:nvPr/>
+        </p:nvSpPr>
+        <p:spPr>
+          <a:xfrm>
+            <a:off x="924444" y="2668922"/>
+            <a:ext cx="3078749" cy="4482084"/>
+          </a:xfrm>
+          <a:prstGeom prst="rect">
+            <a:avLst/>
+          </a:prstGeom>
+        </p:spPr>
+        <p:txBody>
+          <a:bodyPr vert="horz" lIns="91440" tIns="45720" rIns="91440" bIns="45720" rtlCol="0" anchor="t">
+            <a:normAutofit/>
+          </a:bodyPr>
+          <a:lstStyle>
+            <a:defPPr>
+              <a:defRPr lang="en-US"/>
+            </a:defPPr>
+            <a:lvl1pPr marL="0" algn="r" defTabSz="457200" rtl="0" eaLnBrk="1" latinLnBrk="0" hangingPunct="1">
+              <a:defRPr sz="1000" kern="1200">
+                <a:solidFill>
+                  <a:schemeClr val="tx1">
+                    <a:lumMod val="95000"/>
+                  </a:schemeClr>
+                </a:solidFill>
+                <a:effectLst>
+                  <a:outerShdw blurRad="50800" dist="38100" dir="2700000" algn="tl" rotWithShape="0">
+                    <a:schemeClr val="bg1">
+                      <a:alpha val="43000"/>
+                    </a:schemeClr>
+                  </a:outerShdw>
+                </a:effectLst>
+                <a:latin typeface="+mn-lt"/>
+                <a:ea typeface="+mn-ea"/>
+                <a:cs typeface="+mn-cs"/>
+              </a:defRPr>
+            </a:lvl1pPr>
+            <a:lvl2pPr marL="457200" algn="l" defTabSz="457200" rtl="0" eaLnBrk="1" latinLnBrk="0" hangingPunct="1">
+              <a:defRPr sz="1800" kern="1200">
+                <a:solidFill>
+                  <a:schemeClr val="tx1"/>
+                </a:solidFill>
+                <a:latin typeface="+mn-lt"/>
+                <a:ea typeface="+mn-ea"/>
+                <a:cs typeface="+mn-cs"/>
+              </a:defRPr>
+            </a:lvl2pPr>
+            <a:lvl3pPr marL="914400" algn="l" defTabSz="457200" rtl="0" eaLnBrk="1" latinLnBrk="0" hangingPunct="1">
+              <a:defRPr sz="1800" kern="1200">
+                <a:solidFill>
+                  <a:schemeClr val="tx1"/>
+                </a:solidFill>
+                <a:latin typeface="+mn-lt"/>
+                <a:ea typeface="+mn-ea"/>
+                <a:cs typeface="+mn-cs"/>
+              </a:defRPr>
+            </a:lvl3pPr>
+            <a:lvl4pPr marL="1371600" algn="l" defTabSz="457200" rtl="0" eaLnBrk="1" latinLnBrk="0" hangingPunct="1">
+              <a:defRPr sz="1800" kern="1200">
+                <a:solidFill>
+                  <a:schemeClr val="tx1"/>
+                </a:solidFill>
+                <a:latin typeface="+mn-lt"/>
+                <a:ea typeface="+mn-ea"/>
+                <a:cs typeface="+mn-cs"/>
+              </a:defRPr>
+            </a:lvl4pPr>
+            <a:lvl5pPr marL="1828800" algn="l" defTabSz="457200" rtl="0" eaLnBrk="1" latinLnBrk="0" hangingPunct="1">
+              <a:defRPr sz="1800" kern="1200">
+                <a:solidFill>
+                  <a:schemeClr val="tx1"/>
+                </a:solidFill>
+                <a:latin typeface="+mn-lt"/>
+                <a:ea typeface="+mn-ea"/>
+                <a:cs typeface="+mn-cs"/>
+              </a:defRPr>
+            </a:lvl5pPr>
+            <a:lvl6pPr marL="2286000" algn="l" defTabSz="457200" rtl="0" eaLnBrk="1" latinLnBrk="0" hangingPunct="1">
+              <a:defRPr sz="1800" kern="1200">
+                <a:solidFill>
+                  <a:schemeClr val="tx1"/>
+                </a:solidFill>
+                <a:latin typeface="+mn-lt"/>
+                <a:ea typeface="+mn-ea"/>
+                <a:cs typeface="+mn-cs"/>
+              </a:defRPr>
+            </a:lvl6pPr>
+            <a:lvl7pPr marL="2743200" algn="l" defTabSz="457200" rtl="0" eaLnBrk="1" latinLnBrk="0" hangingPunct="1">
+              <a:defRPr sz="1800" kern="1200">
+                <a:solidFill>
+                  <a:schemeClr val="tx1"/>
+                </a:solidFill>
+                <a:latin typeface="+mn-lt"/>
+                <a:ea typeface="+mn-ea"/>
+                <a:cs typeface="+mn-cs"/>
+              </a:defRPr>
+            </a:lvl7pPr>
+            <a:lvl8pPr marL="3200400" algn="l" defTabSz="457200" rtl="0" eaLnBrk="1" latinLnBrk="0" hangingPunct="1">
+              <a:defRPr sz="1800" kern="1200">
+                <a:solidFill>
+                  <a:schemeClr val="tx1"/>
+                </a:solidFill>
+                <a:latin typeface="+mn-lt"/>
+                <a:ea typeface="+mn-ea"/>
+                <a:cs typeface="+mn-cs"/>
+              </a:defRPr>
+            </a:lvl8pPr>
+            <a:lvl9pPr marL="3657600" algn="l" defTabSz="457200" rtl="0" eaLnBrk="1" latinLnBrk="0" hangingPunct="1">
+              <a:defRPr sz="1800" kern="1200">
+                <a:solidFill>
+                  <a:schemeClr val="tx1"/>
+                </a:solidFill>
+                <a:latin typeface="+mn-lt"/>
+                <a:ea typeface="+mn-ea"/>
+                <a:cs typeface="+mn-cs"/>
+              </a:defRPr>
+            </a:lvl9pPr>
+          </a:lstStyle>
+          <a:p>
+            <a:pPr algn="l">
+              <a:spcBef>
+                <a:spcPct val="20000"/>
+              </a:spcBef>
+              <a:spcAft>
+                <a:spcPts val="600"/>
+              </a:spcAft>
+              <a:buClr>
+                <a:schemeClr val="tx2"/>
+              </a:buClr>
+              <a:buSzPct val="70000"/>
+              <a:buFont typeface="Wingdings 2" charset="2"/>
+            </a:pPr>
+            <a:endParaRPr lang="en-US" sz="1600" dirty="0">
+              <a:ln>
+                <a:solidFill>
+                  <a:srgbClr val="404040">
+                    <a:alpha val="10000"/>
+                  </a:srgbClr>
+                </a:solidFill>
+              </a:ln>
+              <a:solidFill>
+                <a:srgbClr val="DADADA"/>
+              </a:solidFill>
+              <a:effectLst>
+                <a:outerShdw blurRad="9525" dist="25400" dir="14640000" algn="tl" rotWithShape="0">
+                  <a:schemeClr val="bg1">
+                    <a:alpha val="30000"/>
+                  </a:schemeClr>
+                </a:outerShdw>
+              </a:effectLst>
+            </a:endParaRPr>
+          </a:p>
+        </p:txBody>
+      </p:sp>
+      <p:sp>
+        <p:nvSpPr>
+          <p:cNvPr id="4" name="Espace réservé du pied de page 3">
+            <a:extLst>
+              <a:ext uri="{FF2B5EF4-FFF2-40B4-BE49-F238E27FC236}">
+                <a16:creationId xmlns:a16="http://schemas.microsoft.com/office/drawing/2014/main" id="{90005799-ADC1-4AA4-A009-6B565577A45A}"/>
+              </a:ext>
+            </a:extLst>
+          </p:cNvPr>
+          <p:cNvSpPr>
+            <a:spLocks noGrp="1"/>
+          </p:cNvSpPr>
+          <p:nvPr>
+            <p:ph type="ftr" sz="quarter" idx="11"/>
+          </p:nvPr>
+        </p:nvSpPr>
+        <p:spPr>
+          <a:xfrm>
+            <a:off x="0" y="6456816"/>
+            <a:ext cx="6672865" cy="365125"/>
+          </a:xfrm>
+        </p:spPr>
+        <p:txBody>
+          <a:bodyPr vert="horz" lIns="91440" tIns="45720" rIns="91440" bIns="45720" rtlCol="0" anchor="ctr">
+            <a:normAutofit/>
+          </a:bodyPr>
+          <a:lstStyle/>
+          <a:p>
+            <a:pPr defTabSz="914400">
+              <a:spcAft>
+                <a:spcPts val="600"/>
+              </a:spcAft>
+            </a:pPr>
+            <a:r>
+              <a:rPr lang="fr-FR" kern="1200">
+                <a:solidFill>
+                  <a:srgbClr val="F2F2F2"/>
+                </a:solidFill>
+                <a:effectLst>
+                  <a:outerShdw blurRad="50800" dist="38100" dir="2700000" algn="tl" rotWithShape="0">
+                    <a:schemeClr val="bg1">
+                      <a:alpha val="43000"/>
+                    </a:schemeClr>
+                  </a:outerShdw>
+                </a:effectLst>
+                <a:latin typeface="+mn-lt"/>
+                <a:ea typeface="+mn-ea"/>
+                <a:cs typeface="+mn-cs"/>
+              </a:rPr>
+              <a:t>Optimisez un site web existant - Projet 4 - Feys Olivier</a:t>
+            </a:r>
+            <a:endParaRPr lang="en-US" kern="1200">
+              <a:solidFill>
+                <a:srgbClr val="F2F2F2"/>
+              </a:solidFill>
+              <a:effectLst>
+                <a:outerShdw blurRad="50800" dist="38100" dir="2700000" algn="tl" rotWithShape="0">
+                  <a:schemeClr val="bg1">
+                    <a:alpha val="43000"/>
+                  </a:schemeClr>
+                </a:outerShdw>
+              </a:effectLst>
+              <a:latin typeface="+mn-lt"/>
+              <a:ea typeface="+mn-ea"/>
+              <a:cs typeface="+mn-cs"/>
+            </a:endParaRPr>
+          </a:p>
+        </p:txBody>
+      </p:sp>
+      <p:sp>
+        <p:nvSpPr>
+          <p:cNvPr id="5" name="Espace réservé du numéro de diapositive 4">
+            <a:extLst>
+              <a:ext uri="{FF2B5EF4-FFF2-40B4-BE49-F238E27FC236}">
+                <a16:creationId xmlns:a16="http://schemas.microsoft.com/office/drawing/2014/main" id="{2A088C23-6091-42EC-80A4-F890A879AE55}"/>
+              </a:ext>
+            </a:extLst>
+          </p:cNvPr>
+          <p:cNvSpPr>
+            <a:spLocks noGrp="1"/>
+          </p:cNvSpPr>
+          <p:nvPr>
+            <p:ph type="sldNum" sz="quarter" idx="12"/>
+          </p:nvPr>
+        </p:nvSpPr>
+        <p:spPr>
+          <a:xfrm>
+            <a:off x="11366268" y="6472743"/>
+            <a:ext cx="753545" cy="365125"/>
+          </a:xfrm>
+        </p:spPr>
+        <p:txBody>
+          <a:bodyPr vert="horz" lIns="91440" tIns="45720" rIns="91440" bIns="45720" rtlCol="0" anchor="ctr">
+            <a:normAutofit/>
+          </a:bodyPr>
+          <a:lstStyle/>
+          <a:p>
+            <a:pPr defTabSz="914400">
+              <a:spcAft>
+                <a:spcPts val="600"/>
+              </a:spcAft>
+            </a:pPr>
+            <a:fld id="{C4346826-A150-40DA-A0FA-3017134F7F37}" type="slidenum">
+              <a:rPr lang="en-US">
+                <a:solidFill>
+                  <a:srgbClr val="F2F2F2"/>
+                </a:solidFill>
+              </a:rPr>
+              <a:pPr defTabSz="914400">
+                <a:spcAft>
+                  <a:spcPts val="600"/>
+                </a:spcAft>
+              </a:pPr>
+              <a:t>10</a:t>
+            </a:fld>
+            <a:endParaRPr lang="en-US">
+              <a:solidFill>
+                <a:srgbClr val="F2F2F2"/>
+              </a:solidFill>
+            </a:endParaRPr>
+          </a:p>
+        </p:txBody>
+      </p:sp>
+      <p:sp>
+        <p:nvSpPr>
+          <p:cNvPr id="6" name="Titre 1">
+            <a:extLst>
+              <a:ext uri="{FF2B5EF4-FFF2-40B4-BE49-F238E27FC236}">
+                <a16:creationId xmlns:a16="http://schemas.microsoft.com/office/drawing/2014/main" id="{5F1C2637-826D-41C6-8C38-8FFF44321708}"/>
+              </a:ext>
+            </a:extLst>
+          </p:cNvPr>
+          <p:cNvSpPr txBox="1">
+            <a:spLocks/>
+          </p:cNvSpPr>
+          <p:nvPr/>
+        </p:nvSpPr>
+        <p:spPr>
+          <a:xfrm>
+            <a:off x="919119" y="62461"/>
+            <a:ext cx="10353762" cy="970450"/>
+          </a:xfrm>
+          <a:prstGeom prst="rect">
+            <a:avLst/>
+          </a:prstGeom>
+          <a:effectLst>
+            <a:outerShdw blurRad="25400" dir="17880000">
+              <a:srgbClr val="000000">
+                <a:alpha val="46000"/>
+              </a:srgbClr>
+            </a:outerShdw>
+          </a:effectLst>
+        </p:spPr>
+        <p:txBody>
+          <a:bodyPr vert="horz" lIns="91440" tIns="45720" rIns="91440" bIns="45720" rtlCol="0" anchor="ctr">
+            <a:normAutofit/>
+          </a:bodyPr>
+          <a:lstStyle>
+            <a:lvl1pPr algn="ctr" defTabSz="457200" rtl="0" eaLnBrk="1" latinLnBrk="0" hangingPunct="1">
+              <a:spcBef>
+                <a:spcPct val="0"/>
+              </a:spcBef>
+              <a:buNone/>
+              <a:defRPr sz="4000" kern="1200">
+                <a:ln>
+                  <a:solidFill>
+                    <a:schemeClr val="bg1">
+                      <a:lumMod val="75000"/>
+                      <a:lumOff val="25000"/>
+                      <a:alpha val="10000"/>
+                    </a:schemeClr>
+                  </a:solidFill>
+                </a:ln>
+                <a:solidFill>
+                  <a:schemeClr val="tx2"/>
+                </a:solidFill>
+                <a:effectLst>
+                  <a:outerShdw blurRad="9525" dist="25400" dir="14640000" algn="tl" rotWithShape="0">
+                    <a:schemeClr val="bg1">
+                      <a:alpha val="30000"/>
+                    </a:schemeClr>
+                  </a:outerShdw>
+                </a:effectLst>
+                <a:latin typeface="+mj-lt"/>
+                <a:ea typeface="+mj-ea"/>
+                <a:cs typeface="Trebuchet MS"/>
+              </a:defRPr>
+            </a:lvl1pPr>
+            <a:lvl2pPr eaLnBrk="1" hangingPunct="1">
+              <a:defRPr>
+                <a:solidFill>
+                  <a:schemeClr val="tx2"/>
+                </a:solidFill>
+              </a:defRPr>
+            </a:lvl2pPr>
+            <a:lvl3pPr eaLnBrk="1" hangingPunct="1">
+              <a:defRPr>
+                <a:solidFill>
+                  <a:schemeClr val="tx2"/>
+                </a:solidFill>
+              </a:defRPr>
+            </a:lvl3pPr>
+            <a:lvl4pPr eaLnBrk="1" hangingPunct="1">
+              <a:defRPr>
+                <a:solidFill>
+                  <a:schemeClr val="tx2"/>
+                </a:solidFill>
+              </a:defRPr>
+            </a:lvl4pPr>
+            <a:lvl5pPr eaLnBrk="1" hangingPunct="1">
+              <a:defRPr>
+                <a:solidFill>
+                  <a:schemeClr val="tx2"/>
+                </a:solidFill>
+              </a:defRPr>
+            </a:lvl5pPr>
+            <a:lvl6pPr eaLnBrk="1" hangingPunct="1">
+              <a:defRPr>
+                <a:solidFill>
+                  <a:schemeClr val="tx2"/>
+                </a:solidFill>
+              </a:defRPr>
+            </a:lvl6pPr>
+            <a:lvl7pPr eaLnBrk="1" hangingPunct="1">
+              <a:defRPr>
+                <a:solidFill>
+                  <a:schemeClr val="tx2"/>
+                </a:solidFill>
+              </a:defRPr>
+            </a:lvl7pPr>
+            <a:lvl8pPr eaLnBrk="1" hangingPunct="1">
+              <a:defRPr>
+                <a:solidFill>
+                  <a:schemeClr val="tx2"/>
+                </a:solidFill>
+              </a:defRPr>
+            </a:lvl8pPr>
+            <a:lvl9pPr eaLnBrk="1" hangingPunct="1">
+              <a:defRPr>
+                <a:solidFill>
+                  <a:schemeClr val="tx2"/>
+                </a:solidFill>
+              </a:defRPr>
+            </a:lvl9pPr>
+          </a:lstStyle>
+          <a:p>
+            <a:endParaRPr lang="fr-FR" dirty="0"/>
+          </a:p>
+        </p:txBody>
+      </p:sp>
+      <p:sp>
+        <p:nvSpPr>
+          <p:cNvPr id="34" name="ZoneTexte 33">
+            <a:extLst>
+              <a:ext uri="{FF2B5EF4-FFF2-40B4-BE49-F238E27FC236}">
+                <a16:creationId xmlns:a16="http://schemas.microsoft.com/office/drawing/2014/main" id="{A232D545-49FC-4BFB-BC57-A3163F863427}"/>
+              </a:ext>
+            </a:extLst>
+          </p:cNvPr>
+          <p:cNvSpPr txBox="1"/>
+          <p:nvPr/>
+        </p:nvSpPr>
+        <p:spPr>
+          <a:xfrm>
+            <a:off x="576865" y="2632863"/>
+            <a:ext cx="6096000" cy="1569660"/>
+          </a:xfrm>
+          <a:prstGeom prst="rect">
+            <a:avLst/>
+          </a:prstGeom>
+          <a:noFill/>
+        </p:spPr>
+        <p:txBody>
+          <a:bodyPr wrap="square">
+            <a:spAutoFit/>
+          </a:bodyPr>
+          <a:lstStyle/>
+          <a:p>
+            <a:pPr algn="l"/>
+            <a:r>
+              <a:rPr lang="en-US" sz="7200" dirty="0">
+                <a:ln>
+                  <a:solidFill>
+                    <a:srgbClr val="404040">
+                      <a:alpha val="10000"/>
+                    </a:srgbClr>
+                  </a:solidFill>
+                </a:ln>
+                <a:solidFill>
+                  <a:srgbClr val="DADADA"/>
+                </a:solidFill>
+              </a:rPr>
+              <a:t>Résumé </a:t>
+            </a:r>
+            <a:r>
+              <a:rPr lang="en-US" sz="9600" dirty="0">
+                <a:ln>
+                  <a:solidFill>
+                    <a:srgbClr val="404040">
+                      <a:alpha val="10000"/>
+                    </a:srgbClr>
+                  </a:solidFill>
+                </a:ln>
+                <a:solidFill>
+                  <a:srgbClr val="DADADA"/>
+                </a:solidFill>
+              </a:rPr>
+              <a:t>{</a:t>
+            </a:r>
+          </a:p>
+        </p:txBody>
+      </p:sp>
+      <p:pic>
+        <p:nvPicPr>
+          <p:cNvPr id="32" name="Image 31" descr="Une image contenant jeu, horloge&#10;&#10;Description générée automatiquement">
+            <a:extLst>
+              <a:ext uri="{FF2B5EF4-FFF2-40B4-BE49-F238E27FC236}">
+                <a16:creationId xmlns:a16="http://schemas.microsoft.com/office/drawing/2014/main" id="{139ADE64-5CFD-45A5-A93B-4EFD87FD6427}"/>
+              </a:ext>
+            </a:extLst>
+          </p:cNvPr>
+          <p:cNvPicPr>
+            <a:picLocks noChangeAspect="1"/>
+          </p:cNvPicPr>
+          <p:nvPr/>
+        </p:nvPicPr>
+        <p:blipFill>
+          <a:blip r:embed="rId2">
+            <a:extLst>
+              <a:ext uri="{28A0092B-C50C-407E-A947-70E740481C1C}">
+                <a14:useLocalDpi xmlns:a14="http://schemas.microsoft.com/office/drawing/2010/main" val="0"/>
+              </a:ext>
+            </a:extLst>
+          </a:blip>
+          <a:stretch>
+            <a:fillRect/>
+          </a:stretch>
+        </p:blipFill>
+        <p:spPr>
+          <a:xfrm>
+            <a:off x="55586" y="62461"/>
+            <a:ext cx="1904762" cy="1904762"/>
+          </a:xfrm>
+          <a:prstGeom prst="rect">
+            <a:avLst/>
+          </a:prstGeom>
+        </p:spPr>
+      </p:pic>
+      <p:pic>
+        <p:nvPicPr>
+          <p:cNvPr id="37" name="Image 36">
+            <a:extLst>
+              <a:ext uri="{FF2B5EF4-FFF2-40B4-BE49-F238E27FC236}">
+                <a16:creationId xmlns:a16="http://schemas.microsoft.com/office/drawing/2014/main" id="{341E67A6-0F09-4DCB-8FCA-61CE5D8BF1F5}"/>
+              </a:ext>
+            </a:extLst>
+          </p:cNvPr>
+          <p:cNvPicPr>
+            <a:picLocks noChangeAspect="1"/>
+          </p:cNvPicPr>
+          <p:nvPr/>
+        </p:nvPicPr>
+        <p:blipFill>
+          <a:blip r:embed="rId3"/>
+          <a:stretch>
+            <a:fillRect/>
+          </a:stretch>
+        </p:blipFill>
+        <p:spPr>
+          <a:xfrm>
+            <a:off x="1301504" y="4197579"/>
+            <a:ext cx="1885950" cy="962025"/>
+          </a:xfrm>
+          <a:prstGeom prst="rect">
+            <a:avLst/>
+          </a:prstGeom>
+        </p:spPr>
+      </p:pic>
+      <p:graphicFrame>
+        <p:nvGraphicFramePr>
+          <p:cNvPr id="11" name="Espace réservé du contenu 10">
+            <a:extLst>
+              <a:ext uri="{FF2B5EF4-FFF2-40B4-BE49-F238E27FC236}">
+                <a16:creationId xmlns:a16="http://schemas.microsoft.com/office/drawing/2014/main" id="{8177A0CA-CBB0-4A4A-876F-4FB5E4CBFC0C}"/>
+              </a:ext>
+            </a:extLst>
+          </p:cNvPr>
+          <p:cNvGraphicFramePr>
+            <a:graphicFrameLocks noGrp="1"/>
+          </p:cNvGraphicFramePr>
+          <p:nvPr>
+            <p:ph idx="1"/>
+            <p:extLst>
+              <p:ext uri="{D42A27DB-BD31-4B8C-83A1-F6EECF244321}">
+                <p14:modId xmlns:p14="http://schemas.microsoft.com/office/powerpoint/2010/main" val="7974845"/>
+              </p:ext>
+            </p:extLst>
+          </p:nvPr>
+        </p:nvGraphicFramePr>
+        <p:xfrm>
+          <a:off x="4712975" y="1095372"/>
+          <a:ext cx="7111706" cy="4068798"/>
+        </p:xfrm>
+        <a:graphic>
+          <a:graphicData uri="http://schemas.openxmlformats.org/drawingml/2006/table">
+            <a:tbl>
+              <a:tblPr/>
+              <a:tblGrid>
+                <a:gridCol w="724169">
+                  <a:extLst>
+                    <a:ext uri="{9D8B030D-6E8A-4147-A177-3AD203B41FA5}">
+                      <a16:colId xmlns:a16="http://schemas.microsoft.com/office/drawing/2014/main" val="646036800"/>
+                    </a:ext>
+                  </a:extLst>
+                </a:gridCol>
+                <a:gridCol w="1652590">
+                  <a:extLst>
+                    <a:ext uri="{9D8B030D-6E8A-4147-A177-3AD203B41FA5}">
+                      <a16:colId xmlns:a16="http://schemas.microsoft.com/office/drawing/2014/main" val="140225995"/>
+                    </a:ext>
+                  </a:extLst>
+                </a:gridCol>
+                <a:gridCol w="1327641">
+                  <a:extLst>
+                    <a:ext uri="{9D8B030D-6E8A-4147-A177-3AD203B41FA5}">
+                      <a16:colId xmlns:a16="http://schemas.microsoft.com/office/drawing/2014/main" val="1033484568"/>
+                    </a:ext>
+                  </a:extLst>
+                </a:gridCol>
+                <a:gridCol w="1513326">
+                  <a:extLst>
+                    <a:ext uri="{9D8B030D-6E8A-4147-A177-3AD203B41FA5}">
+                      <a16:colId xmlns:a16="http://schemas.microsoft.com/office/drawing/2014/main" val="2804263031"/>
+                    </a:ext>
+                  </a:extLst>
+                </a:gridCol>
+                <a:gridCol w="1169811">
+                  <a:extLst>
+                    <a:ext uri="{9D8B030D-6E8A-4147-A177-3AD203B41FA5}">
+                      <a16:colId xmlns:a16="http://schemas.microsoft.com/office/drawing/2014/main" val="2387307156"/>
+                    </a:ext>
+                  </a:extLst>
+                </a:gridCol>
+                <a:gridCol w="724169">
+                  <a:extLst>
+                    <a:ext uri="{9D8B030D-6E8A-4147-A177-3AD203B41FA5}">
+                      <a16:colId xmlns:a16="http://schemas.microsoft.com/office/drawing/2014/main" val="2981986968"/>
+                    </a:ext>
+                  </a:extLst>
+                </a:gridCol>
+              </a:tblGrid>
+              <a:tr h="363625">
+                <a:tc gridSpan="6">
+                  <a:txBody>
+                    <a:bodyPr/>
+                    <a:lstStyle/>
+                    <a:p>
+                      <a:pPr algn="ctr" fontAlgn="ctr"/>
+                      <a:r>
+                        <a:rPr lang="fr-FR" sz="2300" b="1" i="0" u="none" strike="noStrike">
+                          <a:solidFill>
+                            <a:srgbClr val="FFFFFF"/>
+                          </a:solidFill>
+                          <a:effectLst/>
+                          <a:latin typeface="Arial" panose="020B0604020202020204" pitchFamily="34" charset="0"/>
+                        </a:rPr>
+                        <a:t>Lighthouse</a:t>
+                      </a:r>
+                    </a:p>
+                  </a:txBody>
+                  <a:tcPr marL="7421" marR="7421" marT="7421" marB="0" anchor="ctr">
+                    <a:lnL>
+                      <a:noFill/>
+                    </a:lnL>
+                    <a:lnR>
+                      <a:noFill/>
+                    </a:lnR>
+                    <a:lnT>
+                      <a:noFill/>
+                    </a:lnT>
+                    <a:lnB>
+                      <a:noFill/>
+                    </a:lnB>
+                    <a:solidFill>
+                      <a:srgbClr val="262626"/>
+                    </a:solidFill>
+                  </a:tcPr>
+                </a:tc>
+                <a:tc hMerge="1">
+                  <a:txBody>
+                    <a:bodyPr/>
+                    <a:lstStyle/>
+                    <a:p>
+                      <a:endParaRPr lang="fr-FR"/>
+                    </a:p>
+                  </a:txBody>
+                  <a:tcPr/>
+                </a:tc>
+                <a:tc hMerge="1">
+                  <a:txBody>
+                    <a:bodyPr/>
+                    <a:lstStyle/>
+                    <a:p>
+                      <a:endParaRPr lang="fr-FR"/>
+                    </a:p>
+                  </a:txBody>
+                  <a:tcPr/>
+                </a:tc>
+                <a:tc hMerge="1">
+                  <a:txBody>
+                    <a:bodyPr/>
+                    <a:lstStyle/>
+                    <a:p>
+                      <a:endParaRPr lang="fr-FR"/>
+                    </a:p>
+                  </a:txBody>
+                  <a:tcPr/>
+                </a:tc>
+                <a:tc hMerge="1">
+                  <a:txBody>
+                    <a:bodyPr/>
+                    <a:lstStyle/>
+                    <a:p>
+                      <a:endParaRPr lang="fr-FR"/>
+                    </a:p>
+                  </a:txBody>
+                  <a:tcPr/>
+                </a:tc>
+                <a:tc hMerge="1">
+                  <a:txBody>
+                    <a:bodyPr/>
+                    <a:lstStyle/>
+                    <a:p>
+                      <a:endParaRPr lang="fr-FR"/>
+                    </a:p>
+                  </a:txBody>
+                  <a:tcPr/>
+                </a:tc>
+                <a:extLst>
+                  <a:ext uri="{0D108BD9-81ED-4DB2-BD59-A6C34878D82A}">
+                    <a16:rowId xmlns:a16="http://schemas.microsoft.com/office/drawing/2014/main" val="813630689"/>
+                  </a:ext>
+                </a:extLst>
+              </a:tr>
+              <a:tr h="281995">
+                <a:tc>
+                  <a:txBody>
+                    <a:bodyPr/>
+                    <a:lstStyle/>
+                    <a:p>
+                      <a:pPr algn="ctr" fontAlgn="b"/>
+                      <a:r>
+                        <a:rPr lang="fr-FR" sz="1800" b="0" i="0" u="none" strike="noStrike">
+                          <a:solidFill>
+                            <a:srgbClr val="FFFFFF"/>
+                          </a:solidFill>
+                          <a:effectLst/>
+                          <a:latin typeface="Arial" panose="020B0604020202020204" pitchFamily="34" charset="0"/>
+                        </a:rPr>
+                        <a:t> </a:t>
+                      </a:r>
+                    </a:p>
+                  </a:txBody>
+                  <a:tcPr marL="7421" marR="7421" marT="7421" marB="0" anchor="b">
+                    <a:lnL>
+                      <a:noFill/>
+                    </a:lnL>
+                    <a:lnR>
+                      <a:noFill/>
+                    </a:lnR>
+                    <a:lnT>
+                      <a:noFill/>
+                    </a:lnT>
+                    <a:lnB>
+                      <a:noFill/>
+                    </a:lnB>
+                    <a:solidFill>
+                      <a:srgbClr val="262626"/>
+                    </a:solidFill>
+                  </a:tcPr>
+                </a:tc>
+                <a:tc>
+                  <a:txBody>
+                    <a:bodyPr/>
+                    <a:lstStyle/>
+                    <a:p>
+                      <a:pPr algn="ctr" fontAlgn="b"/>
+                      <a:r>
+                        <a:rPr lang="fr-FR" sz="1800" b="0" i="0" u="none" strike="noStrike">
+                          <a:solidFill>
+                            <a:srgbClr val="FFFFFF"/>
+                          </a:solidFill>
+                          <a:effectLst/>
+                          <a:latin typeface="Arial" panose="020B0604020202020204" pitchFamily="34" charset="0"/>
+                        </a:rPr>
+                        <a:t>Performance</a:t>
+                      </a:r>
+                    </a:p>
+                  </a:txBody>
+                  <a:tcPr marL="7421" marR="7421" marT="7421" marB="0" anchor="b">
+                    <a:lnL>
+                      <a:noFill/>
+                    </a:lnL>
+                    <a:lnR>
+                      <a:noFill/>
+                    </a:lnR>
+                    <a:lnT>
+                      <a:noFill/>
+                    </a:lnT>
+                    <a:lnB w="6350" cap="flat" cmpd="sng" algn="ctr">
+                      <a:solidFill>
+                        <a:srgbClr val="000000"/>
+                      </a:solidFill>
+                      <a:prstDash val="solid"/>
+                      <a:round/>
+                      <a:headEnd type="none" w="med" len="med"/>
+                      <a:tailEnd type="none" w="med" len="med"/>
+                    </a:lnB>
+                    <a:solidFill>
+                      <a:srgbClr val="262626"/>
+                    </a:solidFill>
+                  </a:tcPr>
+                </a:tc>
+                <a:tc>
+                  <a:txBody>
+                    <a:bodyPr/>
+                    <a:lstStyle/>
+                    <a:p>
+                      <a:pPr algn="ctr" fontAlgn="b"/>
+                      <a:r>
+                        <a:rPr lang="fr-FR" sz="1800" b="0" i="0" u="none" strike="noStrike">
+                          <a:solidFill>
+                            <a:srgbClr val="FFFFFF"/>
+                          </a:solidFill>
+                          <a:effectLst/>
+                          <a:latin typeface="Arial" panose="020B0604020202020204" pitchFamily="34" charset="0"/>
+                        </a:rPr>
+                        <a:t>Accessibilité</a:t>
+                      </a:r>
+                    </a:p>
+                  </a:txBody>
+                  <a:tcPr marL="7421" marR="7421" marT="7421" marB="0" anchor="b">
+                    <a:lnL>
+                      <a:noFill/>
+                    </a:lnL>
+                    <a:lnR>
+                      <a:noFill/>
+                    </a:lnR>
+                    <a:lnT>
+                      <a:noFill/>
+                    </a:lnT>
+                    <a:lnB w="6350" cap="flat" cmpd="sng" algn="ctr">
+                      <a:solidFill>
+                        <a:srgbClr val="000000"/>
+                      </a:solidFill>
+                      <a:prstDash val="solid"/>
+                      <a:round/>
+                      <a:headEnd type="none" w="med" len="med"/>
+                      <a:tailEnd type="none" w="med" len="med"/>
+                    </a:lnB>
+                    <a:solidFill>
+                      <a:srgbClr val="262626"/>
+                    </a:solidFill>
+                  </a:tcPr>
+                </a:tc>
+                <a:tc>
+                  <a:txBody>
+                    <a:bodyPr/>
+                    <a:lstStyle/>
+                    <a:p>
+                      <a:pPr algn="ctr" fontAlgn="b"/>
+                      <a:r>
+                        <a:rPr lang="fr-FR" sz="1800" b="0" i="0" u="none" strike="noStrike">
+                          <a:solidFill>
+                            <a:srgbClr val="FFFFFF"/>
+                          </a:solidFill>
+                          <a:effectLst/>
+                          <a:latin typeface="Arial" panose="020B0604020202020204" pitchFamily="34" charset="0"/>
+                        </a:rPr>
+                        <a:t>Best practices</a:t>
+                      </a:r>
+                    </a:p>
+                  </a:txBody>
+                  <a:tcPr marL="7421" marR="7421" marT="7421" marB="0" anchor="b">
+                    <a:lnL>
+                      <a:noFill/>
+                    </a:lnL>
+                    <a:lnR>
+                      <a:noFill/>
+                    </a:lnR>
+                    <a:lnT>
+                      <a:noFill/>
+                    </a:lnT>
+                    <a:lnB w="6350" cap="flat" cmpd="sng" algn="ctr">
+                      <a:solidFill>
+                        <a:srgbClr val="000000"/>
+                      </a:solidFill>
+                      <a:prstDash val="solid"/>
+                      <a:round/>
+                      <a:headEnd type="none" w="med" len="med"/>
+                      <a:tailEnd type="none" w="med" len="med"/>
+                    </a:lnB>
+                    <a:solidFill>
+                      <a:srgbClr val="262626"/>
+                    </a:solidFill>
+                  </a:tcPr>
+                </a:tc>
+                <a:tc>
+                  <a:txBody>
+                    <a:bodyPr/>
+                    <a:lstStyle/>
+                    <a:p>
+                      <a:pPr algn="ctr" fontAlgn="b"/>
+                      <a:r>
+                        <a:rPr lang="fr-FR" sz="1800" b="0" i="0" u="none" strike="noStrike">
+                          <a:solidFill>
+                            <a:srgbClr val="FFFFFF"/>
+                          </a:solidFill>
+                          <a:effectLst/>
+                          <a:latin typeface="Arial" panose="020B0604020202020204" pitchFamily="34" charset="0"/>
+                        </a:rPr>
+                        <a:t>SEO</a:t>
+                      </a:r>
+                    </a:p>
+                  </a:txBody>
+                  <a:tcPr marL="7421" marR="7421" marT="7421" marB="0" anchor="b">
+                    <a:lnL>
+                      <a:noFill/>
+                    </a:lnL>
+                    <a:lnR>
+                      <a:noFill/>
+                    </a:lnR>
+                    <a:lnT>
+                      <a:noFill/>
+                    </a:lnT>
+                    <a:lnB w="6350" cap="flat" cmpd="sng" algn="ctr">
+                      <a:solidFill>
+                        <a:srgbClr val="000000"/>
+                      </a:solidFill>
+                      <a:prstDash val="solid"/>
+                      <a:round/>
+                      <a:headEnd type="none" w="med" len="med"/>
+                      <a:tailEnd type="none" w="med" len="med"/>
+                    </a:lnB>
+                    <a:solidFill>
+                      <a:srgbClr val="262626"/>
+                    </a:solidFill>
+                  </a:tcPr>
+                </a:tc>
+                <a:tc>
+                  <a:txBody>
+                    <a:bodyPr/>
+                    <a:lstStyle/>
+                    <a:p>
+                      <a:pPr algn="ctr" fontAlgn="b"/>
+                      <a:r>
+                        <a:rPr lang="fr-FR" sz="1800" b="0" i="0" u="none" strike="noStrike">
+                          <a:solidFill>
+                            <a:srgbClr val="FFFFFF"/>
+                          </a:solidFill>
+                          <a:effectLst/>
+                          <a:latin typeface="Arial" panose="020B0604020202020204" pitchFamily="34" charset="0"/>
+                        </a:rPr>
+                        <a:t> </a:t>
+                      </a:r>
+                    </a:p>
+                  </a:txBody>
+                  <a:tcPr marL="7421" marR="7421" marT="7421" marB="0" anchor="b">
+                    <a:lnL>
+                      <a:noFill/>
+                    </a:lnL>
+                    <a:lnR>
+                      <a:noFill/>
+                    </a:lnR>
+                    <a:lnT>
+                      <a:noFill/>
+                    </a:lnT>
+                    <a:lnB>
+                      <a:noFill/>
+                    </a:lnB>
+                    <a:solidFill>
+                      <a:srgbClr val="262626"/>
+                    </a:solidFill>
+                  </a:tcPr>
+                </a:tc>
+                <a:extLst>
+                  <a:ext uri="{0D108BD9-81ED-4DB2-BD59-A6C34878D82A}">
+                    <a16:rowId xmlns:a16="http://schemas.microsoft.com/office/drawing/2014/main" val="307168438"/>
+                  </a:ext>
+                </a:extLst>
+              </a:tr>
+              <a:tr h="192944">
+                <a:tc>
+                  <a:txBody>
+                    <a:bodyPr/>
+                    <a:lstStyle/>
+                    <a:p>
+                      <a:pPr algn="ctr" fontAlgn="b"/>
+                      <a:r>
+                        <a:rPr lang="fr-FR" sz="1200" b="1" i="0" u="none" strike="noStrike">
+                          <a:solidFill>
+                            <a:srgbClr val="FFFFFF"/>
+                          </a:solidFill>
+                          <a:effectLst/>
+                          <a:latin typeface="Arial" panose="020B0604020202020204" pitchFamily="34" charset="0"/>
+                        </a:rPr>
+                        <a:t>Avant</a:t>
+                      </a:r>
+                    </a:p>
+                  </a:txBody>
+                  <a:tcPr marL="7421" marR="7421" marT="7421" marB="0" anchor="b">
+                    <a:lnL>
+                      <a:noFill/>
+                    </a:lnL>
+                    <a:lnR w="6350" cap="flat" cmpd="sng" algn="ctr">
+                      <a:solidFill>
+                        <a:srgbClr val="000000"/>
+                      </a:solidFill>
+                      <a:prstDash val="solid"/>
+                      <a:round/>
+                      <a:headEnd type="none" w="med" len="med"/>
+                      <a:tailEnd type="none" w="med" len="med"/>
+                    </a:lnR>
+                    <a:lnT>
+                      <a:noFill/>
+                    </a:lnT>
+                    <a:lnB>
+                      <a:noFill/>
+                    </a:lnB>
+                    <a:solidFill>
+                      <a:srgbClr val="262626"/>
+                    </a:solidFill>
+                  </a:tcPr>
+                </a:tc>
+                <a:tc>
+                  <a:txBody>
+                    <a:bodyPr/>
+                    <a:lstStyle/>
+                    <a:p>
+                      <a:pPr algn="ctr" fontAlgn="b"/>
+                      <a:r>
+                        <a:rPr lang="fr-FR" sz="1200" b="0" i="0" u="none" strike="noStrike">
+                          <a:solidFill>
+                            <a:srgbClr val="000000"/>
+                          </a:solidFill>
+                          <a:effectLst/>
+                          <a:latin typeface="Arial" panose="020B0604020202020204" pitchFamily="34" charset="0"/>
+                        </a:rPr>
+                        <a:t>82%</a:t>
+                      </a:r>
+                    </a:p>
+                  </a:txBody>
+                  <a:tcPr marL="7421" marR="7421" marT="7421" marB="0" anchor="b">
+                    <a:lnL w="6350" cap="flat" cmpd="sng" algn="ctr">
+                      <a:solidFill>
+                        <a:srgbClr val="000000"/>
+                      </a:solidFill>
+                      <a:prstDash val="solid"/>
+                      <a:round/>
+                      <a:headEnd type="none" w="med" len="med"/>
+                      <a:tailEnd type="none" w="med" len="med"/>
+                    </a:lnL>
+                    <a:lnR w="6350" cap="flat" cmpd="sng" algn="ctr">
+                      <a:solidFill>
+                        <a:srgbClr val="000000"/>
+                      </a:solidFill>
+                      <a:prstDash val="solid"/>
+                      <a:round/>
+                      <a:headEnd type="none" w="med" len="med"/>
+                      <a:tailEnd type="none" w="med" len="med"/>
+                    </a:lnR>
+                    <a:lnT w="6350" cap="flat" cmpd="sng" algn="ctr">
+                      <a:solidFill>
+                        <a:srgbClr val="000000"/>
+                      </a:solidFill>
+                      <a:prstDash val="solid"/>
+                      <a:round/>
+                      <a:headEnd type="none" w="med" len="med"/>
+                      <a:tailEnd type="none" w="med" len="med"/>
+                    </a:lnT>
+                    <a:lnB w="6350" cap="flat" cmpd="sng" algn="ctr">
+                      <a:solidFill>
+                        <a:srgbClr val="000000"/>
+                      </a:solidFill>
+                      <a:prstDash val="solid"/>
+                      <a:round/>
+                      <a:headEnd type="none" w="med" len="med"/>
+                      <a:tailEnd type="none" w="med" len="med"/>
+                    </a:lnB>
+                    <a:solidFill>
+                      <a:srgbClr val="FFC000"/>
+                    </a:solidFill>
+                  </a:tcPr>
+                </a:tc>
+                <a:tc>
+                  <a:txBody>
+                    <a:bodyPr/>
+                    <a:lstStyle/>
+                    <a:p>
+                      <a:pPr algn="ctr" fontAlgn="b"/>
+                      <a:r>
+                        <a:rPr lang="fr-FR" sz="1200" b="0" i="0" u="none" strike="noStrike">
+                          <a:solidFill>
+                            <a:srgbClr val="000000"/>
+                          </a:solidFill>
+                          <a:effectLst/>
+                          <a:latin typeface="Arial" panose="020B0604020202020204" pitchFamily="34" charset="0"/>
+                        </a:rPr>
+                        <a:t>81%</a:t>
+                      </a:r>
+                    </a:p>
+                  </a:txBody>
+                  <a:tcPr marL="7421" marR="7421" marT="7421" marB="0" anchor="b">
+                    <a:lnL w="6350" cap="flat" cmpd="sng" algn="ctr">
+                      <a:solidFill>
+                        <a:srgbClr val="000000"/>
+                      </a:solidFill>
+                      <a:prstDash val="solid"/>
+                      <a:round/>
+                      <a:headEnd type="none" w="med" len="med"/>
+                      <a:tailEnd type="none" w="med" len="med"/>
+                    </a:lnL>
+                    <a:lnR w="6350" cap="flat" cmpd="sng" algn="ctr">
+                      <a:solidFill>
+                        <a:srgbClr val="000000"/>
+                      </a:solidFill>
+                      <a:prstDash val="solid"/>
+                      <a:round/>
+                      <a:headEnd type="none" w="med" len="med"/>
+                      <a:tailEnd type="none" w="med" len="med"/>
+                    </a:lnR>
+                    <a:lnT w="6350" cap="flat" cmpd="sng" algn="ctr">
+                      <a:solidFill>
+                        <a:srgbClr val="000000"/>
+                      </a:solidFill>
+                      <a:prstDash val="solid"/>
+                      <a:round/>
+                      <a:headEnd type="none" w="med" len="med"/>
+                      <a:tailEnd type="none" w="med" len="med"/>
+                    </a:lnT>
+                    <a:lnB w="6350" cap="flat" cmpd="sng" algn="ctr">
+                      <a:solidFill>
+                        <a:srgbClr val="000000"/>
+                      </a:solidFill>
+                      <a:prstDash val="solid"/>
+                      <a:round/>
+                      <a:headEnd type="none" w="med" len="med"/>
+                      <a:tailEnd type="none" w="med" len="med"/>
+                    </a:lnB>
+                    <a:solidFill>
+                      <a:srgbClr val="FFC000"/>
+                    </a:solidFill>
+                  </a:tcPr>
+                </a:tc>
+                <a:tc>
+                  <a:txBody>
+                    <a:bodyPr/>
+                    <a:lstStyle/>
+                    <a:p>
+                      <a:pPr algn="ctr" fontAlgn="b"/>
+                      <a:r>
+                        <a:rPr lang="fr-FR" sz="1200" b="0" i="0" u="none" strike="noStrike">
+                          <a:solidFill>
+                            <a:srgbClr val="000000"/>
+                          </a:solidFill>
+                          <a:effectLst/>
+                          <a:latin typeface="Arial" panose="020B0604020202020204" pitchFamily="34" charset="0"/>
+                        </a:rPr>
+                        <a:t>92%</a:t>
+                      </a:r>
+                    </a:p>
+                  </a:txBody>
+                  <a:tcPr marL="7421" marR="7421" marT="7421" marB="0" anchor="b">
+                    <a:lnL w="6350" cap="flat" cmpd="sng" algn="ctr">
+                      <a:solidFill>
+                        <a:srgbClr val="000000"/>
+                      </a:solidFill>
+                      <a:prstDash val="solid"/>
+                      <a:round/>
+                      <a:headEnd type="none" w="med" len="med"/>
+                      <a:tailEnd type="none" w="med" len="med"/>
+                    </a:lnL>
+                    <a:lnR w="6350" cap="flat" cmpd="sng" algn="ctr">
+                      <a:solidFill>
+                        <a:srgbClr val="000000"/>
+                      </a:solidFill>
+                      <a:prstDash val="solid"/>
+                      <a:round/>
+                      <a:headEnd type="none" w="med" len="med"/>
+                      <a:tailEnd type="none" w="med" len="med"/>
+                    </a:lnR>
+                    <a:lnT w="6350" cap="flat" cmpd="sng" algn="ctr">
+                      <a:solidFill>
+                        <a:srgbClr val="000000"/>
+                      </a:solidFill>
+                      <a:prstDash val="solid"/>
+                      <a:round/>
+                      <a:headEnd type="none" w="med" len="med"/>
+                      <a:tailEnd type="none" w="med" len="med"/>
+                    </a:lnT>
+                    <a:lnB w="6350" cap="flat" cmpd="sng" algn="ctr">
+                      <a:solidFill>
+                        <a:srgbClr val="000000"/>
+                      </a:solidFill>
+                      <a:prstDash val="solid"/>
+                      <a:round/>
+                      <a:headEnd type="none" w="med" len="med"/>
+                      <a:tailEnd type="none" w="med" len="med"/>
+                    </a:lnB>
+                    <a:solidFill>
+                      <a:srgbClr val="FFC000"/>
+                    </a:solidFill>
+                  </a:tcPr>
+                </a:tc>
+                <a:tc>
+                  <a:txBody>
+                    <a:bodyPr/>
+                    <a:lstStyle/>
+                    <a:p>
+                      <a:pPr algn="ctr" fontAlgn="b"/>
+                      <a:r>
+                        <a:rPr lang="fr-FR" sz="1200" b="0" i="0" u="none" strike="noStrike">
+                          <a:solidFill>
+                            <a:srgbClr val="000000"/>
+                          </a:solidFill>
+                          <a:effectLst/>
+                          <a:latin typeface="Arial" panose="020B0604020202020204" pitchFamily="34" charset="0"/>
+                        </a:rPr>
+                        <a:t>89%</a:t>
+                      </a:r>
+                    </a:p>
+                  </a:txBody>
+                  <a:tcPr marL="7421" marR="7421" marT="7421" marB="0" anchor="b">
+                    <a:lnL w="6350" cap="flat" cmpd="sng" algn="ctr">
+                      <a:solidFill>
+                        <a:srgbClr val="000000"/>
+                      </a:solidFill>
+                      <a:prstDash val="solid"/>
+                      <a:round/>
+                      <a:headEnd type="none" w="med" len="med"/>
+                      <a:tailEnd type="none" w="med" len="med"/>
+                    </a:lnL>
+                    <a:lnR w="6350" cap="flat" cmpd="sng" algn="ctr">
+                      <a:solidFill>
+                        <a:srgbClr val="000000"/>
+                      </a:solidFill>
+                      <a:prstDash val="solid"/>
+                      <a:round/>
+                      <a:headEnd type="none" w="med" len="med"/>
+                      <a:tailEnd type="none" w="med" len="med"/>
+                    </a:lnR>
+                    <a:lnT w="6350" cap="flat" cmpd="sng" algn="ctr">
+                      <a:solidFill>
+                        <a:srgbClr val="000000"/>
+                      </a:solidFill>
+                      <a:prstDash val="solid"/>
+                      <a:round/>
+                      <a:headEnd type="none" w="med" len="med"/>
+                      <a:tailEnd type="none" w="med" len="med"/>
+                    </a:lnT>
+                    <a:lnB w="6350" cap="flat" cmpd="sng" algn="ctr">
+                      <a:solidFill>
+                        <a:srgbClr val="000000"/>
+                      </a:solidFill>
+                      <a:prstDash val="solid"/>
+                      <a:round/>
+                      <a:headEnd type="none" w="med" len="med"/>
+                      <a:tailEnd type="none" w="med" len="med"/>
+                    </a:lnB>
+                    <a:solidFill>
+                      <a:srgbClr val="FFC000"/>
+                    </a:solidFill>
+                  </a:tcPr>
+                </a:tc>
+                <a:tc>
+                  <a:txBody>
+                    <a:bodyPr/>
+                    <a:lstStyle/>
+                    <a:p>
+                      <a:pPr algn="ctr" fontAlgn="b"/>
+                      <a:r>
+                        <a:rPr lang="fr-FR" sz="1200" b="1" i="0" u="none" strike="noStrike">
+                          <a:solidFill>
+                            <a:srgbClr val="FFFFFF"/>
+                          </a:solidFill>
+                          <a:effectLst/>
+                          <a:latin typeface="Arial" panose="020B0604020202020204" pitchFamily="34" charset="0"/>
+                        </a:rPr>
+                        <a:t>Avant</a:t>
+                      </a:r>
+                    </a:p>
+                  </a:txBody>
+                  <a:tcPr marL="7421" marR="7421" marT="7421" marB="0" anchor="b">
+                    <a:lnL w="6350" cap="flat" cmpd="sng" algn="ctr">
+                      <a:solidFill>
+                        <a:srgbClr val="000000"/>
+                      </a:solidFill>
+                      <a:prstDash val="solid"/>
+                      <a:round/>
+                      <a:headEnd type="none" w="med" len="med"/>
+                      <a:tailEnd type="none" w="med" len="med"/>
+                    </a:lnL>
+                    <a:lnR>
+                      <a:noFill/>
+                    </a:lnR>
+                    <a:lnT>
+                      <a:noFill/>
+                    </a:lnT>
+                    <a:lnB>
+                      <a:noFill/>
+                    </a:lnB>
+                    <a:solidFill>
+                      <a:srgbClr val="262626"/>
+                    </a:solidFill>
+                  </a:tcPr>
+                </a:tc>
+                <a:extLst>
+                  <a:ext uri="{0D108BD9-81ED-4DB2-BD59-A6C34878D82A}">
+                    <a16:rowId xmlns:a16="http://schemas.microsoft.com/office/drawing/2014/main" val="4132270314"/>
+                  </a:ext>
+                </a:extLst>
+              </a:tr>
+              <a:tr h="192944">
+                <a:tc>
+                  <a:txBody>
+                    <a:bodyPr/>
+                    <a:lstStyle/>
+                    <a:p>
+                      <a:pPr algn="ctr" fontAlgn="b"/>
+                      <a:r>
+                        <a:rPr lang="fr-FR" sz="1200" b="1" i="0" u="none" strike="noStrike">
+                          <a:solidFill>
+                            <a:srgbClr val="FFFFFF"/>
+                          </a:solidFill>
+                          <a:effectLst/>
+                          <a:latin typeface="Arial" panose="020B0604020202020204" pitchFamily="34" charset="0"/>
+                        </a:rPr>
+                        <a:t>Après</a:t>
+                      </a:r>
+                    </a:p>
+                  </a:txBody>
+                  <a:tcPr marL="7421" marR="7421" marT="7421" marB="0" anchor="b">
+                    <a:lnL>
+                      <a:noFill/>
+                    </a:lnL>
+                    <a:lnR w="6350" cap="flat" cmpd="sng" algn="ctr">
+                      <a:solidFill>
+                        <a:srgbClr val="000000"/>
+                      </a:solidFill>
+                      <a:prstDash val="solid"/>
+                      <a:round/>
+                      <a:headEnd type="none" w="med" len="med"/>
+                      <a:tailEnd type="none" w="med" len="med"/>
+                    </a:lnR>
+                    <a:lnT>
+                      <a:noFill/>
+                    </a:lnT>
+                    <a:lnB>
+                      <a:noFill/>
+                    </a:lnB>
+                    <a:solidFill>
+                      <a:srgbClr val="262626"/>
+                    </a:solidFill>
+                  </a:tcPr>
+                </a:tc>
+                <a:tc>
+                  <a:txBody>
+                    <a:bodyPr/>
+                    <a:lstStyle/>
+                    <a:p>
+                      <a:pPr algn="ctr" fontAlgn="b"/>
+                      <a:r>
+                        <a:rPr lang="fr-FR" sz="1200" b="0" i="0" u="none" strike="noStrike">
+                          <a:solidFill>
+                            <a:srgbClr val="000000"/>
+                          </a:solidFill>
+                          <a:effectLst/>
+                          <a:latin typeface="Arial" panose="020B0604020202020204" pitchFamily="34" charset="0"/>
+                        </a:rPr>
+                        <a:t>98%</a:t>
+                      </a:r>
+                    </a:p>
+                  </a:txBody>
+                  <a:tcPr marL="7421" marR="7421" marT="7421" marB="0" anchor="b">
+                    <a:lnL w="6350" cap="flat" cmpd="sng" algn="ctr">
+                      <a:solidFill>
+                        <a:srgbClr val="000000"/>
+                      </a:solidFill>
+                      <a:prstDash val="solid"/>
+                      <a:round/>
+                      <a:headEnd type="none" w="med" len="med"/>
+                      <a:tailEnd type="none" w="med" len="med"/>
+                    </a:lnL>
+                    <a:lnR w="6350" cap="flat" cmpd="sng" algn="ctr">
+                      <a:solidFill>
+                        <a:srgbClr val="000000"/>
+                      </a:solidFill>
+                      <a:prstDash val="solid"/>
+                      <a:round/>
+                      <a:headEnd type="none" w="med" len="med"/>
+                      <a:tailEnd type="none" w="med" len="med"/>
+                    </a:lnR>
+                    <a:lnT w="6350" cap="flat" cmpd="sng" algn="ctr">
+                      <a:solidFill>
+                        <a:srgbClr val="000000"/>
+                      </a:solidFill>
+                      <a:prstDash val="solid"/>
+                      <a:round/>
+                      <a:headEnd type="none" w="med" len="med"/>
+                      <a:tailEnd type="none" w="med" len="med"/>
+                    </a:lnT>
+                    <a:lnB w="6350" cap="flat" cmpd="sng" algn="ctr">
+                      <a:solidFill>
+                        <a:srgbClr val="000000"/>
+                      </a:solidFill>
+                      <a:prstDash val="solid"/>
+                      <a:round/>
+                      <a:headEnd type="none" w="med" len="med"/>
+                      <a:tailEnd type="none" w="med" len="med"/>
+                    </a:lnB>
+                    <a:solidFill>
+                      <a:srgbClr val="92D050"/>
+                    </a:solidFill>
+                  </a:tcPr>
+                </a:tc>
+                <a:tc>
+                  <a:txBody>
+                    <a:bodyPr/>
+                    <a:lstStyle/>
+                    <a:p>
+                      <a:pPr algn="ctr" fontAlgn="b"/>
+                      <a:r>
+                        <a:rPr lang="fr-FR" sz="1200" b="0" i="0" u="none" strike="noStrike">
+                          <a:solidFill>
+                            <a:srgbClr val="000000"/>
+                          </a:solidFill>
+                          <a:effectLst/>
+                          <a:latin typeface="Arial" panose="020B0604020202020204" pitchFamily="34" charset="0"/>
+                        </a:rPr>
+                        <a:t>100%</a:t>
+                      </a:r>
+                    </a:p>
+                  </a:txBody>
+                  <a:tcPr marL="7421" marR="7421" marT="7421" marB="0" anchor="b">
+                    <a:lnL w="6350" cap="flat" cmpd="sng" algn="ctr">
+                      <a:solidFill>
+                        <a:srgbClr val="000000"/>
+                      </a:solidFill>
+                      <a:prstDash val="solid"/>
+                      <a:round/>
+                      <a:headEnd type="none" w="med" len="med"/>
+                      <a:tailEnd type="none" w="med" len="med"/>
+                    </a:lnL>
+                    <a:lnR w="6350" cap="flat" cmpd="sng" algn="ctr">
+                      <a:solidFill>
+                        <a:srgbClr val="000000"/>
+                      </a:solidFill>
+                      <a:prstDash val="solid"/>
+                      <a:round/>
+                      <a:headEnd type="none" w="med" len="med"/>
+                      <a:tailEnd type="none" w="med" len="med"/>
+                    </a:lnR>
+                    <a:lnT w="6350" cap="flat" cmpd="sng" algn="ctr">
+                      <a:solidFill>
+                        <a:srgbClr val="000000"/>
+                      </a:solidFill>
+                      <a:prstDash val="solid"/>
+                      <a:round/>
+                      <a:headEnd type="none" w="med" len="med"/>
+                      <a:tailEnd type="none" w="med" len="med"/>
+                    </a:lnT>
+                    <a:lnB w="6350" cap="flat" cmpd="sng" algn="ctr">
+                      <a:solidFill>
+                        <a:srgbClr val="000000"/>
+                      </a:solidFill>
+                      <a:prstDash val="solid"/>
+                      <a:round/>
+                      <a:headEnd type="none" w="med" len="med"/>
+                      <a:tailEnd type="none" w="med" len="med"/>
+                    </a:lnB>
+                    <a:solidFill>
+                      <a:srgbClr val="92D050"/>
+                    </a:solidFill>
+                  </a:tcPr>
+                </a:tc>
+                <a:tc>
+                  <a:txBody>
+                    <a:bodyPr/>
+                    <a:lstStyle/>
+                    <a:p>
+                      <a:pPr algn="ctr" fontAlgn="b"/>
+                      <a:r>
+                        <a:rPr lang="fr-FR" sz="1200" b="0" i="0" u="none" strike="noStrike">
+                          <a:solidFill>
+                            <a:srgbClr val="000000"/>
+                          </a:solidFill>
+                          <a:effectLst/>
+                          <a:latin typeface="Arial" panose="020B0604020202020204" pitchFamily="34" charset="0"/>
+                        </a:rPr>
+                        <a:t>92%</a:t>
+                      </a:r>
+                    </a:p>
+                  </a:txBody>
+                  <a:tcPr marL="7421" marR="7421" marT="7421" marB="0" anchor="b">
+                    <a:lnL w="6350" cap="flat" cmpd="sng" algn="ctr">
+                      <a:solidFill>
+                        <a:srgbClr val="000000"/>
+                      </a:solidFill>
+                      <a:prstDash val="solid"/>
+                      <a:round/>
+                      <a:headEnd type="none" w="med" len="med"/>
+                      <a:tailEnd type="none" w="med" len="med"/>
+                    </a:lnL>
+                    <a:lnR w="6350" cap="flat" cmpd="sng" algn="ctr">
+                      <a:solidFill>
+                        <a:srgbClr val="000000"/>
+                      </a:solidFill>
+                      <a:prstDash val="solid"/>
+                      <a:round/>
+                      <a:headEnd type="none" w="med" len="med"/>
+                      <a:tailEnd type="none" w="med" len="med"/>
+                    </a:lnR>
+                    <a:lnT w="6350" cap="flat" cmpd="sng" algn="ctr">
+                      <a:solidFill>
+                        <a:srgbClr val="000000"/>
+                      </a:solidFill>
+                      <a:prstDash val="solid"/>
+                      <a:round/>
+                      <a:headEnd type="none" w="med" len="med"/>
+                      <a:tailEnd type="none" w="med" len="med"/>
+                    </a:lnT>
+                    <a:lnB w="6350" cap="flat" cmpd="sng" algn="ctr">
+                      <a:solidFill>
+                        <a:srgbClr val="000000"/>
+                      </a:solidFill>
+                      <a:prstDash val="solid"/>
+                      <a:round/>
+                      <a:headEnd type="none" w="med" len="med"/>
+                      <a:tailEnd type="none" w="med" len="med"/>
+                    </a:lnB>
+                    <a:solidFill>
+                      <a:srgbClr val="92D050"/>
+                    </a:solidFill>
+                  </a:tcPr>
+                </a:tc>
+                <a:tc>
+                  <a:txBody>
+                    <a:bodyPr/>
+                    <a:lstStyle/>
+                    <a:p>
+                      <a:pPr algn="ctr" fontAlgn="b"/>
+                      <a:r>
+                        <a:rPr lang="fr-FR" sz="1200" b="0" i="0" u="none" strike="noStrike">
+                          <a:solidFill>
+                            <a:srgbClr val="000000"/>
+                          </a:solidFill>
+                          <a:effectLst/>
+                          <a:latin typeface="Arial" panose="020B0604020202020204" pitchFamily="34" charset="0"/>
+                        </a:rPr>
+                        <a:t>100%</a:t>
+                      </a:r>
+                    </a:p>
+                  </a:txBody>
+                  <a:tcPr marL="7421" marR="7421" marT="7421" marB="0" anchor="b">
+                    <a:lnL w="6350" cap="flat" cmpd="sng" algn="ctr">
+                      <a:solidFill>
+                        <a:srgbClr val="000000"/>
+                      </a:solidFill>
+                      <a:prstDash val="solid"/>
+                      <a:round/>
+                      <a:headEnd type="none" w="med" len="med"/>
+                      <a:tailEnd type="none" w="med" len="med"/>
+                    </a:lnL>
+                    <a:lnR w="6350" cap="flat" cmpd="sng" algn="ctr">
+                      <a:solidFill>
+                        <a:srgbClr val="000000"/>
+                      </a:solidFill>
+                      <a:prstDash val="solid"/>
+                      <a:round/>
+                      <a:headEnd type="none" w="med" len="med"/>
+                      <a:tailEnd type="none" w="med" len="med"/>
+                    </a:lnR>
+                    <a:lnT w="6350" cap="flat" cmpd="sng" algn="ctr">
+                      <a:solidFill>
+                        <a:srgbClr val="000000"/>
+                      </a:solidFill>
+                      <a:prstDash val="solid"/>
+                      <a:round/>
+                      <a:headEnd type="none" w="med" len="med"/>
+                      <a:tailEnd type="none" w="med" len="med"/>
+                    </a:lnT>
+                    <a:lnB w="6350" cap="flat" cmpd="sng" algn="ctr">
+                      <a:solidFill>
+                        <a:srgbClr val="000000"/>
+                      </a:solidFill>
+                      <a:prstDash val="solid"/>
+                      <a:round/>
+                      <a:headEnd type="none" w="med" len="med"/>
+                      <a:tailEnd type="none" w="med" len="med"/>
+                    </a:lnB>
+                    <a:solidFill>
+                      <a:srgbClr val="92D050"/>
+                    </a:solidFill>
+                  </a:tcPr>
+                </a:tc>
+                <a:tc>
+                  <a:txBody>
+                    <a:bodyPr/>
+                    <a:lstStyle/>
+                    <a:p>
+                      <a:pPr algn="ctr" fontAlgn="b"/>
+                      <a:r>
+                        <a:rPr lang="fr-FR" sz="1200" b="1" i="0" u="none" strike="noStrike">
+                          <a:solidFill>
+                            <a:srgbClr val="FFFFFF"/>
+                          </a:solidFill>
+                          <a:effectLst/>
+                          <a:latin typeface="Arial" panose="020B0604020202020204" pitchFamily="34" charset="0"/>
+                        </a:rPr>
+                        <a:t>Après</a:t>
+                      </a:r>
+                    </a:p>
+                  </a:txBody>
+                  <a:tcPr marL="7421" marR="7421" marT="7421" marB="0" anchor="b">
+                    <a:lnL w="6350" cap="flat" cmpd="sng" algn="ctr">
+                      <a:solidFill>
+                        <a:srgbClr val="000000"/>
+                      </a:solidFill>
+                      <a:prstDash val="solid"/>
+                      <a:round/>
+                      <a:headEnd type="none" w="med" len="med"/>
+                      <a:tailEnd type="none" w="med" len="med"/>
+                    </a:lnL>
+                    <a:lnR>
+                      <a:noFill/>
+                    </a:lnR>
+                    <a:lnT>
+                      <a:noFill/>
+                    </a:lnT>
+                    <a:lnB>
+                      <a:noFill/>
+                    </a:lnB>
+                    <a:solidFill>
+                      <a:srgbClr val="262626"/>
+                    </a:solidFill>
+                  </a:tcPr>
+                </a:tc>
+                <a:extLst>
+                  <a:ext uri="{0D108BD9-81ED-4DB2-BD59-A6C34878D82A}">
+                    <a16:rowId xmlns:a16="http://schemas.microsoft.com/office/drawing/2014/main" val="2016272432"/>
+                  </a:ext>
+                </a:extLst>
+              </a:tr>
+              <a:tr h="192944">
+                <a:tc>
+                  <a:txBody>
+                    <a:bodyPr/>
+                    <a:lstStyle/>
+                    <a:p>
+                      <a:pPr algn="ctr" fontAlgn="b"/>
+                      <a:r>
+                        <a:rPr lang="fr-FR" sz="1200" b="1" i="0" u="none" strike="noStrike">
+                          <a:solidFill>
+                            <a:srgbClr val="FFFFFF"/>
+                          </a:solidFill>
+                          <a:effectLst/>
+                          <a:latin typeface="Arial" panose="020B0604020202020204" pitchFamily="34" charset="0"/>
+                        </a:rPr>
+                        <a:t>Total</a:t>
+                      </a:r>
+                    </a:p>
+                  </a:txBody>
+                  <a:tcPr marL="7421" marR="7421" marT="7421" marB="0" anchor="b">
+                    <a:lnL>
+                      <a:noFill/>
+                    </a:lnL>
+                    <a:lnR>
+                      <a:noFill/>
+                    </a:lnR>
+                    <a:lnT>
+                      <a:noFill/>
+                    </a:lnT>
+                    <a:lnB>
+                      <a:noFill/>
+                    </a:lnB>
+                    <a:solidFill>
+                      <a:srgbClr val="262626"/>
+                    </a:solidFill>
+                  </a:tcPr>
+                </a:tc>
+                <a:tc>
+                  <a:txBody>
+                    <a:bodyPr/>
+                    <a:lstStyle/>
+                    <a:p>
+                      <a:pPr algn="ctr" fontAlgn="b"/>
+                      <a:r>
+                        <a:rPr lang="fr-FR" sz="1200" b="1" i="0" u="none" strike="noStrike">
+                          <a:solidFill>
+                            <a:srgbClr val="FFFFFF"/>
+                          </a:solidFill>
+                          <a:effectLst/>
+                          <a:latin typeface="Arial" panose="020B0604020202020204" pitchFamily="34" charset="0"/>
+                        </a:rPr>
+                        <a:t>16%</a:t>
+                      </a:r>
+                    </a:p>
+                  </a:txBody>
+                  <a:tcPr marL="7421" marR="7421" marT="7421" marB="0" anchor="b">
+                    <a:lnL>
+                      <a:noFill/>
+                    </a:lnL>
+                    <a:lnR>
+                      <a:noFill/>
+                    </a:lnR>
+                    <a:lnT w="6350" cap="flat" cmpd="sng" algn="ctr">
+                      <a:solidFill>
+                        <a:srgbClr val="000000"/>
+                      </a:solidFill>
+                      <a:prstDash val="solid"/>
+                      <a:round/>
+                      <a:headEnd type="none" w="med" len="med"/>
+                      <a:tailEnd type="none" w="med" len="med"/>
+                    </a:lnT>
+                    <a:lnB>
+                      <a:noFill/>
+                    </a:lnB>
+                    <a:solidFill>
+                      <a:srgbClr val="262626"/>
+                    </a:solidFill>
+                  </a:tcPr>
+                </a:tc>
+                <a:tc>
+                  <a:txBody>
+                    <a:bodyPr/>
+                    <a:lstStyle/>
+                    <a:p>
+                      <a:pPr algn="ctr" fontAlgn="b"/>
+                      <a:r>
+                        <a:rPr lang="fr-FR" sz="1200" b="1" i="0" u="none" strike="noStrike">
+                          <a:solidFill>
+                            <a:srgbClr val="FFFFFF"/>
+                          </a:solidFill>
+                          <a:effectLst/>
+                          <a:latin typeface="Arial" panose="020B0604020202020204" pitchFamily="34" charset="0"/>
+                        </a:rPr>
+                        <a:t>19%</a:t>
+                      </a:r>
+                    </a:p>
+                  </a:txBody>
+                  <a:tcPr marL="7421" marR="7421" marT="7421" marB="0" anchor="b">
+                    <a:lnL>
+                      <a:noFill/>
+                    </a:lnL>
+                    <a:lnR>
+                      <a:noFill/>
+                    </a:lnR>
+                    <a:lnT w="6350" cap="flat" cmpd="sng" algn="ctr">
+                      <a:solidFill>
+                        <a:srgbClr val="000000"/>
+                      </a:solidFill>
+                      <a:prstDash val="solid"/>
+                      <a:round/>
+                      <a:headEnd type="none" w="med" len="med"/>
+                      <a:tailEnd type="none" w="med" len="med"/>
+                    </a:lnT>
+                    <a:lnB>
+                      <a:noFill/>
+                    </a:lnB>
+                    <a:solidFill>
+                      <a:srgbClr val="262626"/>
+                    </a:solidFill>
+                  </a:tcPr>
+                </a:tc>
+                <a:tc>
+                  <a:txBody>
+                    <a:bodyPr/>
+                    <a:lstStyle/>
+                    <a:p>
+                      <a:pPr algn="ctr" fontAlgn="b"/>
+                      <a:r>
+                        <a:rPr lang="fr-FR" sz="1200" b="1" i="0" u="none" strike="noStrike">
+                          <a:solidFill>
+                            <a:srgbClr val="FFFFFF"/>
+                          </a:solidFill>
+                          <a:effectLst/>
+                          <a:latin typeface="Arial" panose="020B0604020202020204" pitchFamily="34" charset="0"/>
+                        </a:rPr>
+                        <a:t>0%</a:t>
+                      </a:r>
+                    </a:p>
+                  </a:txBody>
+                  <a:tcPr marL="7421" marR="7421" marT="7421" marB="0" anchor="b">
+                    <a:lnL>
+                      <a:noFill/>
+                    </a:lnL>
+                    <a:lnR>
+                      <a:noFill/>
+                    </a:lnR>
+                    <a:lnT w="6350" cap="flat" cmpd="sng" algn="ctr">
+                      <a:solidFill>
+                        <a:srgbClr val="000000"/>
+                      </a:solidFill>
+                      <a:prstDash val="solid"/>
+                      <a:round/>
+                      <a:headEnd type="none" w="med" len="med"/>
+                      <a:tailEnd type="none" w="med" len="med"/>
+                    </a:lnT>
+                    <a:lnB>
+                      <a:noFill/>
+                    </a:lnB>
+                    <a:solidFill>
+                      <a:srgbClr val="262626"/>
+                    </a:solidFill>
+                  </a:tcPr>
+                </a:tc>
+                <a:tc>
+                  <a:txBody>
+                    <a:bodyPr/>
+                    <a:lstStyle/>
+                    <a:p>
+                      <a:pPr algn="ctr" fontAlgn="b"/>
+                      <a:r>
+                        <a:rPr lang="fr-FR" sz="1200" b="1" i="0" u="none" strike="noStrike">
+                          <a:solidFill>
+                            <a:srgbClr val="FFFFFF"/>
+                          </a:solidFill>
+                          <a:effectLst/>
+                          <a:latin typeface="Arial" panose="020B0604020202020204" pitchFamily="34" charset="0"/>
+                        </a:rPr>
+                        <a:t>11%</a:t>
+                      </a:r>
+                    </a:p>
+                  </a:txBody>
+                  <a:tcPr marL="7421" marR="7421" marT="7421" marB="0" anchor="b">
+                    <a:lnL>
+                      <a:noFill/>
+                    </a:lnL>
+                    <a:lnR>
+                      <a:noFill/>
+                    </a:lnR>
+                    <a:lnT w="6350" cap="flat" cmpd="sng" algn="ctr">
+                      <a:solidFill>
+                        <a:srgbClr val="000000"/>
+                      </a:solidFill>
+                      <a:prstDash val="solid"/>
+                      <a:round/>
+                      <a:headEnd type="none" w="med" len="med"/>
+                      <a:tailEnd type="none" w="med" len="med"/>
+                    </a:lnT>
+                    <a:lnB>
+                      <a:noFill/>
+                    </a:lnB>
+                    <a:solidFill>
+                      <a:srgbClr val="262626"/>
+                    </a:solidFill>
+                  </a:tcPr>
+                </a:tc>
+                <a:tc>
+                  <a:txBody>
+                    <a:bodyPr/>
+                    <a:lstStyle/>
+                    <a:p>
+                      <a:pPr algn="ctr" fontAlgn="b"/>
+                      <a:r>
+                        <a:rPr lang="fr-FR" sz="1200" b="1" i="0" u="none" strike="noStrike">
+                          <a:solidFill>
+                            <a:srgbClr val="FFFFFF"/>
+                          </a:solidFill>
+                          <a:effectLst/>
+                          <a:latin typeface="Arial" panose="020B0604020202020204" pitchFamily="34" charset="0"/>
+                        </a:rPr>
+                        <a:t>Total</a:t>
+                      </a:r>
+                    </a:p>
+                  </a:txBody>
+                  <a:tcPr marL="7421" marR="7421" marT="7421" marB="0" anchor="b">
+                    <a:lnL>
+                      <a:noFill/>
+                    </a:lnL>
+                    <a:lnR>
+                      <a:noFill/>
+                    </a:lnR>
+                    <a:lnT>
+                      <a:noFill/>
+                    </a:lnT>
+                    <a:lnB>
+                      <a:noFill/>
+                    </a:lnB>
+                    <a:solidFill>
+                      <a:srgbClr val="262626"/>
+                    </a:solidFill>
+                  </a:tcPr>
+                </a:tc>
+                <a:extLst>
+                  <a:ext uri="{0D108BD9-81ED-4DB2-BD59-A6C34878D82A}">
+                    <a16:rowId xmlns:a16="http://schemas.microsoft.com/office/drawing/2014/main" val="3959727517"/>
+                  </a:ext>
+                </a:extLst>
+              </a:tr>
+              <a:tr h="185523">
+                <a:tc>
+                  <a:txBody>
+                    <a:bodyPr/>
+                    <a:lstStyle/>
+                    <a:p>
+                      <a:pPr algn="ctr" fontAlgn="b"/>
+                      <a:endParaRPr lang="fr-FR" sz="1200" b="0" i="0" u="none" strike="noStrike">
+                        <a:solidFill>
+                          <a:srgbClr val="000000"/>
+                        </a:solidFill>
+                        <a:effectLst/>
+                        <a:latin typeface="Arial" panose="020B0604020202020204" pitchFamily="34" charset="0"/>
+                      </a:endParaRPr>
+                    </a:p>
+                  </a:txBody>
+                  <a:tcPr marL="7421" marR="7421" marT="7421" marB="0" anchor="b">
+                    <a:lnL>
+                      <a:noFill/>
+                    </a:lnL>
+                    <a:lnR>
+                      <a:noFill/>
+                    </a:lnR>
+                    <a:lnT>
+                      <a:noFill/>
+                    </a:lnT>
+                    <a:lnB>
+                      <a:noFill/>
+                    </a:lnB>
+                  </a:tcPr>
+                </a:tc>
+                <a:tc>
+                  <a:txBody>
+                    <a:bodyPr/>
+                    <a:lstStyle/>
+                    <a:p>
+                      <a:pPr algn="l" fontAlgn="b"/>
+                      <a:endParaRPr lang="fr-FR" sz="1200" b="0" i="0" u="none" strike="noStrike">
+                        <a:solidFill>
+                          <a:srgbClr val="000000"/>
+                        </a:solidFill>
+                        <a:effectLst/>
+                        <a:latin typeface="Arial" panose="020B0604020202020204" pitchFamily="34" charset="0"/>
+                      </a:endParaRPr>
+                    </a:p>
+                  </a:txBody>
+                  <a:tcPr marL="7421" marR="7421" marT="7421" marB="0" anchor="b">
+                    <a:lnL>
+                      <a:noFill/>
+                    </a:lnL>
+                    <a:lnR>
+                      <a:noFill/>
+                    </a:lnR>
+                    <a:lnT>
+                      <a:noFill/>
+                    </a:lnT>
+                    <a:lnB>
+                      <a:noFill/>
+                    </a:lnB>
+                  </a:tcPr>
+                </a:tc>
+                <a:tc>
+                  <a:txBody>
+                    <a:bodyPr/>
+                    <a:lstStyle/>
+                    <a:p>
+                      <a:pPr algn="l" fontAlgn="b"/>
+                      <a:endParaRPr lang="fr-FR" sz="1200" b="0" i="0" u="none" strike="noStrike">
+                        <a:solidFill>
+                          <a:srgbClr val="000000"/>
+                        </a:solidFill>
+                        <a:effectLst/>
+                        <a:latin typeface="Arial" panose="020B0604020202020204" pitchFamily="34" charset="0"/>
+                      </a:endParaRPr>
+                    </a:p>
+                  </a:txBody>
+                  <a:tcPr marL="7421" marR="7421" marT="7421" marB="0" anchor="b">
+                    <a:lnL>
+                      <a:noFill/>
+                    </a:lnL>
+                    <a:lnR>
+                      <a:noFill/>
+                    </a:lnR>
+                    <a:lnT>
+                      <a:noFill/>
+                    </a:lnT>
+                    <a:lnB>
+                      <a:noFill/>
+                    </a:lnB>
+                  </a:tcPr>
+                </a:tc>
+                <a:tc>
+                  <a:txBody>
+                    <a:bodyPr/>
+                    <a:lstStyle/>
+                    <a:p>
+                      <a:pPr algn="l" fontAlgn="b"/>
+                      <a:endParaRPr lang="fr-FR" sz="1200" b="0" i="0" u="none" strike="noStrike">
+                        <a:solidFill>
+                          <a:srgbClr val="000000"/>
+                        </a:solidFill>
+                        <a:effectLst/>
+                        <a:latin typeface="Arial" panose="020B0604020202020204" pitchFamily="34" charset="0"/>
+                      </a:endParaRPr>
+                    </a:p>
+                  </a:txBody>
+                  <a:tcPr marL="7421" marR="7421" marT="7421" marB="0" anchor="b">
+                    <a:lnL>
+                      <a:noFill/>
+                    </a:lnL>
+                    <a:lnR>
+                      <a:noFill/>
+                    </a:lnR>
+                    <a:lnT>
+                      <a:noFill/>
+                    </a:lnT>
+                    <a:lnB>
+                      <a:noFill/>
+                    </a:lnB>
+                  </a:tcPr>
+                </a:tc>
+                <a:tc>
+                  <a:txBody>
+                    <a:bodyPr/>
+                    <a:lstStyle/>
+                    <a:p>
+                      <a:pPr algn="l" fontAlgn="b"/>
+                      <a:endParaRPr lang="fr-FR" sz="1200" b="0" i="0" u="none" strike="noStrike">
+                        <a:solidFill>
+                          <a:srgbClr val="000000"/>
+                        </a:solidFill>
+                        <a:effectLst/>
+                        <a:latin typeface="Arial" panose="020B0604020202020204" pitchFamily="34" charset="0"/>
+                      </a:endParaRPr>
+                    </a:p>
+                  </a:txBody>
+                  <a:tcPr marL="7421" marR="7421" marT="7421" marB="0" anchor="b">
+                    <a:lnL>
+                      <a:noFill/>
+                    </a:lnL>
+                    <a:lnR>
+                      <a:noFill/>
+                    </a:lnR>
+                    <a:lnT>
+                      <a:noFill/>
+                    </a:lnT>
+                    <a:lnB>
+                      <a:noFill/>
+                    </a:lnB>
+                  </a:tcPr>
+                </a:tc>
+                <a:tc>
+                  <a:txBody>
+                    <a:bodyPr/>
+                    <a:lstStyle/>
+                    <a:p>
+                      <a:pPr algn="ctr" fontAlgn="b"/>
+                      <a:endParaRPr lang="fr-FR" sz="1200" b="0" i="0" u="none" strike="noStrike">
+                        <a:solidFill>
+                          <a:srgbClr val="000000"/>
+                        </a:solidFill>
+                        <a:effectLst/>
+                        <a:latin typeface="Arial" panose="020B0604020202020204" pitchFamily="34" charset="0"/>
+                      </a:endParaRPr>
+                    </a:p>
+                  </a:txBody>
+                  <a:tcPr marL="7421" marR="7421" marT="7421" marB="0" anchor="b">
+                    <a:lnL>
+                      <a:noFill/>
+                    </a:lnL>
+                    <a:lnR>
+                      <a:noFill/>
+                    </a:lnR>
+                    <a:lnT>
+                      <a:noFill/>
+                    </a:lnT>
+                    <a:lnB>
+                      <a:noFill/>
+                    </a:lnB>
+                  </a:tcPr>
+                </a:tc>
+                <a:extLst>
+                  <a:ext uri="{0D108BD9-81ED-4DB2-BD59-A6C34878D82A}">
+                    <a16:rowId xmlns:a16="http://schemas.microsoft.com/office/drawing/2014/main" val="509064726"/>
+                  </a:ext>
+                </a:extLst>
+              </a:tr>
+              <a:tr h="371045">
+                <a:tc gridSpan="6">
+                  <a:txBody>
+                    <a:bodyPr/>
+                    <a:lstStyle/>
+                    <a:p>
+                      <a:pPr algn="ctr" fontAlgn="ctr"/>
+                      <a:r>
+                        <a:rPr lang="fr-FR" sz="2300" b="1" i="0" u="none" strike="noStrike">
+                          <a:solidFill>
+                            <a:srgbClr val="FFFFFF"/>
+                          </a:solidFill>
+                          <a:effectLst/>
+                          <a:latin typeface="Arial" panose="020B0604020202020204" pitchFamily="34" charset="0"/>
+                        </a:rPr>
+                        <a:t>Mesure</a:t>
+                      </a:r>
+                    </a:p>
+                  </a:txBody>
+                  <a:tcPr marL="7421" marR="7421" marT="7421" marB="0" anchor="ctr">
+                    <a:lnL>
+                      <a:noFill/>
+                    </a:lnL>
+                    <a:lnR>
+                      <a:noFill/>
+                    </a:lnR>
+                    <a:lnT>
+                      <a:noFill/>
+                    </a:lnT>
+                    <a:lnB>
+                      <a:noFill/>
+                    </a:lnB>
+                    <a:solidFill>
+                      <a:srgbClr val="262626"/>
+                    </a:solidFill>
+                  </a:tcPr>
+                </a:tc>
+                <a:tc hMerge="1">
+                  <a:txBody>
+                    <a:bodyPr/>
+                    <a:lstStyle/>
+                    <a:p>
+                      <a:endParaRPr lang="fr-FR"/>
+                    </a:p>
+                  </a:txBody>
+                  <a:tcPr/>
+                </a:tc>
+                <a:tc hMerge="1">
+                  <a:txBody>
+                    <a:bodyPr/>
+                    <a:lstStyle/>
+                    <a:p>
+                      <a:endParaRPr lang="fr-FR"/>
+                    </a:p>
+                  </a:txBody>
+                  <a:tcPr/>
+                </a:tc>
+                <a:tc hMerge="1">
+                  <a:txBody>
+                    <a:bodyPr/>
+                    <a:lstStyle/>
+                    <a:p>
+                      <a:endParaRPr lang="fr-FR"/>
+                    </a:p>
+                  </a:txBody>
+                  <a:tcPr/>
+                </a:tc>
+                <a:tc hMerge="1">
+                  <a:txBody>
+                    <a:bodyPr/>
+                    <a:lstStyle/>
+                    <a:p>
+                      <a:endParaRPr lang="fr-FR"/>
+                    </a:p>
+                  </a:txBody>
+                  <a:tcPr/>
+                </a:tc>
+                <a:tc hMerge="1">
+                  <a:txBody>
+                    <a:bodyPr/>
+                    <a:lstStyle/>
+                    <a:p>
+                      <a:endParaRPr lang="fr-FR"/>
+                    </a:p>
+                  </a:txBody>
+                  <a:tcPr/>
+                </a:tc>
+                <a:extLst>
+                  <a:ext uri="{0D108BD9-81ED-4DB2-BD59-A6C34878D82A}">
+                    <a16:rowId xmlns:a16="http://schemas.microsoft.com/office/drawing/2014/main" val="594737662"/>
+                  </a:ext>
+                </a:extLst>
+              </a:tr>
+              <a:tr h="281995">
+                <a:tc>
+                  <a:txBody>
+                    <a:bodyPr/>
+                    <a:lstStyle/>
+                    <a:p>
+                      <a:pPr algn="ctr" fontAlgn="b"/>
+                      <a:r>
+                        <a:rPr lang="fr-FR" sz="1800" b="0" i="0" u="none" strike="noStrike">
+                          <a:solidFill>
+                            <a:srgbClr val="FFFFFF"/>
+                          </a:solidFill>
+                          <a:effectLst/>
+                          <a:latin typeface="Arial" panose="020B0604020202020204" pitchFamily="34" charset="0"/>
+                        </a:rPr>
+                        <a:t> </a:t>
+                      </a:r>
+                    </a:p>
+                  </a:txBody>
+                  <a:tcPr marL="7421" marR="7421" marT="7421" marB="0" anchor="b">
+                    <a:lnL>
+                      <a:noFill/>
+                    </a:lnL>
+                    <a:lnR>
+                      <a:noFill/>
+                    </a:lnR>
+                    <a:lnT>
+                      <a:noFill/>
+                    </a:lnT>
+                    <a:lnB>
+                      <a:noFill/>
+                    </a:lnB>
+                    <a:solidFill>
+                      <a:srgbClr val="262626"/>
+                    </a:solidFill>
+                  </a:tcPr>
+                </a:tc>
+                <a:tc>
+                  <a:txBody>
+                    <a:bodyPr/>
+                    <a:lstStyle/>
+                    <a:p>
+                      <a:pPr algn="ctr" fontAlgn="b"/>
+                      <a:r>
+                        <a:rPr lang="fr-FR" sz="1800" b="0" i="0" u="none" strike="noStrike">
+                          <a:solidFill>
+                            <a:srgbClr val="FFFFFF"/>
+                          </a:solidFill>
+                          <a:effectLst/>
+                          <a:latin typeface="Arial" panose="020B0604020202020204" pitchFamily="34" charset="0"/>
+                        </a:rPr>
+                        <a:t>Performance</a:t>
+                      </a:r>
+                    </a:p>
+                  </a:txBody>
+                  <a:tcPr marL="7421" marR="7421" marT="7421" marB="0" anchor="b">
+                    <a:lnL>
+                      <a:noFill/>
+                    </a:lnL>
+                    <a:lnR>
+                      <a:noFill/>
+                    </a:lnR>
+                    <a:lnT>
+                      <a:noFill/>
+                    </a:lnT>
+                    <a:lnB w="6350" cap="flat" cmpd="sng" algn="ctr">
+                      <a:solidFill>
+                        <a:srgbClr val="000000"/>
+                      </a:solidFill>
+                      <a:prstDash val="solid"/>
+                      <a:round/>
+                      <a:headEnd type="none" w="med" len="med"/>
+                      <a:tailEnd type="none" w="med" len="med"/>
+                    </a:lnB>
+                    <a:solidFill>
+                      <a:srgbClr val="262626"/>
+                    </a:solidFill>
+                  </a:tcPr>
+                </a:tc>
+                <a:tc>
+                  <a:txBody>
+                    <a:bodyPr/>
+                    <a:lstStyle/>
+                    <a:p>
+                      <a:pPr algn="ctr" fontAlgn="b"/>
+                      <a:r>
+                        <a:rPr lang="fr-FR" sz="1800" b="0" i="0" u="none" strike="noStrike">
+                          <a:solidFill>
+                            <a:srgbClr val="FFFFFF"/>
+                          </a:solidFill>
+                          <a:effectLst/>
+                          <a:latin typeface="Arial" panose="020B0604020202020204" pitchFamily="34" charset="0"/>
+                        </a:rPr>
+                        <a:t>Accessibilité</a:t>
+                      </a:r>
+                    </a:p>
+                  </a:txBody>
+                  <a:tcPr marL="7421" marR="7421" marT="7421" marB="0" anchor="b">
+                    <a:lnL>
+                      <a:noFill/>
+                    </a:lnL>
+                    <a:lnR>
+                      <a:noFill/>
+                    </a:lnR>
+                    <a:lnT>
+                      <a:noFill/>
+                    </a:lnT>
+                    <a:lnB w="6350" cap="flat" cmpd="sng" algn="ctr">
+                      <a:solidFill>
+                        <a:srgbClr val="000000"/>
+                      </a:solidFill>
+                      <a:prstDash val="solid"/>
+                      <a:round/>
+                      <a:headEnd type="none" w="med" len="med"/>
+                      <a:tailEnd type="none" w="med" len="med"/>
+                    </a:lnB>
+                    <a:solidFill>
+                      <a:srgbClr val="262626"/>
+                    </a:solidFill>
+                  </a:tcPr>
+                </a:tc>
+                <a:tc>
+                  <a:txBody>
+                    <a:bodyPr/>
+                    <a:lstStyle/>
+                    <a:p>
+                      <a:pPr algn="ctr" fontAlgn="b"/>
+                      <a:r>
+                        <a:rPr lang="fr-FR" sz="1800" b="0" i="0" u="none" strike="noStrike">
+                          <a:solidFill>
+                            <a:srgbClr val="FFFFFF"/>
+                          </a:solidFill>
+                          <a:effectLst/>
+                          <a:latin typeface="Arial" panose="020B0604020202020204" pitchFamily="34" charset="0"/>
+                        </a:rPr>
+                        <a:t>Best practices</a:t>
+                      </a:r>
+                    </a:p>
+                  </a:txBody>
+                  <a:tcPr marL="7421" marR="7421" marT="7421" marB="0" anchor="b">
+                    <a:lnL>
+                      <a:noFill/>
+                    </a:lnL>
+                    <a:lnR>
+                      <a:noFill/>
+                    </a:lnR>
+                    <a:lnT>
+                      <a:noFill/>
+                    </a:lnT>
+                    <a:lnB w="6350" cap="flat" cmpd="sng" algn="ctr">
+                      <a:solidFill>
+                        <a:srgbClr val="000000"/>
+                      </a:solidFill>
+                      <a:prstDash val="solid"/>
+                      <a:round/>
+                      <a:headEnd type="none" w="med" len="med"/>
+                      <a:tailEnd type="none" w="med" len="med"/>
+                    </a:lnB>
+                    <a:solidFill>
+                      <a:srgbClr val="262626"/>
+                    </a:solidFill>
+                  </a:tcPr>
+                </a:tc>
+                <a:tc>
+                  <a:txBody>
+                    <a:bodyPr/>
+                    <a:lstStyle/>
+                    <a:p>
+                      <a:pPr algn="ctr" fontAlgn="b"/>
+                      <a:r>
+                        <a:rPr lang="fr-FR" sz="1800" b="0" i="0" u="none" strike="noStrike">
+                          <a:solidFill>
+                            <a:srgbClr val="FFFFFF"/>
+                          </a:solidFill>
+                          <a:effectLst/>
+                          <a:latin typeface="Arial" panose="020B0604020202020204" pitchFamily="34" charset="0"/>
+                        </a:rPr>
+                        <a:t>SEO</a:t>
+                      </a:r>
+                    </a:p>
+                  </a:txBody>
+                  <a:tcPr marL="7421" marR="7421" marT="7421" marB="0" anchor="b">
+                    <a:lnL>
+                      <a:noFill/>
+                    </a:lnL>
+                    <a:lnR>
+                      <a:noFill/>
+                    </a:lnR>
+                    <a:lnT>
+                      <a:noFill/>
+                    </a:lnT>
+                    <a:lnB w="6350" cap="flat" cmpd="sng" algn="ctr">
+                      <a:solidFill>
+                        <a:srgbClr val="000000"/>
+                      </a:solidFill>
+                      <a:prstDash val="solid"/>
+                      <a:round/>
+                      <a:headEnd type="none" w="med" len="med"/>
+                      <a:tailEnd type="none" w="med" len="med"/>
+                    </a:lnB>
+                    <a:solidFill>
+                      <a:srgbClr val="262626"/>
+                    </a:solidFill>
+                  </a:tcPr>
+                </a:tc>
+                <a:tc>
+                  <a:txBody>
+                    <a:bodyPr/>
+                    <a:lstStyle/>
+                    <a:p>
+                      <a:pPr algn="ctr" fontAlgn="b"/>
+                      <a:r>
+                        <a:rPr lang="fr-FR" sz="1800" b="0" i="0" u="none" strike="noStrike">
+                          <a:solidFill>
+                            <a:srgbClr val="FFFFFF"/>
+                          </a:solidFill>
+                          <a:effectLst/>
+                          <a:latin typeface="Arial" panose="020B0604020202020204" pitchFamily="34" charset="0"/>
+                        </a:rPr>
+                        <a:t> </a:t>
+                      </a:r>
+                    </a:p>
+                  </a:txBody>
+                  <a:tcPr marL="7421" marR="7421" marT="7421" marB="0" anchor="b">
+                    <a:lnL>
+                      <a:noFill/>
+                    </a:lnL>
+                    <a:lnR>
+                      <a:noFill/>
+                    </a:lnR>
+                    <a:lnT>
+                      <a:noFill/>
+                    </a:lnT>
+                    <a:lnB>
+                      <a:noFill/>
+                    </a:lnB>
+                    <a:solidFill>
+                      <a:srgbClr val="262626"/>
+                    </a:solidFill>
+                  </a:tcPr>
+                </a:tc>
+                <a:extLst>
+                  <a:ext uri="{0D108BD9-81ED-4DB2-BD59-A6C34878D82A}">
+                    <a16:rowId xmlns:a16="http://schemas.microsoft.com/office/drawing/2014/main" val="3563678698"/>
+                  </a:ext>
+                </a:extLst>
+              </a:tr>
+              <a:tr h="192944">
+                <a:tc>
+                  <a:txBody>
+                    <a:bodyPr/>
+                    <a:lstStyle/>
+                    <a:p>
+                      <a:pPr algn="ctr" fontAlgn="b"/>
+                      <a:r>
+                        <a:rPr lang="fr-FR" sz="1200" b="1" i="0" u="none" strike="noStrike">
+                          <a:solidFill>
+                            <a:srgbClr val="FFFFFF"/>
+                          </a:solidFill>
+                          <a:effectLst/>
+                          <a:latin typeface="Arial" panose="020B0604020202020204" pitchFamily="34" charset="0"/>
+                        </a:rPr>
+                        <a:t>Avant</a:t>
+                      </a:r>
+                    </a:p>
+                  </a:txBody>
+                  <a:tcPr marL="7421" marR="7421" marT="7421" marB="0" anchor="b">
+                    <a:lnL>
+                      <a:noFill/>
+                    </a:lnL>
+                    <a:lnR w="6350" cap="flat" cmpd="sng" algn="ctr">
+                      <a:solidFill>
+                        <a:srgbClr val="000000"/>
+                      </a:solidFill>
+                      <a:prstDash val="solid"/>
+                      <a:round/>
+                      <a:headEnd type="none" w="med" len="med"/>
+                      <a:tailEnd type="none" w="med" len="med"/>
+                    </a:lnR>
+                    <a:lnT>
+                      <a:noFill/>
+                    </a:lnT>
+                    <a:lnB>
+                      <a:noFill/>
+                    </a:lnB>
+                    <a:solidFill>
+                      <a:srgbClr val="262626"/>
+                    </a:solidFill>
+                  </a:tcPr>
+                </a:tc>
+                <a:tc>
+                  <a:txBody>
+                    <a:bodyPr/>
+                    <a:lstStyle/>
+                    <a:p>
+                      <a:pPr algn="ctr" fontAlgn="b"/>
+                      <a:r>
+                        <a:rPr lang="fr-FR" sz="1200" b="0" i="0" u="none" strike="noStrike">
+                          <a:solidFill>
+                            <a:srgbClr val="000000"/>
+                          </a:solidFill>
+                          <a:effectLst/>
+                          <a:latin typeface="Arial" panose="020B0604020202020204" pitchFamily="34" charset="0"/>
+                        </a:rPr>
+                        <a:t>78%</a:t>
+                      </a:r>
+                    </a:p>
+                  </a:txBody>
+                  <a:tcPr marL="7421" marR="7421" marT="7421" marB="0" anchor="b">
+                    <a:lnL w="6350" cap="flat" cmpd="sng" algn="ctr">
+                      <a:solidFill>
+                        <a:srgbClr val="000000"/>
+                      </a:solidFill>
+                      <a:prstDash val="solid"/>
+                      <a:round/>
+                      <a:headEnd type="none" w="med" len="med"/>
+                      <a:tailEnd type="none" w="med" len="med"/>
+                    </a:lnL>
+                    <a:lnR w="6350" cap="flat" cmpd="sng" algn="ctr">
+                      <a:solidFill>
+                        <a:srgbClr val="000000"/>
+                      </a:solidFill>
+                      <a:prstDash val="solid"/>
+                      <a:round/>
+                      <a:headEnd type="none" w="med" len="med"/>
+                      <a:tailEnd type="none" w="med" len="med"/>
+                    </a:lnR>
+                    <a:lnT w="6350" cap="flat" cmpd="sng" algn="ctr">
+                      <a:solidFill>
+                        <a:srgbClr val="000000"/>
+                      </a:solidFill>
+                      <a:prstDash val="solid"/>
+                      <a:round/>
+                      <a:headEnd type="none" w="med" len="med"/>
+                      <a:tailEnd type="none" w="med" len="med"/>
+                    </a:lnT>
+                    <a:lnB w="6350" cap="flat" cmpd="sng" algn="ctr">
+                      <a:solidFill>
+                        <a:srgbClr val="000000"/>
+                      </a:solidFill>
+                      <a:prstDash val="solid"/>
+                      <a:round/>
+                      <a:headEnd type="none" w="med" len="med"/>
+                      <a:tailEnd type="none" w="med" len="med"/>
+                    </a:lnB>
+                    <a:solidFill>
+                      <a:srgbClr val="FFC000"/>
+                    </a:solidFill>
+                  </a:tcPr>
+                </a:tc>
+                <a:tc>
+                  <a:txBody>
+                    <a:bodyPr/>
+                    <a:lstStyle/>
+                    <a:p>
+                      <a:pPr algn="ctr" fontAlgn="b"/>
+                      <a:r>
+                        <a:rPr lang="fr-FR" sz="1200" b="0" i="0" u="none" strike="noStrike">
+                          <a:solidFill>
+                            <a:srgbClr val="000000"/>
+                          </a:solidFill>
+                          <a:effectLst/>
+                          <a:latin typeface="Arial" panose="020B0604020202020204" pitchFamily="34" charset="0"/>
+                        </a:rPr>
+                        <a:t>84%</a:t>
+                      </a:r>
+                    </a:p>
+                  </a:txBody>
+                  <a:tcPr marL="7421" marR="7421" marT="7421" marB="0" anchor="b">
+                    <a:lnL w="6350" cap="flat" cmpd="sng" algn="ctr">
+                      <a:solidFill>
+                        <a:srgbClr val="000000"/>
+                      </a:solidFill>
+                      <a:prstDash val="solid"/>
+                      <a:round/>
+                      <a:headEnd type="none" w="med" len="med"/>
+                      <a:tailEnd type="none" w="med" len="med"/>
+                    </a:lnL>
+                    <a:lnR w="6350" cap="flat" cmpd="sng" algn="ctr">
+                      <a:solidFill>
+                        <a:srgbClr val="000000"/>
+                      </a:solidFill>
+                      <a:prstDash val="solid"/>
+                      <a:round/>
+                      <a:headEnd type="none" w="med" len="med"/>
+                      <a:tailEnd type="none" w="med" len="med"/>
+                    </a:lnR>
+                    <a:lnT w="6350" cap="flat" cmpd="sng" algn="ctr">
+                      <a:solidFill>
+                        <a:srgbClr val="000000"/>
+                      </a:solidFill>
+                      <a:prstDash val="solid"/>
+                      <a:round/>
+                      <a:headEnd type="none" w="med" len="med"/>
+                      <a:tailEnd type="none" w="med" len="med"/>
+                    </a:lnT>
+                    <a:lnB w="6350" cap="flat" cmpd="sng" algn="ctr">
+                      <a:solidFill>
+                        <a:srgbClr val="000000"/>
+                      </a:solidFill>
+                      <a:prstDash val="solid"/>
+                      <a:round/>
+                      <a:headEnd type="none" w="med" len="med"/>
+                      <a:tailEnd type="none" w="med" len="med"/>
+                    </a:lnB>
+                    <a:solidFill>
+                      <a:srgbClr val="FFC000"/>
+                    </a:solidFill>
+                  </a:tcPr>
+                </a:tc>
+                <a:tc>
+                  <a:txBody>
+                    <a:bodyPr/>
+                    <a:lstStyle/>
+                    <a:p>
+                      <a:pPr algn="ctr" fontAlgn="b"/>
+                      <a:r>
+                        <a:rPr lang="fr-FR" sz="1200" b="0" i="0" u="none" strike="noStrike">
+                          <a:solidFill>
+                            <a:srgbClr val="000000"/>
+                          </a:solidFill>
+                          <a:effectLst/>
+                          <a:latin typeface="Arial" panose="020B0604020202020204" pitchFamily="34" charset="0"/>
+                        </a:rPr>
+                        <a:t>86%</a:t>
+                      </a:r>
+                    </a:p>
+                  </a:txBody>
+                  <a:tcPr marL="7421" marR="7421" marT="7421" marB="0" anchor="b">
+                    <a:lnL w="6350" cap="flat" cmpd="sng" algn="ctr">
+                      <a:solidFill>
+                        <a:srgbClr val="000000"/>
+                      </a:solidFill>
+                      <a:prstDash val="solid"/>
+                      <a:round/>
+                      <a:headEnd type="none" w="med" len="med"/>
+                      <a:tailEnd type="none" w="med" len="med"/>
+                    </a:lnL>
+                    <a:lnR w="6350" cap="flat" cmpd="sng" algn="ctr">
+                      <a:solidFill>
+                        <a:srgbClr val="000000"/>
+                      </a:solidFill>
+                      <a:prstDash val="solid"/>
+                      <a:round/>
+                      <a:headEnd type="none" w="med" len="med"/>
+                      <a:tailEnd type="none" w="med" len="med"/>
+                    </a:lnR>
+                    <a:lnT w="6350" cap="flat" cmpd="sng" algn="ctr">
+                      <a:solidFill>
+                        <a:srgbClr val="000000"/>
+                      </a:solidFill>
+                      <a:prstDash val="solid"/>
+                      <a:round/>
+                      <a:headEnd type="none" w="med" len="med"/>
+                      <a:tailEnd type="none" w="med" len="med"/>
+                    </a:lnT>
+                    <a:lnB w="6350" cap="flat" cmpd="sng" algn="ctr">
+                      <a:solidFill>
+                        <a:srgbClr val="000000"/>
+                      </a:solidFill>
+                      <a:prstDash val="solid"/>
+                      <a:round/>
+                      <a:headEnd type="none" w="med" len="med"/>
+                      <a:tailEnd type="none" w="med" len="med"/>
+                    </a:lnB>
+                    <a:solidFill>
+                      <a:srgbClr val="FFC000"/>
+                    </a:solidFill>
+                  </a:tcPr>
+                </a:tc>
+                <a:tc>
+                  <a:txBody>
+                    <a:bodyPr/>
+                    <a:lstStyle/>
+                    <a:p>
+                      <a:pPr algn="ctr" fontAlgn="b"/>
+                      <a:r>
+                        <a:rPr lang="fr-FR" sz="1200" b="0" i="0" u="none" strike="noStrike">
+                          <a:solidFill>
+                            <a:srgbClr val="000000"/>
+                          </a:solidFill>
+                          <a:effectLst/>
+                          <a:latin typeface="Arial" panose="020B0604020202020204" pitchFamily="34" charset="0"/>
+                        </a:rPr>
+                        <a:t>78%</a:t>
+                      </a:r>
+                    </a:p>
+                  </a:txBody>
+                  <a:tcPr marL="7421" marR="7421" marT="7421" marB="0" anchor="b">
+                    <a:lnL w="6350" cap="flat" cmpd="sng" algn="ctr">
+                      <a:solidFill>
+                        <a:srgbClr val="000000"/>
+                      </a:solidFill>
+                      <a:prstDash val="solid"/>
+                      <a:round/>
+                      <a:headEnd type="none" w="med" len="med"/>
+                      <a:tailEnd type="none" w="med" len="med"/>
+                    </a:lnL>
+                    <a:lnR w="6350" cap="flat" cmpd="sng" algn="ctr">
+                      <a:solidFill>
+                        <a:srgbClr val="000000"/>
+                      </a:solidFill>
+                      <a:prstDash val="solid"/>
+                      <a:round/>
+                      <a:headEnd type="none" w="med" len="med"/>
+                      <a:tailEnd type="none" w="med" len="med"/>
+                    </a:lnR>
+                    <a:lnT w="6350" cap="flat" cmpd="sng" algn="ctr">
+                      <a:solidFill>
+                        <a:srgbClr val="000000"/>
+                      </a:solidFill>
+                      <a:prstDash val="solid"/>
+                      <a:round/>
+                      <a:headEnd type="none" w="med" len="med"/>
+                      <a:tailEnd type="none" w="med" len="med"/>
+                    </a:lnT>
+                    <a:lnB w="6350" cap="flat" cmpd="sng" algn="ctr">
+                      <a:solidFill>
+                        <a:srgbClr val="000000"/>
+                      </a:solidFill>
+                      <a:prstDash val="solid"/>
+                      <a:round/>
+                      <a:headEnd type="none" w="med" len="med"/>
+                      <a:tailEnd type="none" w="med" len="med"/>
+                    </a:lnB>
+                    <a:solidFill>
+                      <a:srgbClr val="FFC000"/>
+                    </a:solidFill>
+                  </a:tcPr>
+                </a:tc>
+                <a:tc>
+                  <a:txBody>
+                    <a:bodyPr/>
+                    <a:lstStyle/>
+                    <a:p>
+                      <a:pPr algn="ctr" fontAlgn="b"/>
+                      <a:r>
+                        <a:rPr lang="fr-FR" sz="1200" b="1" i="0" u="none" strike="noStrike">
+                          <a:solidFill>
+                            <a:srgbClr val="FFFFFF"/>
+                          </a:solidFill>
+                          <a:effectLst/>
+                          <a:latin typeface="Arial" panose="020B0604020202020204" pitchFamily="34" charset="0"/>
+                        </a:rPr>
+                        <a:t>Avant</a:t>
+                      </a:r>
+                    </a:p>
+                  </a:txBody>
+                  <a:tcPr marL="7421" marR="7421" marT="7421" marB="0" anchor="b">
+                    <a:lnL w="6350" cap="flat" cmpd="sng" algn="ctr">
+                      <a:solidFill>
+                        <a:srgbClr val="000000"/>
+                      </a:solidFill>
+                      <a:prstDash val="solid"/>
+                      <a:round/>
+                      <a:headEnd type="none" w="med" len="med"/>
+                      <a:tailEnd type="none" w="med" len="med"/>
+                    </a:lnL>
+                    <a:lnR>
+                      <a:noFill/>
+                    </a:lnR>
+                    <a:lnT>
+                      <a:noFill/>
+                    </a:lnT>
+                    <a:lnB>
+                      <a:noFill/>
+                    </a:lnB>
+                    <a:solidFill>
+                      <a:srgbClr val="262626"/>
+                    </a:solidFill>
+                  </a:tcPr>
+                </a:tc>
+                <a:extLst>
+                  <a:ext uri="{0D108BD9-81ED-4DB2-BD59-A6C34878D82A}">
+                    <a16:rowId xmlns:a16="http://schemas.microsoft.com/office/drawing/2014/main" val="2952077970"/>
+                  </a:ext>
+                </a:extLst>
+              </a:tr>
+              <a:tr h="192944">
+                <a:tc>
+                  <a:txBody>
+                    <a:bodyPr/>
+                    <a:lstStyle/>
+                    <a:p>
+                      <a:pPr algn="ctr" fontAlgn="b"/>
+                      <a:r>
+                        <a:rPr lang="fr-FR" sz="1200" b="1" i="0" u="none" strike="noStrike">
+                          <a:solidFill>
+                            <a:srgbClr val="FFFFFF"/>
+                          </a:solidFill>
+                          <a:effectLst/>
+                          <a:latin typeface="Arial" panose="020B0604020202020204" pitchFamily="34" charset="0"/>
+                        </a:rPr>
+                        <a:t>Après</a:t>
+                      </a:r>
+                    </a:p>
+                  </a:txBody>
+                  <a:tcPr marL="7421" marR="7421" marT="7421" marB="0" anchor="b">
+                    <a:lnL>
+                      <a:noFill/>
+                    </a:lnL>
+                    <a:lnR w="6350" cap="flat" cmpd="sng" algn="ctr">
+                      <a:solidFill>
+                        <a:srgbClr val="000000"/>
+                      </a:solidFill>
+                      <a:prstDash val="solid"/>
+                      <a:round/>
+                      <a:headEnd type="none" w="med" len="med"/>
+                      <a:tailEnd type="none" w="med" len="med"/>
+                    </a:lnR>
+                    <a:lnT>
+                      <a:noFill/>
+                    </a:lnT>
+                    <a:lnB>
+                      <a:noFill/>
+                    </a:lnB>
+                    <a:solidFill>
+                      <a:srgbClr val="262626"/>
+                    </a:solidFill>
+                  </a:tcPr>
+                </a:tc>
+                <a:tc>
+                  <a:txBody>
+                    <a:bodyPr/>
+                    <a:lstStyle/>
+                    <a:p>
+                      <a:pPr algn="ctr" fontAlgn="b"/>
+                      <a:r>
+                        <a:rPr lang="fr-FR" sz="1200" b="0" i="0" u="none" strike="noStrike">
+                          <a:solidFill>
+                            <a:srgbClr val="000000"/>
+                          </a:solidFill>
+                          <a:effectLst/>
+                          <a:latin typeface="Arial" panose="020B0604020202020204" pitchFamily="34" charset="0"/>
+                        </a:rPr>
+                        <a:t>84%</a:t>
+                      </a:r>
+                    </a:p>
+                  </a:txBody>
+                  <a:tcPr marL="7421" marR="7421" marT="7421" marB="0" anchor="b">
+                    <a:lnL w="6350" cap="flat" cmpd="sng" algn="ctr">
+                      <a:solidFill>
+                        <a:srgbClr val="000000"/>
+                      </a:solidFill>
+                      <a:prstDash val="solid"/>
+                      <a:round/>
+                      <a:headEnd type="none" w="med" len="med"/>
+                      <a:tailEnd type="none" w="med" len="med"/>
+                    </a:lnL>
+                    <a:lnR w="6350" cap="flat" cmpd="sng" algn="ctr">
+                      <a:solidFill>
+                        <a:srgbClr val="000000"/>
+                      </a:solidFill>
+                      <a:prstDash val="solid"/>
+                      <a:round/>
+                      <a:headEnd type="none" w="med" len="med"/>
+                      <a:tailEnd type="none" w="med" len="med"/>
+                    </a:lnR>
+                    <a:lnT w="6350" cap="flat" cmpd="sng" algn="ctr">
+                      <a:solidFill>
+                        <a:srgbClr val="000000"/>
+                      </a:solidFill>
+                      <a:prstDash val="solid"/>
+                      <a:round/>
+                      <a:headEnd type="none" w="med" len="med"/>
+                      <a:tailEnd type="none" w="med" len="med"/>
+                    </a:lnT>
+                    <a:lnB w="6350" cap="flat" cmpd="sng" algn="ctr">
+                      <a:solidFill>
+                        <a:srgbClr val="000000"/>
+                      </a:solidFill>
+                      <a:prstDash val="solid"/>
+                      <a:round/>
+                      <a:headEnd type="none" w="med" len="med"/>
+                      <a:tailEnd type="none" w="med" len="med"/>
+                    </a:lnB>
+                    <a:solidFill>
+                      <a:srgbClr val="92D050"/>
+                    </a:solidFill>
+                  </a:tcPr>
+                </a:tc>
+                <a:tc>
+                  <a:txBody>
+                    <a:bodyPr/>
+                    <a:lstStyle/>
+                    <a:p>
+                      <a:pPr algn="ctr" fontAlgn="b"/>
+                      <a:r>
+                        <a:rPr lang="fr-FR" sz="1200" b="0" i="0" u="none" strike="noStrike">
+                          <a:solidFill>
+                            <a:srgbClr val="000000"/>
+                          </a:solidFill>
+                          <a:effectLst/>
+                          <a:latin typeface="Arial" panose="020B0604020202020204" pitchFamily="34" charset="0"/>
+                        </a:rPr>
+                        <a:t>100%</a:t>
+                      </a:r>
+                    </a:p>
+                  </a:txBody>
+                  <a:tcPr marL="7421" marR="7421" marT="7421" marB="0" anchor="b">
+                    <a:lnL w="6350" cap="flat" cmpd="sng" algn="ctr">
+                      <a:solidFill>
+                        <a:srgbClr val="000000"/>
+                      </a:solidFill>
+                      <a:prstDash val="solid"/>
+                      <a:round/>
+                      <a:headEnd type="none" w="med" len="med"/>
+                      <a:tailEnd type="none" w="med" len="med"/>
+                    </a:lnL>
+                    <a:lnR w="6350" cap="flat" cmpd="sng" algn="ctr">
+                      <a:solidFill>
+                        <a:srgbClr val="000000"/>
+                      </a:solidFill>
+                      <a:prstDash val="solid"/>
+                      <a:round/>
+                      <a:headEnd type="none" w="med" len="med"/>
+                      <a:tailEnd type="none" w="med" len="med"/>
+                    </a:lnR>
+                    <a:lnT w="6350" cap="flat" cmpd="sng" algn="ctr">
+                      <a:solidFill>
+                        <a:srgbClr val="000000"/>
+                      </a:solidFill>
+                      <a:prstDash val="solid"/>
+                      <a:round/>
+                      <a:headEnd type="none" w="med" len="med"/>
+                      <a:tailEnd type="none" w="med" len="med"/>
+                    </a:lnT>
+                    <a:lnB w="6350" cap="flat" cmpd="sng" algn="ctr">
+                      <a:solidFill>
+                        <a:srgbClr val="000000"/>
+                      </a:solidFill>
+                      <a:prstDash val="solid"/>
+                      <a:round/>
+                      <a:headEnd type="none" w="med" len="med"/>
+                      <a:tailEnd type="none" w="med" len="med"/>
+                    </a:lnB>
+                    <a:solidFill>
+                      <a:srgbClr val="92D050"/>
+                    </a:solidFill>
+                  </a:tcPr>
+                </a:tc>
+                <a:tc>
+                  <a:txBody>
+                    <a:bodyPr/>
+                    <a:lstStyle/>
+                    <a:p>
+                      <a:pPr algn="ctr" fontAlgn="b"/>
+                      <a:r>
+                        <a:rPr lang="fr-FR" sz="1200" b="0" i="0" u="none" strike="noStrike">
+                          <a:solidFill>
+                            <a:srgbClr val="000000"/>
+                          </a:solidFill>
+                          <a:effectLst/>
+                          <a:latin typeface="Arial" panose="020B0604020202020204" pitchFamily="34" charset="0"/>
+                        </a:rPr>
+                        <a:t>86%</a:t>
+                      </a:r>
+                    </a:p>
+                  </a:txBody>
+                  <a:tcPr marL="7421" marR="7421" marT="7421" marB="0" anchor="b">
+                    <a:lnL w="6350" cap="flat" cmpd="sng" algn="ctr">
+                      <a:solidFill>
+                        <a:srgbClr val="000000"/>
+                      </a:solidFill>
+                      <a:prstDash val="solid"/>
+                      <a:round/>
+                      <a:headEnd type="none" w="med" len="med"/>
+                      <a:tailEnd type="none" w="med" len="med"/>
+                    </a:lnL>
+                    <a:lnR w="6350" cap="flat" cmpd="sng" algn="ctr">
+                      <a:solidFill>
+                        <a:srgbClr val="000000"/>
+                      </a:solidFill>
+                      <a:prstDash val="solid"/>
+                      <a:round/>
+                      <a:headEnd type="none" w="med" len="med"/>
+                      <a:tailEnd type="none" w="med" len="med"/>
+                    </a:lnR>
+                    <a:lnT w="6350" cap="flat" cmpd="sng" algn="ctr">
+                      <a:solidFill>
+                        <a:srgbClr val="000000"/>
+                      </a:solidFill>
+                      <a:prstDash val="solid"/>
+                      <a:round/>
+                      <a:headEnd type="none" w="med" len="med"/>
+                      <a:tailEnd type="none" w="med" len="med"/>
+                    </a:lnT>
+                    <a:lnB w="6350" cap="flat" cmpd="sng" algn="ctr">
+                      <a:solidFill>
+                        <a:srgbClr val="000000"/>
+                      </a:solidFill>
+                      <a:prstDash val="solid"/>
+                      <a:round/>
+                      <a:headEnd type="none" w="med" len="med"/>
+                      <a:tailEnd type="none" w="med" len="med"/>
+                    </a:lnB>
+                    <a:solidFill>
+                      <a:srgbClr val="92D050"/>
+                    </a:solidFill>
+                  </a:tcPr>
+                </a:tc>
+                <a:tc>
+                  <a:txBody>
+                    <a:bodyPr/>
+                    <a:lstStyle/>
+                    <a:p>
+                      <a:pPr algn="ctr" fontAlgn="b"/>
+                      <a:r>
+                        <a:rPr lang="fr-FR" sz="1200" b="0" i="0" u="none" strike="noStrike">
+                          <a:solidFill>
+                            <a:srgbClr val="000000"/>
+                          </a:solidFill>
+                          <a:effectLst/>
+                          <a:latin typeface="Arial" panose="020B0604020202020204" pitchFamily="34" charset="0"/>
+                        </a:rPr>
+                        <a:t>100%</a:t>
+                      </a:r>
+                    </a:p>
+                  </a:txBody>
+                  <a:tcPr marL="7421" marR="7421" marT="7421" marB="0" anchor="b">
+                    <a:lnL w="6350" cap="flat" cmpd="sng" algn="ctr">
+                      <a:solidFill>
+                        <a:srgbClr val="000000"/>
+                      </a:solidFill>
+                      <a:prstDash val="solid"/>
+                      <a:round/>
+                      <a:headEnd type="none" w="med" len="med"/>
+                      <a:tailEnd type="none" w="med" len="med"/>
+                    </a:lnL>
+                    <a:lnR w="6350" cap="flat" cmpd="sng" algn="ctr">
+                      <a:solidFill>
+                        <a:srgbClr val="000000"/>
+                      </a:solidFill>
+                      <a:prstDash val="solid"/>
+                      <a:round/>
+                      <a:headEnd type="none" w="med" len="med"/>
+                      <a:tailEnd type="none" w="med" len="med"/>
+                    </a:lnR>
+                    <a:lnT w="6350" cap="flat" cmpd="sng" algn="ctr">
+                      <a:solidFill>
+                        <a:srgbClr val="000000"/>
+                      </a:solidFill>
+                      <a:prstDash val="solid"/>
+                      <a:round/>
+                      <a:headEnd type="none" w="med" len="med"/>
+                      <a:tailEnd type="none" w="med" len="med"/>
+                    </a:lnT>
+                    <a:lnB w="6350" cap="flat" cmpd="sng" algn="ctr">
+                      <a:solidFill>
+                        <a:srgbClr val="000000"/>
+                      </a:solidFill>
+                      <a:prstDash val="solid"/>
+                      <a:round/>
+                      <a:headEnd type="none" w="med" len="med"/>
+                      <a:tailEnd type="none" w="med" len="med"/>
+                    </a:lnB>
+                    <a:solidFill>
+                      <a:srgbClr val="92D050"/>
+                    </a:solidFill>
+                  </a:tcPr>
+                </a:tc>
+                <a:tc>
+                  <a:txBody>
+                    <a:bodyPr/>
+                    <a:lstStyle/>
+                    <a:p>
+                      <a:pPr algn="ctr" fontAlgn="b"/>
+                      <a:r>
+                        <a:rPr lang="fr-FR" sz="1200" b="1" i="0" u="none" strike="noStrike">
+                          <a:solidFill>
+                            <a:srgbClr val="FFFFFF"/>
+                          </a:solidFill>
+                          <a:effectLst/>
+                          <a:latin typeface="Arial" panose="020B0604020202020204" pitchFamily="34" charset="0"/>
+                        </a:rPr>
+                        <a:t>Après</a:t>
+                      </a:r>
+                    </a:p>
+                  </a:txBody>
+                  <a:tcPr marL="7421" marR="7421" marT="7421" marB="0" anchor="b">
+                    <a:lnL w="6350" cap="flat" cmpd="sng" algn="ctr">
+                      <a:solidFill>
+                        <a:srgbClr val="000000"/>
+                      </a:solidFill>
+                      <a:prstDash val="solid"/>
+                      <a:round/>
+                      <a:headEnd type="none" w="med" len="med"/>
+                      <a:tailEnd type="none" w="med" len="med"/>
+                    </a:lnL>
+                    <a:lnR>
+                      <a:noFill/>
+                    </a:lnR>
+                    <a:lnT>
+                      <a:noFill/>
+                    </a:lnT>
+                    <a:lnB>
+                      <a:noFill/>
+                    </a:lnB>
+                    <a:solidFill>
+                      <a:srgbClr val="262626"/>
+                    </a:solidFill>
+                  </a:tcPr>
+                </a:tc>
+                <a:extLst>
+                  <a:ext uri="{0D108BD9-81ED-4DB2-BD59-A6C34878D82A}">
+                    <a16:rowId xmlns:a16="http://schemas.microsoft.com/office/drawing/2014/main" val="4229294547"/>
+                  </a:ext>
+                </a:extLst>
+              </a:tr>
+              <a:tr h="192944">
+                <a:tc>
+                  <a:txBody>
+                    <a:bodyPr/>
+                    <a:lstStyle/>
+                    <a:p>
+                      <a:pPr algn="ctr" fontAlgn="b"/>
+                      <a:r>
+                        <a:rPr lang="fr-FR" sz="1200" b="1" i="0" u="none" strike="noStrike">
+                          <a:solidFill>
+                            <a:srgbClr val="FFFFFF"/>
+                          </a:solidFill>
+                          <a:effectLst/>
+                          <a:latin typeface="Arial" panose="020B0604020202020204" pitchFamily="34" charset="0"/>
+                        </a:rPr>
+                        <a:t>Total</a:t>
+                      </a:r>
+                    </a:p>
+                  </a:txBody>
+                  <a:tcPr marL="7421" marR="7421" marT="7421" marB="0" anchor="b">
+                    <a:lnL>
+                      <a:noFill/>
+                    </a:lnL>
+                    <a:lnR>
+                      <a:noFill/>
+                    </a:lnR>
+                    <a:lnT>
+                      <a:noFill/>
+                    </a:lnT>
+                    <a:lnB>
+                      <a:noFill/>
+                    </a:lnB>
+                    <a:solidFill>
+                      <a:srgbClr val="262626"/>
+                    </a:solidFill>
+                  </a:tcPr>
+                </a:tc>
+                <a:tc>
+                  <a:txBody>
+                    <a:bodyPr/>
+                    <a:lstStyle/>
+                    <a:p>
+                      <a:pPr algn="ctr" fontAlgn="b"/>
+                      <a:r>
+                        <a:rPr lang="fr-FR" sz="1200" b="1" i="0" u="none" strike="noStrike">
+                          <a:solidFill>
+                            <a:srgbClr val="FFFFFF"/>
+                          </a:solidFill>
+                          <a:effectLst/>
+                          <a:latin typeface="Arial" panose="020B0604020202020204" pitchFamily="34" charset="0"/>
+                        </a:rPr>
+                        <a:t>6%</a:t>
+                      </a:r>
+                    </a:p>
+                  </a:txBody>
+                  <a:tcPr marL="7421" marR="7421" marT="7421" marB="0" anchor="b">
+                    <a:lnL>
+                      <a:noFill/>
+                    </a:lnL>
+                    <a:lnR>
+                      <a:noFill/>
+                    </a:lnR>
+                    <a:lnT w="6350" cap="flat" cmpd="sng" algn="ctr">
+                      <a:solidFill>
+                        <a:srgbClr val="000000"/>
+                      </a:solidFill>
+                      <a:prstDash val="solid"/>
+                      <a:round/>
+                      <a:headEnd type="none" w="med" len="med"/>
+                      <a:tailEnd type="none" w="med" len="med"/>
+                    </a:lnT>
+                    <a:lnB>
+                      <a:noFill/>
+                    </a:lnB>
+                    <a:solidFill>
+                      <a:srgbClr val="262626"/>
+                    </a:solidFill>
+                  </a:tcPr>
+                </a:tc>
+                <a:tc>
+                  <a:txBody>
+                    <a:bodyPr/>
+                    <a:lstStyle/>
+                    <a:p>
+                      <a:pPr algn="ctr" fontAlgn="b"/>
+                      <a:r>
+                        <a:rPr lang="fr-FR" sz="1200" b="1" i="0" u="none" strike="noStrike">
+                          <a:solidFill>
+                            <a:srgbClr val="FFFFFF"/>
+                          </a:solidFill>
+                          <a:effectLst/>
+                          <a:latin typeface="Arial" panose="020B0604020202020204" pitchFamily="34" charset="0"/>
+                        </a:rPr>
+                        <a:t>16%</a:t>
+                      </a:r>
+                    </a:p>
+                  </a:txBody>
+                  <a:tcPr marL="7421" marR="7421" marT="7421" marB="0" anchor="b">
+                    <a:lnL>
+                      <a:noFill/>
+                    </a:lnL>
+                    <a:lnR>
+                      <a:noFill/>
+                    </a:lnR>
+                    <a:lnT w="6350" cap="flat" cmpd="sng" algn="ctr">
+                      <a:solidFill>
+                        <a:srgbClr val="000000"/>
+                      </a:solidFill>
+                      <a:prstDash val="solid"/>
+                      <a:round/>
+                      <a:headEnd type="none" w="med" len="med"/>
+                      <a:tailEnd type="none" w="med" len="med"/>
+                    </a:lnT>
+                    <a:lnB>
+                      <a:noFill/>
+                    </a:lnB>
+                    <a:solidFill>
+                      <a:srgbClr val="262626"/>
+                    </a:solidFill>
+                  </a:tcPr>
+                </a:tc>
+                <a:tc>
+                  <a:txBody>
+                    <a:bodyPr/>
+                    <a:lstStyle/>
+                    <a:p>
+                      <a:pPr algn="ctr" fontAlgn="b"/>
+                      <a:r>
+                        <a:rPr lang="fr-FR" sz="1200" b="1" i="0" u="none" strike="noStrike">
+                          <a:solidFill>
+                            <a:srgbClr val="FFFFFF"/>
+                          </a:solidFill>
+                          <a:effectLst/>
+                          <a:latin typeface="Arial" panose="020B0604020202020204" pitchFamily="34" charset="0"/>
+                        </a:rPr>
+                        <a:t>0%</a:t>
+                      </a:r>
+                    </a:p>
+                  </a:txBody>
+                  <a:tcPr marL="7421" marR="7421" marT="7421" marB="0" anchor="b">
+                    <a:lnL>
+                      <a:noFill/>
+                    </a:lnL>
+                    <a:lnR>
+                      <a:noFill/>
+                    </a:lnR>
+                    <a:lnT w="6350" cap="flat" cmpd="sng" algn="ctr">
+                      <a:solidFill>
+                        <a:srgbClr val="000000"/>
+                      </a:solidFill>
+                      <a:prstDash val="solid"/>
+                      <a:round/>
+                      <a:headEnd type="none" w="med" len="med"/>
+                      <a:tailEnd type="none" w="med" len="med"/>
+                    </a:lnT>
+                    <a:lnB>
+                      <a:noFill/>
+                    </a:lnB>
+                    <a:solidFill>
+                      <a:srgbClr val="262626"/>
+                    </a:solidFill>
+                  </a:tcPr>
+                </a:tc>
+                <a:tc>
+                  <a:txBody>
+                    <a:bodyPr/>
+                    <a:lstStyle/>
+                    <a:p>
+                      <a:pPr algn="ctr" fontAlgn="b"/>
+                      <a:r>
+                        <a:rPr lang="fr-FR" sz="1200" b="1" i="0" u="none" strike="noStrike">
+                          <a:solidFill>
+                            <a:srgbClr val="FFFFFF"/>
+                          </a:solidFill>
+                          <a:effectLst/>
+                          <a:latin typeface="Arial" panose="020B0604020202020204" pitchFamily="34" charset="0"/>
+                        </a:rPr>
+                        <a:t>22%</a:t>
+                      </a:r>
+                    </a:p>
+                  </a:txBody>
+                  <a:tcPr marL="7421" marR="7421" marT="7421" marB="0" anchor="b">
+                    <a:lnL>
+                      <a:noFill/>
+                    </a:lnL>
+                    <a:lnR>
+                      <a:noFill/>
+                    </a:lnR>
+                    <a:lnT w="6350" cap="flat" cmpd="sng" algn="ctr">
+                      <a:solidFill>
+                        <a:srgbClr val="000000"/>
+                      </a:solidFill>
+                      <a:prstDash val="solid"/>
+                      <a:round/>
+                      <a:headEnd type="none" w="med" len="med"/>
+                      <a:tailEnd type="none" w="med" len="med"/>
+                    </a:lnT>
+                    <a:lnB>
+                      <a:noFill/>
+                    </a:lnB>
+                    <a:solidFill>
+                      <a:srgbClr val="262626"/>
+                    </a:solidFill>
+                  </a:tcPr>
+                </a:tc>
+                <a:tc>
+                  <a:txBody>
+                    <a:bodyPr/>
+                    <a:lstStyle/>
+                    <a:p>
+                      <a:pPr algn="ctr" fontAlgn="b"/>
+                      <a:r>
+                        <a:rPr lang="fr-FR" sz="1200" b="1" i="0" u="none" strike="noStrike">
+                          <a:solidFill>
+                            <a:srgbClr val="FFFFFF"/>
+                          </a:solidFill>
+                          <a:effectLst/>
+                          <a:latin typeface="Arial" panose="020B0604020202020204" pitchFamily="34" charset="0"/>
+                        </a:rPr>
+                        <a:t>Total</a:t>
+                      </a:r>
+                    </a:p>
+                  </a:txBody>
+                  <a:tcPr marL="7421" marR="7421" marT="7421" marB="0" anchor="b">
+                    <a:lnL>
+                      <a:noFill/>
+                    </a:lnL>
+                    <a:lnR>
+                      <a:noFill/>
+                    </a:lnR>
+                    <a:lnT>
+                      <a:noFill/>
+                    </a:lnT>
+                    <a:lnB>
+                      <a:noFill/>
+                    </a:lnB>
+                    <a:solidFill>
+                      <a:srgbClr val="262626"/>
+                    </a:solidFill>
+                  </a:tcPr>
+                </a:tc>
+                <a:extLst>
+                  <a:ext uri="{0D108BD9-81ED-4DB2-BD59-A6C34878D82A}">
+                    <a16:rowId xmlns:a16="http://schemas.microsoft.com/office/drawing/2014/main" val="1409437363"/>
+                  </a:ext>
+                </a:extLst>
+              </a:tr>
+              <a:tr h="185523">
+                <a:tc>
+                  <a:txBody>
+                    <a:bodyPr/>
+                    <a:lstStyle/>
+                    <a:p>
+                      <a:pPr algn="l" fontAlgn="b"/>
+                      <a:endParaRPr lang="fr-FR" sz="1200" b="0" i="0" u="none" strike="noStrike">
+                        <a:solidFill>
+                          <a:srgbClr val="000000"/>
+                        </a:solidFill>
+                        <a:effectLst/>
+                        <a:latin typeface="Arial" panose="020B0604020202020204" pitchFamily="34" charset="0"/>
+                      </a:endParaRPr>
+                    </a:p>
+                  </a:txBody>
+                  <a:tcPr marL="7421" marR="7421" marT="7421" marB="0" anchor="b">
+                    <a:lnL>
+                      <a:noFill/>
+                    </a:lnL>
+                    <a:lnR>
+                      <a:noFill/>
+                    </a:lnR>
+                    <a:lnT>
+                      <a:noFill/>
+                    </a:lnT>
+                    <a:lnB>
+                      <a:noFill/>
+                    </a:lnB>
+                  </a:tcPr>
+                </a:tc>
+                <a:tc>
+                  <a:txBody>
+                    <a:bodyPr/>
+                    <a:lstStyle/>
+                    <a:p>
+                      <a:pPr algn="l" fontAlgn="b"/>
+                      <a:endParaRPr lang="fr-FR" sz="1200" b="0" i="0" u="none" strike="noStrike">
+                        <a:solidFill>
+                          <a:srgbClr val="000000"/>
+                        </a:solidFill>
+                        <a:effectLst/>
+                        <a:latin typeface="Arial" panose="020B0604020202020204" pitchFamily="34" charset="0"/>
+                      </a:endParaRPr>
+                    </a:p>
+                  </a:txBody>
+                  <a:tcPr marL="7421" marR="7421" marT="7421" marB="0" anchor="b">
+                    <a:lnL>
+                      <a:noFill/>
+                    </a:lnL>
+                    <a:lnR>
+                      <a:noFill/>
+                    </a:lnR>
+                    <a:lnT>
+                      <a:noFill/>
+                    </a:lnT>
+                    <a:lnB>
+                      <a:noFill/>
+                    </a:lnB>
+                  </a:tcPr>
+                </a:tc>
+                <a:tc>
+                  <a:txBody>
+                    <a:bodyPr/>
+                    <a:lstStyle/>
+                    <a:p>
+                      <a:pPr algn="l" fontAlgn="b"/>
+                      <a:endParaRPr lang="fr-FR" sz="1200" b="0" i="0" u="none" strike="noStrike">
+                        <a:solidFill>
+                          <a:srgbClr val="000000"/>
+                        </a:solidFill>
+                        <a:effectLst/>
+                        <a:latin typeface="Arial" panose="020B0604020202020204" pitchFamily="34" charset="0"/>
+                      </a:endParaRPr>
+                    </a:p>
+                  </a:txBody>
+                  <a:tcPr marL="7421" marR="7421" marT="7421" marB="0" anchor="b">
+                    <a:lnL>
+                      <a:noFill/>
+                    </a:lnL>
+                    <a:lnR>
+                      <a:noFill/>
+                    </a:lnR>
+                    <a:lnT>
+                      <a:noFill/>
+                    </a:lnT>
+                    <a:lnB>
+                      <a:noFill/>
+                    </a:lnB>
+                  </a:tcPr>
+                </a:tc>
+                <a:tc>
+                  <a:txBody>
+                    <a:bodyPr/>
+                    <a:lstStyle/>
+                    <a:p>
+                      <a:pPr algn="l" fontAlgn="b"/>
+                      <a:endParaRPr lang="fr-FR" sz="1200" b="0" i="0" u="none" strike="noStrike">
+                        <a:solidFill>
+                          <a:srgbClr val="000000"/>
+                        </a:solidFill>
+                        <a:effectLst/>
+                        <a:latin typeface="Arial" panose="020B0604020202020204" pitchFamily="34" charset="0"/>
+                      </a:endParaRPr>
+                    </a:p>
+                  </a:txBody>
+                  <a:tcPr marL="7421" marR="7421" marT="7421" marB="0" anchor="b">
+                    <a:lnL>
+                      <a:noFill/>
+                    </a:lnL>
+                    <a:lnR>
+                      <a:noFill/>
+                    </a:lnR>
+                    <a:lnT>
+                      <a:noFill/>
+                    </a:lnT>
+                    <a:lnB>
+                      <a:noFill/>
+                    </a:lnB>
+                  </a:tcPr>
+                </a:tc>
+                <a:tc>
+                  <a:txBody>
+                    <a:bodyPr/>
+                    <a:lstStyle/>
+                    <a:p>
+                      <a:pPr algn="l" fontAlgn="b"/>
+                      <a:endParaRPr lang="fr-FR" sz="1200" b="0" i="0" u="none" strike="noStrike">
+                        <a:solidFill>
+                          <a:srgbClr val="000000"/>
+                        </a:solidFill>
+                        <a:effectLst/>
+                        <a:latin typeface="Arial" panose="020B0604020202020204" pitchFamily="34" charset="0"/>
+                      </a:endParaRPr>
+                    </a:p>
+                  </a:txBody>
+                  <a:tcPr marL="7421" marR="7421" marT="7421" marB="0" anchor="b">
+                    <a:lnL>
+                      <a:noFill/>
+                    </a:lnL>
+                    <a:lnR>
+                      <a:noFill/>
+                    </a:lnR>
+                    <a:lnT>
+                      <a:noFill/>
+                    </a:lnT>
+                    <a:lnB>
+                      <a:noFill/>
+                    </a:lnB>
+                  </a:tcPr>
+                </a:tc>
+                <a:tc>
+                  <a:txBody>
+                    <a:bodyPr/>
+                    <a:lstStyle/>
+                    <a:p>
+                      <a:pPr algn="l" fontAlgn="b"/>
+                      <a:endParaRPr lang="fr-FR" sz="1200" b="0" i="0" u="none" strike="noStrike">
+                        <a:solidFill>
+                          <a:srgbClr val="000000"/>
+                        </a:solidFill>
+                        <a:effectLst/>
+                        <a:latin typeface="Arial" panose="020B0604020202020204" pitchFamily="34" charset="0"/>
+                      </a:endParaRPr>
+                    </a:p>
+                  </a:txBody>
+                  <a:tcPr marL="7421" marR="7421" marT="7421" marB="0" anchor="b">
+                    <a:lnL>
+                      <a:noFill/>
+                    </a:lnL>
+                    <a:lnR>
+                      <a:noFill/>
+                    </a:lnR>
+                    <a:lnT>
+                      <a:noFill/>
+                    </a:lnT>
+                    <a:lnB>
+                      <a:noFill/>
+                    </a:lnB>
+                  </a:tcPr>
+                </a:tc>
+                <a:extLst>
+                  <a:ext uri="{0D108BD9-81ED-4DB2-BD59-A6C34878D82A}">
+                    <a16:rowId xmlns:a16="http://schemas.microsoft.com/office/drawing/2014/main" val="328864313"/>
+                  </a:ext>
+                </a:extLst>
+              </a:tr>
+              <a:tr h="371045">
+                <a:tc>
+                  <a:txBody>
+                    <a:bodyPr/>
+                    <a:lstStyle/>
+                    <a:p>
+                      <a:pPr algn="l" fontAlgn="ctr"/>
+                      <a:r>
+                        <a:rPr lang="fr-FR" sz="2300" b="1" i="0" u="none" strike="noStrike">
+                          <a:solidFill>
+                            <a:srgbClr val="FFFFFF"/>
+                          </a:solidFill>
+                          <a:effectLst/>
+                          <a:latin typeface="Arial" panose="020B0604020202020204" pitchFamily="34" charset="0"/>
+                        </a:rPr>
+                        <a:t> </a:t>
+                      </a:r>
+                    </a:p>
+                  </a:txBody>
+                  <a:tcPr marL="7421" marR="7421" marT="7421" marB="0" anchor="ctr">
+                    <a:lnL>
+                      <a:noFill/>
+                    </a:lnL>
+                    <a:lnR>
+                      <a:noFill/>
+                    </a:lnR>
+                    <a:lnT>
+                      <a:noFill/>
+                    </a:lnT>
+                    <a:lnB>
+                      <a:noFill/>
+                    </a:lnB>
+                    <a:solidFill>
+                      <a:srgbClr val="262626"/>
+                    </a:solidFill>
+                  </a:tcPr>
+                </a:tc>
+                <a:tc>
+                  <a:txBody>
+                    <a:bodyPr/>
+                    <a:lstStyle/>
+                    <a:p>
+                      <a:pPr algn="ctr" fontAlgn="ctr"/>
+                      <a:r>
+                        <a:rPr lang="fr-FR" sz="2300" b="1" i="0" u="none" strike="noStrike">
+                          <a:solidFill>
+                            <a:srgbClr val="FFFFFF"/>
+                          </a:solidFill>
+                          <a:effectLst/>
+                          <a:latin typeface="Arial" panose="020B0604020202020204" pitchFamily="34" charset="0"/>
+                        </a:rPr>
+                        <a:t>Axe</a:t>
+                      </a:r>
+                    </a:p>
+                  </a:txBody>
+                  <a:tcPr marL="7421" marR="7421" marT="7421" marB="0" anchor="ctr">
+                    <a:lnL>
+                      <a:noFill/>
+                    </a:lnL>
+                    <a:lnR>
+                      <a:noFill/>
+                    </a:lnR>
+                    <a:lnT>
+                      <a:noFill/>
+                    </a:lnT>
+                    <a:lnB>
+                      <a:noFill/>
+                    </a:lnB>
+                    <a:solidFill>
+                      <a:srgbClr val="262626"/>
+                    </a:solidFill>
+                  </a:tcPr>
+                </a:tc>
+                <a:tc>
+                  <a:txBody>
+                    <a:bodyPr/>
+                    <a:lstStyle/>
+                    <a:p>
+                      <a:pPr algn="ctr" fontAlgn="ctr"/>
+                      <a:r>
+                        <a:rPr lang="fr-FR" sz="2300" b="1" i="0" u="none" strike="noStrike">
+                          <a:solidFill>
+                            <a:srgbClr val="FFFFFF"/>
+                          </a:solidFill>
+                          <a:effectLst/>
+                          <a:latin typeface="Arial" panose="020B0604020202020204" pitchFamily="34" charset="0"/>
+                        </a:rPr>
+                        <a:t> </a:t>
+                      </a:r>
+                    </a:p>
+                  </a:txBody>
+                  <a:tcPr marL="7421" marR="7421" marT="7421" marB="0" anchor="ctr">
+                    <a:lnL>
+                      <a:noFill/>
+                    </a:lnL>
+                    <a:lnR>
+                      <a:noFill/>
+                    </a:lnR>
+                    <a:lnT>
+                      <a:noFill/>
+                    </a:lnT>
+                    <a:lnB>
+                      <a:noFill/>
+                    </a:lnB>
+                    <a:solidFill>
+                      <a:srgbClr val="262626"/>
+                    </a:solidFill>
+                  </a:tcPr>
+                </a:tc>
+                <a:tc>
+                  <a:txBody>
+                    <a:bodyPr/>
+                    <a:lstStyle/>
+                    <a:p>
+                      <a:pPr algn="l" fontAlgn="b"/>
+                      <a:endParaRPr lang="fr-FR" sz="1200" b="0" i="0" u="none" strike="noStrike">
+                        <a:solidFill>
+                          <a:srgbClr val="000000"/>
+                        </a:solidFill>
+                        <a:effectLst/>
+                        <a:latin typeface="Arial" panose="020B0604020202020204" pitchFamily="34" charset="0"/>
+                      </a:endParaRPr>
+                    </a:p>
+                  </a:txBody>
+                  <a:tcPr marL="7421" marR="7421" marT="7421" marB="0" anchor="b">
+                    <a:lnL>
+                      <a:noFill/>
+                    </a:lnL>
+                    <a:lnR>
+                      <a:noFill/>
+                    </a:lnR>
+                    <a:lnT>
+                      <a:noFill/>
+                    </a:lnT>
+                    <a:lnB>
+                      <a:noFill/>
+                    </a:lnB>
+                  </a:tcPr>
+                </a:tc>
+                <a:tc>
+                  <a:txBody>
+                    <a:bodyPr/>
+                    <a:lstStyle/>
+                    <a:p>
+                      <a:pPr algn="l" fontAlgn="b"/>
+                      <a:endParaRPr lang="fr-FR" sz="1200" b="0" i="0" u="none" strike="noStrike">
+                        <a:solidFill>
+                          <a:srgbClr val="000000"/>
+                        </a:solidFill>
+                        <a:effectLst/>
+                        <a:latin typeface="Arial" panose="020B0604020202020204" pitchFamily="34" charset="0"/>
+                      </a:endParaRPr>
+                    </a:p>
+                  </a:txBody>
+                  <a:tcPr marL="7421" marR="7421" marT="7421" marB="0" anchor="b">
+                    <a:lnL>
+                      <a:noFill/>
+                    </a:lnL>
+                    <a:lnR>
+                      <a:noFill/>
+                    </a:lnR>
+                    <a:lnT>
+                      <a:noFill/>
+                    </a:lnT>
+                    <a:lnB>
+                      <a:noFill/>
+                    </a:lnB>
+                  </a:tcPr>
+                </a:tc>
+                <a:tc>
+                  <a:txBody>
+                    <a:bodyPr/>
+                    <a:lstStyle/>
+                    <a:p>
+                      <a:pPr algn="l" fontAlgn="b"/>
+                      <a:endParaRPr lang="fr-FR" sz="1200" b="0" i="0" u="none" strike="noStrike">
+                        <a:solidFill>
+                          <a:srgbClr val="000000"/>
+                        </a:solidFill>
+                        <a:effectLst/>
+                        <a:latin typeface="Arial" panose="020B0604020202020204" pitchFamily="34" charset="0"/>
+                      </a:endParaRPr>
+                    </a:p>
+                  </a:txBody>
+                  <a:tcPr marL="7421" marR="7421" marT="7421" marB="0" anchor="b">
+                    <a:lnL>
+                      <a:noFill/>
+                    </a:lnL>
+                    <a:lnR>
+                      <a:noFill/>
+                    </a:lnR>
+                    <a:lnT>
+                      <a:noFill/>
+                    </a:lnT>
+                    <a:lnB>
+                      <a:noFill/>
+                    </a:lnB>
+                  </a:tcPr>
+                </a:tc>
+                <a:extLst>
+                  <a:ext uri="{0D108BD9-81ED-4DB2-BD59-A6C34878D82A}">
+                    <a16:rowId xmlns:a16="http://schemas.microsoft.com/office/drawing/2014/main" val="1150951848"/>
+                  </a:ext>
+                </a:extLst>
+              </a:tr>
+              <a:tr h="281995">
+                <a:tc>
+                  <a:txBody>
+                    <a:bodyPr/>
+                    <a:lstStyle/>
+                    <a:p>
+                      <a:pPr algn="ctr" fontAlgn="b"/>
+                      <a:r>
+                        <a:rPr lang="fr-FR" sz="1800" b="0" i="0" u="none" strike="noStrike">
+                          <a:solidFill>
+                            <a:srgbClr val="FFFFFF"/>
+                          </a:solidFill>
+                          <a:effectLst/>
+                          <a:latin typeface="Arial" panose="020B0604020202020204" pitchFamily="34" charset="0"/>
+                        </a:rPr>
+                        <a:t> </a:t>
+                      </a:r>
+                    </a:p>
+                  </a:txBody>
+                  <a:tcPr marL="7421" marR="7421" marT="7421" marB="0" anchor="b">
+                    <a:lnL>
+                      <a:noFill/>
+                    </a:lnL>
+                    <a:lnR>
+                      <a:noFill/>
+                    </a:lnR>
+                    <a:lnT>
+                      <a:noFill/>
+                    </a:lnT>
+                    <a:lnB>
+                      <a:noFill/>
+                    </a:lnB>
+                    <a:solidFill>
+                      <a:srgbClr val="262626"/>
+                    </a:solidFill>
+                  </a:tcPr>
+                </a:tc>
+                <a:tc>
+                  <a:txBody>
+                    <a:bodyPr/>
+                    <a:lstStyle/>
+                    <a:p>
+                      <a:pPr algn="ctr" fontAlgn="b"/>
+                      <a:r>
+                        <a:rPr lang="fr-FR" sz="1800" b="0" i="0" u="none" strike="noStrike">
+                          <a:solidFill>
+                            <a:srgbClr val="FFFFFF"/>
+                          </a:solidFill>
+                          <a:effectLst/>
+                          <a:latin typeface="Arial" panose="020B0604020202020204" pitchFamily="34" charset="0"/>
+                        </a:rPr>
+                        <a:t>Infractions</a:t>
+                      </a:r>
+                    </a:p>
+                  </a:txBody>
+                  <a:tcPr marL="7421" marR="7421" marT="7421" marB="0" anchor="b">
+                    <a:lnL>
+                      <a:noFill/>
+                    </a:lnL>
+                    <a:lnR>
+                      <a:noFill/>
+                    </a:lnR>
+                    <a:lnT>
+                      <a:noFill/>
+                    </a:lnT>
+                    <a:lnB w="6350" cap="flat" cmpd="sng" algn="ctr">
+                      <a:solidFill>
+                        <a:srgbClr val="000000"/>
+                      </a:solidFill>
+                      <a:prstDash val="solid"/>
+                      <a:round/>
+                      <a:headEnd type="none" w="med" len="med"/>
+                      <a:tailEnd type="none" w="med" len="med"/>
+                    </a:lnB>
+                    <a:solidFill>
+                      <a:srgbClr val="262626"/>
+                    </a:solidFill>
+                  </a:tcPr>
+                </a:tc>
+                <a:tc>
+                  <a:txBody>
+                    <a:bodyPr/>
+                    <a:lstStyle/>
+                    <a:p>
+                      <a:pPr algn="ctr" fontAlgn="b"/>
+                      <a:r>
+                        <a:rPr lang="fr-FR" sz="1800" b="0" i="0" u="none" strike="noStrike">
+                          <a:solidFill>
+                            <a:srgbClr val="FFFFFF"/>
+                          </a:solidFill>
+                          <a:effectLst/>
+                          <a:latin typeface="Arial" panose="020B0604020202020204" pitchFamily="34" charset="0"/>
+                        </a:rPr>
+                        <a:t> </a:t>
+                      </a:r>
+                    </a:p>
+                  </a:txBody>
+                  <a:tcPr marL="7421" marR="7421" marT="7421" marB="0" anchor="b">
+                    <a:lnL>
+                      <a:noFill/>
+                    </a:lnL>
+                    <a:lnR>
+                      <a:noFill/>
+                    </a:lnR>
+                    <a:lnT>
+                      <a:noFill/>
+                    </a:lnT>
+                    <a:lnB w="6350" cap="flat" cmpd="sng" algn="ctr">
+                      <a:solidFill>
+                        <a:srgbClr val="000000"/>
+                      </a:solidFill>
+                      <a:prstDash val="solid"/>
+                      <a:round/>
+                      <a:headEnd type="none" w="med" len="med"/>
+                      <a:tailEnd type="none" w="med" len="med"/>
+                    </a:lnB>
+                    <a:solidFill>
+                      <a:srgbClr val="262626"/>
+                    </a:solidFill>
+                  </a:tcPr>
+                </a:tc>
+                <a:tc>
+                  <a:txBody>
+                    <a:bodyPr/>
+                    <a:lstStyle/>
+                    <a:p>
+                      <a:pPr algn="l" fontAlgn="b"/>
+                      <a:endParaRPr lang="fr-FR" sz="1200" b="0" i="0" u="none" strike="noStrike">
+                        <a:solidFill>
+                          <a:srgbClr val="000000"/>
+                        </a:solidFill>
+                        <a:effectLst/>
+                        <a:latin typeface="Arial" panose="020B0604020202020204" pitchFamily="34" charset="0"/>
+                      </a:endParaRPr>
+                    </a:p>
+                  </a:txBody>
+                  <a:tcPr marL="7421" marR="7421" marT="7421" marB="0" anchor="b">
+                    <a:lnL>
+                      <a:noFill/>
+                    </a:lnL>
+                    <a:lnR>
+                      <a:noFill/>
+                    </a:lnR>
+                    <a:lnT>
+                      <a:noFill/>
+                    </a:lnT>
+                    <a:lnB>
+                      <a:noFill/>
+                    </a:lnB>
+                  </a:tcPr>
+                </a:tc>
+                <a:tc>
+                  <a:txBody>
+                    <a:bodyPr/>
+                    <a:lstStyle/>
+                    <a:p>
+                      <a:pPr algn="l" fontAlgn="b"/>
+                      <a:endParaRPr lang="fr-FR" sz="1200" b="0" i="0" u="none" strike="noStrike">
+                        <a:solidFill>
+                          <a:srgbClr val="000000"/>
+                        </a:solidFill>
+                        <a:effectLst/>
+                        <a:latin typeface="Arial" panose="020B0604020202020204" pitchFamily="34" charset="0"/>
+                      </a:endParaRPr>
+                    </a:p>
+                  </a:txBody>
+                  <a:tcPr marL="7421" marR="7421" marT="7421" marB="0" anchor="b">
+                    <a:lnL>
+                      <a:noFill/>
+                    </a:lnL>
+                    <a:lnR>
+                      <a:noFill/>
+                    </a:lnR>
+                    <a:lnT>
+                      <a:noFill/>
+                    </a:lnT>
+                    <a:lnB>
+                      <a:noFill/>
+                    </a:lnB>
+                  </a:tcPr>
+                </a:tc>
+                <a:tc>
+                  <a:txBody>
+                    <a:bodyPr/>
+                    <a:lstStyle/>
+                    <a:p>
+                      <a:pPr algn="l" fontAlgn="b"/>
+                      <a:endParaRPr lang="fr-FR" sz="1200" b="0" i="0" u="none" strike="noStrike">
+                        <a:solidFill>
+                          <a:srgbClr val="000000"/>
+                        </a:solidFill>
+                        <a:effectLst/>
+                        <a:latin typeface="Arial" panose="020B0604020202020204" pitchFamily="34" charset="0"/>
+                      </a:endParaRPr>
+                    </a:p>
+                  </a:txBody>
+                  <a:tcPr marL="7421" marR="7421" marT="7421" marB="0" anchor="b">
+                    <a:lnL>
+                      <a:noFill/>
+                    </a:lnL>
+                    <a:lnR>
+                      <a:noFill/>
+                    </a:lnR>
+                    <a:lnT>
+                      <a:noFill/>
+                    </a:lnT>
+                    <a:lnB>
+                      <a:noFill/>
+                    </a:lnB>
+                  </a:tcPr>
+                </a:tc>
+                <a:extLst>
+                  <a:ext uri="{0D108BD9-81ED-4DB2-BD59-A6C34878D82A}">
+                    <a16:rowId xmlns:a16="http://schemas.microsoft.com/office/drawing/2014/main" val="2693020950"/>
+                  </a:ext>
+                </a:extLst>
+              </a:tr>
+              <a:tr h="192944">
+                <a:tc>
+                  <a:txBody>
+                    <a:bodyPr/>
+                    <a:lstStyle/>
+                    <a:p>
+                      <a:pPr algn="ctr" fontAlgn="b"/>
+                      <a:r>
+                        <a:rPr lang="fr-FR" sz="1200" b="1" i="0" u="none" strike="noStrike">
+                          <a:solidFill>
+                            <a:srgbClr val="FFFFFF"/>
+                          </a:solidFill>
+                          <a:effectLst/>
+                          <a:latin typeface="Arial" panose="020B0604020202020204" pitchFamily="34" charset="0"/>
+                        </a:rPr>
+                        <a:t>Avant</a:t>
+                      </a:r>
+                    </a:p>
+                  </a:txBody>
+                  <a:tcPr marL="7421" marR="7421" marT="7421" marB="0" anchor="b">
+                    <a:lnL>
+                      <a:noFill/>
+                    </a:lnL>
+                    <a:lnR w="6350" cap="flat" cmpd="sng" algn="ctr">
+                      <a:solidFill>
+                        <a:srgbClr val="000000"/>
+                      </a:solidFill>
+                      <a:prstDash val="solid"/>
+                      <a:round/>
+                      <a:headEnd type="none" w="med" len="med"/>
+                      <a:tailEnd type="none" w="med" len="med"/>
+                    </a:lnR>
+                    <a:lnT>
+                      <a:noFill/>
+                    </a:lnT>
+                    <a:lnB>
+                      <a:noFill/>
+                    </a:lnB>
+                    <a:solidFill>
+                      <a:srgbClr val="262626"/>
+                    </a:solidFill>
+                  </a:tcPr>
+                </a:tc>
+                <a:tc>
+                  <a:txBody>
+                    <a:bodyPr/>
+                    <a:lstStyle/>
+                    <a:p>
+                      <a:pPr algn="ctr" fontAlgn="b"/>
+                      <a:r>
+                        <a:rPr lang="fr-FR" sz="1200" b="0" i="0" u="none" strike="noStrike">
+                          <a:solidFill>
+                            <a:srgbClr val="000000"/>
+                          </a:solidFill>
+                          <a:effectLst/>
+                          <a:latin typeface="Arial" panose="020B0604020202020204" pitchFamily="34" charset="0"/>
+                        </a:rPr>
+                        <a:t>35</a:t>
+                      </a:r>
+                    </a:p>
+                  </a:txBody>
+                  <a:tcPr marL="7421" marR="7421" marT="7421" marB="0" anchor="b">
+                    <a:lnL w="6350" cap="flat" cmpd="sng" algn="ctr">
+                      <a:solidFill>
+                        <a:srgbClr val="000000"/>
+                      </a:solidFill>
+                      <a:prstDash val="solid"/>
+                      <a:round/>
+                      <a:headEnd type="none" w="med" len="med"/>
+                      <a:tailEnd type="none" w="med" len="med"/>
+                    </a:lnL>
+                    <a:lnR w="6350" cap="flat" cmpd="sng" algn="ctr">
+                      <a:solidFill>
+                        <a:srgbClr val="000000"/>
+                      </a:solidFill>
+                      <a:prstDash val="solid"/>
+                      <a:round/>
+                      <a:headEnd type="none" w="med" len="med"/>
+                      <a:tailEnd type="none" w="med" len="med"/>
+                    </a:lnR>
+                    <a:lnT w="6350" cap="flat" cmpd="sng" algn="ctr">
+                      <a:solidFill>
+                        <a:srgbClr val="000000"/>
+                      </a:solidFill>
+                      <a:prstDash val="solid"/>
+                      <a:round/>
+                      <a:headEnd type="none" w="med" len="med"/>
+                      <a:tailEnd type="none" w="med" len="med"/>
+                    </a:lnT>
+                    <a:lnB w="6350" cap="flat" cmpd="sng" algn="ctr">
+                      <a:solidFill>
+                        <a:srgbClr val="000000"/>
+                      </a:solidFill>
+                      <a:prstDash val="solid"/>
+                      <a:round/>
+                      <a:headEnd type="none" w="med" len="med"/>
+                      <a:tailEnd type="none" w="med" len="med"/>
+                    </a:lnB>
+                    <a:solidFill>
+                      <a:srgbClr val="FFC000"/>
+                    </a:solidFill>
+                  </a:tcPr>
+                </a:tc>
+                <a:tc>
+                  <a:txBody>
+                    <a:bodyPr/>
+                    <a:lstStyle/>
+                    <a:p>
+                      <a:pPr algn="ctr" fontAlgn="b"/>
+                      <a:r>
+                        <a:rPr lang="fr-FR" sz="1200" b="0" i="0" u="none" strike="noStrike">
+                          <a:solidFill>
+                            <a:srgbClr val="000000"/>
+                          </a:solidFill>
+                          <a:effectLst/>
+                          <a:latin typeface="Arial" panose="020B0604020202020204" pitchFamily="34" charset="0"/>
+                        </a:rPr>
+                        <a:t>Avant</a:t>
+                      </a:r>
+                    </a:p>
+                  </a:txBody>
+                  <a:tcPr marL="7421" marR="7421" marT="7421" marB="0" anchor="b">
+                    <a:lnL w="6350" cap="flat" cmpd="sng" algn="ctr">
+                      <a:solidFill>
+                        <a:srgbClr val="000000"/>
+                      </a:solidFill>
+                      <a:prstDash val="solid"/>
+                      <a:round/>
+                      <a:headEnd type="none" w="med" len="med"/>
+                      <a:tailEnd type="none" w="med" len="med"/>
+                    </a:lnL>
+                    <a:lnR w="6350" cap="flat" cmpd="sng" algn="ctr">
+                      <a:solidFill>
+                        <a:srgbClr val="000000"/>
+                      </a:solidFill>
+                      <a:prstDash val="solid"/>
+                      <a:round/>
+                      <a:headEnd type="none" w="med" len="med"/>
+                      <a:tailEnd type="none" w="med" len="med"/>
+                    </a:lnR>
+                    <a:lnT w="6350" cap="flat" cmpd="sng" algn="ctr">
+                      <a:solidFill>
+                        <a:srgbClr val="000000"/>
+                      </a:solidFill>
+                      <a:prstDash val="solid"/>
+                      <a:round/>
+                      <a:headEnd type="none" w="med" len="med"/>
+                      <a:tailEnd type="none" w="med" len="med"/>
+                    </a:lnT>
+                    <a:lnB w="6350" cap="flat" cmpd="sng" algn="ctr">
+                      <a:solidFill>
+                        <a:srgbClr val="000000"/>
+                      </a:solidFill>
+                      <a:prstDash val="solid"/>
+                      <a:round/>
+                      <a:headEnd type="none" w="med" len="med"/>
+                      <a:tailEnd type="none" w="med" len="med"/>
+                    </a:lnB>
+                    <a:solidFill>
+                      <a:srgbClr val="FFC000"/>
+                    </a:solidFill>
+                  </a:tcPr>
+                </a:tc>
+                <a:tc>
+                  <a:txBody>
+                    <a:bodyPr/>
+                    <a:lstStyle/>
+                    <a:p>
+                      <a:pPr algn="l" fontAlgn="b"/>
+                      <a:endParaRPr lang="fr-FR" sz="1200" b="0" i="0" u="none" strike="noStrike">
+                        <a:solidFill>
+                          <a:srgbClr val="000000"/>
+                        </a:solidFill>
+                        <a:effectLst/>
+                        <a:latin typeface="Arial" panose="020B0604020202020204" pitchFamily="34" charset="0"/>
+                      </a:endParaRPr>
+                    </a:p>
+                  </a:txBody>
+                  <a:tcPr marL="7421" marR="7421" marT="7421" marB="0" anchor="b">
+                    <a:lnL w="6350" cap="flat" cmpd="sng" algn="ctr">
+                      <a:solidFill>
+                        <a:srgbClr val="000000"/>
+                      </a:solidFill>
+                      <a:prstDash val="solid"/>
+                      <a:round/>
+                      <a:headEnd type="none" w="med" len="med"/>
+                      <a:tailEnd type="none" w="med" len="med"/>
+                    </a:lnL>
+                    <a:lnR>
+                      <a:noFill/>
+                    </a:lnR>
+                    <a:lnT>
+                      <a:noFill/>
+                    </a:lnT>
+                    <a:lnB>
+                      <a:noFill/>
+                    </a:lnB>
+                  </a:tcPr>
+                </a:tc>
+                <a:tc>
+                  <a:txBody>
+                    <a:bodyPr/>
+                    <a:lstStyle/>
+                    <a:p>
+                      <a:pPr algn="l" fontAlgn="b"/>
+                      <a:endParaRPr lang="fr-FR" sz="1200" b="0" i="0" u="none" strike="noStrike">
+                        <a:solidFill>
+                          <a:srgbClr val="000000"/>
+                        </a:solidFill>
+                        <a:effectLst/>
+                        <a:latin typeface="Arial" panose="020B0604020202020204" pitchFamily="34" charset="0"/>
+                      </a:endParaRPr>
+                    </a:p>
+                  </a:txBody>
+                  <a:tcPr marL="7421" marR="7421" marT="7421" marB="0" anchor="b">
+                    <a:lnL>
+                      <a:noFill/>
+                    </a:lnL>
+                    <a:lnR>
+                      <a:noFill/>
+                    </a:lnR>
+                    <a:lnT>
+                      <a:noFill/>
+                    </a:lnT>
+                    <a:lnB>
+                      <a:noFill/>
+                    </a:lnB>
+                  </a:tcPr>
+                </a:tc>
+                <a:tc>
+                  <a:txBody>
+                    <a:bodyPr/>
+                    <a:lstStyle/>
+                    <a:p>
+                      <a:pPr algn="l" fontAlgn="b"/>
+                      <a:endParaRPr lang="fr-FR" sz="1200" b="0" i="0" u="none" strike="noStrike">
+                        <a:solidFill>
+                          <a:srgbClr val="000000"/>
+                        </a:solidFill>
+                        <a:effectLst/>
+                        <a:latin typeface="Arial" panose="020B0604020202020204" pitchFamily="34" charset="0"/>
+                      </a:endParaRPr>
+                    </a:p>
+                  </a:txBody>
+                  <a:tcPr marL="7421" marR="7421" marT="7421" marB="0" anchor="b">
+                    <a:lnL>
+                      <a:noFill/>
+                    </a:lnL>
+                    <a:lnR>
+                      <a:noFill/>
+                    </a:lnR>
+                    <a:lnT>
+                      <a:noFill/>
+                    </a:lnT>
+                    <a:lnB>
+                      <a:noFill/>
+                    </a:lnB>
+                  </a:tcPr>
+                </a:tc>
+                <a:extLst>
+                  <a:ext uri="{0D108BD9-81ED-4DB2-BD59-A6C34878D82A}">
+                    <a16:rowId xmlns:a16="http://schemas.microsoft.com/office/drawing/2014/main" val="1966287066"/>
+                  </a:ext>
+                </a:extLst>
+              </a:tr>
+              <a:tr h="192944">
+                <a:tc>
+                  <a:txBody>
+                    <a:bodyPr/>
+                    <a:lstStyle/>
+                    <a:p>
+                      <a:pPr algn="ctr" fontAlgn="b"/>
+                      <a:r>
+                        <a:rPr lang="fr-FR" sz="1200" b="1" i="0" u="none" strike="noStrike">
+                          <a:solidFill>
+                            <a:srgbClr val="FFFFFF"/>
+                          </a:solidFill>
+                          <a:effectLst/>
+                          <a:latin typeface="Arial" panose="020B0604020202020204" pitchFamily="34" charset="0"/>
+                        </a:rPr>
+                        <a:t>Après</a:t>
+                      </a:r>
+                    </a:p>
+                  </a:txBody>
+                  <a:tcPr marL="7421" marR="7421" marT="7421" marB="0" anchor="b">
+                    <a:lnL>
+                      <a:noFill/>
+                    </a:lnL>
+                    <a:lnR w="6350" cap="flat" cmpd="sng" algn="ctr">
+                      <a:solidFill>
+                        <a:srgbClr val="000000"/>
+                      </a:solidFill>
+                      <a:prstDash val="solid"/>
+                      <a:round/>
+                      <a:headEnd type="none" w="med" len="med"/>
+                      <a:tailEnd type="none" w="med" len="med"/>
+                    </a:lnR>
+                    <a:lnT>
+                      <a:noFill/>
+                    </a:lnT>
+                    <a:lnB>
+                      <a:noFill/>
+                    </a:lnB>
+                    <a:solidFill>
+                      <a:srgbClr val="262626"/>
+                    </a:solidFill>
+                  </a:tcPr>
+                </a:tc>
+                <a:tc>
+                  <a:txBody>
+                    <a:bodyPr/>
+                    <a:lstStyle/>
+                    <a:p>
+                      <a:pPr algn="ctr" fontAlgn="b"/>
+                      <a:r>
+                        <a:rPr lang="fr-FR" sz="1200" b="0" i="0" u="none" strike="noStrike">
+                          <a:solidFill>
+                            <a:srgbClr val="000000"/>
+                          </a:solidFill>
+                          <a:effectLst/>
+                          <a:latin typeface="Arial" panose="020B0604020202020204" pitchFamily="34" charset="0"/>
+                        </a:rPr>
+                        <a:t>0</a:t>
+                      </a:r>
+                    </a:p>
+                  </a:txBody>
+                  <a:tcPr marL="7421" marR="7421" marT="7421" marB="0" anchor="b">
+                    <a:lnL w="6350" cap="flat" cmpd="sng" algn="ctr">
+                      <a:solidFill>
+                        <a:srgbClr val="000000"/>
+                      </a:solidFill>
+                      <a:prstDash val="solid"/>
+                      <a:round/>
+                      <a:headEnd type="none" w="med" len="med"/>
+                      <a:tailEnd type="none" w="med" len="med"/>
+                    </a:lnL>
+                    <a:lnR w="6350" cap="flat" cmpd="sng" algn="ctr">
+                      <a:solidFill>
+                        <a:srgbClr val="000000"/>
+                      </a:solidFill>
+                      <a:prstDash val="solid"/>
+                      <a:round/>
+                      <a:headEnd type="none" w="med" len="med"/>
+                      <a:tailEnd type="none" w="med" len="med"/>
+                    </a:lnR>
+                    <a:lnT w="6350" cap="flat" cmpd="sng" algn="ctr">
+                      <a:solidFill>
+                        <a:srgbClr val="000000"/>
+                      </a:solidFill>
+                      <a:prstDash val="solid"/>
+                      <a:round/>
+                      <a:headEnd type="none" w="med" len="med"/>
+                      <a:tailEnd type="none" w="med" len="med"/>
+                    </a:lnT>
+                    <a:lnB w="6350" cap="flat" cmpd="sng" algn="ctr">
+                      <a:solidFill>
+                        <a:srgbClr val="000000"/>
+                      </a:solidFill>
+                      <a:prstDash val="solid"/>
+                      <a:round/>
+                      <a:headEnd type="none" w="med" len="med"/>
+                      <a:tailEnd type="none" w="med" len="med"/>
+                    </a:lnB>
+                    <a:solidFill>
+                      <a:srgbClr val="92D050"/>
+                    </a:solidFill>
+                  </a:tcPr>
+                </a:tc>
+                <a:tc>
+                  <a:txBody>
+                    <a:bodyPr/>
+                    <a:lstStyle/>
+                    <a:p>
+                      <a:pPr algn="ctr" fontAlgn="b"/>
+                      <a:r>
+                        <a:rPr lang="fr-FR" sz="1200" b="0" i="0" u="none" strike="noStrike">
+                          <a:solidFill>
+                            <a:srgbClr val="000000"/>
+                          </a:solidFill>
+                          <a:effectLst/>
+                          <a:latin typeface="Arial" panose="020B0604020202020204" pitchFamily="34" charset="0"/>
+                        </a:rPr>
+                        <a:t>Après</a:t>
+                      </a:r>
+                    </a:p>
+                  </a:txBody>
+                  <a:tcPr marL="7421" marR="7421" marT="7421" marB="0" anchor="b">
+                    <a:lnL w="6350" cap="flat" cmpd="sng" algn="ctr">
+                      <a:solidFill>
+                        <a:srgbClr val="000000"/>
+                      </a:solidFill>
+                      <a:prstDash val="solid"/>
+                      <a:round/>
+                      <a:headEnd type="none" w="med" len="med"/>
+                      <a:tailEnd type="none" w="med" len="med"/>
+                    </a:lnL>
+                    <a:lnR w="6350" cap="flat" cmpd="sng" algn="ctr">
+                      <a:solidFill>
+                        <a:srgbClr val="000000"/>
+                      </a:solidFill>
+                      <a:prstDash val="solid"/>
+                      <a:round/>
+                      <a:headEnd type="none" w="med" len="med"/>
+                      <a:tailEnd type="none" w="med" len="med"/>
+                    </a:lnR>
+                    <a:lnT w="6350" cap="flat" cmpd="sng" algn="ctr">
+                      <a:solidFill>
+                        <a:srgbClr val="000000"/>
+                      </a:solidFill>
+                      <a:prstDash val="solid"/>
+                      <a:round/>
+                      <a:headEnd type="none" w="med" len="med"/>
+                      <a:tailEnd type="none" w="med" len="med"/>
+                    </a:lnT>
+                    <a:lnB w="6350" cap="flat" cmpd="sng" algn="ctr">
+                      <a:solidFill>
+                        <a:srgbClr val="000000"/>
+                      </a:solidFill>
+                      <a:prstDash val="solid"/>
+                      <a:round/>
+                      <a:headEnd type="none" w="med" len="med"/>
+                      <a:tailEnd type="none" w="med" len="med"/>
+                    </a:lnB>
+                    <a:solidFill>
+                      <a:srgbClr val="92D050"/>
+                    </a:solidFill>
+                  </a:tcPr>
+                </a:tc>
+                <a:tc>
+                  <a:txBody>
+                    <a:bodyPr/>
+                    <a:lstStyle/>
+                    <a:p>
+                      <a:pPr algn="l" fontAlgn="b"/>
+                      <a:endParaRPr lang="fr-FR" sz="1200" b="0" i="0" u="none" strike="noStrike">
+                        <a:solidFill>
+                          <a:srgbClr val="000000"/>
+                        </a:solidFill>
+                        <a:effectLst/>
+                        <a:latin typeface="Arial" panose="020B0604020202020204" pitchFamily="34" charset="0"/>
+                      </a:endParaRPr>
+                    </a:p>
+                  </a:txBody>
+                  <a:tcPr marL="7421" marR="7421" marT="7421" marB="0" anchor="b">
+                    <a:lnL w="6350" cap="flat" cmpd="sng" algn="ctr">
+                      <a:solidFill>
+                        <a:srgbClr val="000000"/>
+                      </a:solidFill>
+                      <a:prstDash val="solid"/>
+                      <a:round/>
+                      <a:headEnd type="none" w="med" len="med"/>
+                      <a:tailEnd type="none" w="med" len="med"/>
+                    </a:lnL>
+                    <a:lnR>
+                      <a:noFill/>
+                    </a:lnR>
+                    <a:lnT>
+                      <a:noFill/>
+                    </a:lnT>
+                    <a:lnB>
+                      <a:noFill/>
+                    </a:lnB>
+                  </a:tcPr>
+                </a:tc>
+                <a:tc>
+                  <a:txBody>
+                    <a:bodyPr/>
+                    <a:lstStyle/>
+                    <a:p>
+                      <a:pPr algn="l" fontAlgn="b"/>
+                      <a:endParaRPr lang="fr-FR" sz="1200" b="0" i="0" u="none" strike="noStrike">
+                        <a:solidFill>
+                          <a:srgbClr val="000000"/>
+                        </a:solidFill>
+                        <a:effectLst/>
+                        <a:latin typeface="Arial" panose="020B0604020202020204" pitchFamily="34" charset="0"/>
+                      </a:endParaRPr>
+                    </a:p>
+                  </a:txBody>
+                  <a:tcPr marL="7421" marR="7421" marT="7421" marB="0" anchor="b">
+                    <a:lnL>
+                      <a:noFill/>
+                    </a:lnL>
+                    <a:lnR>
+                      <a:noFill/>
+                    </a:lnR>
+                    <a:lnT>
+                      <a:noFill/>
+                    </a:lnT>
+                    <a:lnB>
+                      <a:noFill/>
+                    </a:lnB>
+                  </a:tcPr>
+                </a:tc>
+                <a:tc>
+                  <a:txBody>
+                    <a:bodyPr/>
+                    <a:lstStyle/>
+                    <a:p>
+                      <a:pPr algn="l" fontAlgn="b"/>
+                      <a:endParaRPr lang="fr-FR" sz="1200" b="0" i="0" u="none" strike="noStrike">
+                        <a:solidFill>
+                          <a:srgbClr val="000000"/>
+                        </a:solidFill>
+                        <a:effectLst/>
+                        <a:latin typeface="Arial" panose="020B0604020202020204" pitchFamily="34" charset="0"/>
+                      </a:endParaRPr>
+                    </a:p>
+                  </a:txBody>
+                  <a:tcPr marL="7421" marR="7421" marT="7421" marB="0" anchor="b">
+                    <a:lnL>
+                      <a:noFill/>
+                    </a:lnL>
+                    <a:lnR>
+                      <a:noFill/>
+                    </a:lnR>
+                    <a:lnT>
+                      <a:noFill/>
+                    </a:lnT>
+                    <a:lnB>
+                      <a:noFill/>
+                    </a:lnB>
+                  </a:tcPr>
+                </a:tc>
+                <a:extLst>
+                  <a:ext uri="{0D108BD9-81ED-4DB2-BD59-A6C34878D82A}">
+                    <a16:rowId xmlns:a16="http://schemas.microsoft.com/office/drawing/2014/main" val="1278790371"/>
+                  </a:ext>
+                </a:extLst>
+              </a:tr>
+              <a:tr h="192944">
+                <a:tc>
+                  <a:txBody>
+                    <a:bodyPr/>
+                    <a:lstStyle/>
+                    <a:p>
+                      <a:pPr algn="ctr" fontAlgn="b"/>
+                      <a:r>
+                        <a:rPr lang="fr-FR" sz="1200" b="1" i="0" u="none" strike="noStrike">
+                          <a:solidFill>
+                            <a:srgbClr val="FFFFFF"/>
+                          </a:solidFill>
+                          <a:effectLst/>
+                          <a:latin typeface="Arial" panose="020B0604020202020204" pitchFamily="34" charset="0"/>
+                        </a:rPr>
+                        <a:t>Total</a:t>
+                      </a:r>
+                    </a:p>
+                  </a:txBody>
+                  <a:tcPr marL="7421" marR="7421" marT="7421" marB="0" anchor="b">
+                    <a:lnL>
+                      <a:noFill/>
+                    </a:lnL>
+                    <a:lnR>
+                      <a:noFill/>
+                    </a:lnR>
+                    <a:lnT>
+                      <a:noFill/>
+                    </a:lnT>
+                    <a:lnB>
+                      <a:noFill/>
+                    </a:lnB>
+                    <a:solidFill>
+                      <a:srgbClr val="262626"/>
+                    </a:solidFill>
+                  </a:tcPr>
+                </a:tc>
+                <a:tc>
+                  <a:txBody>
+                    <a:bodyPr/>
+                    <a:lstStyle/>
+                    <a:p>
+                      <a:pPr algn="ctr" fontAlgn="b"/>
+                      <a:r>
+                        <a:rPr lang="fr-FR" sz="1200" b="1" i="0" u="none" strike="noStrike">
+                          <a:solidFill>
+                            <a:srgbClr val="FFFFFF"/>
+                          </a:solidFill>
+                          <a:effectLst/>
+                          <a:latin typeface="Arial" panose="020B0604020202020204" pitchFamily="34" charset="0"/>
+                        </a:rPr>
+                        <a:t>-35</a:t>
+                      </a:r>
+                    </a:p>
+                  </a:txBody>
+                  <a:tcPr marL="7421" marR="7421" marT="7421" marB="0" anchor="b">
+                    <a:lnL>
+                      <a:noFill/>
+                    </a:lnL>
+                    <a:lnR>
+                      <a:noFill/>
+                    </a:lnR>
+                    <a:lnT w="6350" cap="flat" cmpd="sng" algn="ctr">
+                      <a:solidFill>
+                        <a:srgbClr val="000000"/>
+                      </a:solidFill>
+                      <a:prstDash val="solid"/>
+                      <a:round/>
+                      <a:headEnd type="none" w="med" len="med"/>
+                      <a:tailEnd type="none" w="med" len="med"/>
+                    </a:lnT>
+                    <a:lnB>
+                      <a:noFill/>
+                    </a:lnB>
+                    <a:solidFill>
+                      <a:srgbClr val="262626"/>
+                    </a:solidFill>
+                  </a:tcPr>
+                </a:tc>
+                <a:tc>
+                  <a:txBody>
+                    <a:bodyPr/>
+                    <a:lstStyle/>
+                    <a:p>
+                      <a:pPr algn="ctr" fontAlgn="b"/>
+                      <a:r>
+                        <a:rPr lang="fr-FR" sz="1200" b="1" i="0" u="none" strike="noStrike">
+                          <a:solidFill>
+                            <a:srgbClr val="FFFFFF"/>
+                          </a:solidFill>
+                          <a:effectLst/>
+                          <a:latin typeface="Arial" panose="020B0604020202020204" pitchFamily="34" charset="0"/>
+                        </a:rPr>
+                        <a:t>Erreurs</a:t>
+                      </a:r>
+                    </a:p>
+                  </a:txBody>
+                  <a:tcPr marL="7421" marR="7421" marT="7421" marB="0" anchor="b">
+                    <a:lnL>
+                      <a:noFill/>
+                    </a:lnL>
+                    <a:lnR>
+                      <a:noFill/>
+                    </a:lnR>
+                    <a:lnT w="6350" cap="flat" cmpd="sng" algn="ctr">
+                      <a:solidFill>
+                        <a:srgbClr val="000000"/>
+                      </a:solidFill>
+                      <a:prstDash val="solid"/>
+                      <a:round/>
+                      <a:headEnd type="none" w="med" len="med"/>
+                      <a:tailEnd type="none" w="med" len="med"/>
+                    </a:lnT>
+                    <a:lnB>
+                      <a:noFill/>
+                    </a:lnB>
+                    <a:solidFill>
+                      <a:srgbClr val="262626"/>
+                    </a:solidFill>
+                  </a:tcPr>
+                </a:tc>
+                <a:tc>
+                  <a:txBody>
+                    <a:bodyPr/>
+                    <a:lstStyle/>
+                    <a:p>
+                      <a:pPr algn="l" fontAlgn="b"/>
+                      <a:endParaRPr lang="fr-FR" sz="1200" b="0" i="0" u="none" strike="noStrike">
+                        <a:solidFill>
+                          <a:srgbClr val="000000"/>
+                        </a:solidFill>
+                        <a:effectLst/>
+                        <a:latin typeface="Arial" panose="020B0604020202020204" pitchFamily="34" charset="0"/>
+                      </a:endParaRPr>
+                    </a:p>
+                  </a:txBody>
+                  <a:tcPr marL="7421" marR="7421" marT="7421" marB="0" anchor="b">
+                    <a:lnL>
+                      <a:noFill/>
+                    </a:lnL>
+                    <a:lnR>
+                      <a:noFill/>
+                    </a:lnR>
+                    <a:lnT>
+                      <a:noFill/>
+                    </a:lnT>
+                    <a:lnB>
+                      <a:noFill/>
+                    </a:lnB>
+                  </a:tcPr>
+                </a:tc>
+                <a:tc>
+                  <a:txBody>
+                    <a:bodyPr/>
+                    <a:lstStyle/>
+                    <a:p>
+                      <a:pPr algn="l" fontAlgn="b"/>
+                      <a:endParaRPr lang="fr-FR" sz="1200" b="0" i="0" u="none" strike="noStrike">
+                        <a:solidFill>
+                          <a:srgbClr val="000000"/>
+                        </a:solidFill>
+                        <a:effectLst/>
+                        <a:latin typeface="Arial" panose="020B0604020202020204" pitchFamily="34" charset="0"/>
+                      </a:endParaRPr>
+                    </a:p>
+                  </a:txBody>
+                  <a:tcPr marL="7421" marR="7421" marT="7421" marB="0" anchor="b">
+                    <a:lnL>
+                      <a:noFill/>
+                    </a:lnL>
+                    <a:lnR>
+                      <a:noFill/>
+                    </a:lnR>
+                    <a:lnT>
+                      <a:noFill/>
+                    </a:lnT>
+                    <a:lnB>
+                      <a:noFill/>
+                    </a:lnB>
+                  </a:tcPr>
+                </a:tc>
+                <a:tc>
+                  <a:txBody>
+                    <a:bodyPr/>
+                    <a:lstStyle/>
+                    <a:p>
+                      <a:pPr algn="l" fontAlgn="b"/>
+                      <a:endParaRPr lang="fr-FR" sz="1200" b="0" i="0" u="none" strike="noStrike" dirty="0">
+                        <a:solidFill>
+                          <a:srgbClr val="000000"/>
+                        </a:solidFill>
+                        <a:effectLst/>
+                        <a:latin typeface="Arial" panose="020B0604020202020204" pitchFamily="34" charset="0"/>
+                      </a:endParaRPr>
+                    </a:p>
+                  </a:txBody>
+                  <a:tcPr marL="7421" marR="7421" marT="7421" marB="0" anchor="b">
+                    <a:lnL>
+                      <a:noFill/>
+                    </a:lnL>
+                    <a:lnR>
+                      <a:noFill/>
+                    </a:lnR>
+                    <a:lnT>
+                      <a:noFill/>
+                    </a:lnT>
+                    <a:lnB>
+                      <a:noFill/>
+                    </a:lnB>
+                  </a:tcPr>
+                </a:tc>
+                <a:extLst>
+                  <a:ext uri="{0D108BD9-81ED-4DB2-BD59-A6C34878D82A}">
+                    <a16:rowId xmlns:a16="http://schemas.microsoft.com/office/drawing/2014/main" val="2478701290"/>
+                  </a:ext>
+                </a:extLst>
+              </a:tr>
+            </a:tbl>
+          </a:graphicData>
+        </a:graphic>
+      </p:graphicFrame>
+    </p:spTree>
+    <p:extLst>
+      <p:ext uri="{BB962C8B-B14F-4D97-AF65-F5344CB8AC3E}">
+        <p14:creationId xmlns:p14="http://schemas.microsoft.com/office/powerpoint/2010/main" val="3533239358"/>
+      </p:ext>
+    </p:extLst>
+  </p:cSld>
+  <p:clrMapOvr>
+    <a:overrideClrMapping bg1="lt1" tx1="dk1" bg2="lt2" tx2="dk2" accent1="accent1" accent2="accent2" accent3="accent3" accent4="accent4" accent5="accent5" accent6="accent6" hlink="hlink" folHlink="folHlink"/>
+  </p:clrMapOvr>
+  <mc:AlternateContent xmlns:mc="http://schemas.openxmlformats.org/markup-compatibility/2006" xmlns:p14="http://schemas.microsoft.com/office/powerpoint/2010/main">
+    <mc:Choice Requires="p14">
+      <p:transition spd="slow" p14:dur="3400">
+        <p14:reveal/>
+      </p:transition>
+    </mc:Choice>
+    <mc:Fallback xmlns="">
+      <p:transition spd="slow">
+        <p:fade/>
+      </p:transition>
+    </mc:Fallback>
+  </mc:AlternateContent>
+</p:sld>
+</file>
+
 <file path=ppt/slides/slide2.xml><?xml version="1.0" encoding="utf-8"?>
 <p:sld xmlns:a="http://schemas.openxmlformats.org/drawingml/2006/main" xmlns:r="http://schemas.openxmlformats.org/officeDocument/2006/relationships" xmlns:p="http://schemas.openxmlformats.org/presentationml/2006/main">
   <p:cSld>
@@ -14347,6 +19121,162 @@
           <p:cNvPr id="2" name="Titre 1">
             <a:extLst>
               <a:ext uri="{FF2B5EF4-FFF2-40B4-BE49-F238E27FC236}">
+                <a16:creationId xmlns:a16="http://schemas.microsoft.com/office/drawing/2014/main" id="{E829A397-21E8-4A0E-AF2C-24A6D5C4BB55}"/>
+              </a:ext>
+            </a:extLst>
+          </p:cNvPr>
+          <p:cNvSpPr>
+            <a:spLocks noGrp="1"/>
+          </p:cNvSpPr>
+          <p:nvPr>
+            <p:ph type="title"/>
+          </p:nvPr>
+        </p:nvSpPr>
+        <p:spPr/>
+        <p:txBody>
+          <a:bodyPr/>
+          <a:lstStyle/>
+          <a:p>
+            <a:r>
+              <a:rPr lang="fr-FR" dirty="0"/>
+              <a:t>Validation W3C</a:t>
+            </a:r>
+          </a:p>
+        </p:txBody>
+      </p:sp>
+      <p:sp>
+        <p:nvSpPr>
+          <p:cNvPr id="4" name="Espace réservé du pied de page 3">
+            <a:extLst>
+              <a:ext uri="{FF2B5EF4-FFF2-40B4-BE49-F238E27FC236}">
+                <a16:creationId xmlns:a16="http://schemas.microsoft.com/office/drawing/2014/main" id="{2CC5CB2C-F59D-4D50-8D78-08B69920E417}"/>
+              </a:ext>
+            </a:extLst>
+          </p:cNvPr>
+          <p:cNvSpPr>
+            <a:spLocks noGrp="1"/>
+          </p:cNvSpPr>
+          <p:nvPr>
+            <p:ph type="ftr" sz="quarter" idx="11"/>
+          </p:nvPr>
+        </p:nvSpPr>
+        <p:spPr/>
+        <p:txBody>
+          <a:bodyPr/>
+          <a:lstStyle/>
+          <a:p>
+            <a:r>
+              <a:rPr lang="fr-FR"/>
+              <a:t>Optimisez un site web existant - Projet 4 - Feys Olivier</a:t>
+            </a:r>
+          </a:p>
+        </p:txBody>
+      </p:sp>
+      <p:sp>
+        <p:nvSpPr>
+          <p:cNvPr id="5" name="Espace réservé du numéro de diapositive 4">
+            <a:extLst>
+              <a:ext uri="{FF2B5EF4-FFF2-40B4-BE49-F238E27FC236}">
+                <a16:creationId xmlns:a16="http://schemas.microsoft.com/office/drawing/2014/main" id="{7B420332-C28A-49CE-BDED-94F4AC810C22}"/>
+              </a:ext>
+            </a:extLst>
+          </p:cNvPr>
+          <p:cNvSpPr>
+            <a:spLocks noGrp="1"/>
+          </p:cNvSpPr>
+          <p:nvPr>
+            <p:ph type="sldNum" sz="quarter" idx="12"/>
+          </p:nvPr>
+        </p:nvSpPr>
+        <p:spPr/>
+        <p:txBody>
+          <a:bodyPr/>
+          <a:lstStyle/>
+          <a:p>
+            <a:fld id="{C4346826-A150-40DA-A0FA-3017134F7F37}" type="slidenum">
+              <a:rPr lang="fr-FR" smtClean="0"/>
+              <a:t>7</a:t>
+            </a:fld>
+            <a:endParaRPr lang="fr-FR"/>
+          </a:p>
+        </p:txBody>
+      </p:sp>
+      <p:pic>
+        <p:nvPicPr>
+          <p:cNvPr id="11" name="Espace réservé du contenu 10">
+            <a:extLst>
+              <a:ext uri="{FF2B5EF4-FFF2-40B4-BE49-F238E27FC236}">
+                <a16:creationId xmlns:a16="http://schemas.microsoft.com/office/drawing/2014/main" id="{91FEFA45-F8E0-4100-A01A-E47E41A7CA0C}"/>
+              </a:ext>
+            </a:extLst>
+          </p:cNvPr>
+          <p:cNvPicPr>
+            <a:picLocks noGrp="1" noChangeAspect="1"/>
+          </p:cNvPicPr>
+          <p:nvPr>
+            <p:ph idx="1"/>
+          </p:nvPr>
+        </p:nvPicPr>
+        <p:blipFill>
+          <a:blip r:embed="rId2"/>
+          <a:stretch>
+            <a:fillRect/>
+          </a:stretch>
+        </p:blipFill>
+        <p:spPr>
+          <a:xfrm>
+            <a:off x="923925" y="2047081"/>
+            <a:ext cx="10334625" cy="3429000"/>
+          </a:xfrm>
+        </p:spPr>
+      </p:pic>
+    </p:spTree>
+    <p:extLst>
+      <p:ext uri="{BB962C8B-B14F-4D97-AF65-F5344CB8AC3E}">
+        <p14:creationId xmlns:p14="http://schemas.microsoft.com/office/powerpoint/2010/main" val="4065911618"/>
+      </p:ext>
+    </p:extLst>
+  </p:cSld>
+  <p:clrMapOvr>
+    <a:masterClrMapping/>
+  </p:clrMapOvr>
+  <mc:AlternateContent xmlns:mc="http://schemas.openxmlformats.org/markup-compatibility/2006" xmlns:p14="http://schemas.microsoft.com/office/powerpoint/2010/main">
+    <mc:Choice Requires="p14">
+      <p:transition spd="slow" p14:dur="3400">
+        <p14:reveal/>
+      </p:transition>
+    </mc:Choice>
+    <mc:Fallback xmlns="">
+      <p:transition spd="slow">
+        <p:fade/>
+      </p:transition>
+    </mc:Fallback>
+  </mc:AlternateContent>
+</p:sld>
+</file>
+
+<file path=ppt/slides/slide8.xml><?xml version="1.0" encoding="utf-8"?>
+<p:sld xmlns:a="http://schemas.openxmlformats.org/drawingml/2006/main" xmlns:r="http://schemas.openxmlformats.org/officeDocument/2006/relationships" xmlns:p="http://schemas.openxmlformats.org/presentationml/2006/main">
+  <p:cSld>
+    <p:spTree>
+      <p:nvGrpSpPr>
+        <p:cNvPr id="1" name=""/>
+        <p:cNvGrpSpPr/>
+        <p:nvPr/>
+      </p:nvGrpSpPr>
+      <p:grpSpPr>
+        <a:xfrm>
+          <a:off x="0" y="0"/>
+          <a:ext cx="0" cy="0"/>
+          <a:chOff x="0" y="0"/>
+          <a:chExt cx="0" cy="0"/>
+        </a:xfrm>
+      </p:grpSpPr>
+      <p:sp>
+        <p:nvSpPr>
+          <p:cNvPr id="2" name="Titre 1">
+            <a:extLst>
+              <a:ext uri="{FF2B5EF4-FFF2-40B4-BE49-F238E27FC236}">
                 <a16:creationId xmlns:a16="http://schemas.microsoft.com/office/drawing/2014/main" id="{16F95EDA-F476-4225-BAB1-5887FFF8B91C}"/>
               </a:ext>
             </a:extLst>
@@ -14440,7 +19370,7 @@
           <a:p>
             <a:fld id="{C4346826-A150-40DA-A0FA-3017134F7F37}" type="slidenum">
               <a:rPr lang="fr-FR" smtClean="0"/>
-              <a:t>7</a:t>
+              <a:t>8</a:t>
             </a:fld>
             <a:endParaRPr lang="fr-FR"/>
           </a:p>
@@ -14701,7 +19631,7 @@
 </p:sld>
 </file>
 
-<file path=ppt/slides/slide8.xml><?xml version="1.0" encoding="utf-8"?>
+<file path=ppt/slides/slide9.xml><?xml version="1.0" encoding="utf-8"?>
 <p:sld xmlns:a="http://schemas.openxmlformats.org/drawingml/2006/main" xmlns:r="http://schemas.openxmlformats.org/officeDocument/2006/relationships" xmlns:p="http://schemas.openxmlformats.org/presentationml/2006/main">
   <p:cSld>
     <p:spTree>
@@ -14813,7 +19743,7 @@
           <a:p>
             <a:fld id="{C4346826-A150-40DA-A0FA-3017134F7F37}" type="slidenum">
               <a:rPr lang="fr-FR" smtClean="0"/>
-              <a:t>8</a:t>
+              <a:t>9</a:t>
             </a:fld>
             <a:endParaRPr lang="fr-FR"/>
           </a:p>
@@ -15064,4779 +19994,6 @@
   </p:cSld>
   <p:clrMapOvr>
     <a:masterClrMapping/>
-  </p:clrMapOvr>
-  <mc:AlternateContent xmlns:mc="http://schemas.openxmlformats.org/markup-compatibility/2006" xmlns:p14="http://schemas.microsoft.com/office/powerpoint/2010/main">
-    <mc:Choice Requires="p14">
-      <p:transition spd="slow" p14:dur="3400">
-        <p14:reveal/>
-      </p:transition>
-    </mc:Choice>
-    <mc:Fallback xmlns="">
-      <p:transition spd="slow">
-        <p:fade/>
-      </p:transition>
-    </mc:Fallback>
-  </mc:AlternateContent>
-</p:sld>
-</file>
-
-<file path=ppt/slides/slide9.xml><?xml version="1.0" encoding="utf-8"?>
-<p:sld xmlns:a="http://schemas.openxmlformats.org/drawingml/2006/main" xmlns:r="http://schemas.openxmlformats.org/officeDocument/2006/relationships" xmlns:p="http://schemas.openxmlformats.org/presentationml/2006/main">
-  <p:cSld>
-    <p:bg>
-      <p:bgPr>
-        <a:solidFill>
-          <a:schemeClr val="bg1"/>
-        </a:solidFill>
-        <a:effectLst/>
-      </p:bgPr>
-    </p:bg>
-    <p:spTree>
-      <p:nvGrpSpPr>
-        <p:cNvPr id="1" name=""/>
-        <p:cNvGrpSpPr/>
-        <p:nvPr/>
-      </p:nvGrpSpPr>
-      <p:grpSpPr>
-        <a:xfrm>
-          <a:off x="0" y="0"/>
-          <a:ext cx="0" cy="0"/>
-          <a:chOff x="0" y="0"/>
-          <a:chExt cx="0" cy="0"/>
-        </a:xfrm>
-      </p:grpSpPr>
-      <p:sp>
-        <p:nvSpPr>
-          <p:cNvPr id="40" name="Rectangle 39">
-            <a:extLst>
-              <a:ext uri="{FF2B5EF4-FFF2-40B4-BE49-F238E27FC236}">
-                <a16:creationId xmlns:a16="http://schemas.microsoft.com/office/drawing/2014/main" id="{95CB840F-8E41-4CA5-B79B-25CC80AD234A}"/>
-              </a:ext>
-              <a:ext uri="{C183D7F6-B498-43B3-948B-1728B52AA6E4}">
-                <adec:decorative xmlns:adec="http://schemas.microsoft.com/office/drawing/2017/decorative" val="1"/>
-              </a:ext>
-            </a:extLst>
-          </p:cNvPr>
-          <p:cNvSpPr>
-            <a:spLocks noGrp="1" noRot="1" noChangeAspect="1" noMove="1" noResize="1" noEditPoints="1" noAdjustHandles="1" noChangeArrowheads="1" noChangeShapeType="1" noTextEdit="1"/>
-          </p:cNvSpPr>
-          <p:nvPr>
-            <p:extLst>
-              <p:ext uri="{386F3935-93C4-4BCD-93E2-E3B085C9AB24}">
-                <p16:designElem xmlns:p16="http://schemas.microsoft.com/office/powerpoint/2015/main" val="1"/>
-              </p:ext>
-            </p:extLst>
-          </p:nvPr>
-        </p:nvSpPr>
-        <p:spPr>
-          <a:xfrm>
-            <a:off x="0" y="0"/>
-            <a:ext cx="12192000" cy="6858000"/>
-          </a:xfrm>
-          <a:prstGeom prst="rect">
-            <a:avLst/>
-          </a:prstGeom>
-          <a:ln>
-            <a:noFill/>
-          </a:ln>
-        </p:spPr>
-        <p:style>
-          <a:lnRef idx="2">
-            <a:schemeClr val="accent1">
-              <a:shade val="50000"/>
-            </a:schemeClr>
-          </a:lnRef>
-          <a:fillRef idx="1003">
-            <a:schemeClr val="dk2"/>
-          </a:fillRef>
-          <a:effectRef idx="0">
-            <a:schemeClr val="accent1"/>
-          </a:effectRef>
-          <a:fontRef idx="minor">
-            <a:schemeClr val="lt1"/>
-          </a:fontRef>
-        </p:style>
-        <p:txBody>
-          <a:bodyPr rtlCol="0" anchor="ctr"/>
-          <a:lstStyle/>
-          <a:p>
-            <a:pPr algn="ctr"/>
-            <a:endParaRPr lang="en-US"/>
-          </a:p>
-        </p:txBody>
-      </p:sp>
-      <p:sp>
-        <p:nvSpPr>
-          <p:cNvPr id="8" name="Espace réservé du numéro de diapositive 4">
-            <a:extLst>
-              <a:ext uri="{FF2B5EF4-FFF2-40B4-BE49-F238E27FC236}">
-                <a16:creationId xmlns:a16="http://schemas.microsoft.com/office/drawing/2014/main" id="{65BBAD79-49D0-445D-89B3-736AF1C45794}"/>
-              </a:ext>
-            </a:extLst>
-          </p:cNvPr>
-          <p:cNvSpPr txBox="1">
-            <a:spLocks/>
-          </p:cNvSpPr>
-          <p:nvPr/>
-        </p:nvSpPr>
-        <p:spPr>
-          <a:xfrm>
-            <a:off x="924444" y="2668922"/>
-            <a:ext cx="3078749" cy="4482084"/>
-          </a:xfrm>
-          <a:prstGeom prst="rect">
-            <a:avLst/>
-          </a:prstGeom>
-        </p:spPr>
-        <p:txBody>
-          <a:bodyPr vert="horz" lIns="91440" tIns="45720" rIns="91440" bIns="45720" rtlCol="0" anchor="t">
-            <a:normAutofit/>
-          </a:bodyPr>
-          <a:lstStyle>
-            <a:defPPr>
-              <a:defRPr lang="en-US"/>
-            </a:defPPr>
-            <a:lvl1pPr marL="0" algn="r" defTabSz="457200" rtl="0" eaLnBrk="1" latinLnBrk="0" hangingPunct="1">
-              <a:defRPr sz="1000" kern="1200">
-                <a:solidFill>
-                  <a:schemeClr val="tx1">
-                    <a:lumMod val="95000"/>
-                  </a:schemeClr>
-                </a:solidFill>
-                <a:effectLst>
-                  <a:outerShdw blurRad="50800" dist="38100" dir="2700000" algn="tl" rotWithShape="0">
-                    <a:schemeClr val="bg1">
-                      <a:alpha val="43000"/>
-                    </a:schemeClr>
-                  </a:outerShdw>
-                </a:effectLst>
-                <a:latin typeface="+mn-lt"/>
-                <a:ea typeface="+mn-ea"/>
-                <a:cs typeface="+mn-cs"/>
-              </a:defRPr>
-            </a:lvl1pPr>
-            <a:lvl2pPr marL="457200" algn="l" defTabSz="457200" rtl="0" eaLnBrk="1" latinLnBrk="0" hangingPunct="1">
-              <a:defRPr sz="1800" kern="1200">
-                <a:solidFill>
-                  <a:schemeClr val="tx1"/>
-                </a:solidFill>
-                <a:latin typeface="+mn-lt"/>
-                <a:ea typeface="+mn-ea"/>
-                <a:cs typeface="+mn-cs"/>
-              </a:defRPr>
-            </a:lvl2pPr>
-            <a:lvl3pPr marL="914400" algn="l" defTabSz="457200" rtl="0" eaLnBrk="1" latinLnBrk="0" hangingPunct="1">
-              <a:defRPr sz="1800" kern="1200">
-                <a:solidFill>
-                  <a:schemeClr val="tx1"/>
-                </a:solidFill>
-                <a:latin typeface="+mn-lt"/>
-                <a:ea typeface="+mn-ea"/>
-                <a:cs typeface="+mn-cs"/>
-              </a:defRPr>
-            </a:lvl3pPr>
-            <a:lvl4pPr marL="1371600" algn="l" defTabSz="457200" rtl="0" eaLnBrk="1" latinLnBrk="0" hangingPunct="1">
-              <a:defRPr sz="1800" kern="1200">
-                <a:solidFill>
-                  <a:schemeClr val="tx1"/>
-                </a:solidFill>
-                <a:latin typeface="+mn-lt"/>
-                <a:ea typeface="+mn-ea"/>
-                <a:cs typeface="+mn-cs"/>
-              </a:defRPr>
-            </a:lvl4pPr>
-            <a:lvl5pPr marL="1828800" algn="l" defTabSz="457200" rtl="0" eaLnBrk="1" latinLnBrk="0" hangingPunct="1">
-              <a:defRPr sz="1800" kern="1200">
-                <a:solidFill>
-                  <a:schemeClr val="tx1"/>
-                </a:solidFill>
-                <a:latin typeface="+mn-lt"/>
-                <a:ea typeface="+mn-ea"/>
-                <a:cs typeface="+mn-cs"/>
-              </a:defRPr>
-            </a:lvl5pPr>
-            <a:lvl6pPr marL="2286000" algn="l" defTabSz="457200" rtl="0" eaLnBrk="1" latinLnBrk="0" hangingPunct="1">
-              <a:defRPr sz="1800" kern="1200">
-                <a:solidFill>
-                  <a:schemeClr val="tx1"/>
-                </a:solidFill>
-                <a:latin typeface="+mn-lt"/>
-                <a:ea typeface="+mn-ea"/>
-                <a:cs typeface="+mn-cs"/>
-              </a:defRPr>
-            </a:lvl6pPr>
-            <a:lvl7pPr marL="2743200" algn="l" defTabSz="457200" rtl="0" eaLnBrk="1" latinLnBrk="0" hangingPunct="1">
-              <a:defRPr sz="1800" kern="1200">
-                <a:solidFill>
-                  <a:schemeClr val="tx1"/>
-                </a:solidFill>
-                <a:latin typeface="+mn-lt"/>
-                <a:ea typeface="+mn-ea"/>
-                <a:cs typeface="+mn-cs"/>
-              </a:defRPr>
-            </a:lvl7pPr>
-            <a:lvl8pPr marL="3200400" algn="l" defTabSz="457200" rtl="0" eaLnBrk="1" latinLnBrk="0" hangingPunct="1">
-              <a:defRPr sz="1800" kern="1200">
-                <a:solidFill>
-                  <a:schemeClr val="tx1"/>
-                </a:solidFill>
-                <a:latin typeface="+mn-lt"/>
-                <a:ea typeface="+mn-ea"/>
-                <a:cs typeface="+mn-cs"/>
-              </a:defRPr>
-            </a:lvl8pPr>
-            <a:lvl9pPr marL="3657600" algn="l" defTabSz="457200" rtl="0" eaLnBrk="1" latinLnBrk="0" hangingPunct="1">
-              <a:defRPr sz="1800" kern="1200">
-                <a:solidFill>
-                  <a:schemeClr val="tx1"/>
-                </a:solidFill>
-                <a:latin typeface="+mn-lt"/>
-                <a:ea typeface="+mn-ea"/>
-                <a:cs typeface="+mn-cs"/>
-              </a:defRPr>
-            </a:lvl9pPr>
-          </a:lstStyle>
-          <a:p>
-            <a:pPr algn="l">
-              <a:spcBef>
-                <a:spcPct val="20000"/>
-              </a:spcBef>
-              <a:spcAft>
-                <a:spcPts val="600"/>
-              </a:spcAft>
-              <a:buClr>
-                <a:schemeClr val="tx2"/>
-              </a:buClr>
-              <a:buSzPct val="70000"/>
-              <a:buFont typeface="Wingdings 2" charset="2"/>
-            </a:pPr>
-            <a:endParaRPr lang="en-US" sz="1600" dirty="0">
-              <a:ln>
-                <a:solidFill>
-                  <a:srgbClr val="404040">
-                    <a:alpha val="10000"/>
-                  </a:srgbClr>
-                </a:solidFill>
-              </a:ln>
-              <a:solidFill>
-                <a:srgbClr val="DADADA"/>
-              </a:solidFill>
-              <a:effectLst>
-                <a:outerShdw blurRad="9525" dist="25400" dir="14640000" algn="tl" rotWithShape="0">
-                  <a:schemeClr val="bg1">
-                    <a:alpha val="30000"/>
-                  </a:schemeClr>
-                </a:outerShdw>
-              </a:effectLst>
-            </a:endParaRPr>
-          </a:p>
-        </p:txBody>
-      </p:sp>
-      <p:sp>
-        <p:nvSpPr>
-          <p:cNvPr id="4" name="Espace réservé du pied de page 3">
-            <a:extLst>
-              <a:ext uri="{FF2B5EF4-FFF2-40B4-BE49-F238E27FC236}">
-                <a16:creationId xmlns:a16="http://schemas.microsoft.com/office/drawing/2014/main" id="{90005799-ADC1-4AA4-A009-6B565577A45A}"/>
-              </a:ext>
-            </a:extLst>
-          </p:cNvPr>
-          <p:cNvSpPr>
-            <a:spLocks noGrp="1"/>
-          </p:cNvSpPr>
-          <p:nvPr>
-            <p:ph type="ftr" sz="quarter" idx="11"/>
-          </p:nvPr>
-        </p:nvSpPr>
-        <p:spPr>
-          <a:xfrm>
-            <a:off x="0" y="6456816"/>
-            <a:ext cx="6672865" cy="365125"/>
-          </a:xfrm>
-        </p:spPr>
-        <p:txBody>
-          <a:bodyPr vert="horz" lIns="91440" tIns="45720" rIns="91440" bIns="45720" rtlCol="0" anchor="ctr">
-            <a:normAutofit/>
-          </a:bodyPr>
-          <a:lstStyle/>
-          <a:p>
-            <a:pPr defTabSz="914400">
-              <a:spcAft>
-                <a:spcPts val="600"/>
-              </a:spcAft>
-            </a:pPr>
-            <a:r>
-              <a:rPr lang="fr-FR" kern="1200">
-                <a:solidFill>
-                  <a:srgbClr val="F2F2F2"/>
-                </a:solidFill>
-                <a:effectLst>
-                  <a:outerShdw blurRad="50800" dist="38100" dir="2700000" algn="tl" rotWithShape="0">
-                    <a:schemeClr val="bg1">
-                      <a:alpha val="43000"/>
-                    </a:schemeClr>
-                  </a:outerShdw>
-                </a:effectLst>
-                <a:latin typeface="+mn-lt"/>
-                <a:ea typeface="+mn-ea"/>
-                <a:cs typeface="+mn-cs"/>
-              </a:rPr>
-              <a:t>Optimisez un site web existant - Projet 4 - Feys Olivier</a:t>
-            </a:r>
-            <a:endParaRPr lang="en-US" kern="1200">
-              <a:solidFill>
-                <a:srgbClr val="F2F2F2"/>
-              </a:solidFill>
-              <a:effectLst>
-                <a:outerShdw blurRad="50800" dist="38100" dir="2700000" algn="tl" rotWithShape="0">
-                  <a:schemeClr val="bg1">
-                    <a:alpha val="43000"/>
-                  </a:schemeClr>
-                </a:outerShdw>
-              </a:effectLst>
-              <a:latin typeface="+mn-lt"/>
-              <a:ea typeface="+mn-ea"/>
-              <a:cs typeface="+mn-cs"/>
-            </a:endParaRPr>
-          </a:p>
-        </p:txBody>
-      </p:sp>
-      <p:sp>
-        <p:nvSpPr>
-          <p:cNvPr id="5" name="Espace réservé du numéro de diapositive 4">
-            <a:extLst>
-              <a:ext uri="{FF2B5EF4-FFF2-40B4-BE49-F238E27FC236}">
-                <a16:creationId xmlns:a16="http://schemas.microsoft.com/office/drawing/2014/main" id="{2A088C23-6091-42EC-80A4-F890A879AE55}"/>
-              </a:ext>
-            </a:extLst>
-          </p:cNvPr>
-          <p:cNvSpPr>
-            <a:spLocks noGrp="1"/>
-          </p:cNvSpPr>
-          <p:nvPr>
-            <p:ph type="sldNum" sz="quarter" idx="12"/>
-          </p:nvPr>
-        </p:nvSpPr>
-        <p:spPr>
-          <a:xfrm>
-            <a:off x="11366268" y="6472743"/>
-            <a:ext cx="753545" cy="365125"/>
-          </a:xfrm>
-        </p:spPr>
-        <p:txBody>
-          <a:bodyPr vert="horz" lIns="91440" tIns="45720" rIns="91440" bIns="45720" rtlCol="0" anchor="ctr">
-            <a:normAutofit/>
-          </a:bodyPr>
-          <a:lstStyle/>
-          <a:p>
-            <a:pPr defTabSz="914400">
-              <a:spcAft>
-                <a:spcPts val="600"/>
-              </a:spcAft>
-            </a:pPr>
-            <a:fld id="{C4346826-A150-40DA-A0FA-3017134F7F37}" type="slidenum">
-              <a:rPr lang="en-US">
-                <a:solidFill>
-                  <a:srgbClr val="F2F2F2"/>
-                </a:solidFill>
-              </a:rPr>
-              <a:pPr defTabSz="914400">
-                <a:spcAft>
-                  <a:spcPts val="600"/>
-                </a:spcAft>
-              </a:pPr>
-              <a:t>9</a:t>
-            </a:fld>
-            <a:endParaRPr lang="en-US">
-              <a:solidFill>
-                <a:srgbClr val="F2F2F2"/>
-              </a:solidFill>
-            </a:endParaRPr>
-          </a:p>
-        </p:txBody>
-      </p:sp>
-      <p:sp>
-        <p:nvSpPr>
-          <p:cNvPr id="6" name="Titre 1">
-            <a:extLst>
-              <a:ext uri="{FF2B5EF4-FFF2-40B4-BE49-F238E27FC236}">
-                <a16:creationId xmlns:a16="http://schemas.microsoft.com/office/drawing/2014/main" id="{5F1C2637-826D-41C6-8C38-8FFF44321708}"/>
-              </a:ext>
-            </a:extLst>
-          </p:cNvPr>
-          <p:cNvSpPr txBox="1">
-            <a:spLocks/>
-          </p:cNvSpPr>
-          <p:nvPr/>
-        </p:nvSpPr>
-        <p:spPr>
-          <a:xfrm>
-            <a:off x="919119" y="62461"/>
-            <a:ext cx="10353762" cy="970450"/>
-          </a:xfrm>
-          <a:prstGeom prst="rect">
-            <a:avLst/>
-          </a:prstGeom>
-          <a:effectLst>
-            <a:outerShdw blurRad="25400" dir="17880000">
-              <a:srgbClr val="000000">
-                <a:alpha val="46000"/>
-              </a:srgbClr>
-            </a:outerShdw>
-          </a:effectLst>
-        </p:spPr>
-        <p:txBody>
-          <a:bodyPr vert="horz" lIns="91440" tIns="45720" rIns="91440" bIns="45720" rtlCol="0" anchor="ctr">
-            <a:normAutofit/>
-          </a:bodyPr>
-          <a:lstStyle>
-            <a:lvl1pPr algn="ctr" defTabSz="457200" rtl="0" eaLnBrk="1" latinLnBrk="0" hangingPunct="1">
-              <a:spcBef>
-                <a:spcPct val="0"/>
-              </a:spcBef>
-              <a:buNone/>
-              <a:defRPr sz="4000" kern="1200">
-                <a:ln>
-                  <a:solidFill>
-                    <a:schemeClr val="bg1">
-                      <a:lumMod val="75000"/>
-                      <a:lumOff val="25000"/>
-                      <a:alpha val="10000"/>
-                    </a:schemeClr>
-                  </a:solidFill>
-                </a:ln>
-                <a:solidFill>
-                  <a:schemeClr val="tx2"/>
-                </a:solidFill>
-                <a:effectLst>
-                  <a:outerShdw blurRad="9525" dist="25400" dir="14640000" algn="tl" rotWithShape="0">
-                    <a:schemeClr val="bg1">
-                      <a:alpha val="30000"/>
-                    </a:schemeClr>
-                  </a:outerShdw>
-                </a:effectLst>
-                <a:latin typeface="+mj-lt"/>
-                <a:ea typeface="+mj-ea"/>
-                <a:cs typeface="Trebuchet MS"/>
-              </a:defRPr>
-            </a:lvl1pPr>
-            <a:lvl2pPr eaLnBrk="1" hangingPunct="1">
-              <a:defRPr>
-                <a:solidFill>
-                  <a:schemeClr val="tx2"/>
-                </a:solidFill>
-              </a:defRPr>
-            </a:lvl2pPr>
-            <a:lvl3pPr eaLnBrk="1" hangingPunct="1">
-              <a:defRPr>
-                <a:solidFill>
-                  <a:schemeClr val="tx2"/>
-                </a:solidFill>
-              </a:defRPr>
-            </a:lvl3pPr>
-            <a:lvl4pPr eaLnBrk="1" hangingPunct="1">
-              <a:defRPr>
-                <a:solidFill>
-                  <a:schemeClr val="tx2"/>
-                </a:solidFill>
-              </a:defRPr>
-            </a:lvl4pPr>
-            <a:lvl5pPr eaLnBrk="1" hangingPunct="1">
-              <a:defRPr>
-                <a:solidFill>
-                  <a:schemeClr val="tx2"/>
-                </a:solidFill>
-              </a:defRPr>
-            </a:lvl5pPr>
-            <a:lvl6pPr eaLnBrk="1" hangingPunct="1">
-              <a:defRPr>
-                <a:solidFill>
-                  <a:schemeClr val="tx2"/>
-                </a:solidFill>
-              </a:defRPr>
-            </a:lvl6pPr>
-            <a:lvl7pPr eaLnBrk="1" hangingPunct="1">
-              <a:defRPr>
-                <a:solidFill>
-                  <a:schemeClr val="tx2"/>
-                </a:solidFill>
-              </a:defRPr>
-            </a:lvl7pPr>
-            <a:lvl8pPr eaLnBrk="1" hangingPunct="1">
-              <a:defRPr>
-                <a:solidFill>
-                  <a:schemeClr val="tx2"/>
-                </a:solidFill>
-              </a:defRPr>
-            </a:lvl8pPr>
-            <a:lvl9pPr eaLnBrk="1" hangingPunct="1">
-              <a:defRPr>
-                <a:solidFill>
-                  <a:schemeClr val="tx2"/>
-                </a:solidFill>
-              </a:defRPr>
-            </a:lvl9pPr>
-          </a:lstStyle>
-          <a:p>
-            <a:endParaRPr lang="fr-FR" dirty="0"/>
-          </a:p>
-        </p:txBody>
-      </p:sp>
-      <p:sp>
-        <p:nvSpPr>
-          <p:cNvPr id="34" name="ZoneTexte 33">
-            <a:extLst>
-              <a:ext uri="{FF2B5EF4-FFF2-40B4-BE49-F238E27FC236}">
-                <a16:creationId xmlns:a16="http://schemas.microsoft.com/office/drawing/2014/main" id="{A232D545-49FC-4BFB-BC57-A3163F863427}"/>
-              </a:ext>
-            </a:extLst>
-          </p:cNvPr>
-          <p:cNvSpPr txBox="1"/>
-          <p:nvPr/>
-        </p:nvSpPr>
-        <p:spPr>
-          <a:xfrm>
-            <a:off x="576865" y="2632863"/>
-            <a:ext cx="6096000" cy="1569660"/>
-          </a:xfrm>
-          <a:prstGeom prst="rect">
-            <a:avLst/>
-          </a:prstGeom>
-          <a:noFill/>
-        </p:spPr>
-        <p:txBody>
-          <a:bodyPr wrap="square">
-            <a:spAutoFit/>
-          </a:bodyPr>
-          <a:lstStyle/>
-          <a:p>
-            <a:pPr algn="l"/>
-            <a:r>
-              <a:rPr lang="en-US" sz="7200" dirty="0">
-                <a:ln>
-                  <a:solidFill>
-                    <a:srgbClr val="404040">
-                      <a:alpha val="10000"/>
-                    </a:srgbClr>
-                  </a:solidFill>
-                </a:ln>
-                <a:solidFill>
-                  <a:srgbClr val="DADADA"/>
-                </a:solidFill>
-              </a:rPr>
-              <a:t>Résumé </a:t>
-            </a:r>
-            <a:r>
-              <a:rPr lang="en-US" sz="9600" dirty="0">
-                <a:ln>
-                  <a:solidFill>
-                    <a:srgbClr val="404040">
-                      <a:alpha val="10000"/>
-                    </a:srgbClr>
-                  </a:solidFill>
-                </a:ln>
-                <a:solidFill>
-                  <a:srgbClr val="DADADA"/>
-                </a:solidFill>
-              </a:rPr>
-              <a:t>{</a:t>
-            </a:r>
-          </a:p>
-        </p:txBody>
-      </p:sp>
-      <p:pic>
-        <p:nvPicPr>
-          <p:cNvPr id="32" name="Image 31" descr="Une image contenant jeu, horloge&#10;&#10;Description générée automatiquement">
-            <a:extLst>
-              <a:ext uri="{FF2B5EF4-FFF2-40B4-BE49-F238E27FC236}">
-                <a16:creationId xmlns:a16="http://schemas.microsoft.com/office/drawing/2014/main" id="{139ADE64-5CFD-45A5-A93B-4EFD87FD6427}"/>
-              </a:ext>
-            </a:extLst>
-          </p:cNvPr>
-          <p:cNvPicPr>
-            <a:picLocks noChangeAspect="1"/>
-          </p:cNvPicPr>
-          <p:nvPr/>
-        </p:nvPicPr>
-        <p:blipFill>
-          <a:blip r:embed="rId2">
-            <a:extLst>
-              <a:ext uri="{28A0092B-C50C-407E-A947-70E740481C1C}">
-                <a14:useLocalDpi xmlns:a14="http://schemas.microsoft.com/office/drawing/2010/main" val="0"/>
-              </a:ext>
-            </a:extLst>
-          </a:blip>
-          <a:stretch>
-            <a:fillRect/>
-          </a:stretch>
-        </p:blipFill>
-        <p:spPr>
-          <a:xfrm>
-            <a:off x="55586" y="62461"/>
-            <a:ext cx="1904762" cy="1904762"/>
-          </a:xfrm>
-          <a:prstGeom prst="rect">
-            <a:avLst/>
-          </a:prstGeom>
-        </p:spPr>
-      </p:pic>
-      <p:pic>
-        <p:nvPicPr>
-          <p:cNvPr id="37" name="Image 36">
-            <a:extLst>
-              <a:ext uri="{FF2B5EF4-FFF2-40B4-BE49-F238E27FC236}">
-                <a16:creationId xmlns:a16="http://schemas.microsoft.com/office/drawing/2014/main" id="{341E67A6-0F09-4DCB-8FCA-61CE5D8BF1F5}"/>
-              </a:ext>
-            </a:extLst>
-          </p:cNvPr>
-          <p:cNvPicPr>
-            <a:picLocks noChangeAspect="1"/>
-          </p:cNvPicPr>
-          <p:nvPr/>
-        </p:nvPicPr>
-        <p:blipFill>
-          <a:blip r:embed="rId3"/>
-          <a:stretch>
-            <a:fillRect/>
-          </a:stretch>
-        </p:blipFill>
-        <p:spPr>
-          <a:xfrm>
-            <a:off x="1301504" y="4197579"/>
-            <a:ext cx="1885950" cy="962025"/>
-          </a:xfrm>
-          <a:prstGeom prst="rect">
-            <a:avLst/>
-          </a:prstGeom>
-        </p:spPr>
-      </p:pic>
-      <p:graphicFrame>
-        <p:nvGraphicFramePr>
-          <p:cNvPr id="11" name="Espace réservé du contenu 10">
-            <a:extLst>
-              <a:ext uri="{FF2B5EF4-FFF2-40B4-BE49-F238E27FC236}">
-                <a16:creationId xmlns:a16="http://schemas.microsoft.com/office/drawing/2014/main" id="{8177A0CA-CBB0-4A4A-876F-4FB5E4CBFC0C}"/>
-              </a:ext>
-            </a:extLst>
-          </p:cNvPr>
-          <p:cNvGraphicFramePr>
-            <a:graphicFrameLocks noGrp="1"/>
-          </p:cNvGraphicFramePr>
-          <p:nvPr>
-            <p:ph idx="1"/>
-            <p:extLst>
-              <p:ext uri="{D42A27DB-BD31-4B8C-83A1-F6EECF244321}">
-                <p14:modId xmlns:p14="http://schemas.microsoft.com/office/powerpoint/2010/main" val="7974845"/>
-              </p:ext>
-            </p:extLst>
-          </p:nvPr>
-        </p:nvGraphicFramePr>
-        <p:xfrm>
-          <a:off x="4712975" y="1095372"/>
-          <a:ext cx="7111706" cy="4068798"/>
-        </p:xfrm>
-        <a:graphic>
-          <a:graphicData uri="http://schemas.openxmlformats.org/drawingml/2006/table">
-            <a:tbl>
-              <a:tblPr/>
-              <a:tblGrid>
-                <a:gridCol w="724169">
-                  <a:extLst>
-                    <a:ext uri="{9D8B030D-6E8A-4147-A177-3AD203B41FA5}">
-                      <a16:colId xmlns:a16="http://schemas.microsoft.com/office/drawing/2014/main" val="646036800"/>
-                    </a:ext>
-                  </a:extLst>
-                </a:gridCol>
-                <a:gridCol w="1652590">
-                  <a:extLst>
-                    <a:ext uri="{9D8B030D-6E8A-4147-A177-3AD203B41FA5}">
-                      <a16:colId xmlns:a16="http://schemas.microsoft.com/office/drawing/2014/main" val="140225995"/>
-                    </a:ext>
-                  </a:extLst>
-                </a:gridCol>
-                <a:gridCol w="1327641">
-                  <a:extLst>
-                    <a:ext uri="{9D8B030D-6E8A-4147-A177-3AD203B41FA5}">
-                      <a16:colId xmlns:a16="http://schemas.microsoft.com/office/drawing/2014/main" val="1033484568"/>
-                    </a:ext>
-                  </a:extLst>
-                </a:gridCol>
-                <a:gridCol w="1513326">
-                  <a:extLst>
-                    <a:ext uri="{9D8B030D-6E8A-4147-A177-3AD203B41FA5}">
-                      <a16:colId xmlns:a16="http://schemas.microsoft.com/office/drawing/2014/main" val="2804263031"/>
-                    </a:ext>
-                  </a:extLst>
-                </a:gridCol>
-                <a:gridCol w="1169811">
-                  <a:extLst>
-                    <a:ext uri="{9D8B030D-6E8A-4147-A177-3AD203B41FA5}">
-                      <a16:colId xmlns:a16="http://schemas.microsoft.com/office/drawing/2014/main" val="2387307156"/>
-                    </a:ext>
-                  </a:extLst>
-                </a:gridCol>
-                <a:gridCol w="724169">
-                  <a:extLst>
-                    <a:ext uri="{9D8B030D-6E8A-4147-A177-3AD203B41FA5}">
-                      <a16:colId xmlns:a16="http://schemas.microsoft.com/office/drawing/2014/main" val="2981986968"/>
-                    </a:ext>
-                  </a:extLst>
-                </a:gridCol>
-              </a:tblGrid>
-              <a:tr h="363625">
-                <a:tc gridSpan="6">
-                  <a:txBody>
-                    <a:bodyPr/>
-                    <a:lstStyle/>
-                    <a:p>
-                      <a:pPr algn="ctr" fontAlgn="ctr"/>
-                      <a:r>
-                        <a:rPr lang="fr-FR" sz="2300" b="1" i="0" u="none" strike="noStrike">
-                          <a:solidFill>
-                            <a:srgbClr val="FFFFFF"/>
-                          </a:solidFill>
-                          <a:effectLst/>
-                          <a:latin typeface="Arial" panose="020B0604020202020204" pitchFamily="34" charset="0"/>
-                        </a:rPr>
-                        <a:t>Lighthouse</a:t>
-                      </a:r>
-                    </a:p>
-                  </a:txBody>
-                  <a:tcPr marL="7421" marR="7421" marT="7421" marB="0" anchor="ctr">
-                    <a:lnL>
-                      <a:noFill/>
-                    </a:lnL>
-                    <a:lnR>
-                      <a:noFill/>
-                    </a:lnR>
-                    <a:lnT>
-                      <a:noFill/>
-                    </a:lnT>
-                    <a:lnB>
-                      <a:noFill/>
-                    </a:lnB>
-                    <a:solidFill>
-                      <a:srgbClr val="262626"/>
-                    </a:solidFill>
-                  </a:tcPr>
-                </a:tc>
-                <a:tc hMerge="1">
-                  <a:txBody>
-                    <a:bodyPr/>
-                    <a:lstStyle/>
-                    <a:p>
-                      <a:endParaRPr lang="fr-FR"/>
-                    </a:p>
-                  </a:txBody>
-                  <a:tcPr/>
-                </a:tc>
-                <a:tc hMerge="1">
-                  <a:txBody>
-                    <a:bodyPr/>
-                    <a:lstStyle/>
-                    <a:p>
-                      <a:endParaRPr lang="fr-FR"/>
-                    </a:p>
-                  </a:txBody>
-                  <a:tcPr/>
-                </a:tc>
-                <a:tc hMerge="1">
-                  <a:txBody>
-                    <a:bodyPr/>
-                    <a:lstStyle/>
-                    <a:p>
-                      <a:endParaRPr lang="fr-FR"/>
-                    </a:p>
-                  </a:txBody>
-                  <a:tcPr/>
-                </a:tc>
-                <a:tc hMerge="1">
-                  <a:txBody>
-                    <a:bodyPr/>
-                    <a:lstStyle/>
-                    <a:p>
-                      <a:endParaRPr lang="fr-FR"/>
-                    </a:p>
-                  </a:txBody>
-                  <a:tcPr/>
-                </a:tc>
-                <a:tc hMerge="1">
-                  <a:txBody>
-                    <a:bodyPr/>
-                    <a:lstStyle/>
-                    <a:p>
-                      <a:endParaRPr lang="fr-FR"/>
-                    </a:p>
-                  </a:txBody>
-                  <a:tcPr/>
-                </a:tc>
-                <a:extLst>
-                  <a:ext uri="{0D108BD9-81ED-4DB2-BD59-A6C34878D82A}">
-                    <a16:rowId xmlns:a16="http://schemas.microsoft.com/office/drawing/2014/main" val="813630689"/>
-                  </a:ext>
-                </a:extLst>
-              </a:tr>
-              <a:tr h="281995">
-                <a:tc>
-                  <a:txBody>
-                    <a:bodyPr/>
-                    <a:lstStyle/>
-                    <a:p>
-                      <a:pPr algn="ctr" fontAlgn="b"/>
-                      <a:r>
-                        <a:rPr lang="fr-FR" sz="1800" b="0" i="0" u="none" strike="noStrike">
-                          <a:solidFill>
-                            <a:srgbClr val="FFFFFF"/>
-                          </a:solidFill>
-                          <a:effectLst/>
-                          <a:latin typeface="Arial" panose="020B0604020202020204" pitchFamily="34" charset="0"/>
-                        </a:rPr>
-                        <a:t> </a:t>
-                      </a:r>
-                    </a:p>
-                  </a:txBody>
-                  <a:tcPr marL="7421" marR="7421" marT="7421" marB="0" anchor="b">
-                    <a:lnL>
-                      <a:noFill/>
-                    </a:lnL>
-                    <a:lnR>
-                      <a:noFill/>
-                    </a:lnR>
-                    <a:lnT>
-                      <a:noFill/>
-                    </a:lnT>
-                    <a:lnB>
-                      <a:noFill/>
-                    </a:lnB>
-                    <a:solidFill>
-                      <a:srgbClr val="262626"/>
-                    </a:solidFill>
-                  </a:tcPr>
-                </a:tc>
-                <a:tc>
-                  <a:txBody>
-                    <a:bodyPr/>
-                    <a:lstStyle/>
-                    <a:p>
-                      <a:pPr algn="ctr" fontAlgn="b"/>
-                      <a:r>
-                        <a:rPr lang="fr-FR" sz="1800" b="0" i="0" u="none" strike="noStrike">
-                          <a:solidFill>
-                            <a:srgbClr val="FFFFFF"/>
-                          </a:solidFill>
-                          <a:effectLst/>
-                          <a:latin typeface="Arial" panose="020B0604020202020204" pitchFamily="34" charset="0"/>
-                        </a:rPr>
-                        <a:t>Performance</a:t>
-                      </a:r>
-                    </a:p>
-                  </a:txBody>
-                  <a:tcPr marL="7421" marR="7421" marT="7421" marB="0" anchor="b">
-                    <a:lnL>
-                      <a:noFill/>
-                    </a:lnL>
-                    <a:lnR>
-                      <a:noFill/>
-                    </a:lnR>
-                    <a:lnT>
-                      <a:noFill/>
-                    </a:lnT>
-                    <a:lnB w="6350" cap="flat" cmpd="sng" algn="ctr">
-                      <a:solidFill>
-                        <a:srgbClr val="000000"/>
-                      </a:solidFill>
-                      <a:prstDash val="solid"/>
-                      <a:round/>
-                      <a:headEnd type="none" w="med" len="med"/>
-                      <a:tailEnd type="none" w="med" len="med"/>
-                    </a:lnB>
-                    <a:solidFill>
-                      <a:srgbClr val="262626"/>
-                    </a:solidFill>
-                  </a:tcPr>
-                </a:tc>
-                <a:tc>
-                  <a:txBody>
-                    <a:bodyPr/>
-                    <a:lstStyle/>
-                    <a:p>
-                      <a:pPr algn="ctr" fontAlgn="b"/>
-                      <a:r>
-                        <a:rPr lang="fr-FR" sz="1800" b="0" i="0" u="none" strike="noStrike">
-                          <a:solidFill>
-                            <a:srgbClr val="FFFFFF"/>
-                          </a:solidFill>
-                          <a:effectLst/>
-                          <a:latin typeface="Arial" panose="020B0604020202020204" pitchFamily="34" charset="0"/>
-                        </a:rPr>
-                        <a:t>Accessibilité</a:t>
-                      </a:r>
-                    </a:p>
-                  </a:txBody>
-                  <a:tcPr marL="7421" marR="7421" marT="7421" marB="0" anchor="b">
-                    <a:lnL>
-                      <a:noFill/>
-                    </a:lnL>
-                    <a:lnR>
-                      <a:noFill/>
-                    </a:lnR>
-                    <a:lnT>
-                      <a:noFill/>
-                    </a:lnT>
-                    <a:lnB w="6350" cap="flat" cmpd="sng" algn="ctr">
-                      <a:solidFill>
-                        <a:srgbClr val="000000"/>
-                      </a:solidFill>
-                      <a:prstDash val="solid"/>
-                      <a:round/>
-                      <a:headEnd type="none" w="med" len="med"/>
-                      <a:tailEnd type="none" w="med" len="med"/>
-                    </a:lnB>
-                    <a:solidFill>
-                      <a:srgbClr val="262626"/>
-                    </a:solidFill>
-                  </a:tcPr>
-                </a:tc>
-                <a:tc>
-                  <a:txBody>
-                    <a:bodyPr/>
-                    <a:lstStyle/>
-                    <a:p>
-                      <a:pPr algn="ctr" fontAlgn="b"/>
-                      <a:r>
-                        <a:rPr lang="fr-FR" sz="1800" b="0" i="0" u="none" strike="noStrike">
-                          <a:solidFill>
-                            <a:srgbClr val="FFFFFF"/>
-                          </a:solidFill>
-                          <a:effectLst/>
-                          <a:latin typeface="Arial" panose="020B0604020202020204" pitchFamily="34" charset="0"/>
-                        </a:rPr>
-                        <a:t>Best practices</a:t>
-                      </a:r>
-                    </a:p>
-                  </a:txBody>
-                  <a:tcPr marL="7421" marR="7421" marT="7421" marB="0" anchor="b">
-                    <a:lnL>
-                      <a:noFill/>
-                    </a:lnL>
-                    <a:lnR>
-                      <a:noFill/>
-                    </a:lnR>
-                    <a:lnT>
-                      <a:noFill/>
-                    </a:lnT>
-                    <a:lnB w="6350" cap="flat" cmpd="sng" algn="ctr">
-                      <a:solidFill>
-                        <a:srgbClr val="000000"/>
-                      </a:solidFill>
-                      <a:prstDash val="solid"/>
-                      <a:round/>
-                      <a:headEnd type="none" w="med" len="med"/>
-                      <a:tailEnd type="none" w="med" len="med"/>
-                    </a:lnB>
-                    <a:solidFill>
-                      <a:srgbClr val="262626"/>
-                    </a:solidFill>
-                  </a:tcPr>
-                </a:tc>
-                <a:tc>
-                  <a:txBody>
-                    <a:bodyPr/>
-                    <a:lstStyle/>
-                    <a:p>
-                      <a:pPr algn="ctr" fontAlgn="b"/>
-                      <a:r>
-                        <a:rPr lang="fr-FR" sz="1800" b="0" i="0" u="none" strike="noStrike">
-                          <a:solidFill>
-                            <a:srgbClr val="FFFFFF"/>
-                          </a:solidFill>
-                          <a:effectLst/>
-                          <a:latin typeface="Arial" panose="020B0604020202020204" pitchFamily="34" charset="0"/>
-                        </a:rPr>
-                        <a:t>SEO</a:t>
-                      </a:r>
-                    </a:p>
-                  </a:txBody>
-                  <a:tcPr marL="7421" marR="7421" marT="7421" marB="0" anchor="b">
-                    <a:lnL>
-                      <a:noFill/>
-                    </a:lnL>
-                    <a:lnR>
-                      <a:noFill/>
-                    </a:lnR>
-                    <a:lnT>
-                      <a:noFill/>
-                    </a:lnT>
-                    <a:lnB w="6350" cap="flat" cmpd="sng" algn="ctr">
-                      <a:solidFill>
-                        <a:srgbClr val="000000"/>
-                      </a:solidFill>
-                      <a:prstDash val="solid"/>
-                      <a:round/>
-                      <a:headEnd type="none" w="med" len="med"/>
-                      <a:tailEnd type="none" w="med" len="med"/>
-                    </a:lnB>
-                    <a:solidFill>
-                      <a:srgbClr val="262626"/>
-                    </a:solidFill>
-                  </a:tcPr>
-                </a:tc>
-                <a:tc>
-                  <a:txBody>
-                    <a:bodyPr/>
-                    <a:lstStyle/>
-                    <a:p>
-                      <a:pPr algn="ctr" fontAlgn="b"/>
-                      <a:r>
-                        <a:rPr lang="fr-FR" sz="1800" b="0" i="0" u="none" strike="noStrike">
-                          <a:solidFill>
-                            <a:srgbClr val="FFFFFF"/>
-                          </a:solidFill>
-                          <a:effectLst/>
-                          <a:latin typeface="Arial" panose="020B0604020202020204" pitchFamily="34" charset="0"/>
-                        </a:rPr>
-                        <a:t> </a:t>
-                      </a:r>
-                    </a:p>
-                  </a:txBody>
-                  <a:tcPr marL="7421" marR="7421" marT="7421" marB="0" anchor="b">
-                    <a:lnL>
-                      <a:noFill/>
-                    </a:lnL>
-                    <a:lnR>
-                      <a:noFill/>
-                    </a:lnR>
-                    <a:lnT>
-                      <a:noFill/>
-                    </a:lnT>
-                    <a:lnB>
-                      <a:noFill/>
-                    </a:lnB>
-                    <a:solidFill>
-                      <a:srgbClr val="262626"/>
-                    </a:solidFill>
-                  </a:tcPr>
-                </a:tc>
-                <a:extLst>
-                  <a:ext uri="{0D108BD9-81ED-4DB2-BD59-A6C34878D82A}">
-                    <a16:rowId xmlns:a16="http://schemas.microsoft.com/office/drawing/2014/main" val="307168438"/>
-                  </a:ext>
-                </a:extLst>
-              </a:tr>
-              <a:tr h="192944">
-                <a:tc>
-                  <a:txBody>
-                    <a:bodyPr/>
-                    <a:lstStyle/>
-                    <a:p>
-                      <a:pPr algn="ctr" fontAlgn="b"/>
-                      <a:r>
-                        <a:rPr lang="fr-FR" sz="1200" b="1" i="0" u="none" strike="noStrike">
-                          <a:solidFill>
-                            <a:srgbClr val="FFFFFF"/>
-                          </a:solidFill>
-                          <a:effectLst/>
-                          <a:latin typeface="Arial" panose="020B0604020202020204" pitchFamily="34" charset="0"/>
-                        </a:rPr>
-                        <a:t>Avant</a:t>
-                      </a:r>
-                    </a:p>
-                  </a:txBody>
-                  <a:tcPr marL="7421" marR="7421" marT="7421" marB="0" anchor="b">
-                    <a:lnL>
-                      <a:noFill/>
-                    </a:lnL>
-                    <a:lnR w="6350" cap="flat" cmpd="sng" algn="ctr">
-                      <a:solidFill>
-                        <a:srgbClr val="000000"/>
-                      </a:solidFill>
-                      <a:prstDash val="solid"/>
-                      <a:round/>
-                      <a:headEnd type="none" w="med" len="med"/>
-                      <a:tailEnd type="none" w="med" len="med"/>
-                    </a:lnR>
-                    <a:lnT>
-                      <a:noFill/>
-                    </a:lnT>
-                    <a:lnB>
-                      <a:noFill/>
-                    </a:lnB>
-                    <a:solidFill>
-                      <a:srgbClr val="262626"/>
-                    </a:solidFill>
-                  </a:tcPr>
-                </a:tc>
-                <a:tc>
-                  <a:txBody>
-                    <a:bodyPr/>
-                    <a:lstStyle/>
-                    <a:p>
-                      <a:pPr algn="ctr" fontAlgn="b"/>
-                      <a:r>
-                        <a:rPr lang="fr-FR" sz="1200" b="0" i="0" u="none" strike="noStrike">
-                          <a:solidFill>
-                            <a:srgbClr val="000000"/>
-                          </a:solidFill>
-                          <a:effectLst/>
-                          <a:latin typeface="Arial" panose="020B0604020202020204" pitchFamily="34" charset="0"/>
-                        </a:rPr>
-                        <a:t>82%</a:t>
-                      </a:r>
-                    </a:p>
-                  </a:txBody>
-                  <a:tcPr marL="7421" marR="7421" marT="7421" marB="0" anchor="b">
-                    <a:lnL w="6350" cap="flat" cmpd="sng" algn="ctr">
-                      <a:solidFill>
-                        <a:srgbClr val="000000"/>
-                      </a:solidFill>
-                      <a:prstDash val="solid"/>
-                      <a:round/>
-                      <a:headEnd type="none" w="med" len="med"/>
-                      <a:tailEnd type="none" w="med" len="med"/>
-                    </a:lnL>
-                    <a:lnR w="6350" cap="flat" cmpd="sng" algn="ctr">
-                      <a:solidFill>
-                        <a:srgbClr val="000000"/>
-                      </a:solidFill>
-                      <a:prstDash val="solid"/>
-                      <a:round/>
-                      <a:headEnd type="none" w="med" len="med"/>
-                      <a:tailEnd type="none" w="med" len="med"/>
-                    </a:lnR>
-                    <a:lnT w="6350" cap="flat" cmpd="sng" algn="ctr">
-                      <a:solidFill>
-                        <a:srgbClr val="000000"/>
-                      </a:solidFill>
-                      <a:prstDash val="solid"/>
-                      <a:round/>
-                      <a:headEnd type="none" w="med" len="med"/>
-                      <a:tailEnd type="none" w="med" len="med"/>
-                    </a:lnT>
-                    <a:lnB w="6350" cap="flat" cmpd="sng" algn="ctr">
-                      <a:solidFill>
-                        <a:srgbClr val="000000"/>
-                      </a:solidFill>
-                      <a:prstDash val="solid"/>
-                      <a:round/>
-                      <a:headEnd type="none" w="med" len="med"/>
-                      <a:tailEnd type="none" w="med" len="med"/>
-                    </a:lnB>
-                    <a:solidFill>
-                      <a:srgbClr val="FFC000"/>
-                    </a:solidFill>
-                  </a:tcPr>
-                </a:tc>
-                <a:tc>
-                  <a:txBody>
-                    <a:bodyPr/>
-                    <a:lstStyle/>
-                    <a:p>
-                      <a:pPr algn="ctr" fontAlgn="b"/>
-                      <a:r>
-                        <a:rPr lang="fr-FR" sz="1200" b="0" i="0" u="none" strike="noStrike">
-                          <a:solidFill>
-                            <a:srgbClr val="000000"/>
-                          </a:solidFill>
-                          <a:effectLst/>
-                          <a:latin typeface="Arial" panose="020B0604020202020204" pitchFamily="34" charset="0"/>
-                        </a:rPr>
-                        <a:t>81%</a:t>
-                      </a:r>
-                    </a:p>
-                  </a:txBody>
-                  <a:tcPr marL="7421" marR="7421" marT="7421" marB="0" anchor="b">
-                    <a:lnL w="6350" cap="flat" cmpd="sng" algn="ctr">
-                      <a:solidFill>
-                        <a:srgbClr val="000000"/>
-                      </a:solidFill>
-                      <a:prstDash val="solid"/>
-                      <a:round/>
-                      <a:headEnd type="none" w="med" len="med"/>
-                      <a:tailEnd type="none" w="med" len="med"/>
-                    </a:lnL>
-                    <a:lnR w="6350" cap="flat" cmpd="sng" algn="ctr">
-                      <a:solidFill>
-                        <a:srgbClr val="000000"/>
-                      </a:solidFill>
-                      <a:prstDash val="solid"/>
-                      <a:round/>
-                      <a:headEnd type="none" w="med" len="med"/>
-                      <a:tailEnd type="none" w="med" len="med"/>
-                    </a:lnR>
-                    <a:lnT w="6350" cap="flat" cmpd="sng" algn="ctr">
-                      <a:solidFill>
-                        <a:srgbClr val="000000"/>
-                      </a:solidFill>
-                      <a:prstDash val="solid"/>
-                      <a:round/>
-                      <a:headEnd type="none" w="med" len="med"/>
-                      <a:tailEnd type="none" w="med" len="med"/>
-                    </a:lnT>
-                    <a:lnB w="6350" cap="flat" cmpd="sng" algn="ctr">
-                      <a:solidFill>
-                        <a:srgbClr val="000000"/>
-                      </a:solidFill>
-                      <a:prstDash val="solid"/>
-                      <a:round/>
-                      <a:headEnd type="none" w="med" len="med"/>
-                      <a:tailEnd type="none" w="med" len="med"/>
-                    </a:lnB>
-                    <a:solidFill>
-                      <a:srgbClr val="FFC000"/>
-                    </a:solidFill>
-                  </a:tcPr>
-                </a:tc>
-                <a:tc>
-                  <a:txBody>
-                    <a:bodyPr/>
-                    <a:lstStyle/>
-                    <a:p>
-                      <a:pPr algn="ctr" fontAlgn="b"/>
-                      <a:r>
-                        <a:rPr lang="fr-FR" sz="1200" b="0" i="0" u="none" strike="noStrike">
-                          <a:solidFill>
-                            <a:srgbClr val="000000"/>
-                          </a:solidFill>
-                          <a:effectLst/>
-                          <a:latin typeface="Arial" panose="020B0604020202020204" pitchFamily="34" charset="0"/>
-                        </a:rPr>
-                        <a:t>92%</a:t>
-                      </a:r>
-                    </a:p>
-                  </a:txBody>
-                  <a:tcPr marL="7421" marR="7421" marT="7421" marB="0" anchor="b">
-                    <a:lnL w="6350" cap="flat" cmpd="sng" algn="ctr">
-                      <a:solidFill>
-                        <a:srgbClr val="000000"/>
-                      </a:solidFill>
-                      <a:prstDash val="solid"/>
-                      <a:round/>
-                      <a:headEnd type="none" w="med" len="med"/>
-                      <a:tailEnd type="none" w="med" len="med"/>
-                    </a:lnL>
-                    <a:lnR w="6350" cap="flat" cmpd="sng" algn="ctr">
-                      <a:solidFill>
-                        <a:srgbClr val="000000"/>
-                      </a:solidFill>
-                      <a:prstDash val="solid"/>
-                      <a:round/>
-                      <a:headEnd type="none" w="med" len="med"/>
-                      <a:tailEnd type="none" w="med" len="med"/>
-                    </a:lnR>
-                    <a:lnT w="6350" cap="flat" cmpd="sng" algn="ctr">
-                      <a:solidFill>
-                        <a:srgbClr val="000000"/>
-                      </a:solidFill>
-                      <a:prstDash val="solid"/>
-                      <a:round/>
-                      <a:headEnd type="none" w="med" len="med"/>
-                      <a:tailEnd type="none" w="med" len="med"/>
-                    </a:lnT>
-                    <a:lnB w="6350" cap="flat" cmpd="sng" algn="ctr">
-                      <a:solidFill>
-                        <a:srgbClr val="000000"/>
-                      </a:solidFill>
-                      <a:prstDash val="solid"/>
-                      <a:round/>
-                      <a:headEnd type="none" w="med" len="med"/>
-                      <a:tailEnd type="none" w="med" len="med"/>
-                    </a:lnB>
-                    <a:solidFill>
-                      <a:srgbClr val="FFC000"/>
-                    </a:solidFill>
-                  </a:tcPr>
-                </a:tc>
-                <a:tc>
-                  <a:txBody>
-                    <a:bodyPr/>
-                    <a:lstStyle/>
-                    <a:p>
-                      <a:pPr algn="ctr" fontAlgn="b"/>
-                      <a:r>
-                        <a:rPr lang="fr-FR" sz="1200" b="0" i="0" u="none" strike="noStrike">
-                          <a:solidFill>
-                            <a:srgbClr val="000000"/>
-                          </a:solidFill>
-                          <a:effectLst/>
-                          <a:latin typeface="Arial" panose="020B0604020202020204" pitchFamily="34" charset="0"/>
-                        </a:rPr>
-                        <a:t>89%</a:t>
-                      </a:r>
-                    </a:p>
-                  </a:txBody>
-                  <a:tcPr marL="7421" marR="7421" marT="7421" marB="0" anchor="b">
-                    <a:lnL w="6350" cap="flat" cmpd="sng" algn="ctr">
-                      <a:solidFill>
-                        <a:srgbClr val="000000"/>
-                      </a:solidFill>
-                      <a:prstDash val="solid"/>
-                      <a:round/>
-                      <a:headEnd type="none" w="med" len="med"/>
-                      <a:tailEnd type="none" w="med" len="med"/>
-                    </a:lnL>
-                    <a:lnR w="6350" cap="flat" cmpd="sng" algn="ctr">
-                      <a:solidFill>
-                        <a:srgbClr val="000000"/>
-                      </a:solidFill>
-                      <a:prstDash val="solid"/>
-                      <a:round/>
-                      <a:headEnd type="none" w="med" len="med"/>
-                      <a:tailEnd type="none" w="med" len="med"/>
-                    </a:lnR>
-                    <a:lnT w="6350" cap="flat" cmpd="sng" algn="ctr">
-                      <a:solidFill>
-                        <a:srgbClr val="000000"/>
-                      </a:solidFill>
-                      <a:prstDash val="solid"/>
-                      <a:round/>
-                      <a:headEnd type="none" w="med" len="med"/>
-                      <a:tailEnd type="none" w="med" len="med"/>
-                    </a:lnT>
-                    <a:lnB w="6350" cap="flat" cmpd="sng" algn="ctr">
-                      <a:solidFill>
-                        <a:srgbClr val="000000"/>
-                      </a:solidFill>
-                      <a:prstDash val="solid"/>
-                      <a:round/>
-                      <a:headEnd type="none" w="med" len="med"/>
-                      <a:tailEnd type="none" w="med" len="med"/>
-                    </a:lnB>
-                    <a:solidFill>
-                      <a:srgbClr val="FFC000"/>
-                    </a:solidFill>
-                  </a:tcPr>
-                </a:tc>
-                <a:tc>
-                  <a:txBody>
-                    <a:bodyPr/>
-                    <a:lstStyle/>
-                    <a:p>
-                      <a:pPr algn="ctr" fontAlgn="b"/>
-                      <a:r>
-                        <a:rPr lang="fr-FR" sz="1200" b="1" i="0" u="none" strike="noStrike">
-                          <a:solidFill>
-                            <a:srgbClr val="FFFFFF"/>
-                          </a:solidFill>
-                          <a:effectLst/>
-                          <a:latin typeface="Arial" panose="020B0604020202020204" pitchFamily="34" charset="0"/>
-                        </a:rPr>
-                        <a:t>Avant</a:t>
-                      </a:r>
-                    </a:p>
-                  </a:txBody>
-                  <a:tcPr marL="7421" marR="7421" marT="7421" marB="0" anchor="b">
-                    <a:lnL w="6350" cap="flat" cmpd="sng" algn="ctr">
-                      <a:solidFill>
-                        <a:srgbClr val="000000"/>
-                      </a:solidFill>
-                      <a:prstDash val="solid"/>
-                      <a:round/>
-                      <a:headEnd type="none" w="med" len="med"/>
-                      <a:tailEnd type="none" w="med" len="med"/>
-                    </a:lnL>
-                    <a:lnR>
-                      <a:noFill/>
-                    </a:lnR>
-                    <a:lnT>
-                      <a:noFill/>
-                    </a:lnT>
-                    <a:lnB>
-                      <a:noFill/>
-                    </a:lnB>
-                    <a:solidFill>
-                      <a:srgbClr val="262626"/>
-                    </a:solidFill>
-                  </a:tcPr>
-                </a:tc>
-                <a:extLst>
-                  <a:ext uri="{0D108BD9-81ED-4DB2-BD59-A6C34878D82A}">
-                    <a16:rowId xmlns:a16="http://schemas.microsoft.com/office/drawing/2014/main" val="4132270314"/>
-                  </a:ext>
-                </a:extLst>
-              </a:tr>
-              <a:tr h="192944">
-                <a:tc>
-                  <a:txBody>
-                    <a:bodyPr/>
-                    <a:lstStyle/>
-                    <a:p>
-                      <a:pPr algn="ctr" fontAlgn="b"/>
-                      <a:r>
-                        <a:rPr lang="fr-FR" sz="1200" b="1" i="0" u="none" strike="noStrike">
-                          <a:solidFill>
-                            <a:srgbClr val="FFFFFF"/>
-                          </a:solidFill>
-                          <a:effectLst/>
-                          <a:latin typeface="Arial" panose="020B0604020202020204" pitchFamily="34" charset="0"/>
-                        </a:rPr>
-                        <a:t>Après</a:t>
-                      </a:r>
-                    </a:p>
-                  </a:txBody>
-                  <a:tcPr marL="7421" marR="7421" marT="7421" marB="0" anchor="b">
-                    <a:lnL>
-                      <a:noFill/>
-                    </a:lnL>
-                    <a:lnR w="6350" cap="flat" cmpd="sng" algn="ctr">
-                      <a:solidFill>
-                        <a:srgbClr val="000000"/>
-                      </a:solidFill>
-                      <a:prstDash val="solid"/>
-                      <a:round/>
-                      <a:headEnd type="none" w="med" len="med"/>
-                      <a:tailEnd type="none" w="med" len="med"/>
-                    </a:lnR>
-                    <a:lnT>
-                      <a:noFill/>
-                    </a:lnT>
-                    <a:lnB>
-                      <a:noFill/>
-                    </a:lnB>
-                    <a:solidFill>
-                      <a:srgbClr val="262626"/>
-                    </a:solidFill>
-                  </a:tcPr>
-                </a:tc>
-                <a:tc>
-                  <a:txBody>
-                    <a:bodyPr/>
-                    <a:lstStyle/>
-                    <a:p>
-                      <a:pPr algn="ctr" fontAlgn="b"/>
-                      <a:r>
-                        <a:rPr lang="fr-FR" sz="1200" b="0" i="0" u="none" strike="noStrike">
-                          <a:solidFill>
-                            <a:srgbClr val="000000"/>
-                          </a:solidFill>
-                          <a:effectLst/>
-                          <a:latin typeface="Arial" panose="020B0604020202020204" pitchFamily="34" charset="0"/>
-                        </a:rPr>
-                        <a:t>98%</a:t>
-                      </a:r>
-                    </a:p>
-                  </a:txBody>
-                  <a:tcPr marL="7421" marR="7421" marT="7421" marB="0" anchor="b">
-                    <a:lnL w="6350" cap="flat" cmpd="sng" algn="ctr">
-                      <a:solidFill>
-                        <a:srgbClr val="000000"/>
-                      </a:solidFill>
-                      <a:prstDash val="solid"/>
-                      <a:round/>
-                      <a:headEnd type="none" w="med" len="med"/>
-                      <a:tailEnd type="none" w="med" len="med"/>
-                    </a:lnL>
-                    <a:lnR w="6350" cap="flat" cmpd="sng" algn="ctr">
-                      <a:solidFill>
-                        <a:srgbClr val="000000"/>
-                      </a:solidFill>
-                      <a:prstDash val="solid"/>
-                      <a:round/>
-                      <a:headEnd type="none" w="med" len="med"/>
-                      <a:tailEnd type="none" w="med" len="med"/>
-                    </a:lnR>
-                    <a:lnT w="6350" cap="flat" cmpd="sng" algn="ctr">
-                      <a:solidFill>
-                        <a:srgbClr val="000000"/>
-                      </a:solidFill>
-                      <a:prstDash val="solid"/>
-                      <a:round/>
-                      <a:headEnd type="none" w="med" len="med"/>
-                      <a:tailEnd type="none" w="med" len="med"/>
-                    </a:lnT>
-                    <a:lnB w="6350" cap="flat" cmpd="sng" algn="ctr">
-                      <a:solidFill>
-                        <a:srgbClr val="000000"/>
-                      </a:solidFill>
-                      <a:prstDash val="solid"/>
-                      <a:round/>
-                      <a:headEnd type="none" w="med" len="med"/>
-                      <a:tailEnd type="none" w="med" len="med"/>
-                    </a:lnB>
-                    <a:solidFill>
-                      <a:srgbClr val="92D050"/>
-                    </a:solidFill>
-                  </a:tcPr>
-                </a:tc>
-                <a:tc>
-                  <a:txBody>
-                    <a:bodyPr/>
-                    <a:lstStyle/>
-                    <a:p>
-                      <a:pPr algn="ctr" fontAlgn="b"/>
-                      <a:r>
-                        <a:rPr lang="fr-FR" sz="1200" b="0" i="0" u="none" strike="noStrike">
-                          <a:solidFill>
-                            <a:srgbClr val="000000"/>
-                          </a:solidFill>
-                          <a:effectLst/>
-                          <a:latin typeface="Arial" panose="020B0604020202020204" pitchFamily="34" charset="0"/>
-                        </a:rPr>
-                        <a:t>100%</a:t>
-                      </a:r>
-                    </a:p>
-                  </a:txBody>
-                  <a:tcPr marL="7421" marR="7421" marT="7421" marB="0" anchor="b">
-                    <a:lnL w="6350" cap="flat" cmpd="sng" algn="ctr">
-                      <a:solidFill>
-                        <a:srgbClr val="000000"/>
-                      </a:solidFill>
-                      <a:prstDash val="solid"/>
-                      <a:round/>
-                      <a:headEnd type="none" w="med" len="med"/>
-                      <a:tailEnd type="none" w="med" len="med"/>
-                    </a:lnL>
-                    <a:lnR w="6350" cap="flat" cmpd="sng" algn="ctr">
-                      <a:solidFill>
-                        <a:srgbClr val="000000"/>
-                      </a:solidFill>
-                      <a:prstDash val="solid"/>
-                      <a:round/>
-                      <a:headEnd type="none" w="med" len="med"/>
-                      <a:tailEnd type="none" w="med" len="med"/>
-                    </a:lnR>
-                    <a:lnT w="6350" cap="flat" cmpd="sng" algn="ctr">
-                      <a:solidFill>
-                        <a:srgbClr val="000000"/>
-                      </a:solidFill>
-                      <a:prstDash val="solid"/>
-                      <a:round/>
-                      <a:headEnd type="none" w="med" len="med"/>
-                      <a:tailEnd type="none" w="med" len="med"/>
-                    </a:lnT>
-                    <a:lnB w="6350" cap="flat" cmpd="sng" algn="ctr">
-                      <a:solidFill>
-                        <a:srgbClr val="000000"/>
-                      </a:solidFill>
-                      <a:prstDash val="solid"/>
-                      <a:round/>
-                      <a:headEnd type="none" w="med" len="med"/>
-                      <a:tailEnd type="none" w="med" len="med"/>
-                    </a:lnB>
-                    <a:solidFill>
-                      <a:srgbClr val="92D050"/>
-                    </a:solidFill>
-                  </a:tcPr>
-                </a:tc>
-                <a:tc>
-                  <a:txBody>
-                    <a:bodyPr/>
-                    <a:lstStyle/>
-                    <a:p>
-                      <a:pPr algn="ctr" fontAlgn="b"/>
-                      <a:r>
-                        <a:rPr lang="fr-FR" sz="1200" b="0" i="0" u="none" strike="noStrike">
-                          <a:solidFill>
-                            <a:srgbClr val="000000"/>
-                          </a:solidFill>
-                          <a:effectLst/>
-                          <a:latin typeface="Arial" panose="020B0604020202020204" pitchFamily="34" charset="0"/>
-                        </a:rPr>
-                        <a:t>92%</a:t>
-                      </a:r>
-                    </a:p>
-                  </a:txBody>
-                  <a:tcPr marL="7421" marR="7421" marT="7421" marB="0" anchor="b">
-                    <a:lnL w="6350" cap="flat" cmpd="sng" algn="ctr">
-                      <a:solidFill>
-                        <a:srgbClr val="000000"/>
-                      </a:solidFill>
-                      <a:prstDash val="solid"/>
-                      <a:round/>
-                      <a:headEnd type="none" w="med" len="med"/>
-                      <a:tailEnd type="none" w="med" len="med"/>
-                    </a:lnL>
-                    <a:lnR w="6350" cap="flat" cmpd="sng" algn="ctr">
-                      <a:solidFill>
-                        <a:srgbClr val="000000"/>
-                      </a:solidFill>
-                      <a:prstDash val="solid"/>
-                      <a:round/>
-                      <a:headEnd type="none" w="med" len="med"/>
-                      <a:tailEnd type="none" w="med" len="med"/>
-                    </a:lnR>
-                    <a:lnT w="6350" cap="flat" cmpd="sng" algn="ctr">
-                      <a:solidFill>
-                        <a:srgbClr val="000000"/>
-                      </a:solidFill>
-                      <a:prstDash val="solid"/>
-                      <a:round/>
-                      <a:headEnd type="none" w="med" len="med"/>
-                      <a:tailEnd type="none" w="med" len="med"/>
-                    </a:lnT>
-                    <a:lnB w="6350" cap="flat" cmpd="sng" algn="ctr">
-                      <a:solidFill>
-                        <a:srgbClr val="000000"/>
-                      </a:solidFill>
-                      <a:prstDash val="solid"/>
-                      <a:round/>
-                      <a:headEnd type="none" w="med" len="med"/>
-                      <a:tailEnd type="none" w="med" len="med"/>
-                    </a:lnB>
-                    <a:solidFill>
-                      <a:srgbClr val="92D050"/>
-                    </a:solidFill>
-                  </a:tcPr>
-                </a:tc>
-                <a:tc>
-                  <a:txBody>
-                    <a:bodyPr/>
-                    <a:lstStyle/>
-                    <a:p>
-                      <a:pPr algn="ctr" fontAlgn="b"/>
-                      <a:r>
-                        <a:rPr lang="fr-FR" sz="1200" b="0" i="0" u="none" strike="noStrike">
-                          <a:solidFill>
-                            <a:srgbClr val="000000"/>
-                          </a:solidFill>
-                          <a:effectLst/>
-                          <a:latin typeface="Arial" panose="020B0604020202020204" pitchFamily="34" charset="0"/>
-                        </a:rPr>
-                        <a:t>100%</a:t>
-                      </a:r>
-                    </a:p>
-                  </a:txBody>
-                  <a:tcPr marL="7421" marR="7421" marT="7421" marB="0" anchor="b">
-                    <a:lnL w="6350" cap="flat" cmpd="sng" algn="ctr">
-                      <a:solidFill>
-                        <a:srgbClr val="000000"/>
-                      </a:solidFill>
-                      <a:prstDash val="solid"/>
-                      <a:round/>
-                      <a:headEnd type="none" w="med" len="med"/>
-                      <a:tailEnd type="none" w="med" len="med"/>
-                    </a:lnL>
-                    <a:lnR w="6350" cap="flat" cmpd="sng" algn="ctr">
-                      <a:solidFill>
-                        <a:srgbClr val="000000"/>
-                      </a:solidFill>
-                      <a:prstDash val="solid"/>
-                      <a:round/>
-                      <a:headEnd type="none" w="med" len="med"/>
-                      <a:tailEnd type="none" w="med" len="med"/>
-                    </a:lnR>
-                    <a:lnT w="6350" cap="flat" cmpd="sng" algn="ctr">
-                      <a:solidFill>
-                        <a:srgbClr val="000000"/>
-                      </a:solidFill>
-                      <a:prstDash val="solid"/>
-                      <a:round/>
-                      <a:headEnd type="none" w="med" len="med"/>
-                      <a:tailEnd type="none" w="med" len="med"/>
-                    </a:lnT>
-                    <a:lnB w="6350" cap="flat" cmpd="sng" algn="ctr">
-                      <a:solidFill>
-                        <a:srgbClr val="000000"/>
-                      </a:solidFill>
-                      <a:prstDash val="solid"/>
-                      <a:round/>
-                      <a:headEnd type="none" w="med" len="med"/>
-                      <a:tailEnd type="none" w="med" len="med"/>
-                    </a:lnB>
-                    <a:solidFill>
-                      <a:srgbClr val="92D050"/>
-                    </a:solidFill>
-                  </a:tcPr>
-                </a:tc>
-                <a:tc>
-                  <a:txBody>
-                    <a:bodyPr/>
-                    <a:lstStyle/>
-                    <a:p>
-                      <a:pPr algn="ctr" fontAlgn="b"/>
-                      <a:r>
-                        <a:rPr lang="fr-FR" sz="1200" b="1" i="0" u="none" strike="noStrike">
-                          <a:solidFill>
-                            <a:srgbClr val="FFFFFF"/>
-                          </a:solidFill>
-                          <a:effectLst/>
-                          <a:latin typeface="Arial" panose="020B0604020202020204" pitchFamily="34" charset="0"/>
-                        </a:rPr>
-                        <a:t>Après</a:t>
-                      </a:r>
-                    </a:p>
-                  </a:txBody>
-                  <a:tcPr marL="7421" marR="7421" marT="7421" marB="0" anchor="b">
-                    <a:lnL w="6350" cap="flat" cmpd="sng" algn="ctr">
-                      <a:solidFill>
-                        <a:srgbClr val="000000"/>
-                      </a:solidFill>
-                      <a:prstDash val="solid"/>
-                      <a:round/>
-                      <a:headEnd type="none" w="med" len="med"/>
-                      <a:tailEnd type="none" w="med" len="med"/>
-                    </a:lnL>
-                    <a:lnR>
-                      <a:noFill/>
-                    </a:lnR>
-                    <a:lnT>
-                      <a:noFill/>
-                    </a:lnT>
-                    <a:lnB>
-                      <a:noFill/>
-                    </a:lnB>
-                    <a:solidFill>
-                      <a:srgbClr val="262626"/>
-                    </a:solidFill>
-                  </a:tcPr>
-                </a:tc>
-                <a:extLst>
-                  <a:ext uri="{0D108BD9-81ED-4DB2-BD59-A6C34878D82A}">
-                    <a16:rowId xmlns:a16="http://schemas.microsoft.com/office/drawing/2014/main" val="2016272432"/>
-                  </a:ext>
-                </a:extLst>
-              </a:tr>
-              <a:tr h="192944">
-                <a:tc>
-                  <a:txBody>
-                    <a:bodyPr/>
-                    <a:lstStyle/>
-                    <a:p>
-                      <a:pPr algn="ctr" fontAlgn="b"/>
-                      <a:r>
-                        <a:rPr lang="fr-FR" sz="1200" b="1" i="0" u="none" strike="noStrike">
-                          <a:solidFill>
-                            <a:srgbClr val="FFFFFF"/>
-                          </a:solidFill>
-                          <a:effectLst/>
-                          <a:latin typeface="Arial" panose="020B0604020202020204" pitchFamily="34" charset="0"/>
-                        </a:rPr>
-                        <a:t>Total</a:t>
-                      </a:r>
-                    </a:p>
-                  </a:txBody>
-                  <a:tcPr marL="7421" marR="7421" marT="7421" marB="0" anchor="b">
-                    <a:lnL>
-                      <a:noFill/>
-                    </a:lnL>
-                    <a:lnR>
-                      <a:noFill/>
-                    </a:lnR>
-                    <a:lnT>
-                      <a:noFill/>
-                    </a:lnT>
-                    <a:lnB>
-                      <a:noFill/>
-                    </a:lnB>
-                    <a:solidFill>
-                      <a:srgbClr val="262626"/>
-                    </a:solidFill>
-                  </a:tcPr>
-                </a:tc>
-                <a:tc>
-                  <a:txBody>
-                    <a:bodyPr/>
-                    <a:lstStyle/>
-                    <a:p>
-                      <a:pPr algn="ctr" fontAlgn="b"/>
-                      <a:r>
-                        <a:rPr lang="fr-FR" sz="1200" b="1" i="0" u="none" strike="noStrike">
-                          <a:solidFill>
-                            <a:srgbClr val="FFFFFF"/>
-                          </a:solidFill>
-                          <a:effectLst/>
-                          <a:latin typeface="Arial" panose="020B0604020202020204" pitchFamily="34" charset="0"/>
-                        </a:rPr>
-                        <a:t>16%</a:t>
-                      </a:r>
-                    </a:p>
-                  </a:txBody>
-                  <a:tcPr marL="7421" marR="7421" marT="7421" marB="0" anchor="b">
-                    <a:lnL>
-                      <a:noFill/>
-                    </a:lnL>
-                    <a:lnR>
-                      <a:noFill/>
-                    </a:lnR>
-                    <a:lnT w="6350" cap="flat" cmpd="sng" algn="ctr">
-                      <a:solidFill>
-                        <a:srgbClr val="000000"/>
-                      </a:solidFill>
-                      <a:prstDash val="solid"/>
-                      <a:round/>
-                      <a:headEnd type="none" w="med" len="med"/>
-                      <a:tailEnd type="none" w="med" len="med"/>
-                    </a:lnT>
-                    <a:lnB>
-                      <a:noFill/>
-                    </a:lnB>
-                    <a:solidFill>
-                      <a:srgbClr val="262626"/>
-                    </a:solidFill>
-                  </a:tcPr>
-                </a:tc>
-                <a:tc>
-                  <a:txBody>
-                    <a:bodyPr/>
-                    <a:lstStyle/>
-                    <a:p>
-                      <a:pPr algn="ctr" fontAlgn="b"/>
-                      <a:r>
-                        <a:rPr lang="fr-FR" sz="1200" b="1" i="0" u="none" strike="noStrike">
-                          <a:solidFill>
-                            <a:srgbClr val="FFFFFF"/>
-                          </a:solidFill>
-                          <a:effectLst/>
-                          <a:latin typeface="Arial" panose="020B0604020202020204" pitchFamily="34" charset="0"/>
-                        </a:rPr>
-                        <a:t>19%</a:t>
-                      </a:r>
-                    </a:p>
-                  </a:txBody>
-                  <a:tcPr marL="7421" marR="7421" marT="7421" marB="0" anchor="b">
-                    <a:lnL>
-                      <a:noFill/>
-                    </a:lnL>
-                    <a:lnR>
-                      <a:noFill/>
-                    </a:lnR>
-                    <a:lnT w="6350" cap="flat" cmpd="sng" algn="ctr">
-                      <a:solidFill>
-                        <a:srgbClr val="000000"/>
-                      </a:solidFill>
-                      <a:prstDash val="solid"/>
-                      <a:round/>
-                      <a:headEnd type="none" w="med" len="med"/>
-                      <a:tailEnd type="none" w="med" len="med"/>
-                    </a:lnT>
-                    <a:lnB>
-                      <a:noFill/>
-                    </a:lnB>
-                    <a:solidFill>
-                      <a:srgbClr val="262626"/>
-                    </a:solidFill>
-                  </a:tcPr>
-                </a:tc>
-                <a:tc>
-                  <a:txBody>
-                    <a:bodyPr/>
-                    <a:lstStyle/>
-                    <a:p>
-                      <a:pPr algn="ctr" fontAlgn="b"/>
-                      <a:r>
-                        <a:rPr lang="fr-FR" sz="1200" b="1" i="0" u="none" strike="noStrike">
-                          <a:solidFill>
-                            <a:srgbClr val="FFFFFF"/>
-                          </a:solidFill>
-                          <a:effectLst/>
-                          <a:latin typeface="Arial" panose="020B0604020202020204" pitchFamily="34" charset="0"/>
-                        </a:rPr>
-                        <a:t>0%</a:t>
-                      </a:r>
-                    </a:p>
-                  </a:txBody>
-                  <a:tcPr marL="7421" marR="7421" marT="7421" marB="0" anchor="b">
-                    <a:lnL>
-                      <a:noFill/>
-                    </a:lnL>
-                    <a:lnR>
-                      <a:noFill/>
-                    </a:lnR>
-                    <a:lnT w="6350" cap="flat" cmpd="sng" algn="ctr">
-                      <a:solidFill>
-                        <a:srgbClr val="000000"/>
-                      </a:solidFill>
-                      <a:prstDash val="solid"/>
-                      <a:round/>
-                      <a:headEnd type="none" w="med" len="med"/>
-                      <a:tailEnd type="none" w="med" len="med"/>
-                    </a:lnT>
-                    <a:lnB>
-                      <a:noFill/>
-                    </a:lnB>
-                    <a:solidFill>
-                      <a:srgbClr val="262626"/>
-                    </a:solidFill>
-                  </a:tcPr>
-                </a:tc>
-                <a:tc>
-                  <a:txBody>
-                    <a:bodyPr/>
-                    <a:lstStyle/>
-                    <a:p>
-                      <a:pPr algn="ctr" fontAlgn="b"/>
-                      <a:r>
-                        <a:rPr lang="fr-FR" sz="1200" b="1" i="0" u="none" strike="noStrike">
-                          <a:solidFill>
-                            <a:srgbClr val="FFFFFF"/>
-                          </a:solidFill>
-                          <a:effectLst/>
-                          <a:latin typeface="Arial" panose="020B0604020202020204" pitchFamily="34" charset="0"/>
-                        </a:rPr>
-                        <a:t>11%</a:t>
-                      </a:r>
-                    </a:p>
-                  </a:txBody>
-                  <a:tcPr marL="7421" marR="7421" marT="7421" marB="0" anchor="b">
-                    <a:lnL>
-                      <a:noFill/>
-                    </a:lnL>
-                    <a:lnR>
-                      <a:noFill/>
-                    </a:lnR>
-                    <a:lnT w="6350" cap="flat" cmpd="sng" algn="ctr">
-                      <a:solidFill>
-                        <a:srgbClr val="000000"/>
-                      </a:solidFill>
-                      <a:prstDash val="solid"/>
-                      <a:round/>
-                      <a:headEnd type="none" w="med" len="med"/>
-                      <a:tailEnd type="none" w="med" len="med"/>
-                    </a:lnT>
-                    <a:lnB>
-                      <a:noFill/>
-                    </a:lnB>
-                    <a:solidFill>
-                      <a:srgbClr val="262626"/>
-                    </a:solidFill>
-                  </a:tcPr>
-                </a:tc>
-                <a:tc>
-                  <a:txBody>
-                    <a:bodyPr/>
-                    <a:lstStyle/>
-                    <a:p>
-                      <a:pPr algn="ctr" fontAlgn="b"/>
-                      <a:r>
-                        <a:rPr lang="fr-FR" sz="1200" b="1" i="0" u="none" strike="noStrike">
-                          <a:solidFill>
-                            <a:srgbClr val="FFFFFF"/>
-                          </a:solidFill>
-                          <a:effectLst/>
-                          <a:latin typeface="Arial" panose="020B0604020202020204" pitchFamily="34" charset="0"/>
-                        </a:rPr>
-                        <a:t>Total</a:t>
-                      </a:r>
-                    </a:p>
-                  </a:txBody>
-                  <a:tcPr marL="7421" marR="7421" marT="7421" marB="0" anchor="b">
-                    <a:lnL>
-                      <a:noFill/>
-                    </a:lnL>
-                    <a:lnR>
-                      <a:noFill/>
-                    </a:lnR>
-                    <a:lnT>
-                      <a:noFill/>
-                    </a:lnT>
-                    <a:lnB>
-                      <a:noFill/>
-                    </a:lnB>
-                    <a:solidFill>
-                      <a:srgbClr val="262626"/>
-                    </a:solidFill>
-                  </a:tcPr>
-                </a:tc>
-                <a:extLst>
-                  <a:ext uri="{0D108BD9-81ED-4DB2-BD59-A6C34878D82A}">
-                    <a16:rowId xmlns:a16="http://schemas.microsoft.com/office/drawing/2014/main" val="3959727517"/>
-                  </a:ext>
-                </a:extLst>
-              </a:tr>
-              <a:tr h="185523">
-                <a:tc>
-                  <a:txBody>
-                    <a:bodyPr/>
-                    <a:lstStyle/>
-                    <a:p>
-                      <a:pPr algn="ctr" fontAlgn="b"/>
-                      <a:endParaRPr lang="fr-FR" sz="1200" b="0" i="0" u="none" strike="noStrike">
-                        <a:solidFill>
-                          <a:srgbClr val="000000"/>
-                        </a:solidFill>
-                        <a:effectLst/>
-                        <a:latin typeface="Arial" panose="020B0604020202020204" pitchFamily="34" charset="0"/>
-                      </a:endParaRPr>
-                    </a:p>
-                  </a:txBody>
-                  <a:tcPr marL="7421" marR="7421" marT="7421" marB="0" anchor="b">
-                    <a:lnL>
-                      <a:noFill/>
-                    </a:lnL>
-                    <a:lnR>
-                      <a:noFill/>
-                    </a:lnR>
-                    <a:lnT>
-                      <a:noFill/>
-                    </a:lnT>
-                    <a:lnB>
-                      <a:noFill/>
-                    </a:lnB>
-                  </a:tcPr>
-                </a:tc>
-                <a:tc>
-                  <a:txBody>
-                    <a:bodyPr/>
-                    <a:lstStyle/>
-                    <a:p>
-                      <a:pPr algn="l" fontAlgn="b"/>
-                      <a:endParaRPr lang="fr-FR" sz="1200" b="0" i="0" u="none" strike="noStrike">
-                        <a:solidFill>
-                          <a:srgbClr val="000000"/>
-                        </a:solidFill>
-                        <a:effectLst/>
-                        <a:latin typeface="Arial" panose="020B0604020202020204" pitchFamily="34" charset="0"/>
-                      </a:endParaRPr>
-                    </a:p>
-                  </a:txBody>
-                  <a:tcPr marL="7421" marR="7421" marT="7421" marB="0" anchor="b">
-                    <a:lnL>
-                      <a:noFill/>
-                    </a:lnL>
-                    <a:lnR>
-                      <a:noFill/>
-                    </a:lnR>
-                    <a:lnT>
-                      <a:noFill/>
-                    </a:lnT>
-                    <a:lnB>
-                      <a:noFill/>
-                    </a:lnB>
-                  </a:tcPr>
-                </a:tc>
-                <a:tc>
-                  <a:txBody>
-                    <a:bodyPr/>
-                    <a:lstStyle/>
-                    <a:p>
-                      <a:pPr algn="l" fontAlgn="b"/>
-                      <a:endParaRPr lang="fr-FR" sz="1200" b="0" i="0" u="none" strike="noStrike">
-                        <a:solidFill>
-                          <a:srgbClr val="000000"/>
-                        </a:solidFill>
-                        <a:effectLst/>
-                        <a:latin typeface="Arial" panose="020B0604020202020204" pitchFamily="34" charset="0"/>
-                      </a:endParaRPr>
-                    </a:p>
-                  </a:txBody>
-                  <a:tcPr marL="7421" marR="7421" marT="7421" marB="0" anchor="b">
-                    <a:lnL>
-                      <a:noFill/>
-                    </a:lnL>
-                    <a:lnR>
-                      <a:noFill/>
-                    </a:lnR>
-                    <a:lnT>
-                      <a:noFill/>
-                    </a:lnT>
-                    <a:lnB>
-                      <a:noFill/>
-                    </a:lnB>
-                  </a:tcPr>
-                </a:tc>
-                <a:tc>
-                  <a:txBody>
-                    <a:bodyPr/>
-                    <a:lstStyle/>
-                    <a:p>
-                      <a:pPr algn="l" fontAlgn="b"/>
-                      <a:endParaRPr lang="fr-FR" sz="1200" b="0" i="0" u="none" strike="noStrike">
-                        <a:solidFill>
-                          <a:srgbClr val="000000"/>
-                        </a:solidFill>
-                        <a:effectLst/>
-                        <a:latin typeface="Arial" panose="020B0604020202020204" pitchFamily="34" charset="0"/>
-                      </a:endParaRPr>
-                    </a:p>
-                  </a:txBody>
-                  <a:tcPr marL="7421" marR="7421" marT="7421" marB="0" anchor="b">
-                    <a:lnL>
-                      <a:noFill/>
-                    </a:lnL>
-                    <a:lnR>
-                      <a:noFill/>
-                    </a:lnR>
-                    <a:lnT>
-                      <a:noFill/>
-                    </a:lnT>
-                    <a:lnB>
-                      <a:noFill/>
-                    </a:lnB>
-                  </a:tcPr>
-                </a:tc>
-                <a:tc>
-                  <a:txBody>
-                    <a:bodyPr/>
-                    <a:lstStyle/>
-                    <a:p>
-                      <a:pPr algn="l" fontAlgn="b"/>
-                      <a:endParaRPr lang="fr-FR" sz="1200" b="0" i="0" u="none" strike="noStrike">
-                        <a:solidFill>
-                          <a:srgbClr val="000000"/>
-                        </a:solidFill>
-                        <a:effectLst/>
-                        <a:latin typeface="Arial" panose="020B0604020202020204" pitchFamily="34" charset="0"/>
-                      </a:endParaRPr>
-                    </a:p>
-                  </a:txBody>
-                  <a:tcPr marL="7421" marR="7421" marT="7421" marB="0" anchor="b">
-                    <a:lnL>
-                      <a:noFill/>
-                    </a:lnL>
-                    <a:lnR>
-                      <a:noFill/>
-                    </a:lnR>
-                    <a:lnT>
-                      <a:noFill/>
-                    </a:lnT>
-                    <a:lnB>
-                      <a:noFill/>
-                    </a:lnB>
-                  </a:tcPr>
-                </a:tc>
-                <a:tc>
-                  <a:txBody>
-                    <a:bodyPr/>
-                    <a:lstStyle/>
-                    <a:p>
-                      <a:pPr algn="ctr" fontAlgn="b"/>
-                      <a:endParaRPr lang="fr-FR" sz="1200" b="0" i="0" u="none" strike="noStrike">
-                        <a:solidFill>
-                          <a:srgbClr val="000000"/>
-                        </a:solidFill>
-                        <a:effectLst/>
-                        <a:latin typeface="Arial" panose="020B0604020202020204" pitchFamily="34" charset="0"/>
-                      </a:endParaRPr>
-                    </a:p>
-                  </a:txBody>
-                  <a:tcPr marL="7421" marR="7421" marT="7421" marB="0" anchor="b">
-                    <a:lnL>
-                      <a:noFill/>
-                    </a:lnL>
-                    <a:lnR>
-                      <a:noFill/>
-                    </a:lnR>
-                    <a:lnT>
-                      <a:noFill/>
-                    </a:lnT>
-                    <a:lnB>
-                      <a:noFill/>
-                    </a:lnB>
-                  </a:tcPr>
-                </a:tc>
-                <a:extLst>
-                  <a:ext uri="{0D108BD9-81ED-4DB2-BD59-A6C34878D82A}">
-                    <a16:rowId xmlns:a16="http://schemas.microsoft.com/office/drawing/2014/main" val="509064726"/>
-                  </a:ext>
-                </a:extLst>
-              </a:tr>
-              <a:tr h="371045">
-                <a:tc gridSpan="6">
-                  <a:txBody>
-                    <a:bodyPr/>
-                    <a:lstStyle/>
-                    <a:p>
-                      <a:pPr algn="ctr" fontAlgn="ctr"/>
-                      <a:r>
-                        <a:rPr lang="fr-FR" sz="2300" b="1" i="0" u="none" strike="noStrike">
-                          <a:solidFill>
-                            <a:srgbClr val="FFFFFF"/>
-                          </a:solidFill>
-                          <a:effectLst/>
-                          <a:latin typeface="Arial" panose="020B0604020202020204" pitchFamily="34" charset="0"/>
-                        </a:rPr>
-                        <a:t>Mesure</a:t>
-                      </a:r>
-                    </a:p>
-                  </a:txBody>
-                  <a:tcPr marL="7421" marR="7421" marT="7421" marB="0" anchor="ctr">
-                    <a:lnL>
-                      <a:noFill/>
-                    </a:lnL>
-                    <a:lnR>
-                      <a:noFill/>
-                    </a:lnR>
-                    <a:lnT>
-                      <a:noFill/>
-                    </a:lnT>
-                    <a:lnB>
-                      <a:noFill/>
-                    </a:lnB>
-                    <a:solidFill>
-                      <a:srgbClr val="262626"/>
-                    </a:solidFill>
-                  </a:tcPr>
-                </a:tc>
-                <a:tc hMerge="1">
-                  <a:txBody>
-                    <a:bodyPr/>
-                    <a:lstStyle/>
-                    <a:p>
-                      <a:endParaRPr lang="fr-FR"/>
-                    </a:p>
-                  </a:txBody>
-                  <a:tcPr/>
-                </a:tc>
-                <a:tc hMerge="1">
-                  <a:txBody>
-                    <a:bodyPr/>
-                    <a:lstStyle/>
-                    <a:p>
-                      <a:endParaRPr lang="fr-FR"/>
-                    </a:p>
-                  </a:txBody>
-                  <a:tcPr/>
-                </a:tc>
-                <a:tc hMerge="1">
-                  <a:txBody>
-                    <a:bodyPr/>
-                    <a:lstStyle/>
-                    <a:p>
-                      <a:endParaRPr lang="fr-FR"/>
-                    </a:p>
-                  </a:txBody>
-                  <a:tcPr/>
-                </a:tc>
-                <a:tc hMerge="1">
-                  <a:txBody>
-                    <a:bodyPr/>
-                    <a:lstStyle/>
-                    <a:p>
-                      <a:endParaRPr lang="fr-FR"/>
-                    </a:p>
-                  </a:txBody>
-                  <a:tcPr/>
-                </a:tc>
-                <a:tc hMerge="1">
-                  <a:txBody>
-                    <a:bodyPr/>
-                    <a:lstStyle/>
-                    <a:p>
-                      <a:endParaRPr lang="fr-FR"/>
-                    </a:p>
-                  </a:txBody>
-                  <a:tcPr/>
-                </a:tc>
-                <a:extLst>
-                  <a:ext uri="{0D108BD9-81ED-4DB2-BD59-A6C34878D82A}">
-                    <a16:rowId xmlns:a16="http://schemas.microsoft.com/office/drawing/2014/main" val="594737662"/>
-                  </a:ext>
-                </a:extLst>
-              </a:tr>
-              <a:tr h="281995">
-                <a:tc>
-                  <a:txBody>
-                    <a:bodyPr/>
-                    <a:lstStyle/>
-                    <a:p>
-                      <a:pPr algn="ctr" fontAlgn="b"/>
-                      <a:r>
-                        <a:rPr lang="fr-FR" sz="1800" b="0" i="0" u="none" strike="noStrike">
-                          <a:solidFill>
-                            <a:srgbClr val="FFFFFF"/>
-                          </a:solidFill>
-                          <a:effectLst/>
-                          <a:latin typeface="Arial" panose="020B0604020202020204" pitchFamily="34" charset="0"/>
-                        </a:rPr>
-                        <a:t> </a:t>
-                      </a:r>
-                    </a:p>
-                  </a:txBody>
-                  <a:tcPr marL="7421" marR="7421" marT="7421" marB="0" anchor="b">
-                    <a:lnL>
-                      <a:noFill/>
-                    </a:lnL>
-                    <a:lnR>
-                      <a:noFill/>
-                    </a:lnR>
-                    <a:lnT>
-                      <a:noFill/>
-                    </a:lnT>
-                    <a:lnB>
-                      <a:noFill/>
-                    </a:lnB>
-                    <a:solidFill>
-                      <a:srgbClr val="262626"/>
-                    </a:solidFill>
-                  </a:tcPr>
-                </a:tc>
-                <a:tc>
-                  <a:txBody>
-                    <a:bodyPr/>
-                    <a:lstStyle/>
-                    <a:p>
-                      <a:pPr algn="ctr" fontAlgn="b"/>
-                      <a:r>
-                        <a:rPr lang="fr-FR" sz="1800" b="0" i="0" u="none" strike="noStrike">
-                          <a:solidFill>
-                            <a:srgbClr val="FFFFFF"/>
-                          </a:solidFill>
-                          <a:effectLst/>
-                          <a:latin typeface="Arial" panose="020B0604020202020204" pitchFamily="34" charset="0"/>
-                        </a:rPr>
-                        <a:t>Performance</a:t>
-                      </a:r>
-                    </a:p>
-                  </a:txBody>
-                  <a:tcPr marL="7421" marR="7421" marT="7421" marB="0" anchor="b">
-                    <a:lnL>
-                      <a:noFill/>
-                    </a:lnL>
-                    <a:lnR>
-                      <a:noFill/>
-                    </a:lnR>
-                    <a:lnT>
-                      <a:noFill/>
-                    </a:lnT>
-                    <a:lnB w="6350" cap="flat" cmpd="sng" algn="ctr">
-                      <a:solidFill>
-                        <a:srgbClr val="000000"/>
-                      </a:solidFill>
-                      <a:prstDash val="solid"/>
-                      <a:round/>
-                      <a:headEnd type="none" w="med" len="med"/>
-                      <a:tailEnd type="none" w="med" len="med"/>
-                    </a:lnB>
-                    <a:solidFill>
-                      <a:srgbClr val="262626"/>
-                    </a:solidFill>
-                  </a:tcPr>
-                </a:tc>
-                <a:tc>
-                  <a:txBody>
-                    <a:bodyPr/>
-                    <a:lstStyle/>
-                    <a:p>
-                      <a:pPr algn="ctr" fontAlgn="b"/>
-                      <a:r>
-                        <a:rPr lang="fr-FR" sz="1800" b="0" i="0" u="none" strike="noStrike">
-                          <a:solidFill>
-                            <a:srgbClr val="FFFFFF"/>
-                          </a:solidFill>
-                          <a:effectLst/>
-                          <a:latin typeface="Arial" panose="020B0604020202020204" pitchFamily="34" charset="0"/>
-                        </a:rPr>
-                        <a:t>Accessibilité</a:t>
-                      </a:r>
-                    </a:p>
-                  </a:txBody>
-                  <a:tcPr marL="7421" marR="7421" marT="7421" marB="0" anchor="b">
-                    <a:lnL>
-                      <a:noFill/>
-                    </a:lnL>
-                    <a:lnR>
-                      <a:noFill/>
-                    </a:lnR>
-                    <a:lnT>
-                      <a:noFill/>
-                    </a:lnT>
-                    <a:lnB w="6350" cap="flat" cmpd="sng" algn="ctr">
-                      <a:solidFill>
-                        <a:srgbClr val="000000"/>
-                      </a:solidFill>
-                      <a:prstDash val="solid"/>
-                      <a:round/>
-                      <a:headEnd type="none" w="med" len="med"/>
-                      <a:tailEnd type="none" w="med" len="med"/>
-                    </a:lnB>
-                    <a:solidFill>
-                      <a:srgbClr val="262626"/>
-                    </a:solidFill>
-                  </a:tcPr>
-                </a:tc>
-                <a:tc>
-                  <a:txBody>
-                    <a:bodyPr/>
-                    <a:lstStyle/>
-                    <a:p>
-                      <a:pPr algn="ctr" fontAlgn="b"/>
-                      <a:r>
-                        <a:rPr lang="fr-FR" sz="1800" b="0" i="0" u="none" strike="noStrike">
-                          <a:solidFill>
-                            <a:srgbClr val="FFFFFF"/>
-                          </a:solidFill>
-                          <a:effectLst/>
-                          <a:latin typeface="Arial" panose="020B0604020202020204" pitchFamily="34" charset="0"/>
-                        </a:rPr>
-                        <a:t>Best practices</a:t>
-                      </a:r>
-                    </a:p>
-                  </a:txBody>
-                  <a:tcPr marL="7421" marR="7421" marT="7421" marB="0" anchor="b">
-                    <a:lnL>
-                      <a:noFill/>
-                    </a:lnL>
-                    <a:lnR>
-                      <a:noFill/>
-                    </a:lnR>
-                    <a:lnT>
-                      <a:noFill/>
-                    </a:lnT>
-                    <a:lnB w="6350" cap="flat" cmpd="sng" algn="ctr">
-                      <a:solidFill>
-                        <a:srgbClr val="000000"/>
-                      </a:solidFill>
-                      <a:prstDash val="solid"/>
-                      <a:round/>
-                      <a:headEnd type="none" w="med" len="med"/>
-                      <a:tailEnd type="none" w="med" len="med"/>
-                    </a:lnB>
-                    <a:solidFill>
-                      <a:srgbClr val="262626"/>
-                    </a:solidFill>
-                  </a:tcPr>
-                </a:tc>
-                <a:tc>
-                  <a:txBody>
-                    <a:bodyPr/>
-                    <a:lstStyle/>
-                    <a:p>
-                      <a:pPr algn="ctr" fontAlgn="b"/>
-                      <a:r>
-                        <a:rPr lang="fr-FR" sz="1800" b="0" i="0" u="none" strike="noStrike">
-                          <a:solidFill>
-                            <a:srgbClr val="FFFFFF"/>
-                          </a:solidFill>
-                          <a:effectLst/>
-                          <a:latin typeface="Arial" panose="020B0604020202020204" pitchFamily="34" charset="0"/>
-                        </a:rPr>
-                        <a:t>SEO</a:t>
-                      </a:r>
-                    </a:p>
-                  </a:txBody>
-                  <a:tcPr marL="7421" marR="7421" marT="7421" marB="0" anchor="b">
-                    <a:lnL>
-                      <a:noFill/>
-                    </a:lnL>
-                    <a:lnR>
-                      <a:noFill/>
-                    </a:lnR>
-                    <a:lnT>
-                      <a:noFill/>
-                    </a:lnT>
-                    <a:lnB w="6350" cap="flat" cmpd="sng" algn="ctr">
-                      <a:solidFill>
-                        <a:srgbClr val="000000"/>
-                      </a:solidFill>
-                      <a:prstDash val="solid"/>
-                      <a:round/>
-                      <a:headEnd type="none" w="med" len="med"/>
-                      <a:tailEnd type="none" w="med" len="med"/>
-                    </a:lnB>
-                    <a:solidFill>
-                      <a:srgbClr val="262626"/>
-                    </a:solidFill>
-                  </a:tcPr>
-                </a:tc>
-                <a:tc>
-                  <a:txBody>
-                    <a:bodyPr/>
-                    <a:lstStyle/>
-                    <a:p>
-                      <a:pPr algn="ctr" fontAlgn="b"/>
-                      <a:r>
-                        <a:rPr lang="fr-FR" sz="1800" b="0" i="0" u="none" strike="noStrike">
-                          <a:solidFill>
-                            <a:srgbClr val="FFFFFF"/>
-                          </a:solidFill>
-                          <a:effectLst/>
-                          <a:latin typeface="Arial" panose="020B0604020202020204" pitchFamily="34" charset="0"/>
-                        </a:rPr>
-                        <a:t> </a:t>
-                      </a:r>
-                    </a:p>
-                  </a:txBody>
-                  <a:tcPr marL="7421" marR="7421" marT="7421" marB="0" anchor="b">
-                    <a:lnL>
-                      <a:noFill/>
-                    </a:lnL>
-                    <a:lnR>
-                      <a:noFill/>
-                    </a:lnR>
-                    <a:lnT>
-                      <a:noFill/>
-                    </a:lnT>
-                    <a:lnB>
-                      <a:noFill/>
-                    </a:lnB>
-                    <a:solidFill>
-                      <a:srgbClr val="262626"/>
-                    </a:solidFill>
-                  </a:tcPr>
-                </a:tc>
-                <a:extLst>
-                  <a:ext uri="{0D108BD9-81ED-4DB2-BD59-A6C34878D82A}">
-                    <a16:rowId xmlns:a16="http://schemas.microsoft.com/office/drawing/2014/main" val="3563678698"/>
-                  </a:ext>
-                </a:extLst>
-              </a:tr>
-              <a:tr h="192944">
-                <a:tc>
-                  <a:txBody>
-                    <a:bodyPr/>
-                    <a:lstStyle/>
-                    <a:p>
-                      <a:pPr algn="ctr" fontAlgn="b"/>
-                      <a:r>
-                        <a:rPr lang="fr-FR" sz="1200" b="1" i="0" u="none" strike="noStrike">
-                          <a:solidFill>
-                            <a:srgbClr val="FFFFFF"/>
-                          </a:solidFill>
-                          <a:effectLst/>
-                          <a:latin typeface="Arial" panose="020B0604020202020204" pitchFamily="34" charset="0"/>
-                        </a:rPr>
-                        <a:t>Avant</a:t>
-                      </a:r>
-                    </a:p>
-                  </a:txBody>
-                  <a:tcPr marL="7421" marR="7421" marT="7421" marB="0" anchor="b">
-                    <a:lnL>
-                      <a:noFill/>
-                    </a:lnL>
-                    <a:lnR w="6350" cap="flat" cmpd="sng" algn="ctr">
-                      <a:solidFill>
-                        <a:srgbClr val="000000"/>
-                      </a:solidFill>
-                      <a:prstDash val="solid"/>
-                      <a:round/>
-                      <a:headEnd type="none" w="med" len="med"/>
-                      <a:tailEnd type="none" w="med" len="med"/>
-                    </a:lnR>
-                    <a:lnT>
-                      <a:noFill/>
-                    </a:lnT>
-                    <a:lnB>
-                      <a:noFill/>
-                    </a:lnB>
-                    <a:solidFill>
-                      <a:srgbClr val="262626"/>
-                    </a:solidFill>
-                  </a:tcPr>
-                </a:tc>
-                <a:tc>
-                  <a:txBody>
-                    <a:bodyPr/>
-                    <a:lstStyle/>
-                    <a:p>
-                      <a:pPr algn="ctr" fontAlgn="b"/>
-                      <a:r>
-                        <a:rPr lang="fr-FR" sz="1200" b="0" i="0" u="none" strike="noStrike">
-                          <a:solidFill>
-                            <a:srgbClr val="000000"/>
-                          </a:solidFill>
-                          <a:effectLst/>
-                          <a:latin typeface="Arial" panose="020B0604020202020204" pitchFamily="34" charset="0"/>
-                        </a:rPr>
-                        <a:t>78%</a:t>
-                      </a:r>
-                    </a:p>
-                  </a:txBody>
-                  <a:tcPr marL="7421" marR="7421" marT="7421" marB="0" anchor="b">
-                    <a:lnL w="6350" cap="flat" cmpd="sng" algn="ctr">
-                      <a:solidFill>
-                        <a:srgbClr val="000000"/>
-                      </a:solidFill>
-                      <a:prstDash val="solid"/>
-                      <a:round/>
-                      <a:headEnd type="none" w="med" len="med"/>
-                      <a:tailEnd type="none" w="med" len="med"/>
-                    </a:lnL>
-                    <a:lnR w="6350" cap="flat" cmpd="sng" algn="ctr">
-                      <a:solidFill>
-                        <a:srgbClr val="000000"/>
-                      </a:solidFill>
-                      <a:prstDash val="solid"/>
-                      <a:round/>
-                      <a:headEnd type="none" w="med" len="med"/>
-                      <a:tailEnd type="none" w="med" len="med"/>
-                    </a:lnR>
-                    <a:lnT w="6350" cap="flat" cmpd="sng" algn="ctr">
-                      <a:solidFill>
-                        <a:srgbClr val="000000"/>
-                      </a:solidFill>
-                      <a:prstDash val="solid"/>
-                      <a:round/>
-                      <a:headEnd type="none" w="med" len="med"/>
-                      <a:tailEnd type="none" w="med" len="med"/>
-                    </a:lnT>
-                    <a:lnB w="6350" cap="flat" cmpd="sng" algn="ctr">
-                      <a:solidFill>
-                        <a:srgbClr val="000000"/>
-                      </a:solidFill>
-                      <a:prstDash val="solid"/>
-                      <a:round/>
-                      <a:headEnd type="none" w="med" len="med"/>
-                      <a:tailEnd type="none" w="med" len="med"/>
-                    </a:lnB>
-                    <a:solidFill>
-                      <a:srgbClr val="FFC000"/>
-                    </a:solidFill>
-                  </a:tcPr>
-                </a:tc>
-                <a:tc>
-                  <a:txBody>
-                    <a:bodyPr/>
-                    <a:lstStyle/>
-                    <a:p>
-                      <a:pPr algn="ctr" fontAlgn="b"/>
-                      <a:r>
-                        <a:rPr lang="fr-FR" sz="1200" b="0" i="0" u="none" strike="noStrike">
-                          <a:solidFill>
-                            <a:srgbClr val="000000"/>
-                          </a:solidFill>
-                          <a:effectLst/>
-                          <a:latin typeface="Arial" panose="020B0604020202020204" pitchFamily="34" charset="0"/>
-                        </a:rPr>
-                        <a:t>84%</a:t>
-                      </a:r>
-                    </a:p>
-                  </a:txBody>
-                  <a:tcPr marL="7421" marR="7421" marT="7421" marB="0" anchor="b">
-                    <a:lnL w="6350" cap="flat" cmpd="sng" algn="ctr">
-                      <a:solidFill>
-                        <a:srgbClr val="000000"/>
-                      </a:solidFill>
-                      <a:prstDash val="solid"/>
-                      <a:round/>
-                      <a:headEnd type="none" w="med" len="med"/>
-                      <a:tailEnd type="none" w="med" len="med"/>
-                    </a:lnL>
-                    <a:lnR w="6350" cap="flat" cmpd="sng" algn="ctr">
-                      <a:solidFill>
-                        <a:srgbClr val="000000"/>
-                      </a:solidFill>
-                      <a:prstDash val="solid"/>
-                      <a:round/>
-                      <a:headEnd type="none" w="med" len="med"/>
-                      <a:tailEnd type="none" w="med" len="med"/>
-                    </a:lnR>
-                    <a:lnT w="6350" cap="flat" cmpd="sng" algn="ctr">
-                      <a:solidFill>
-                        <a:srgbClr val="000000"/>
-                      </a:solidFill>
-                      <a:prstDash val="solid"/>
-                      <a:round/>
-                      <a:headEnd type="none" w="med" len="med"/>
-                      <a:tailEnd type="none" w="med" len="med"/>
-                    </a:lnT>
-                    <a:lnB w="6350" cap="flat" cmpd="sng" algn="ctr">
-                      <a:solidFill>
-                        <a:srgbClr val="000000"/>
-                      </a:solidFill>
-                      <a:prstDash val="solid"/>
-                      <a:round/>
-                      <a:headEnd type="none" w="med" len="med"/>
-                      <a:tailEnd type="none" w="med" len="med"/>
-                    </a:lnB>
-                    <a:solidFill>
-                      <a:srgbClr val="FFC000"/>
-                    </a:solidFill>
-                  </a:tcPr>
-                </a:tc>
-                <a:tc>
-                  <a:txBody>
-                    <a:bodyPr/>
-                    <a:lstStyle/>
-                    <a:p>
-                      <a:pPr algn="ctr" fontAlgn="b"/>
-                      <a:r>
-                        <a:rPr lang="fr-FR" sz="1200" b="0" i="0" u="none" strike="noStrike">
-                          <a:solidFill>
-                            <a:srgbClr val="000000"/>
-                          </a:solidFill>
-                          <a:effectLst/>
-                          <a:latin typeface="Arial" panose="020B0604020202020204" pitchFamily="34" charset="0"/>
-                        </a:rPr>
-                        <a:t>86%</a:t>
-                      </a:r>
-                    </a:p>
-                  </a:txBody>
-                  <a:tcPr marL="7421" marR="7421" marT="7421" marB="0" anchor="b">
-                    <a:lnL w="6350" cap="flat" cmpd="sng" algn="ctr">
-                      <a:solidFill>
-                        <a:srgbClr val="000000"/>
-                      </a:solidFill>
-                      <a:prstDash val="solid"/>
-                      <a:round/>
-                      <a:headEnd type="none" w="med" len="med"/>
-                      <a:tailEnd type="none" w="med" len="med"/>
-                    </a:lnL>
-                    <a:lnR w="6350" cap="flat" cmpd="sng" algn="ctr">
-                      <a:solidFill>
-                        <a:srgbClr val="000000"/>
-                      </a:solidFill>
-                      <a:prstDash val="solid"/>
-                      <a:round/>
-                      <a:headEnd type="none" w="med" len="med"/>
-                      <a:tailEnd type="none" w="med" len="med"/>
-                    </a:lnR>
-                    <a:lnT w="6350" cap="flat" cmpd="sng" algn="ctr">
-                      <a:solidFill>
-                        <a:srgbClr val="000000"/>
-                      </a:solidFill>
-                      <a:prstDash val="solid"/>
-                      <a:round/>
-                      <a:headEnd type="none" w="med" len="med"/>
-                      <a:tailEnd type="none" w="med" len="med"/>
-                    </a:lnT>
-                    <a:lnB w="6350" cap="flat" cmpd="sng" algn="ctr">
-                      <a:solidFill>
-                        <a:srgbClr val="000000"/>
-                      </a:solidFill>
-                      <a:prstDash val="solid"/>
-                      <a:round/>
-                      <a:headEnd type="none" w="med" len="med"/>
-                      <a:tailEnd type="none" w="med" len="med"/>
-                    </a:lnB>
-                    <a:solidFill>
-                      <a:srgbClr val="FFC000"/>
-                    </a:solidFill>
-                  </a:tcPr>
-                </a:tc>
-                <a:tc>
-                  <a:txBody>
-                    <a:bodyPr/>
-                    <a:lstStyle/>
-                    <a:p>
-                      <a:pPr algn="ctr" fontAlgn="b"/>
-                      <a:r>
-                        <a:rPr lang="fr-FR" sz="1200" b="0" i="0" u="none" strike="noStrike">
-                          <a:solidFill>
-                            <a:srgbClr val="000000"/>
-                          </a:solidFill>
-                          <a:effectLst/>
-                          <a:latin typeface="Arial" panose="020B0604020202020204" pitchFamily="34" charset="0"/>
-                        </a:rPr>
-                        <a:t>78%</a:t>
-                      </a:r>
-                    </a:p>
-                  </a:txBody>
-                  <a:tcPr marL="7421" marR="7421" marT="7421" marB="0" anchor="b">
-                    <a:lnL w="6350" cap="flat" cmpd="sng" algn="ctr">
-                      <a:solidFill>
-                        <a:srgbClr val="000000"/>
-                      </a:solidFill>
-                      <a:prstDash val="solid"/>
-                      <a:round/>
-                      <a:headEnd type="none" w="med" len="med"/>
-                      <a:tailEnd type="none" w="med" len="med"/>
-                    </a:lnL>
-                    <a:lnR w="6350" cap="flat" cmpd="sng" algn="ctr">
-                      <a:solidFill>
-                        <a:srgbClr val="000000"/>
-                      </a:solidFill>
-                      <a:prstDash val="solid"/>
-                      <a:round/>
-                      <a:headEnd type="none" w="med" len="med"/>
-                      <a:tailEnd type="none" w="med" len="med"/>
-                    </a:lnR>
-                    <a:lnT w="6350" cap="flat" cmpd="sng" algn="ctr">
-                      <a:solidFill>
-                        <a:srgbClr val="000000"/>
-                      </a:solidFill>
-                      <a:prstDash val="solid"/>
-                      <a:round/>
-                      <a:headEnd type="none" w="med" len="med"/>
-                      <a:tailEnd type="none" w="med" len="med"/>
-                    </a:lnT>
-                    <a:lnB w="6350" cap="flat" cmpd="sng" algn="ctr">
-                      <a:solidFill>
-                        <a:srgbClr val="000000"/>
-                      </a:solidFill>
-                      <a:prstDash val="solid"/>
-                      <a:round/>
-                      <a:headEnd type="none" w="med" len="med"/>
-                      <a:tailEnd type="none" w="med" len="med"/>
-                    </a:lnB>
-                    <a:solidFill>
-                      <a:srgbClr val="FFC000"/>
-                    </a:solidFill>
-                  </a:tcPr>
-                </a:tc>
-                <a:tc>
-                  <a:txBody>
-                    <a:bodyPr/>
-                    <a:lstStyle/>
-                    <a:p>
-                      <a:pPr algn="ctr" fontAlgn="b"/>
-                      <a:r>
-                        <a:rPr lang="fr-FR" sz="1200" b="1" i="0" u="none" strike="noStrike">
-                          <a:solidFill>
-                            <a:srgbClr val="FFFFFF"/>
-                          </a:solidFill>
-                          <a:effectLst/>
-                          <a:latin typeface="Arial" panose="020B0604020202020204" pitchFamily="34" charset="0"/>
-                        </a:rPr>
-                        <a:t>Avant</a:t>
-                      </a:r>
-                    </a:p>
-                  </a:txBody>
-                  <a:tcPr marL="7421" marR="7421" marT="7421" marB="0" anchor="b">
-                    <a:lnL w="6350" cap="flat" cmpd="sng" algn="ctr">
-                      <a:solidFill>
-                        <a:srgbClr val="000000"/>
-                      </a:solidFill>
-                      <a:prstDash val="solid"/>
-                      <a:round/>
-                      <a:headEnd type="none" w="med" len="med"/>
-                      <a:tailEnd type="none" w="med" len="med"/>
-                    </a:lnL>
-                    <a:lnR>
-                      <a:noFill/>
-                    </a:lnR>
-                    <a:lnT>
-                      <a:noFill/>
-                    </a:lnT>
-                    <a:lnB>
-                      <a:noFill/>
-                    </a:lnB>
-                    <a:solidFill>
-                      <a:srgbClr val="262626"/>
-                    </a:solidFill>
-                  </a:tcPr>
-                </a:tc>
-                <a:extLst>
-                  <a:ext uri="{0D108BD9-81ED-4DB2-BD59-A6C34878D82A}">
-                    <a16:rowId xmlns:a16="http://schemas.microsoft.com/office/drawing/2014/main" val="2952077970"/>
-                  </a:ext>
-                </a:extLst>
-              </a:tr>
-              <a:tr h="192944">
-                <a:tc>
-                  <a:txBody>
-                    <a:bodyPr/>
-                    <a:lstStyle/>
-                    <a:p>
-                      <a:pPr algn="ctr" fontAlgn="b"/>
-                      <a:r>
-                        <a:rPr lang="fr-FR" sz="1200" b="1" i="0" u="none" strike="noStrike">
-                          <a:solidFill>
-                            <a:srgbClr val="FFFFFF"/>
-                          </a:solidFill>
-                          <a:effectLst/>
-                          <a:latin typeface="Arial" panose="020B0604020202020204" pitchFamily="34" charset="0"/>
-                        </a:rPr>
-                        <a:t>Après</a:t>
-                      </a:r>
-                    </a:p>
-                  </a:txBody>
-                  <a:tcPr marL="7421" marR="7421" marT="7421" marB="0" anchor="b">
-                    <a:lnL>
-                      <a:noFill/>
-                    </a:lnL>
-                    <a:lnR w="6350" cap="flat" cmpd="sng" algn="ctr">
-                      <a:solidFill>
-                        <a:srgbClr val="000000"/>
-                      </a:solidFill>
-                      <a:prstDash val="solid"/>
-                      <a:round/>
-                      <a:headEnd type="none" w="med" len="med"/>
-                      <a:tailEnd type="none" w="med" len="med"/>
-                    </a:lnR>
-                    <a:lnT>
-                      <a:noFill/>
-                    </a:lnT>
-                    <a:lnB>
-                      <a:noFill/>
-                    </a:lnB>
-                    <a:solidFill>
-                      <a:srgbClr val="262626"/>
-                    </a:solidFill>
-                  </a:tcPr>
-                </a:tc>
-                <a:tc>
-                  <a:txBody>
-                    <a:bodyPr/>
-                    <a:lstStyle/>
-                    <a:p>
-                      <a:pPr algn="ctr" fontAlgn="b"/>
-                      <a:r>
-                        <a:rPr lang="fr-FR" sz="1200" b="0" i="0" u="none" strike="noStrike">
-                          <a:solidFill>
-                            <a:srgbClr val="000000"/>
-                          </a:solidFill>
-                          <a:effectLst/>
-                          <a:latin typeface="Arial" panose="020B0604020202020204" pitchFamily="34" charset="0"/>
-                        </a:rPr>
-                        <a:t>84%</a:t>
-                      </a:r>
-                    </a:p>
-                  </a:txBody>
-                  <a:tcPr marL="7421" marR="7421" marT="7421" marB="0" anchor="b">
-                    <a:lnL w="6350" cap="flat" cmpd="sng" algn="ctr">
-                      <a:solidFill>
-                        <a:srgbClr val="000000"/>
-                      </a:solidFill>
-                      <a:prstDash val="solid"/>
-                      <a:round/>
-                      <a:headEnd type="none" w="med" len="med"/>
-                      <a:tailEnd type="none" w="med" len="med"/>
-                    </a:lnL>
-                    <a:lnR w="6350" cap="flat" cmpd="sng" algn="ctr">
-                      <a:solidFill>
-                        <a:srgbClr val="000000"/>
-                      </a:solidFill>
-                      <a:prstDash val="solid"/>
-                      <a:round/>
-                      <a:headEnd type="none" w="med" len="med"/>
-                      <a:tailEnd type="none" w="med" len="med"/>
-                    </a:lnR>
-                    <a:lnT w="6350" cap="flat" cmpd="sng" algn="ctr">
-                      <a:solidFill>
-                        <a:srgbClr val="000000"/>
-                      </a:solidFill>
-                      <a:prstDash val="solid"/>
-                      <a:round/>
-                      <a:headEnd type="none" w="med" len="med"/>
-                      <a:tailEnd type="none" w="med" len="med"/>
-                    </a:lnT>
-                    <a:lnB w="6350" cap="flat" cmpd="sng" algn="ctr">
-                      <a:solidFill>
-                        <a:srgbClr val="000000"/>
-                      </a:solidFill>
-                      <a:prstDash val="solid"/>
-                      <a:round/>
-                      <a:headEnd type="none" w="med" len="med"/>
-                      <a:tailEnd type="none" w="med" len="med"/>
-                    </a:lnB>
-                    <a:solidFill>
-                      <a:srgbClr val="92D050"/>
-                    </a:solidFill>
-                  </a:tcPr>
-                </a:tc>
-                <a:tc>
-                  <a:txBody>
-                    <a:bodyPr/>
-                    <a:lstStyle/>
-                    <a:p>
-                      <a:pPr algn="ctr" fontAlgn="b"/>
-                      <a:r>
-                        <a:rPr lang="fr-FR" sz="1200" b="0" i="0" u="none" strike="noStrike">
-                          <a:solidFill>
-                            <a:srgbClr val="000000"/>
-                          </a:solidFill>
-                          <a:effectLst/>
-                          <a:latin typeface="Arial" panose="020B0604020202020204" pitchFamily="34" charset="0"/>
-                        </a:rPr>
-                        <a:t>100%</a:t>
-                      </a:r>
-                    </a:p>
-                  </a:txBody>
-                  <a:tcPr marL="7421" marR="7421" marT="7421" marB="0" anchor="b">
-                    <a:lnL w="6350" cap="flat" cmpd="sng" algn="ctr">
-                      <a:solidFill>
-                        <a:srgbClr val="000000"/>
-                      </a:solidFill>
-                      <a:prstDash val="solid"/>
-                      <a:round/>
-                      <a:headEnd type="none" w="med" len="med"/>
-                      <a:tailEnd type="none" w="med" len="med"/>
-                    </a:lnL>
-                    <a:lnR w="6350" cap="flat" cmpd="sng" algn="ctr">
-                      <a:solidFill>
-                        <a:srgbClr val="000000"/>
-                      </a:solidFill>
-                      <a:prstDash val="solid"/>
-                      <a:round/>
-                      <a:headEnd type="none" w="med" len="med"/>
-                      <a:tailEnd type="none" w="med" len="med"/>
-                    </a:lnR>
-                    <a:lnT w="6350" cap="flat" cmpd="sng" algn="ctr">
-                      <a:solidFill>
-                        <a:srgbClr val="000000"/>
-                      </a:solidFill>
-                      <a:prstDash val="solid"/>
-                      <a:round/>
-                      <a:headEnd type="none" w="med" len="med"/>
-                      <a:tailEnd type="none" w="med" len="med"/>
-                    </a:lnT>
-                    <a:lnB w="6350" cap="flat" cmpd="sng" algn="ctr">
-                      <a:solidFill>
-                        <a:srgbClr val="000000"/>
-                      </a:solidFill>
-                      <a:prstDash val="solid"/>
-                      <a:round/>
-                      <a:headEnd type="none" w="med" len="med"/>
-                      <a:tailEnd type="none" w="med" len="med"/>
-                    </a:lnB>
-                    <a:solidFill>
-                      <a:srgbClr val="92D050"/>
-                    </a:solidFill>
-                  </a:tcPr>
-                </a:tc>
-                <a:tc>
-                  <a:txBody>
-                    <a:bodyPr/>
-                    <a:lstStyle/>
-                    <a:p>
-                      <a:pPr algn="ctr" fontAlgn="b"/>
-                      <a:r>
-                        <a:rPr lang="fr-FR" sz="1200" b="0" i="0" u="none" strike="noStrike">
-                          <a:solidFill>
-                            <a:srgbClr val="000000"/>
-                          </a:solidFill>
-                          <a:effectLst/>
-                          <a:latin typeface="Arial" panose="020B0604020202020204" pitchFamily="34" charset="0"/>
-                        </a:rPr>
-                        <a:t>86%</a:t>
-                      </a:r>
-                    </a:p>
-                  </a:txBody>
-                  <a:tcPr marL="7421" marR="7421" marT="7421" marB="0" anchor="b">
-                    <a:lnL w="6350" cap="flat" cmpd="sng" algn="ctr">
-                      <a:solidFill>
-                        <a:srgbClr val="000000"/>
-                      </a:solidFill>
-                      <a:prstDash val="solid"/>
-                      <a:round/>
-                      <a:headEnd type="none" w="med" len="med"/>
-                      <a:tailEnd type="none" w="med" len="med"/>
-                    </a:lnL>
-                    <a:lnR w="6350" cap="flat" cmpd="sng" algn="ctr">
-                      <a:solidFill>
-                        <a:srgbClr val="000000"/>
-                      </a:solidFill>
-                      <a:prstDash val="solid"/>
-                      <a:round/>
-                      <a:headEnd type="none" w="med" len="med"/>
-                      <a:tailEnd type="none" w="med" len="med"/>
-                    </a:lnR>
-                    <a:lnT w="6350" cap="flat" cmpd="sng" algn="ctr">
-                      <a:solidFill>
-                        <a:srgbClr val="000000"/>
-                      </a:solidFill>
-                      <a:prstDash val="solid"/>
-                      <a:round/>
-                      <a:headEnd type="none" w="med" len="med"/>
-                      <a:tailEnd type="none" w="med" len="med"/>
-                    </a:lnT>
-                    <a:lnB w="6350" cap="flat" cmpd="sng" algn="ctr">
-                      <a:solidFill>
-                        <a:srgbClr val="000000"/>
-                      </a:solidFill>
-                      <a:prstDash val="solid"/>
-                      <a:round/>
-                      <a:headEnd type="none" w="med" len="med"/>
-                      <a:tailEnd type="none" w="med" len="med"/>
-                    </a:lnB>
-                    <a:solidFill>
-                      <a:srgbClr val="92D050"/>
-                    </a:solidFill>
-                  </a:tcPr>
-                </a:tc>
-                <a:tc>
-                  <a:txBody>
-                    <a:bodyPr/>
-                    <a:lstStyle/>
-                    <a:p>
-                      <a:pPr algn="ctr" fontAlgn="b"/>
-                      <a:r>
-                        <a:rPr lang="fr-FR" sz="1200" b="0" i="0" u="none" strike="noStrike">
-                          <a:solidFill>
-                            <a:srgbClr val="000000"/>
-                          </a:solidFill>
-                          <a:effectLst/>
-                          <a:latin typeface="Arial" panose="020B0604020202020204" pitchFamily="34" charset="0"/>
-                        </a:rPr>
-                        <a:t>100%</a:t>
-                      </a:r>
-                    </a:p>
-                  </a:txBody>
-                  <a:tcPr marL="7421" marR="7421" marT="7421" marB="0" anchor="b">
-                    <a:lnL w="6350" cap="flat" cmpd="sng" algn="ctr">
-                      <a:solidFill>
-                        <a:srgbClr val="000000"/>
-                      </a:solidFill>
-                      <a:prstDash val="solid"/>
-                      <a:round/>
-                      <a:headEnd type="none" w="med" len="med"/>
-                      <a:tailEnd type="none" w="med" len="med"/>
-                    </a:lnL>
-                    <a:lnR w="6350" cap="flat" cmpd="sng" algn="ctr">
-                      <a:solidFill>
-                        <a:srgbClr val="000000"/>
-                      </a:solidFill>
-                      <a:prstDash val="solid"/>
-                      <a:round/>
-                      <a:headEnd type="none" w="med" len="med"/>
-                      <a:tailEnd type="none" w="med" len="med"/>
-                    </a:lnR>
-                    <a:lnT w="6350" cap="flat" cmpd="sng" algn="ctr">
-                      <a:solidFill>
-                        <a:srgbClr val="000000"/>
-                      </a:solidFill>
-                      <a:prstDash val="solid"/>
-                      <a:round/>
-                      <a:headEnd type="none" w="med" len="med"/>
-                      <a:tailEnd type="none" w="med" len="med"/>
-                    </a:lnT>
-                    <a:lnB w="6350" cap="flat" cmpd="sng" algn="ctr">
-                      <a:solidFill>
-                        <a:srgbClr val="000000"/>
-                      </a:solidFill>
-                      <a:prstDash val="solid"/>
-                      <a:round/>
-                      <a:headEnd type="none" w="med" len="med"/>
-                      <a:tailEnd type="none" w="med" len="med"/>
-                    </a:lnB>
-                    <a:solidFill>
-                      <a:srgbClr val="92D050"/>
-                    </a:solidFill>
-                  </a:tcPr>
-                </a:tc>
-                <a:tc>
-                  <a:txBody>
-                    <a:bodyPr/>
-                    <a:lstStyle/>
-                    <a:p>
-                      <a:pPr algn="ctr" fontAlgn="b"/>
-                      <a:r>
-                        <a:rPr lang="fr-FR" sz="1200" b="1" i="0" u="none" strike="noStrike">
-                          <a:solidFill>
-                            <a:srgbClr val="FFFFFF"/>
-                          </a:solidFill>
-                          <a:effectLst/>
-                          <a:latin typeface="Arial" panose="020B0604020202020204" pitchFamily="34" charset="0"/>
-                        </a:rPr>
-                        <a:t>Après</a:t>
-                      </a:r>
-                    </a:p>
-                  </a:txBody>
-                  <a:tcPr marL="7421" marR="7421" marT="7421" marB="0" anchor="b">
-                    <a:lnL w="6350" cap="flat" cmpd="sng" algn="ctr">
-                      <a:solidFill>
-                        <a:srgbClr val="000000"/>
-                      </a:solidFill>
-                      <a:prstDash val="solid"/>
-                      <a:round/>
-                      <a:headEnd type="none" w="med" len="med"/>
-                      <a:tailEnd type="none" w="med" len="med"/>
-                    </a:lnL>
-                    <a:lnR>
-                      <a:noFill/>
-                    </a:lnR>
-                    <a:lnT>
-                      <a:noFill/>
-                    </a:lnT>
-                    <a:lnB>
-                      <a:noFill/>
-                    </a:lnB>
-                    <a:solidFill>
-                      <a:srgbClr val="262626"/>
-                    </a:solidFill>
-                  </a:tcPr>
-                </a:tc>
-                <a:extLst>
-                  <a:ext uri="{0D108BD9-81ED-4DB2-BD59-A6C34878D82A}">
-                    <a16:rowId xmlns:a16="http://schemas.microsoft.com/office/drawing/2014/main" val="4229294547"/>
-                  </a:ext>
-                </a:extLst>
-              </a:tr>
-              <a:tr h="192944">
-                <a:tc>
-                  <a:txBody>
-                    <a:bodyPr/>
-                    <a:lstStyle/>
-                    <a:p>
-                      <a:pPr algn="ctr" fontAlgn="b"/>
-                      <a:r>
-                        <a:rPr lang="fr-FR" sz="1200" b="1" i="0" u="none" strike="noStrike">
-                          <a:solidFill>
-                            <a:srgbClr val="FFFFFF"/>
-                          </a:solidFill>
-                          <a:effectLst/>
-                          <a:latin typeface="Arial" panose="020B0604020202020204" pitchFamily="34" charset="0"/>
-                        </a:rPr>
-                        <a:t>Total</a:t>
-                      </a:r>
-                    </a:p>
-                  </a:txBody>
-                  <a:tcPr marL="7421" marR="7421" marT="7421" marB="0" anchor="b">
-                    <a:lnL>
-                      <a:noFill/>
-                    </a:lnL>
-                    <a:lnR>
-                      <a:noFill/>
-                    </a:lnR>
-                    <a:lnT>
-                      <a:noFill/>
-                    </a:lnT>
-                    <a:lnB>
-                      <a:noFill/>
-                    </a:lnB>
-                    <a:solidFill>
-                      <a:srgbClr val="262626"/>
-                    </a:solidFill>
-                  </a:tcPr>
-                </a:tc>
-                <a:tc>
-                  <a:txBody>
-                    <a:bodyPr/>
-                    <a:lstStyle/>
-                    <a:p>
-                      <a:pPr algn="ctr" fontAlgn="b"/>
-                      <a:r>
-                        <a:rPr lang="fr-FR" sz="1200" b="1" i="0" u="none" strike="noStrike">
-                          <a:solidFill>
-                            <a:srgbClr val="FFFFFF"/>
-                          </a:solidFill>
-                          <a:effectLst/>
-                          <a:latin typeface="Arial" panose="020B0604020202020204" pitchFamily="34" charset="0"/>
-                        </a:rPr>
-                        <a:t>6%</a:t>
-                      </a:r>
-                    </a:p>
-                  </a:txBody>
-                  <a:tcPr marL="7421" marR="7421" marT="7421" marB="0" anchor="b">
-                    <a:lnL>
-                      <a:noFill/>
-                    </a:lnL>
-                    <a:lnR>
-                      <a:noFill/>
-                    </a:lnR>
-                    <a:lnT w="6350" cap="flat" cmpd="sng" algn="ctr">
-                      <a:solidFill>
-                        <a:srgbClr val="000000"/>
-                      </a:solidFill>
-                      <a:prstDash val="solid"/>
-                      <a:round/>
-                      <a:headEnd type="none" w="med" len="med"/>
-                      <a:tailEnd type="none" w="med" len="med"/>
-                    </a:lnT>
-                    <a:lnB>
-                      <a:noFill/>
-                    </a:lnB>
-                    <a:solidFill>
-                      <a:srgbClr val="262626"/>
-                    </a:solidFill>
-                  </a:tcPr>
-                </a:tc>
-                <a:tc>
-                  <a:txBody>
-                    <a:bodyPr/>
-                    <a:lstStyle/>
-                    <a:p>
-                      <a:pPr algn="ctr" fontAlgn="b"/>
-                      <a:r>
-                        <a:rPr lang="fr-FR" sz="1200" b="1" i="0" u="none" strike="noStrike">
-                          <a:solidFill>
-                            <a:srgbClr val="FFFFFF"/>
-                          </a:solidFill>
-                          <a:effectLst/>
-                          <a:latin typeface="Arial" panose="020B0604020202020204" pitchFamily="34" charset="0"/>
-                        </a:rPr>
-                        <a:t>16%</a:t>
-                      </a:r>
-                    </a:p>
-                  </a:txBody>
-                  <a:tcPr marL="7421" marR="7421" marT="7421" marB="0" anchor="b">
-                    <a:lnL>
-                      <a:noFill/>
-                    </a:lnL>
-                    <a:lnR>
-                      <a:noFill/>
-                    </a:lnR>
-                    <a:lnT w="6350" cap="flat" cmpd="sng" algn="ctr">
-                      <a:solidFill>
-                        <a:srgbClr val="000000"/>
-                      </a:solidFill>
-                      <a:prstDash val="solid"/>
-                      <a:round/>
-                      <a:headEnd type="none" w="med" len="med"/>
-                      <a:tailEnd type="none" w="med" len="med"/>
-                    </a:lnT>
-                    <a:lnB>
-                      <a:noFill/>
-                    </a:lnB>
-                    <a:solidFill>
-                      <a:srgbClr val="262626"/>
-                    </a:solidFill>
-                  </a:tcPr>
-                </a:tc>
-                <a:tc>
-                  <a:txBody>
-                    <a:bodyPr/>
-                    <a:lstStyle/>
-                    <a:p>
-                      <a:pPr algn="ctr" fontAlgn="b"/>
-                      <a:r>
-                        <a:rPr lang="fr-FR" sz="1200" b="1" i="0" u="none" strike="noStrike">
-                          <a:solidFill>
-                            <a:srgbClr val="FFFFFF"/>
-                          </a:solidFill>
-                          <a:effectLst/>
-                          <a:latin typeface="Arial" panose="020B0604020202020204" pitchFamily="34" charset="0"/>
-                        </a:rPr>
-                        <a:t>0%</a:t>
-                      </a:r>
-                    </a:p>
-                  </a:txBody>
-                  <a:tcPr marL="7421" marR="7421" marT="7421" marB="0" anchor="b">
-                    <a:lnL>
-                      <a:noFill/>
-                    </a:lnL>
-                    <a:lnR>
-                      <a:noFill/>
-                    </a:lnR>
-                    <a:lnT w="6350" cap="flat" cmpd="sng" algn="ctr">
-                      <a:solidFill>
-                        <a:srgbClr val="000000"/>
-                      </a:solidFill>
-                      <a:prstDash val="solid"/>
-                      <a:round/>
-                      <a:headEnd type="none" w="med" len="med"/>
-                      <a:tailEnd type="none" w="med" len="med"/>
-                    </a:lnT>
-                    <a:lnB>
-                      <a:noFill/>
-                    </a:lnB>
-                    <a:solidFill>
-                      <a:srgbClr val="262626"/>
-                    </a:solidFill>
-                  </a:tcPr>
-                </a:tc>
-                <a:tc>
-                  <a:txBody>
-                    <a:bodyPr/>
-                    <a:lstStyle/>
-                    <a:p>
-                      <a:pPr algn="ctr" fontAlgn="b"/>
-                      <a:r>
-                        <a:rPr lang="fr-FR" sz="1200" b="1" i="0" u="none" strike="noStrike">
-                          <a:solidFill>
-                            <a:srgbClr val="FFFFFF"/>
-                          </a:solidFill>
-                          <a:effectLst/>
-                          <a:latin typeface="Arial" panose="020B0604020202020204" pitchFamily="34" charset="0"/>
-                        </a:rPr>
-                        <a:t>22%</a:t>
-                      </a:r>
-                    </a:p>
-                  </a:txBody>
-                  <a:tcPr marL="7421" marR="7421" marT="7421" marB="0" anchor="b">
-                    <a:lnL>
-                      <a:noFill/>
-                    </a:lnL>
-                    <a:lnR>
-                      <a:noFill/>
-                    </a:lnR>
-                    <a:lnT w="6350" cap="flat" cmpd="sng" algn="ctr">
-                      <a:solidFill>
-                        <a:srgbClr val="000000"/>
-                      </a:solidFill>
-                      <a:prstDash val="solid"/>
-                      <a:round/>
-                      <a:headEnd type="none" w="med" len="med"/>
-                      <a:tailEnd type="none" w="med" len="med"/>
-                    </a:lnT>
-                    <a:lnB>
-                      <a:noFill/>
-                    </a:lnB>
-                    <a:solidFill>
-                      <a:srgbClr val="262626"/>
-                    </a:solidFill>
-                  </a:tcPr>
-                </a:tc>
-                <a:tc>
-                  <a:txBody>
-                    <a:bodyPr/>
-                    <a:lstStyle/>
-                    <a:p>
-                      <a:pPr algn="ctr" fontAlgn="b"/>
-                      <a:r>
-                        <a:rPr lang="fr-FR" sz="1200" b="1" i="0" u="none" strike="noStrike">
-                          <a:solidFill>
-                            <a:srgbClr val="FFFFFF"/>
-                          </a:solidFill>
-                          <a:effectLst/>
-                          <a:latin typeface="Arial" panose="020B0604020202020204" pitchFamily="34" charset="0"/>
-                        </a:rPr>
-                        <a:t>Total</a:t>
-                      </a:r>
-                    </a:p>
-                  </a:txBody>
-                  <a:tcPr marL="7421" marR="7421" marT="7421" marB="0" anchor="b">
-                    <a:lnL>
-                      <a:noFill/>
-                    </a:lnL>
-                    <a:lnR>
-                      <a:noFill/>
-                    </a:lnR>
-                    <a:lnT>
-                      <a:noFill/>
-                    </a:lnT>
-                    <a:lnB>
-                      <a:noFill/>
-                    </a:lnB>
-                    <a:solidFill>
-                      <a:srgbClr val="262626"/>
-                    </a:solidFill>
-                  </a:tcPr>
-                </a:tc>
-                <a:extLst>
-                  <a:ext uri="{0D108BD9-81ED-4DB2-BD59-A6C34878D82A}">
-                    <a16:rowId xmlns:a16="http://schemas.microsoft.com/office/drawing/2014/main" val="1409437363"/>
-                  </a:ext>
-                </a:extLst>
-              </a:tr>
-              <a:tr h="185523">
-                <a:tc>
-                  <a:txBody>
-                    <a:bodyPr/>
-                    <a:lstStyle/>
-                    <a:p>
-                      <a:pPr algn="l" fontAlgn="b"/>
-                      <a:endParaRPr lang="fr-FR" sz="1200" b="0" i="0" u="none" strike="noStrike">
-                        <a:solidFill>
-                          <a:srgbClr val="000000"/>
-                        </a:solidFill>
-                        <a:effectLst/>
-                        <a:latin typeface="Arial" panose="020B0604020202020204" pitchFamily="34" charset="0"/>
-                      </a:endParaRPr>
-                    </a:p>
-                  </a:txBody>
-                  <a:tcPr marL="7421" marR="7421" marT="7421" marB="0" anchor="b">
-                    <a:lnL>
-                      <a:noFill/>
-                    </a:lnL>
-                    <a:lnR>
-                      <a:noFill/>
-                    </a:lnR>
-                    <a:lnT>
-                      <a:noFill/>
-                    </a:lnT>
-                    <a:lnB>
-                      <a:noFill/>
-                    </a:lnB>
-                  </a:tcPr>
-                </a:tc>
-                <a:tc>
-                  <a:txBody>
-                    <a:bodyPr/>
-                    <a:lstStyle/>
-                    <a:p>
-                      <a:pPr algn="l" fontAlgn="b"/>
-                      <a:endParaRPr lang="fr-FR" sz="1200" b="0" i="0" u="none" strike="noStrike">
-                        <a:solidFill>
-                          <a:srgbClr val="000000"/>
-                        </a:solidFill>
-                        <a:effectLst/>
-                        <a:latin typeface="Arial" panose="020B0604020202020204" pitchFamily="34" charset="0"/>
-                      </a:endParaRPr>
-                    </a:p>
-                  </a:txBody>
-                  <a:tcPr marL="7421" marR="7421" marT="7421" marB="0" anchor="b">
-                    <a:lnL>
-                      <a:noFill/>
-                    </a:lnL>
-                    <a:lnR>
-                      <a:noFill/>
-                    </a:lnR>
-                    <a:lnT>
-                      <a:noFill/>
-                    </a:lnT>
-                    <a:lnB>
-                      <a:noFill/>
-                    </a:lnB>
-                  </a:tcPr>
-                </a:tc>
-                <a:tc>
-                  <a:txBody>
-                    <a:bodyPr/>
-                    <a:lstStyle/>
-                    <a:p>
-                      <a:pPr algn="l" fontAlgn="b"/>
-                      <a:endParaRPr lang="fr-FR" sz="1200" b="0" i="0" u="none" strike="noStrike">
-                        <a:solidFill>
-                          <a:srgbClr val="000000"/>
-                        </a:solidFill>
-                        <a:effectLst/>
-                        <a:latin typeface="Arial" panose="020B0604020202020204" pitchFamily="34" charset="0"/>
-                      </a:endParaRPr>
-                    </a:p>
-                  </a:txBody>
-                  <a:tcPr marL="7421" marR="7421" marT="7421" marB="0" anchor="b">
-                    <a:lnL>
-                      <a:noFill/>
-                    </a:lnL>
-                    <a:lnR>
-                      <a:noFill/>
-                    </a:lnR>
-                    <a:lnT>
-                      <a:noFill/>
-                    </a:lnT>
-                    <a:lnB>
-                      <a:noFill/>
-                    </a:lnB>
-                  </a:tcPr>
-                </a:tc>
-                <a:tc>
-                  <a:txBody>
-                    <a:bodyPr/>
-                    <a:lstStyle/>
-                    <a:p>
-                      <a:pPr algn="l" fontAlgn="b"/>
-                      <a:endParaRPr lang="fr-FR" sz="1200" b="0" i="0" u="none" strike="noStrike">
-                        <a:solidFill>
-                          <a:srgbClr val="000000"/>
-                        </a:solidFill>
-                        <a:effectLst/>
-                        <a:latin typeface="Arial" panose="020B0604020202020204" pitchFamily="34" charset="0"/>
-                      </a:endParaRPr>
-                    </a:p>
-                  </a:txBody>
-                  <a:tcPr marL="7421" marR="7421" marT="7421" marB="0" anchor="b">
-                    <a:lnL>
-                      <a:noFill/>
-                    </a:lnL>
-                    <a:lnR>
-                      <a:noFill/>
-                    </a:lnR>
-                    <a:lnT>
-                      <a:noFill/>
-                    </a:lnT>
-                    <a:lnB>
-                      <a:noFill/>
-                    </a:lnB>
-                  </a:tcPr>
-                </a:tc>
-                <a:tc>
-                  <a:txBody>
-                    <a:bodyPr/>
-                    <a:lstStyle/>
-                    <a:p>
-                      <a:pPr algn="l" fontAlgn="b"/>
-                      <a:endParaRPr lang="fr-FR" sz="1200" b="0" i="0" u="none" strike="noStrike">
-                        <a:solidFill>
-                          <a:srgbClr val="000000"/>
-                        </a:solidFill>
-                        <a:effectLst/>
-                        <a:latin typeface="Arial" panose="020B0604020202020204" pitchFamily="34" charset="0"/>
-                      </a:endParaRPr>
-                    </a:p>
-                  </a:txBody>
-                  <a:tcPr marL="7421" marR="7421" marT="7421" marB="0" anchor="b">
-                    <a:lnL>
-                      <a:noFill/>
-                    </a:lnL>
-                    <a:lnR>
-                      <a:noFill/>
-                    </a:lnR>
-                    <a:lnT>
-                      <a:noFill/>
-                    </a:lnT>
-                    <a:lnB>
-                      <a:noFill/>
-                    </a:lnB>
-                  </a:tcPr>
-                </a:tc>
-                <a:tc>
-                  <a:txBody>
-                    <a:bodyPr/>
-                    <a:lstStyle/>
-                    <a:p>
-                      <a:pPr algn="l" fontAlgn="b"/>
-                      <a:endParaRPr lang="fr-FR" sz="1200" b="0" i="0" u="none" strike="noStrike">
-                        <a:solidFill>
-                          <a:srgbClr val="000000"/>
-                        </a:solidFill>
-                        <a:effectLst/>
-                        <a:latin typeface="Arial" panose="020B0604020202020204" pitchFamily="34" charset="0"/>
-                      </a:endParaRPr>
-                    </a:p>
-                  </a:txBody>
-                  <a:tcPr marL="7421" marR="7421" marT="7421" marB="0" anchor="b">
-                    <a:lnL>
-                      <a:noFill/>
-                    </a:lnL>
-                    <a:lnR>
-                      <a:noFill/>
-                    </a:lnR>
-                    <a:lnT>
-                      <a:noFill/>
-                    </a:lnT>
-                    <a:lnB>
-                      <a:noFill/>
-                    </a:lnB>
-                  </a:tcPr>
-                </a:tc>
-                <a:extLst>
-                  <a:ext uri="{0D108BD9-81ED-4DB2-BD59-A6C34878D82A}">
-                    <a16:rowId xmlns:a16="http://schemas.microsoft.com/office/drawing/2014/main" val="328864313"/>
-                  </a:ext>
-                </a:extLst>
-              </a:tr>
-              <a:tr h="371045">
-                <a:tc>
-                  <a:txBody>
-                    <a:bodyPr/>
-                    <a:lstStyle/>
-                    <a:p>
-                      <a:pPr algn="l" fontAlgn="ctr"/>
-                      <a:r>
-                        <a:rPr lang="fr-FR" sz="2300" b="1" i="0" u="none" strike="noStrike">
-                          <a:solidFill>
-                            <a:srgbClr val="FFFFFF"/>
-                          </a:solidFill>
-                          <a:effectLst/>
-                          <a:latin typeface="Arial" panose="020B0604020202020204" pitchFamily="34" charset="0"/>
-                        </a:rPr>
-                        <a:t> </a:t>
-                      </a:r>
-                    </a:p>
-                  </a:txBody>
-                  <a:tcPr marL="7421" marR="7421" marT="7421" marB="0" anchor="ctr">
-                    <a:lnL>
-                      <a:noFill/>
-                    </a:lnL>
-                    <a:lnR>
-                      <a:noFill/>
-                    </a:lnR>
-                    <a:lnT>
-                      <a:noFill/>
-                    </a:lnT>
-                    <a:lnB>
-                      <a:noFill/>
-                    </a:lnB>
-                    <a:solidFill>
-                      <a:srgbClr val="262626"/>
-                    </a:solidFill>
-                  </a:tcPr>
-                </a:tc>
-                <a:tc>
-                  <a:txBody>
-                    <a:bodyPr/>
-                    <a:lstStyle/>
-                    <a:p>
-                      <a:pPr algn="ctr" fontAlgn="ctr"/>
-                      <a:r>
-                        <a:rPr lang="fr-FR" sz="2300" b="1" i="0" u="none" strike="noStrike">
-                          <a:solidFill>
-                            <a:srgbClr val="FFFFFF"/>
-                          </a:solidFill>
-                          <a:effectLst/>
-                          <a:latin typeface="Arial" panose="020B0604020202020204" pitchFamily="34" charset="0"/>
-                        </a:rPr>
-                        <a:t>Axe</a:t>
-                      </a:r>
-                    </a:p>
-                  </a:txBody>
-                  <a:tcPr marL="7421" marR="7421" marT="7421" marB="0" anchor="ctr">
-                    <a:lnL>
-                      <a:noFill/>
-                    </a:lnL>
-                    <a:lnR>
-                      <a:noFill/>
-                    </a:lnR>
-                    <a:lnT>
-                      <a:noFill/>
-                    </a:lnT>
-                    <a:lnB>
-                      <a:noFill/>
-                    </a:lnB>
-                    <a:solidFill>
-                      <a:srgbClr val="262626"/>
-                    </a:solidFill>
-                  </a:tcPr>
-                </a:tc>
-                <a:tc>
-                  <a:txBody>
-                    <a:bodyPr/>
-                    <a:lstStyle/>
-                    <a:p>
-                      <a:pPr algn="ctr" fontAlgn="ctr"/>
-                      <a:r>
-                        <a:rPr lang="fr-FR" sz="2300" b="1" i="0" u="none" strike="noStrike">
-                          <a:solidFill>
-                            <a:srgbClr val="FFFFFF"/>
-                          </a:solidFill>
-                          <a:effectLst/>
-                          <a:latin typeface="Arial" panose="020B0604020202020204" pitchFamily="34" charset="0"/>
-                        </a:rPr>
-                        <a:t> </a:t>
-                      </a:r>
-                    </a:p>
-                  </a:txBody>
-                  <a:tcPr marL="7421" marR="7421" marT="7421" marB="0" anchor="ctr">
-                    <a:lnL>
-                      <a:noFill/>
-                    </a:lnL>
-                    <a:lnR>
-                      <a:noFill/>
-                    </a:lnR>
-                    <a:lnT>
-                      <a:noFill/>
-                    </a:lnT>
-                    <a:lnB>
-                      <a:noFill/>
-                    </a:lnB>
-                    <a:solidFill>
-                      <a:srgbClr val="262626"/>
-                    </a:solidFill>
-                  </a:tcPr>
-                </a:tc>
-                <a:tc>
-                  <a:txBody>
-                    <a:bodyPr/>
-                    <a:lstStyle/>
-                    <a:p>
-                      <a:pPr algn="l" fontAlgn="b"/>
-                      <a:endParaRPr lang="fr-FR" sz="1200" b="0" i="0" u="none" strike="noStrike">
-                        <a:solidFill>
-                          <a:srgbClr val="000000"/>
-                        </a:solidFill>
-                        <a:effectLst/>
-                        <a:latin typeface="Arial" panose="020B0604020202020204" pitchFamily="34" charset="0"/>
-                      </a:endParaRPr>
-                    </a:p>
-                  </a:txBody>
-                  <a:tcPr marL="7421" marR="7421" marT="7421" marB="0" anchor="b">
-                    <a:lnL>
-                      <a:noFill/>
-                    </a:lnL>
-                    <a:lnR>
-                      <a:noFill/>
-                    </a:lnR>
-                    <a:lnT>
-                      <a:noFill/>
-                    </a:lnT>
-                    <a:lnB>
-                      <a:noFill/>
-                    </a:lnB>
-                  </a:tcPr>
-                </a:tc>
-                <a:tc>
-                  <a:txBody>
-                    <a:bodyPr/>
-                    <a:lstStyle/>
-                    <a:p>
-                      <a:pPr algn="l" fontAlgn="b"/>
-                      <a:endParaRPr lang="fr-FR" sz="1200" b="0" i="0" u="none" strike="noStrike">
-                        <a:solidFill>
-                          <a:srgbClr val="000000"/>
-                        </a:solidFill>
-                        <a:effectLst/>
-                        <a:latin typeface="Arial" panose="020B0604020202020204" pitchFamily="34" charset="0"/>
-                      </a:endParaRPr>
-                    </a:p>
-                  </a:txBody>
-                  <a:tcPr marL="7421" marR="7421" marT="7421" marB="0" anchor="b">
-                    <a:lnL>
-                      <a:noFill/>
-                    </a:lnL>
-                    <a:lnR>
-                      <a:noFill/>
-                    </a:lnR>
-                    <a:lnT>
-                      <a:noFill/>
-                    </a:lnT>
-                    <a:lnB>
-                      <a:noFill/>
-                    </a:lnB>
-                  </a:tcPr>
-                </a:tc>
-                <a:tc>
-                  <a:txBody>
-                    <a:bodyPr/>
-                    <a:lstStyle/>
-                    <a:p>
-                      <a:pPr algn="l" fontAlgn="b"/>
-                      <a:endParaRPr lang="fr-FR" sz="1200" b="0" i="0" u="none" strike="noStrike">
-                        <a:solidFill>
-                          <a:srgbClr val="000000"/>
-                        </a:solidFill>
-                        <a:effectLst/>
-                        <a:latin typeface="Arial" panose="020B0604020202020204" pitchFamily="34" charset="0"/>
-                      </a:endParaRPr>
-                    </a:p>
-                  </a:txBody>
-                  <a:tcPr marL="7421" marR="7421" marT="7421" marB="0" anchor="b">
-                    <a:lnL>
-                      <a:noFill/>
-                    </a:lnL>
-                    <a:lnR>
-                      <a:noFill/>
-                    </a:lnR>
-                    <a:lnT>
-                      <a:noFill/>
-                    </a:lnT>
-                    <a:lnB>
-                      <a:noFill/>
-                    </a:lnB>
-                  </a:tcPr>
-                </a:tc>
-                <a:extLst>
-                  <a:ext uri="{0D108BD9-81ED-4DB2-BD59-A6C34878D82A}">
-                    <a16:rowId xmlns:a16="http://schemas.microsoft.com/office/drawing/2014/main" val="1150951848"/>
-                  </a:ext>
-                </a:extLst>
-              </a:tr>
-              <a:tr h="281995">
-                <a:tc>
-                  <a:txBody>
-                    <a:bodyPr/>
-                    <a:lstStyle/>
-                    <a:p>
-                      <a:pPr algn="ctr" fontAlgn="b"/>
-                      <a:r>
-                        <a:rPr lang="fr-FR" sz="1800" b="0" i="0" u="none" strike="noStrike">
-                          <a:solidFill>
-                            <a:srgbClr val="FFFFFF"/>
-                          </a:solidFill>
-                          <a:effectLst/>
-                          <a:latin typeface="Arial" panose="020B0604020202020204" pitchFamily="34" charset="0"/>
-                        </a:rPr>
-                        <a:t> </a:t>
-                      </a:r>
-                    </a:p>
-                  </a:txBody>
-                  <a:tcPr marL="7421" marR="7421" marT="7421" marB="0" anchor="b">
-                    <a:lnL>
-                      <a:noFill/>
-                    </a:lnL>
-                    <a:lnR>
-                      <a:noFill/>
-                    </a:lnR>
-                    <a:lnT>
-                      <a:noFill/>
-                    </a:lnT>
-                    <a:lnB>
-                      <a:noFill/>
-                    </a:lnB>
-                    <a:solidFill>
-                      <a:srgbClr val="262626"/>
-                    </a:solidFill>
-                  </a:tcPr>
-                </a:tc>
-                <a:tc>
-                  <a:txBody>
-                    <a:bodyPr/>
-                    <a:lstStyle/>
-                    <a:p>
-                      <a:pPr algn="ctr" fontAlgn="b"/>
-                      <a:r>
-                        <a:rPr lang="fr-FR" sz="1800" b="0" i="0" u="none" strike="noStrike">
-                          <a:solidFill>
-                            <a:srgbClr val="FFFFFF"/>
-                          </a:solidFill>
-                          <a:effectLst/>
-                          <a:latin typeface="Arial" panose="020B0604020202020204" pitchFamily="34" charset="0"/>
-                        </a:rPr>
-                        <a:t>Infractions</a:t>
-                      </a:r>
-                    </a:p>
-                  </a:txBody>
-                  <a:tcPr marL="7421" marR="7421" marT="7421" marB="0" anchor="b">
-                    <a:lnL>
-                      <a:noFill/>
-                    </a:lnL>
-                    <a:lnR>
-                      <a:noFill/>
-                    </a:lnR>
-                    <a:lnT>
-                      <a:noFill/>
-                    </a:lnT>
-                    <a:lnB w="6350" cap="flat" cmpd="sng" algn="ctr">
-                      <a:solidFill>
-                        <a:srgbClr val="000000"/>
-                      </a:solidFill>
-                      <a:prstDash val="solid"/>
-                      <a:round/>
-                      <a:headEnd type="none" w="med" len="med"/>
-                      <a:tailEnd type="none" w="med" len="med"/>
-                    </a:lnB>
-                    <a:solidFill>
-                      <a:srgbClr val="262626"/>
-                    </a:solidFill>
-                  </a:tcPr>
-                </a:tc>
-                <a:tc>
-                  <a:txBody>
-                    <a:bodyPr/>
-                    <a:lstStyle/>
-                    <a:p>
-                      <a:pPr algn="ctr" fontAlgn="b"/>
-                      <a:r>
-                        <a:rPr lang="fr-FR" sz="1800" b="0" i="0" u="none" strike="noStrike">
-                          <a:solidFill>
-                            <a:srgbClr val="FFFFFF"/>
-                          </a:solidFill>
-                          <a:effectLst/>
-                          <a:latin typeface="Arial" panose="020B0604020202020204" pitchFamily="34" charset="0"/>
-                        </a:rPr>
-                        <a:t> </a:t>
-                      </a:r>
-                    </a:p>
-                  </a:txBody>
-                  <a:tcPr marL="7421" marR="7421" marT="7421" marB="0" anchor="b">
-                    <a:lnL>
-                      <a:noFill/>
-                    </a:lnL>
-                    <a:lnR>
-                      <a:noFill/>
-                    </a:lnR>
-                    <a:lnT>
-                      <a:noFill/>
-                    </a:lnT>
-                    <a:lnB w="6350" cap="flat" cmpd="sng" algn="ctr">
-                      <a:solidFill>
-                        <a:srgbClr val="000000"/>
-                      </a:solidFill>
-                      <a:prstDash val="solid"/>
-                      <a:round/>
-                      <a:headEnd type="none" w="med" len="med"/>
-                      <a:tailEnd type="none" w="med" len="med"/>
-                    </a:lnB>
-                    <a:solidFill>
-                      <a:srgbClr val="262626"/>
-                    </a:solidFill>
-                  </a:tcPr>
-                </a:tc>
-                <a:tc>
-                  <a:txBody>
-                    <a:bodyPr/>
-                    <a:lstStyle/>
-                    <a:p>
-                      <a:pPr algn="l" fontAlgn="b"/>
-                      <a:endParaRPr lang="fr-FR" sz="1200" b="0" i="0" u="none" strike="noStrike">
-                        <a:solidFill>
-                          <a:srgbClr val="000000"/>
-                        </a:solidFill>
-                        <a:effectLst/>
-                        <a:latin typeface="Arial" panose="020B0604020202020204" pitchFamily="34" charset="0"/>
-                      </a:endParaRPr>
-                    </a:p>
-                  </a:txBody>
-                  <a:tcPr marL="7421" marR="7421" marT="7421" marB="0" anchor="b">
-                    <a:lnL>
-                      <a:noFill/>
-                    </a:lnL>
-                    <a:lnR>
-                      <a:noFill/>
-                    </a:lnR>
-                    <a:lnT>
-                      <a:noFill/>
-                    </a:lnT>
-                    <a:lnB>
-                      <a:noFill/>
-                    </a:lnB>
-                  </a:tcPr>
-                </a:tc>
-                <a:tc>
-                  <a:txBody>
-                    <a:bodyPr/>
-                    <a:lstStyle/>
-                    <a:p>
-                      <a:pPr algn="l" fontAlgn="b"/>
-                      <a:endParaRPr lang="fr-FR" sz="1200" b="0" i="0" u="none" strike="noStrike">
-                        <a:solidFill>
-                          <a:srgbClr val="000000"/>
-                        </a:solidFill>
-                        <a:effectLst/>
-                        <a:latin typeface="Arial" panose="020B0604020202020204" pitchFamily="34" charset="0"/>
-                      </a:endParaRPr>
-                    </a:p>
-                  </a:txBody>
-                  <a:tcPr marL="7421" marR="7421" marT="7421" marB="0" anchor="b">
-                    <a:lnL>
-                      <a:noFill/>
-                    </a:lnL>
-                    <a:lnR>
-                      <a:noFill/>
-                    </a:lnR>
-                    <a:lnT>
-                      <a:noFill/>
-                    </a:lnT>
-                    <a:lnB>
-                      <a:noFill/>
-                    </a:lnB>
-                  </a:tcPr>
-                </a:tc>
-                <a:tc>
-                  <a:txBody>
-                    <a:bodyPr/>
-                    <a:lstStyle/>
-                    <a:p>
-                      <a:pPr algn="l" fontAlgn="b"/>
-                      <a:endParaRPr lang="fr-FR" sz="1200" b="0" i="0" u="none" strike="noStrike">
-                        <a:solidFill>
-                          <a:srgbClr val="000000"/>
-                        </a:solidFill>
-                        <a:effectLst/>
-                        <a:latin typeface="Arial" panose="020B0604020202020204" pitchFamily="34" charset="0"/>
-                      </a:endParaRPr>
-                    </a:p>
-                  </a:txBody>
-                  <a:tcPr marL="7421" marR="7421" marT="7421" marB="0" anchor="b">
-                    <a:lnL>
-                      <a:noFill/>
-                    </a:lnL>
-                    <a:lnR>
-                      <a:noFill/>
-                    </a:lnR>
-                    <a:lnT>
-                      <a:noFill/>
-                    </a:lnT>
-                    <a:lnB>
-                      <a:noFill/>
-                    </a:lnB>
-                  </a:tcPr>
-                </a:tc>
-                <a:extLst>
-                  <a:ext uri="{0D108BD9-81ED-4DB2-BD59-A6C34878D82A}">
-                    <a16:rowId xmlns:a16="http://schemas.microsoft.com/office/drawing/2014/main" val="2693020950"/>
-                  </a:ext>
-                </a:extLst>
-              </a:tr>
-              <a:tr h="192944">
-                <a:tc>
-                  <a:txBody>
-                    <a:bodyPr/>
-                    <a:lstStyle/>
-                    <a:p>
-                      <a:pPr algn="ctr" fontAlgn="b"/>
-                      <a:r>
-                        <a:rPr lang="fr-FR" sz="1200" b="1" i="0" u="none" strike="noStrike">
-                          <a:solidFill>
-                            <a:srgbClr val="FFFFFF"/>
-                          </a:solidFill>
-                          <a:effectLst/>
-                          <a:latin typeface="Arial" panose="020B0604020202020204" pitchFamily="34" charset="0"/>
-                        </a:rPr>
-                        <a:t>Avant</a:t>
-                      </a:r>
-                    </a:p>
-                  </a:txBody>
-                  <a:tcPr marL="7421" marR="7421" marT="7421" marB="0" anchor="b">
-                    <a:lnL>
-                      <a:noFill/>
-                    </a:lnL>
-                    <a:lnR w="6350" cap="flat" cmpd="sng" algn="ctr">
-                      <a:solidFill>
-                        <a:srgbClr val="000000"/>
-                      </a:solidFill>
-                      <a:prstDash val="solid"/>
-                      <a:round/>
-                      <a:headEnd type="none" w="med" len="med"/>
-                      <a:tailEnd type="none" w="med" len="med"/>
-                    </a:lnR>
-                    <a:lnT>
-                      <a:noFill/>
-                    </a:lnT>
-                    <a:lnB>
-                      <a:noFill/>
-                    </a:lnB>
-                    <a:solidFill>
-                      <a:srgbClr val="262626"/>
-                    </a:solidFill>
-                  </a:tcPr>
-                </a:tc>
-                <a:tc>
-                  <a:txBody>
-                    <a:bodyPr/>
-                    <a:lstStyle/>
-                    <a:p>
-                      <a:pPr algn="ctr" fontAlgn="b"/>
-                      <a:r>
-                        <a:rPr lang="fr-FR" sz="1200" b="0" i="0" u="none" strike="noStrike">
-                          <a:solidFill>
-                            <a:srgbClr val="000000"/>
-                          </a:solidFill>
-                          <a:effectLst/>
-                          <a:latin typeface="Arial" panose="020B0604020202020204" pitchFamily="34" charset="0"/>
-                        </a:rPr>
-                        <a:t>35</a:t>
-                      </a:r>
-                    </a:p>
-                  </a:txBody>
-                  <a:tcPr marL="7421" marR="7421" marT="7421" marB="0" anchor="b">
-                    <a:lnL w="6350" cap="flat" cmpd="sng" algn="ctr">
-                      <a:solidFill>
-                        <a:srgbClr val="000000"/>
-                      </a:solidFill>
-                      <a:prstDash val="solid"/>
-                      <a:round/>
-                      <a:headEnd type="none" w="med" len="med"/>
-                      <a:tailEnd type="none" w="med" len="med"/>
-                    </a:lnL>
-                    <a:lnR w="6350" cap="flat" cmpd="sng" algn="ctr">
-                      <a:solidFill>
-                        <a:srgbClr val="000000"/>
-                      </a:solidFill>
-                      <a:prstDash val="solid"/>
-                      <a:round/>
-                      <a:headEnd type="none" w="med" len="med"/>
-                      <a:tailEnd type="none" w="med" len="med"/>
-                    </a:lnR>
-                    <a:lnT w="6350" cap="flat" cmpd="sng" algn="ctr">
-                      <a:solidFill>
-                        <a:srgbClr val="000000"/>
-                      </a:solidFill>
-                      <a:prstDash val="solid"/>
-                      <a:round/>
-                      <a:headEnd type="none" w="med" len="med"/>
-                      <a:tailEnd type="none" w="med" len="med"/>
-                    </a:lnT>
-                    <a:lnB w="6350" cap="flat" cmpd="sng" algn="ctr">
-                      <a:solidFill>
-                        <a:srgbClr val="000000"/>
-                      </a:solidFill>
-                      <a:prstDash val="solid"/>
-                      <a:round/>
-                      <a:headEnd type="none" w="med" len="med"/>
-                      <a:tailEnd type="none" w="med" len="med"/>
-                    </a:lnB>
-                    <a:solidFill>
-                      <a:srgbClr val="FFC000"/>
-                    </a:solidFill>
-                  </a:tcPr>
-                </a:tc>
-                <a:tc>
-                  <a:txBody>
-                    <a:bodyPr/>
-                    <a:lstStyle/>
-                    <a:p>
-                      <a:pPr algn="ctr" fontAlgn="b"/>
-                      <a:r>
-                        <a:rPr lang="fr-FR" sz="1200" b="0" i="0" u="none" strike="noStrike">
-                          <a:solidFill>
-                            <a:srgbClr val="000000"/>
-                          </a:solidFill>
-                          <a:effectLst/>
-                          <a:latin typeface="Arial" panose="020B0604020202020204" pitchFamily="34" charset="0"/>
-                        </a:rPr>
-                        <a:t>Avant</a:t>
-                      </a:r>
-                    </a:p>
-                  </a:txBody>
-                  <a:tcPr marL="7421" marR="7421" marT="7421" marB="0" anchor="b">
-                    <a:lnL w="6350" cap="flat" cmpd="sng" algn="ctr">
-                      <a:solidFill>
-                        <a:srgbClr val="000000"/>
-                      </a:solidFill>
-                      <a:prstDash val="solid"/>
-                      <a:round/>
-                      <a:headEnd type="none" w="med" len="med"/>
-                      <a:tailEnd type="none" w="med" len="med"/>
-                    </a:lnL>
-                    <a:lnR w="6350" cap="flat" cmpd="sng" algn="ctr">
-                      <a:solidFill>
-                        <a:srgbClr val="000000"/>
-                      </a:solidFill>
-                      <a:prstDash val="solid"/>
-                      <a:round/>
-                      <a:headEnd type="none" w="med" len="med"/>
-                      <a:tailEnd type="none" w="med" len="med"/>
-                    </a:lnR>
-                    <a:lnT w="6350" cap="flat" cmpd="sng" algn="ctr">
-                      <a:solidFill>
-                        <a:srgbClr val="000000"/>
-                      </a:solidFill>
-                      <a:prstDash val="solid"/>
-                      <a:round/>
-                      <a:headEnd type="none" w="med" len="med"/>
-                      <a:tailEnd type="none" w="med" len="med"/>
-                    </a:lnT>
-                    <a:lnB w="6350" cap="flat" cmpd="sng" algn="ctr">
-                      <a:solidFill>
-                        <a:srgbClr val="000000"/>
-                      </a:solidFill>
-                      <a:prstDash val="solid"/>
-                      <a:round/>
-                      <a:headEnd type="none" w="med" len="med"/>
-                      <a:tailEnd type="none" w="med" len="med"/>
-                    </a:lnB>
-                    <a:solidFill>
-                      <a:srgbClr val="FFC000"/>
-                    </a:solidFill>
-                  </a:tcPr>
-                </a:tc>
-                <a:tc>
-                  <a:txBody>
-                    <a:bodyPr/>
-                    <a:lstStyle/>
-                    <a:p>
-                      <a:pPr algn="l" fontAlgn="b"/>
-                      <a:endParaRPr lang="fr-FR" sz="1200" b="0" i="0" u="none" strike="noStrike">
-                        <a:solidFill>
-                          <a:srgbClr val="000000"/>
-                        </a:solidFill>
-                        <a:effectLst/>
-                        <a:latin typeface="Arial" panose="020B0604020202020204" pitchFamily="34" charset="0"/>
-                      </a:endParaRPr>
-                    </a:p>
-                  </a:txBody>
-                  <a:tcPr marL="7421" marR="7421" marT="7421" marB="0" anchor="b">
-                    <a:lnL w="6350" cap="flat" cmpd="sng" algn="ctr">
-                      <a:solidFill>
-                        <a:srgbClr val="000000"/>
-                      </a:solidFill>
-                      <a:prstDash val="solid"/>
-                      <a:round/>
-                      <a:headEnd type="none" w="med" len="med"/>
-                      <a:tailEnd type="none" w="med" len="med"/>
-                    </a:lnL>
-                    <a:lnR>
-                      <a:noFill/>
-                    </a:lnR>
-                    <a:lnT>
-                      <a:noFill/>
-                    </a:lnT>
-                    <a:lnB>
-                      <a:noFill/>
-                    </a:lnB>
-                  </a:tcPr>
-                </a:tc>
-                <a:tc>
-                  <a:txBody>
-                    <a:bodyPr/>
-                    <a:lstStyle/>
-                    <a:p>
-                      <a:pPr algn="l" fontAlgn="b"/>
-                      <a:endParaRPr lang="fr-FR" sz="1200" b="0" i="0" u="none" strike="noStrike">
-                        <a:solidFill>
-                          <a:srgbClr val="000000"/>
-                        </a:solidFill>
-                        <a:effectLst/>
-                        <a:latin typeface="Arial" panose="020B0604020202020204" pitchFamily="34" charset="0"/>
-                      </a:endParaRPr>
-                    </a:p>
-                  </a:txBody>
-                  <a:tcPr marL="7421" marR="7421" marT="7421" marB="0" anchor="b">
-                    <a:lnL>
-                      <a:noFill/>
-                    </a:lnL>
-                    <a:lnR>
-                      <a:noFill/>
-                    </a:lnR>
-                    <a:lnT>
-                      <a:noFill/>
-                    </a:lnT>
-                    <a:lnB>
-                      <a:noFill/>
-                    </a:lnB>
-                  </a:tcPr>
-                </a:tc>
-                <a:tc>
-                  <a:txBody>
-                    <a:bodyPr/>
-                    <a:lstStyle/>
-                    <a:p>
-                      <a:pPr algn="l" fontAlgn="b"/>
-                      <a:endParaRPr lang="fr-FR" sz="1200" b="0" i="0" u="none" strike="noStrike">
-                        <a:solidFill>
-                          <a:srgbClr val="000000"/>
-                        </a:solidFill>
-                        <a:effectLst/>
-                        <a:latin typeface="Arial" panose="020B0604020202020204" pitchFamily="34" charset="0"/>
-                      </a:endParaRPr>
-                    </a:p>
-                  </a:txBody>
-                  <a:tcPr marL="7421" marR="7421" marT="7421" marB="0" anchor="b">
-                    <a:lnL>
-                      <a:noFill/>
-                    </a:lnL>
-                    <a:lnR>
-                      <a:noFill/>
-                    </a:lnR>
-                    <a:lnT>
-                      <a:noFill/>
-                    </a:lnT>
-                    <a:lnB>
-                      <a:noFill/>
-                    </a:lnB>
-                  </a:tcPr>
-                </a:tc>
-                <a:extLst>
-                  <a:ext uri="{0D108BD9-81ED-4DB2-BD59-A6C34878D82A}">
-                    <a16:rowId xmlns:a16="http://schemas.microsoft.com/office/drawing/2014/main" val="1966287066"/>
-                  </a:ext>
-                </a:extLst>
-              </a:tr>
-              <a:tr h="192944">
-                <a:tc>
-                  <a:txBody>
-                    <a:bodyPr/>
-                    <a:lstStyle/>
-                    <a:p>
-                      <a:pPr algn="ctr" fontAlgn="b"/>
-                      <a:r>
-                        <a:rPr lang="fr-FR" sz="1200" b="1" i="0" u="none" strike="noStrike">
-                          <a:solidFill>
-                            <a:srgbClr val="FFFFFF"/>
-                          </a:solidFill>
-                          <a:effectLst/>
-                          <a:latin typeface="Arial" panose="020B0604020202020204" pitchFamily="34" charset="0"/>
-                        </a:rPr>
-                        <a:t>Après</a:t>
-                      </a:r>
-                    </a:p>
-                  </a:txBody>
-                  <a:tcPr marL="7421" marR="7421" marT="7421" marB="0" anchor="b">
-                    <a:lnL>
-                      <a:noFill/>
-                    </a:lnL>
-                    <a:lnR w="6350" cap="flat" cmpd="sng" algn="ctr">
-                      <a:solidFill>
-                        <a:srgbClr val="000000"/>
-                      </a:solidFill>
-                      <a:prstDash val="solid"/>
-                      <a:round/>
-                      <a:headEnd type="none" w="med" len="med"/>
-                      <a:tailEnd type="none" w="med" len="med"/>
-                    </a:lnR>
-                    <a:lnT>
-                      <a:noFill/>
-                    </a:lnT>
-                    <a:lnB>
-                      <a:noFill/>
-                    </a:lnB>
-                    <a:solidFill>
-                      <a:srgbClr val="262626"/>
-                    </a:solidFill>
-                  </a:tcPr>
-                </a:tc>
-                <a:tc>
-                  <a:txBody>
-                    <a:bodyPr/>
-                    <a:lstStyle/>
-                    <a:p>
-                      <a:pPr algn="ctr" fontAlgn="b"/>
-                      <a:r>
-                        <a:rPr lang="fr-FR" sz="1200" b="0" i="0" u="none" strike="noStrike">
-                          <a:solidFill>
-                            <a:srgbClr val="000000"/>
-                          </a:solidFill>
-                          <a:effectLst/>
-                          <a:latin typeface="Arial" panose="020B0604020202020204" pitchFamily="34" charset="0"/>
-                        </a:rPr>
-                        <a:t>0</a:t>
-                      </a:r>
-                    </a:p>
-                  </a:txBody>
-                  <a:tcPr marL="7421" marR="7421" marT="7421" marB="0" anchor="b">
-                    <a:lnL w="6350" cap="flat" cmpd="sng" algn="ctr">
-                      <a:solidFill>
-                        <a:srgbClr val="000000"/>
-                      </a:solidFill>
-                      <a:prstDash val="solid"/>
-                      <a:round/>
-                      <a:headEnd type="none" w="med" len="med"/>
-                      <a:tailEnd type="none" w="med" len="med"/>
-                    </a:lnL>
-                    <a:lnR w="6350" cap="flat" cmpd="sng" algn="ctr">
-                      <a:solidFill>
-                        <a:srgbClr val="000000"/>
-                      </a:solidFill>
-                      <a:prstDash val="solid"/>
-                      <a:round/>
-                      <a:headEnd type="none" w="med" len="med"/>
-                      <a:tailEnd type="none" w="med" len="med"/>
-                    </a:lnR>
-                    <a:lnT w="6350" cap="flat" cmpd="sng" algn="ctr">
-                      <a:solidFill>
-                        <a:srgbClr val="000000"/>
-                      </a:solidFill>
-                      <a:prstDash val="solid"/>
-                      <a:round/>
-                      <a:headEnd type="none" w="med" len="med"/>
-                      <a:tailEnd type="none" w="med" len="med"/>
-                    </a:lnT>
-                    <a:lnB w="6350" cap="flat" cmpd="sng" algn="ctr">
-                      <a:solidFill>
-                        <a:srgbClr val="000000"/>
-                      </a:solidFill>
-                      <a:prstDash val="solid"/>
-                      <a:round/>
-                      <a:headEnd type="none" w="med" len="med"/>
-                      <a:tailEnd type="none" w="med" len="med"/>
-                    </a:lnB>
-                    <a:solidFill>
-                      <a:srgbClr val="92D050"/>
-                    </a:solidFill>
-                  </a:tcPr>
-                </a:tc>
-                <a:tc>
-                  <a:txBody>
-                    <a:bodyPr/>
-                    <a:lstStyle/>
-                    <a:p>
-                      <a:pPr algn="ctr" fontAlgn="b"/>
-                      <a:r>
-                        <a:rPr lang="fr-FR" sz="1200" b="0" i="0" u="none" strike="noStrike">
-                          <a:solidFill>
-                            <a:srgbClr val="000000"/>
-                          </a:solidFill>
-                          <a:effectLst/>
-                          <a:latin typeface="Arial" panose="020B0604020202020204" pitchFamily="34" charset="0"/>
-                        </a:rPr>
-                        <a:t>Après</a:t>
-                      </a:r>
-                    </a:p>
-                  </a:txBody>
-                  <a:tcPr marL="7421" marR="7421" marT="7421" marB="0" anchor="b">
-                    <a:lnL w="6350" cap="flat" cmpd="sng" algn="ctr">
-                      <a:solidFill>
-                        <a:srgbClr val="000000"/>
-                      </a:solidFill>
-                      <a:prstDash val="solid"/>
-                      <a:round/>
-                      <a:headEnd type="none" w="med" len="med"/>
-                      <a:tailEnd type="none" w="med" len="med"/>
-                    </a:lnL>
-                    <a:lnR w="6350" cap="flat" cmpd="sng" algn="ctr">
-                      <a:solidFill>
-                        <a:srgbClr val="000000"/>
-                      </a:solidFill>
-                      <a:prstDash val="solid"/>
-                      <a:round/>
-                      <a:headEnd type="none" w="med" len="med"/>
-                      <a:tailEnd type="none" w="med" len="med"/>
-                    </a:lnR>
-                    <a:lnT w="6350" cap="flat" cmpd="sng" algn="ctr">
-                      <a:solidFill>
-                        <a:srgbClr val="000000"/>
-                      </a:solidFill>
-                      <a:prstDash val="solid"/>
-                      <a:round/>
-                      <a:headEnd type="none" w="med" len="med"/>
-                      <a:tailEnd type="none" w="med" len="med"/>
-                    </a:lnT>
-                    <a:lnB w="6350" cap="flat" cmpd="sng" algn="ctr">
-                      <a:solidFill>
-                        <a:srgbClr val="000000"/>
-                      </a:solidFill>
-                      <a:prstDash val="solid"/>
-                      <a:round/>
-                      <a:headEnd type="none" w="med" len="med"/>
-                      <a:tailEnd type="none" w="med" len="med"/>
-                    </a:lnB>
-                    <a:solidFill>
-                      <a:srgbClr val="92D050"/>
-                    </a:solidFill>
-                  </a:tcPr>
-                </a:tc>
-                <a:tc>
-                  <a:txBody>
-                    <a:bodyPr/>
-                    <a:lstStyle/>
-                    <a:p>
-                      <a:pPr algn="l" fontAlgn="b"/>
-                      <a:endParaRPr lang="fr-FR" sz="1200" b="0" i="0" u="none" strike="noStrike">
-                        <a:solidFill>
-                          <a:srgbClr val="000000"/>
-                        </a:solidFill>
-                        <a:effectLst/>
-                        <a:latin typeface="Arial" panose="020B0604020202020204" pitchFamily="34" charset="0"/>
-                      </a:endParaRPr>
-                    </a:p>
-                  </a:txBody>
-                  <a:tcPr marL="7421" marR="7421" marT="7421" marB="0" anchor="b">
-                    <a:lnL w="6350" cap="flat" cmpd="sng" algn="ctr">
-                      <a:solidFill>
-                        <a:srgbClr val="000000"/>
-                      </a:solidFill>
-                      <a:prstDash val="solid"/>
-                      <a:round/>
-                      <a:headEnd type="none" w="med" len="med"/>
-                      <a:tailEnd type="none" w="med" len="med"/>
-                    </a:lnL>
-                    <a:lnR>
-                      <a:noFill/>
-                    </a:lnR>
-                    <a:lnT>
-                      <a:noFill/>
-                    </a:lnT>
-                    <a:lnB>
-                      <a:noFill/>
-                    </a:lnB>
-                  </a:tcPr>
-                </a:tc>
-                <a:tc>
-                  <a:txBody>
-                    <a:bodyPr/>
-                    <a:lstStyle/>
-                    <a:p>
-                      <a:pPr algn="l" fontAlgn="b"/>
-                      <a:endParaRPr lang="fr-FR" sz="1200" b="0" i="0" u="none" strike="noStrike">
-                        <a:solidFill>
-                          <a:srgbClr val="000000"/>
-                        </a:solidFill>
-                        <a:effectLst/>
-                        <a:latin typeface="Arial" panose="020B0604020202020204" pitchFamily="34" charset="0"/>
-                      </a:endParaRPr>
-                    </a:p>
-                  </a:txBody>
-                  <a:tcPr marL="7421" marR="7421" marT="7421" marB="0" anchor="b">
-                    <a:lnL>
-                      <a:noFill/>
-                    </a:lnL>
-                    <a:lnR>
-                      <a:noFill/>
-                    </a:lnR>
-                    <a:lnT>
-                      <a:noFill/>
-                    </a:lnT>
-                    <a:lnB>
-                      <a:noFill/>
-                    </a:lnB>
-                  </a:tcPr>
-                </a:tc>
-                <a:tc>
-                  <a:txBody>
-                    <a:bodyPr/>
-                    <a:lstStyle/>
-                    <a:p>
-                      <a:pPr algn="l" fontAlgn="b"/>
-                      <a:endParaRPr lang="fr-FR" sz="1200" b="0" i="0" u="none" strike="noStrike">
-                        <a:solidFill>
-                          <a:srgbClr val="000000"/>
-                        </a:solidFill>
-                        <a:effectLst/>
-                        <a:latin typeface="Arial" panose="020B0604020202020204" pitchFamily="34" charset="0"/>
-                      </a:endParaRPr>
-                    </a:p>
-                  </a:txBody>
-                  <a:tcPr marL="7421" marR="7421" marT="7421" marB="0" anchor="b">
-                    <a:lnL>
-                      <a:noFill/>
-                    </a:lnL>
-                    <a:lnR>
-                      <a:noFill/>
-                    </a:lnR>
-                    <a:lnT>
-                      <a:noFill/>
-                    </a:lnT>
-                    <a:lnB>
-                      <a:noFill/>
-                    </a:lnB>
-                  </a:tcPr>
-                </a:tc>
-                <a:extLst>
-                  <a:ext uri="{0D108BD9-81ED-4DB2-BD59-A6C34878D82A}">
-                    <a16:rowId xmlns:a16="http://schemas.microsoft.com/office/drawing/2014/main" val="1278790371"/>
-                  </a:ext>
-                </a:extLst>
-              </a:tr>
-              <a:tr h="192944">
-                <a:tc>
-                  <a:txBody>
-                    <a:bodyPr/>
-                    <a:lstStyle/>
-                    <a:p>
-                      <a:pPr algn="ctr" fontAlgn="b"/>
-                      <a:r>
-                        <a:rPr lang="fr-FR" sz="1200" b="1" i="0" u="none" strike="noStrike">
-                          <a:solidFill>
-                            <a:srgbClr val="FFFFFF"/>
-                          </a:solidFill>
-                          <a:effectLst/>
-                          <a:latin typeface="Arial" panose="020B0604020202020204" pitchFamily="34" charset="0"/>
-                        </a:rPr>
-                        <a:t>Total</a:t>
-                      </a:r>
-                    </a:p>
-                  </a:txBody>
-                  <a:tcPr marL="7421" marR="7421" marT="7421" marB="0" anchor="b">
-                    <a:lnL>
-                      <a:noFill/>
-                    </a:lnL>
-                    <a:lnR>
-                      <a:noFill/>
-                    </a:lnR>
-                    <a:lnT>
-                      <a:noFill/>
-                    </a:lnT>
-                    <a:lnB>
-                      <a:noFill/>
-                    </a:lnB>
-                    <a:solidFill>
-                      <a:srgbClr val="262626"/>
-                    </a:solidFill>
-                  </a:tcPr>
-                </a:tc>
-                <a:tc>
-                  <a:txBody>
-                    <a:bodyPr/>
-                    <a:lstStyle/>
-                    <a:p>
-                      <a:pPr algn="ctr" fontAlgn="b"/>
-                      <a:r>
-                        <a:rPr lang="fr-FR" sz="1200" b="1" i="0" u="none" strike="noStrike">
-                          <a:solidFill>
-                            <a:srgbClr val="FFFFFF"/>
-                          </a:solidFill>
-                          <a:effectLst/>
-                          <a:latin typeface="Arial" panose="020B0604020202020204" pitchFamily="34" charset="0"/>
-                        </a:rPr>
-                        <a:t>-35</a:t>
-                      </a:r>
-                    </a:p>
-                  </a:txBody>
-                  <a:tcPr marL="7421" marR="7421" marT="7421" marB="0" anchor="b">
-                    <a:lnL>
-                      <a:noFill/>
-                    </a:lnL>
-                    <a:lnR>
-                      <a:noFill/>
-                    </a:lnR>
-                    <a:lnT w="6350" cap="flat" cmpd="sng" algn="ctr">
-                      <a:solidFill>
-                        <a:srgbClr val="000000"/>
-                      </a:solidFill>
-                      <a:prstDash val="solid"/>
-                      <a:round/>
-                      <a:headEnd type="none" w="med" len="med"/>
-                      <a:tailEnd type="none" w="med" len="med"/>
-                    </a:lnT>
-                    <a:lnB>
-                      <a:noFill/>
-                    </a:lnB>
-                    <a:solidFill>
-                      <a:srgbClr val="262626"/>
-                    </a:solidFill>
-                  </a:tcPr>
-                </a:tc>
-                <a:tc>
-                  <a:txBody>
-                    <a:bodyPr/>
-                    <a:lstStyle/>
-                    <a:p>
-                      <a:pPr algn="ctr" fontAlgn="b"/>
-                      <a:r>
-                        <a:rPr lang="fr-FR" sz="1200" b="1" i="0" u="none" strike="noStrike">
-                          <a:solidFill>
-                            <a:srgbClr val="FFFFFF"/>
-                          </a:solidFill>
-                          <a:effectLst/>
-                          <a:latin typeface="Arial" panose="020B0604020202020204" pitchFamily="34" charset="0"/>
-                        </a:rPr>
-                        <a:t>Erreurs</a:t>
-                      </a:r>
-                    </a:p>
-                  </a:txBody>
-                  <a:tcPr marL="7421" marR="7421" marT="7421" marB="0" anchor="b">
-                    <a:lnL>
-                      <a:noFill/>
-                    </a:lnL>
-                    <a:lnR>
-                      <a:noFill/>
-                    </a:lnR>
-                    <a:lnT w="6350" cap="flat" cmpd="sng" algn="ctr">
-                      <a:solidFill>
-                        <a:srgbClr val="000000"/>
-                      </a:solidFill>
-                      <a:prstDash val="solid"/>
-                      <a:round/>
-                      <a:headEnd type="none" w="med" len="med"/>
-                      <a:tailEnd type="none" w="med" len="med"/>
-                    </a:lnT>
-                    <a:lnB>
-                      <a:noFill/>
-                    </a:lnB>
-                    <a:solidFill>
-                      <a:srgbClr val="262626"/>
-                    </a:solidFill>
-                  </a:tcPr>
-                </a:tc>
-                <a:tc>
-                  <a:txBody>
-                    <a:bodyPr/>
-                    <a:lstStyle/>
-                    <a:p>
-                      <a:pPr algn="l" fontAlgn="b"/>
-                      <a:endParaRPr lang="fr-FR" sz="1200" b="0" i="0" u="none" strike="noStrike">
-                        <a:solidFill>
-                          <a:srgbClr val="000000"/>
-                        </a:solidFill>
-                        <a:effectLst/>
-                        <a:latin typeface="Arial" panose="020B0604020202020204" pitchFamily="34" charset="0"/>
-                      </a:endParaRPr>
-                    </a:p>
-                  </a:txBody>
-                  <a:tcPr marL="7421" marR="7421" marT="7421" marB="0" anchor="b">
-                    <a:lnL>
-                      <a:noFill/>
-                    </a:lnL>
-                    <a:lnR>
-                      <a:noFill/>
-                    </a:lnR>
-                    <a:lnT>
-                      <a:noFill/>
-                    </a:lnT>
-                    <a:lnB>
-                      <a:noFill/>
-                    </a:lnB>
-                  </a:tcPr>
-                </a:tc>
-                <a:tc>
-                  <a:txBody>
-                    <a:bodyPr/>
-                    <a:lstStyle/>
-                    <a:p>
-                      <a:pPr algn="l" fontAlgn="b"/>
-                      <a:endParaRPr lang="fr-FR" sz="1200" b="0" i="0" u="none" strike="noStrike">
-                        <a:solidFill>
-                          <a:srgbClr val="000000"/>
-                        </a:solidFill>
-                        <a:effectLst/>
-                        <a:latin typeface="Arial" panose="020B0604020202020204" pitchFamily="34" charset="0"/>
-                      </a:endParaRPr>
-                    </a:p>
-                  </a:txBody>
-                  <a:tcPr marL="7421" marR="7421" marT="7421" marB="0" anchor="b">
-                    <a:lnL>
-                      <a:noFill/>
-                    </a:lnL>
-                    <a:lnR>
-                      <a:noFill/>
-                    </a:lnR>
-                    <a:lnT>
-                      <a:noFill/>
-                    </a:lnT>
-                    <a:lnB>
-                      <a:noFill/>
-                    </a:lnB>
-                  </a:tcPr>
-                </a:tc>
-                <a:tc>
-                  <a:txBody>
-                    <a:bodyPr/>
-                    <a:lstStyle/>
-                    <a:p>
-                      <a:pPr algn="l" fontAlgn="b"/>
-                      <a:endParaRPr lang="fr-FR" sz="1200" b="0" i="0" u="none" strike="noStrike" dirty="0">
-                        <a:solidFill>
-                          <a:srgbClr val="000000"/>
-                        </a:solidFill>
-                        <a:effectLst/>
-                        <a:latin typeface="Arial" panose="020B0604020202020204" pitchFamily="34" charset="0"/>
-                      </a:endParaRPr>
-                    </a:p>
-                  </a:txBody>
-                  <a:tcPr marL="7421" marR="7421" marT="7421" marB="0" anchor="b">
-                    <a:lnL>
-                      <a:noFill/>
-                    </a:lnL>
-                    <a:lnR>
-                      <a:noFill/>
-                    </a:lnR>
-                    <a:lnT>
-                      <a:noFill/>
-                    </a:lnT>
-                    <a:lnB>
-                      <a:noFill/>
-                    </a:lnB>
-                  </a:tcPr>
-                </a:tc>
-                <a:extLst>
-                  <a:ext uri="{0D108BD9-81ED-4DB2-BD59-A6C34878D82A}">
-                    <a16:rowId xmlns:a16="http://schemas.microsoft.com/office/drawing/2014/main" val="2478701290"/>
-                  </a:ext>
-                </a:extLst>
-              </a:tr>
-            </a:tbl>
-          </a:graphicData>
-        </a:graphic>
-      </p:graphicFrame>
-    </p:spTree>
-    <p:extLst>
-      <p:ext uri="{BB962C8B-B14F-4D97-AF65-F5344CB8AC3E}">
-        <p14:creationId xmlns:p14="http://schemas.microsoft.com/office/powerpoint/2010/main" val="3533239358"/>
-      </p:ext>
-    </p:extLst>
-  </p:cSld>
-  <p:clrMapOvr>
-    <a:overrideClrMapping bg1="lt1" tx1="dk1" bg2="lt2" tx2="dk2" accent1="accent1" accent2="accent2" accent3="accent3" accent4="accent4" accent5="accent5" accent6="accent6" hlink="hlink" folHlink="folHlink"/>
   </p:clrMapOvr>
   <mc:AlternateContent xmlns:mc="http://schemas.openxmlformats.org/markup-compatibility/2006" xmlns:p14="http://schemas.microsoft.com/office/powerpoint/2010/main">
     <mc:Choice Requires="p14">
